--- a/2022추계생물환경조절학회포스터(김솔아).pptx
+++ b/2022추계생물환경조절학회포스터(김솔아).pptx
@@ -197,7 +197,7 @@
           <a:p>
             <a:fld id="{B3F03B38-B074-4348-AC32-8BD5307827B7}" type="datetimeFigureOut">
               <a:rPr lang="ko-KR" altLang="en-US" smtClean="0"/>
-              <a:t>2022-09-30</a:t>
+              <a:t>2022-10-13</a:t>
             </a:fld>
             <a:endParaRPr lang="ko-KR" altLang="en-US"/>
           </a:p>
@@ -687,7 +687,7 @@
           <a:p>
             <a:fld id="{9DD42EB0-9B6E-4302-A06C-B97ABEF9E878}" type="datetimeFigureOut">
               <a:rPr lang="ko-KR" altLang="en-US" smtClean="0"/>
-              <a:t>2022-09-30</a:t>
+              <a:t>2022-10-13</a:t>
             </a:fld>
             <a:endParaRPr lang="ko-KR" altLang="en-US"/>
           </a:p>
@@ -857,7 +857,7 @@
           <a:p>
             <a:fld id="{9DD42EB0-9B6E-4302-A06C-B97ABEF9E878}" type="datetimeFigureOut">
               <a:rPr lang="ko-KR" altLang="en-US" smtClean="0"/>
-              <a:t>2022-09-30</a:t>
+              <a:t>2022-10-13</a:t>
             </a:fld>
             <a:endParaRPr lang="ko-KR" altLang="en-US"/>
           </a:p>
@@ -1037,7 +1037,7 @@
           <a:p>
             <a:fld id="{9DD42EB0-9B6E-4302-A06C-B97ABEF9E878}" type="datetimeFigureOut">
               <a:rPr lang="ko-KR" altLang="en-US" smtClean="0"/>
-              <a:t>2022-09-30</a:t>
+              <a:t>2022-10-13</a:t>
             </a:fld>
             <a:endParaRPr lang="ko-KR" altLang="en-US"/>
           </a:p>
@@ -1207,7 +1207,7 @@
           <a:p>
             <a:fld id="{9DD42EB0-9B6E-4302-A06C-B97ABEF9E878}" type="datetimeFigureOut">
               <a:rPr lang="ko-KR" altLang="en-US" smtClean="0"/>
-              <a:t>2022-09-30</a:t>
+              <a:t>2022-10-13</a:t>
             </a:fld>
             <a:endParaRPr lang="ko-KR" altLang="en-US"/>
           </a:p>
@@ -1451,7 +1451,7 @@
           <a:p>
             <a:fld id="{9DD42EB0-9B6E-4302-A06C-B97ABEF9E878}" type="datetimeFigureOut">
               <a:rPr lang="ko-KR" altLang="en-US" smtClean="0"/>
-              <a:t>2022-09-30</a:t>
+              <a:t>2022-10-13</a:t>
             </a:fld>
             <a:endParaRPr lang="ko-KR" altLang="en-US"/>
           </a:p>
@@ -1683,7 +1683,7 @@
           <a:p>
             <a:fld id="{9DD42EB0-9B6E-4302-A06C-B97ABEF9E878}" type="datetimeFigureOut">
               <a:rPr lang="ko-KR" altLang="en-US" smtClean="0"/>
-              <a:t>2022-09-30</a:t>
+              <a:t>2022-10-13</a:t>
             </a:fld>
             <a:endParaRPr lang="ko-KR" altLang="en-US"/>
           </a:p>
@@ -2050,7 +2050,7 @@
           <a:p>
             <a:fld id="{9DD42EB0-9B6E-4302-A06C-B97ABEF9E878}" type="datetimeFigureOut">
               <a:rPr lang="ko-KR" altLang="en-US" smtClean="0"/>
-              <a:t>2022-09-30</a:t>
+              <a:t>2022-10-13</a:t>
             </a:fld>
             <a:endParaRPr lang="ko-KR" altLang="en-US"/>
           </a:p>
@@ -2168,7 +2168,7 @@
           <a:p>
             <a:fld id="{9DD42EB0-9B6E-4302-A06C-B97ABEF9E878}" type="datetimeFigureOut">
               <a:rPr lang="ko-KR" altLang="en-US" smtClean="0"/>
-              <a:t>2022-09-30</a:t>
+              <a:t>2022-10-13</a:t>
             </a:fld>
             <a:endParaRPr lang="ko-KR" altLang="en-US"/>
           </a:p>
@@ -2263,7 +2263,7 @@
           <a:p>
             <a:fld id="{9DD42EB0-9B6E-4302-A06C-B97ABEF9E878}" type="datetimeFigureOut">
               <a:rPr lang="ko-KR" altLang="en-US" smtClean="0"/>
-              <a:t>2022-09-30</a:t>
+              <a:t>2022-10-13</a:t>
             </a:fld>
             <a:endParaRPr lang="ko-KR" altLang="en-US"/>
           </a:p>
@@ -2540,7 +2540,7 @@
           <a:p>
             <a:fld id="{9DD42EB0-9B6E-4302-A06C-B97ABEF9E878}" type="datetimeFigureOut">
               <a:rPr lang="ko-KR" altLang="en-US" smtClean="0"/>
-              <a:t>2022-09-30</a:t>
+              <a:t>2022-10-13</a:t>
             </a:fld>
             <a:endParaRPr lang="ko-KR" altLang="en-US"/>
           </a:p>
@@ -2797,7 +2797,7 @@
           <a:p>
             <a:fld id="{9DD42EB0-9B6E-4302-A06C-B97ABEF9E878}" type="datetimeFigureOut">
               <a:rPr lang="ko-KR" altLang="en-US" smtClean="0"/>
-              <a:t>2022-09-30</a:t>
+              <a:t>2022-10-13</a:t>
             </a:fld>
             <a:endParaRPr lang="ko-KR" altLang="en-US"/>
           </a:p>
@@ -3010,7 +3010,7 @@
           <a:p>
             <a:fld id="{9DD42EB0-9B6E-4302-A06C-B97ABEF9E878}" type="datetimeFigureOut">
               <a:rPr lang="ko-KR" altLang="en-US" smtClean="0"/>
-              <a:t>2022-09-30</a:t>
+              <a:t>2022-10-13</a:t>
             </a:fld>
             <a:endParaRPr lang="ko-KR" altLang="en-US"/>
           </a:p>
@@ -3429,8 +3429,8 @@
         </p:nvSpPr>
         <p:spPr>
           <a:xfrm>
-            <a:off x="400051" y="33847225"/>
-            <a:ext cx="31662016" cy="4345818"/>
+            <a:off x="335097" y="33417978"/>
+            <a:ext cx="15573409" cy="4903939"/>
           </a:xfrm>
           <a:prstGeom prst="roundRect">
             <a:avLst/>
@@ -3487,8 +3487,8 @@
         </p:nvSpPr>
         <p:spPr>
           <a:xfrm>
-            <a:off x="400050" y="26821257"/>
-            <a:ext cx="31662017" cy="6794483"/>
+            <a:off x="335097" y="20599885"/>
+            <a:ext cx="15573409" cy="8621714"/>
           </a:xfrm>
           <a:prstGeom prst="roundRect">
             <a:avLst/>
@@ -3545,8 +3545,8 @@
         </p:nvSpPr>
         <p:spPr>
           <a:xfrm>
-            <a:off x="400050" y="9047627"/>
-            <a:ext cx="15525164" cy="10060320"/>
+            <a:off x="335097" y="8618381"/>
+            <a:ext cx="15525164" cy="5532760"/>
           </a:xfrm>
           <a:prstGeom prst="roundRect">
             <a:avLst/>
@@ -3603,8 +3603,8 @@
         </p:nvSpPr>
         <p:spPr>
           <a:xfrm>
-            <a:off x="400050" y="19309160"/>
-            <a:ext cx="15573409" cy="7247105"/>
+            <a:off x="335097" y="14323149"/>
+            <a:ext cx="15573409" cy="6136551"/>
           </a:xfrm>
           <a:prstGeom prst="roundRect">
             <a:avLst/>
@@ -3661,8 +3661,8 @@
         </p:nvSpPr>
         <p:spPr>
           <a:xfrm>
-            <a:off x="16224356" y="9011795"/>
-            <a:ext cx="15837711" cy="17553931"/>
+            <a:off x="16159403" y="8582549"/>
+            <a:ext cx="15837711" cy="19604757"/>
           </a:xfrm>
           <a:prstGeom prst="roundRect">
             <a:avLst/>
@@ -4007,7 +4007,7 @@
         </p:nvGrpSpPr>
         <p:grpSpPr>
           <a:xfrm>
-            <a:off x="2827489" y="5916122"/>
+            <a:off x="2852506" y="5675173"/>
             <a:ext cx="26417577" cy="2674269"/>
             <a:chOff x="1961489" y="8416218"/>
             <a:chExt cx="28819175" cy="2917385"/>
@@ -4647,7 +4647,7 @@
         </p:nvGrpSpPr>
         <p:grpSpPr>
           <a:xfrm>
-            <a:off x="5143556" y="9397802"/>
+            <a:off x="5078603" y="8968556"/>
             <a:ext cx="6230289" cy="688137"/>
             <a:chOff x="-27702" y="10180257"/>
             <a:chExt cx="6796679" cy="750696"/>
@@ -4793,7 +4793,7 @@
         </p:nvGrpSpPr>
         <p:grpSpPr>
           <a:xfrm>
-            <a:off x="5119599" y="19473621"/>
+            <a:off x="4988298" y="14656419"/>
             <a:ext cx="6218761" cy="697952"/>
             <a:chOff x="-15126" y="19871914"/>
             <a:chExt cx="6784103" cy="761401"/>
@@ -4939,7 +4939,7 @@
         </p:nvGrpSpPr>
         <p:grpSpPr>
           <a:xfrm>
-            <a:off x="20689496" y="9278672"/>
+            <a:off x="20624543" y="8849426"/>
             <a:ext cx="6218761" cy="772776"/>
             <a:chOff x="-15126" y="29457655"/>
             <a:chExt cx="6784103" cy="843029"/>
@@ -5080,9 +5080,9 @@
         </p:nvGrpSpPr>
         <p:grpSpPr>
           <a:xfrm>
-            <a:off x="13192221" y="33963575"/>
+            <a:off x="5367414" y="33674513"/>
             <a:ext cx="6219313" cy="772776"/>
-            <a:chOff x="-9280" y="33214904"/>
+            <a:chOff x="-9280" y="33214924"/>
             <a:chExt cx="6784705" cy="843028"/>
           </a:xfrm>
         </p:grpSpPr>
@@ -5094,7 +5094,7 @@
           </p:nvSpPr>
           <p:spPr>
             <a:xfrm>
-              <a:off x="-9280" y="33214904"/>
+              <a:off x="-9280" y="33214924"/>
               <a:ext cx="6746062" cy="843028"/>
             </a:xfrm>
             <a:prstGeom prst="rect">
@@ -5221,8 +5221,8 @@
         </p:nvSpPr>
         <p:spPr>
           <a:xfrm>
-            <a:off x="16323995" y="10247906"/>
-            <a:ext cx="15010872" cy="10082184"/>
+            <a:off x="16248424" y="9628277"/>
+            <a:ext cx="15010872" cy="9532610"/>
           </a:xfrm>
           <a:prstGeom prst="rect">
             <a:avLst/>
@@ -5242,7 +5242,7 @@
               <a:defRPr/>
             </a:pPr>
             <a:r>
-              <a:rPr lang="en-US" altLang="ko-KR" sz="3300" b="1" dirty="0">
+              <a:rPr lang="en-US" altLang="ko-KR" sz="3450" b="1" dirty="0">
                 <a:solidFill>
                   <a:srgbClr val="56296E"/>
                 </a:solidFill>
@@ -5255,10 +5255,10 @@
                 <a:ea typeface="한컴산뜻돋움" panose="02000000000000000000" pitchFamily="2" charset="-127"/>
                 <a:cs typeface="Arial Unicode MS" panose="020B0600000101010101" charset="-127"/>
               </a:rPr>
-              <a:t>Hardware </a:t>
-            </a:r>
-            <a:r>
-              <a:rPr lang="en-US" altLang="ko-KR" sz="3300" b="1" dirty="0" err="1">
+              <a:t>Hardware and Software </a:t>
+            </a:r>
+            <a:r>
+              <a:rPr lang="en-US" altLang="ko-KR" sz="3450" b="1" dirty="0" err="1">
                 <a:solidFill>
                   <a:srgbClr val="56296E"/>
                 </a:solidFill>
@@ -5274,7 +5274,7 @@
               <a:t>Configuaration</a:t>
             </a:r>
             <a:r>
-              <a:rPr lang="en-US" altLang="ko-KR" sz="3300" b="1" dirty="0">
+              <a:rPr lang="en-US" altLang="ko-KR" sz="3450" b="1" dirty="0">
                 <a:solidFill>
                   <a:srgbClr val="56296E"/>
                 </a:solidFill>
@@ -5298,498 +5298,501 @@
               <a:defRPr/>
             </a:pPr>
             <a:r>
-              <a:rPr lang="ko-KR" altLang="en-US" sz="3000" dirty="0">
+              <a:rPr lang="ko-KR" altLang="en-US" sz="3000" b="1" dirty="0">
                 <a:ea typeface="한컴산뜻돋움" panose="02000000000000000000" pitchFamily="2" charset="-127"/>
               </a:rPr>
               <a:t>하드웨어의 각 부분의 탈부착과 수리 및 교체가 용이하도록 </a:t>
             </a:r>
             <a:r>
-              <a:rPr lang="ko-KR" altLang="en-US" sz="3000" dirty="0" err="1">
+              <a:rPr lang="ko-KR" altLang="en-US" sz="3000" b="1" dirty="0" err="1">
                 <a:ea typeface="한컴산뜻돋움" panose="02000000000000000000" pitchFamily="2" charset="-127"/>
               </a:rPr>
               <a:t>아두이노</a:t>
             </a:r>
             <a:r>
-              <a:rPr lang="en-US" altLang="ko-KR" sz="3000" dirty="0">
+              <a:rPr lang="en-US" altLang="ko-KR" sz="3000" b="1" dirty="0">
                 <a:ea typeface="한컴산뜻돋움" panose="02000000000000000000" pitchFamily="2" charset="-127"/>
               </a:rPr>
               <a:t>(Arduino)</a:t>
             </a:r>
             <a:r>
-              <a:rPr lang="ko-KR" altLang="en-US" sz="3000" dirty="0">
+              <a:rPr lang="ko-KR" altLang="en-US" sz="3000" b="1" dirty="0">
                 <a:ea typeface="한컴산뜻돋움" panose="02000000000000000000" pitchFamily="2" charset="-127"/>
               </a:rPr>
               <a:t>를 </a:t>
             </a:r>
             <a:r>
-              <a:rPr lang="en-US" altLang="ko-KR" sz="3000" dirty="0">
+              <a:rPr lang="en-US" altLang="ko-KR" sz="3000" b="1" dirty="0">
                 <a:ea typeface="한컴산뜻돋움" panose="02000000000000000000" pitchFamily="2" charset="-127"/>
               </a:rPr>
               <a:t>H/W </a:t>
             </a:r>
             <a:r>
-              <a:rPr lang="ko-KR" altLang="en-US" sz="3000" dirty="0">
+              <a:rPr lang="ko-KR" altLang="en-US" sz="3000" b="1" dirty="0">
                 <a:ea typeface="한컴산뜻돋움" panose="02000000000000000000" pitchFamily="2" charset="-127"/>
               </a:rPr>
               <a:t>플랫폼으로</a:t>
             </a:r>
             <a:r>
-              <a:rPr lang="en-US" altLang="ko-KR" sz="3000" dirty="0">
+              <a:rPr lang="en-US" altLang="ko-KR" sz="3000" b="1" dirty="0">
                 <a:ea typeface="한컴산뜻돋움" panose="02000000000000000000" pitchFamily="2" charset="-127"/>
               </a:rPr>
               <a:t>, </a:t>
             </a:r>
             <a:r>
-              <a:rPr lang="ko-KR" altLang="en-US" sz="3000" dirty="0">
+              <a:rPr lang="ko-KR" altLang="en-US" sz="3000" b="1" dirty="0">
                 <a:ea typeface="한컴산뜻돋움" panose="02000000000000000000" pitchFamily="2" charset="-127"/>
               </a:rPr>
               <a:t>여러 가지 알고리즘 구현 및 정보 통신을 위하여 </a:t>
             </a:r>
             <a:r>
-              <a:rPr lang="ko-KR" altLang="en-US" sz="3000" dirty="0" err="1">
+              <a:rPr lang="ko-KR" altLang="en-US" sz="3000" b="1" dirty="0" err="1">
                 <a:ea typeface="한컴산뜻돋움" panose="02000000000000000000" pitchFamily="2" charset="-127"/>
               </a:rPr>
               <a:t>라즈베리파이를</a:t>
             </a:r>
             <a:r>
-              <a:rPr lang="ko-KR" altLang="en-US" sz="3000" dirty="0">
+              <a:rPr lang="ko-KR" altLang="en-US" sz="3000" b="1" dirty="0">
                 <a:ea typeface="한컴산뜻돋움" panose="02000000000000000000" pitchFamily="2" charset="-127"/>
               </a:rPr>
               <a:t> </a:t>
             </a:r>
             <a:r>
-              <a:rPr lang="en-US" altLang="ko-KR" sz="3000" dirty="0">
+              <a:rPr lang="en-US" altLang="ko-KR" sz="3000" b="1" dirty="0">
                 <a:ea typeface="한컴산뜻돋움" panose="02000000000000000000" pitchFamily="2" charset="-127"/>
               </a:rPr>
               <a:t>S/W </a:t>
             </a:r>
             <a:r>
-              <a:rPr lang="ko-KR" altLang="en-US" sz="3000" dirty="0">
+              <a:rPr lang="ko-KR" altLang="en-US" sz="3000" b="1" dirty="0">
                 <a:ea typeface="한컴산뜻돋움" panose="02000000000000000000" pitchFamily="2" charset="-127"/>
               </a:rPr>
               <a:t>플랫폼으로 구성하였다</a:t>
             </a:r>
             <a:r>
-              <a:rPr lang="en-US" altLang="ko-KR" sz="3000" dirty="0">
+              <a:rPr lang="en-US" altLang="ko-KR" sz="3000" b="1" dirty="0">
                 <a:ea typeface="한컴산뜻돋움" panose="02000000000000000000" pitchFamily="2" charset="-127"/>
               </a:rPr>
               <a:t>. </a:t>
             </a:r>
             <a:r>
-              <a:rPr lang="ko-KR" altLang="en-US" sz="3000" dirty="0">
+              <a:rPr lang="ko-KR" altLang="en-US" sz="3000" b="1" dirty="0">
                 <a:ea typeface="한컴산뜻돋움" panose="02000000000000000000" pitchFamily="2" charset="-127"/>
               </a:rPr>
               <a:t>이를 통해 원격에서 인터넷을 통하여 </a:t>
             </a:r>
             <a:r>
-              <a:rPr lang="en-US" altLang="ko-KR" sz="3000" dirty="0">
+              <a:rPr lang="en-US" altLang="ko-KR" sz="3000" b="1" dirty="0">
                 <a:ea typeface="한컴산뜻돋움" panose="02000000000000000000" pitchFamily="2" charset="-127"/>
               </a:rPr>
               <a:t>S/W </a:t>
             </a:r>
             <a:r>
-              <a:rPr lang="ko-KR" altLang="en-US" sz="3000" dirty="0">
+              <a:rPr lang="ko-KR" altLang="en-US" sz="3000" b="1" dirty="0">
                 <a:ea typeface="한컴산뜻돋움" panose="02000000000000000000" pitchFamily="2" charset="-127"/>
               </a:rPr>
               <a:t>플랫폼에 접속이 가능하고</a:t>
             </a:r>
             <a:r>
-              <a:rPr lang="en-US" altLang="ko-KR" sz="3000" dirty="0">
+              <a:rPr lang="en-US" altLang="ko-KR" sz="3000" b="1" dirty="0">
                 <a:ea typeface="한컴산뜻돋움" panose="02000000000000000000" pitchFamily="2" charset="-127"/>
               </a:rPr>
               <a:t>, </a:t>
             </a:r>
             <a:r>
-              <a:rPr lang="ko-KR" altLang="en-US" sz="3000" dirty="0">
+              <a:rPr lang="ko-KR" altLang="en-US" sz="3000" b="1" dirty="0">
                 <a:ea typeface="한컴산뜻돋움" panose="02000000000000000000" pitchFamily="2" charset="-127"/>
               </a:rPr>
               <a:t>제어 알고리즘을 수정할 수 있다</a:t>
             </a:r>
             <a:r>
-              <a:rPr lang="en-US" altLang="ko-KR" sz="3000" dirty="0">
+              <a:rPr lang="en-US" altLang="ko-KR" sz="3000" b="1" dirty="0">
                 <a:ea typeface="한컴산뜻돋움" panose="02000000000000000000" pitchFamily="2" charset="-127"/>
               </a:rPr>
               <a:t>. </a:t>
             </a:r>
             <a:r>
-              <a:rPr lang="ko-KR" altLang="en-US" sz="3000" dirty="0">
+              <a:rPr lang="ko-KR" altLang="en-US" sz="3000" b="1" dirty="0">
                 <a:ea typeface="한컴산뜻돋움" panose="02000000000000000000" pitchFamily="2" charset="-127"/>
               </a:rPr>
               <a:t>또한 </a:t>
             </a:r>
             <a:r>
-              <a:rPr lang="en-US" altLang="ko-KR" sz="3000" dirty="0">
+              <a:rPr lang="en-US" altLang="ko-KR" sz="3000" b="1" dirty="0">
                 <a:ea typeface="한컴산뜻돋움" panose="02000000000000000000" pitchFamily="2" charset="-127"/>
               </a:rPr>
               <a:t>H/W </a:t>
             </a:r>
             <a:r>
-              <a:rPr lang="ko-KR" altLang="en-US" sz="3000" dirty="0">
+              <a:rPr lang="ko-KR" altLang="en-US" sz="3000" b="1" dirty="0">
                 <a:ea typeface="한컴산뜻돋움" panose="02000000000000000000" pitchFamily="2" charset="-127"/>
               </a:rPr>
               <a:t>플랫폼을 통해 다양한 센서와 제어장치를 알고리즘에 따라 운영될 수 있도록 구성하였다</a:t>
             </a:r>
             <a:r>
-              <a:rPr lang="en-US" altLang="ko-KR" sz="3000" dirty="0">
+              <a:rPr lang="en-US" altLang="ko-KR" sz="3000" b="1" dirty="0">
                 <a:ea typeface="한컴산뜻돋움" panose="02000000000000000000" pitchFamily="2" charset="-127"/>
               </a:rPr>
               <a:t>. </a:t>
             </a:r>
             <a:r>
-              <a:rPr lang="ko-KR" altLang="en-US" sz="3000" dirty="0">
+              <a:rPr lang="ko-KR" altLang="en-US" sz="3000" b="1" dirty="0">
                 <a:ea typeface="한컴산뜻돋움" panose="02000000000000000000" pitchFamily="2" charset="-127"/>
               </a:rPr>
               <a:t>제안하는 챔버는 재배환경은 실제 환경이나 </a:t>
             </a:r>
             <a:r>
-              <a:rPr lang="ko-KR" altLang="en-US" sz="3000" dirty="0" err="1">
+              <a:rPr lang="ko-KR" altLang="en-US" sz="3000" b="1" dirty="0" err="1">
                 <a:ea typeface="한컴산뜻돋움" panose="02000000000000000000" pitchFamily="2" charset="-127"/>
               </a:rPr>
               <a:t>생장챔버에</a:t>
             </a:r>
             <a:r>
-              <a:rPr lang="ko-KR" altLang="en-US" sz="3000" dirty="0">
+              <a:rPr lang="ko-KR" altLang="en-US" sz="3000" b="1" dirty="0">
                 <a:ea typeface="한컴산뜻돋움" panose="02000000000000000000" pitchFamily="2" charset="-127"/>
               </a:rPr>
               <a:t> 시스템을 붙일 수 있음을 가정하고</a:t>
             </a:r>
             <a:r>
-              <a:rPr lang="en-US" altLang="ko-KR" sz="3000" dirty="0">
+              <a:rPr lang="en-US" altLang="ko-KR" sz="3000" b="1" dirty="0">
                 <a:ea typeface="한컴산뜻돋움" panose="02000000000000000000" pitchFamily="2" charset="-127"/>
               </a:rPr>
               <a:t>, </a:t>
             </a:r>
             <a:r>
-              <a:rPr lang="ko-KR" altLang="en-US" sz="3000" dirty="0">
+              <a:rPr lang="ko-KR" altLang="en-US" sz="3000" b="1" dirty="0">
                 <a:ea typeface="한컴산뜻돋움" panose="02000000000000000000" pitchFamily="2" charset="-127"/>
               </a:rPr>
               <a:t>통신</a:t>
             </a:r>
             <a:r>
-              <a:rPr lang="en-US" altLang="ko-KR" sz="3000" dirty="0">
+              <a:rPr lang="en-US" altLang="ko-KR" sz="3000" b="1" dirty="0">
                 <a:ea typeface="한컴산뜻돋움" panose="02000000000000000000" pitchFamily="2" charset="-127"/>
               </a:rPr>
               <a:t>, </a:t>
             </a:r>
             <a:r>
-              <a:rPr lang="ko-KR" altLang="en-US" sz="3000" dirty="0">
+              <a:rPr lang="ko-KR" altLang="en-US" sz="3000" b="1" dirty="0">
                 <a:ea typeface="한컴산뜻돋움" panose="02000000000000000000" pitchFamily="2" charset="-127"/>
               </a:rPr>
               <a:t>제어</a:t>
             </a:r>
             <a:r>
-              <a:rPr lang="en-US" altLang="ko-KR" sz="3000" dirty="0">
+              <a:rPr lang="en-US" altLang="ko-KR" sz="3000" b="1" dirty="0">
                 <a:ea typeface="한컴산뜻돋움" panose="02000000000000000000" pitchFamily="2" charset="-127"/>
               </a:rPr>
               <a:t>, </a:t>
             </a:r>
             <a:r>
-              <a:rPr lang="ko-KR" altLang="en-US" sz="3000" dirty="0">
+              <a:rPr lang="ko-KR" altLang="en-US" sz="3000" b="1" dirty="0">
                 <a:ea typeface="한컴산뜻돋움" panose="02000000000000000000" pitchFamily="2" charset="-127"/>
               </a:rPr>
               <a:t>알고리즘에 초점을 맞출 수 있도록 파일럿 시스템을 간소화된 크기로 제작하였다</a:t>
             </a:r>
             <a:r>
-              <a:rPr lang="en-US" altLang="ko-KR" sz="3000" dirty="0">
+              <a:rPr lang="en-US" altLang="ko-KR" sz="3000" b="1" dirty="0">
+                <a:ea typeface="한컴산뜻돋움" panose="02000000000000000000" pitchFamily="2" charset="-127"/>
+              </a:rPr>
+              <a:t>.</a:t>
+            </a:r>
+          </a:p>
+          <a:p>
+            <a:pPr lvl="2" algn="just">
+              <a:lnSpc>
+                <a:spcPct val="120000"/>
+              </a:lnSpc>
+              <a:defRPr/>
+            </a:pPr>
+            <a:r>
+              <a:rPr lang="ko-KR" altLang="en-US" sz="3000" b="1" dirty="0">
+                <a:ea typeface="한컴산뜻돋움" panose="02000000000000000000" pitchFamily="2" charset="-127"/>
+              </a:rPr>
+              <a:t>미니 챔버는 아크릴로 제작했고 </a:t>
+            </a:r>
+            <a:r>
+              <a:rPr lang="ko-KR" altLang="en-US" sz="3000" b="1" dirty="0" err="1">
+                <a:ea typeface="한컴산뜻돋움" panose="02000000000000000000" pitchFamily="2" charset="-127"/>
+              </a:rPr>
+              <a:t>온습도</a:t>
+            </a:r>
+            <a:r>
+              <a:rPr lang="ko-KR" altLang="en-US" sz="3000" b="1" dirty="0">
+                <a:ea typeface="한컴산뜻돋움" panose="02000000000000000000" pitchFamily="2" charset="-127"/>
+              </a:rPr>
+              <a:t> 센서</a:t>
+            </a:r>
+            <a:r>
+              <a:rPr lang="en-US" altLang="ko-KR" sz="3000" b="1" dirty="0">
+                <a:ea typeface="한컴산뜻돋움" panose="02000000000000000000" pitchFamily="2" charset="-127"/>
+              </a:rPr>
+              <a:t>, </a:t>
+            </a:r>
+            <a:r>
+              <a:rPr lang="ko-KR" altLang="en-US" sz="3000" b="1" dirty="0">
+                <a:ea typeface="한컴산뜻돋움" panose="02000000000000000000" pitchFamily="2" charset="-127"/>
+              </a:rPr>
+              <a:t>조도 센서</a:t>
+            </a:r>
+            <a:r>
+              <a:rPr lang="en-US" altLang="ko-KR" sz="3000" b="1" dirty="0">
+                <a:ea typeface="한컴산뜻돋움" panose="02000000000000000000" pitchFamily="2" charset="-127"/>
+              </a:rPr>
+              <a:t>(</a:t>
+            </a:r>
+            <a:r>
+              <a:rPr lang="en-US" altLang="ko-KR" sz="3000" b="1" dirty="0" err="1">
+                <a:ea typeface="한컴산뜻돋움" panose="02000000000000000000" pitchFamily="2" charset="-127"/>
+              </a:rPr>
+              <a:t>CdS</a:t>
+            </a:r>
+            <a:r>
+              <a:rPr lang="en-US" altLang="ko-KR" sz="3000" b="1" dirty="0">
+                <a:ea typeface="한컴산뜻돋움" panose="02000000000000000000" pitchFamily="2" charset="-127"/>
+              </a:rPr>
+              <a:t>), </a:t>
+            </a:r>
+            <a:r>
+              <a:rPr lang="ko-KR" altLang="en-US" sz="3000" b="1" dirty="0">
+                <a:ea typeface="한컴산뜻돋움" panose="02000000000000000000" pitchFamily="2" charset="-127"/>
+              </a:rPr>
+              <a:t>토양 </a:t>
+            </a:r>
+            <a:r>
+              <a:rPr lang="ko-KR" altLang="en-US" sz="3000" b="1" dirty="0" err="1">
+                <a:ea typeface="한컴산뜻돋움" panose="02000000000000000000" pitchFamily="2" charset="-127"/>
+              </a:rPr>
+              <a:t>유수분</a:t>
+            </a:r>
+            <a:r>
+              <a:rPr lang="ko-KR" altLang="en-US" sz="3000" b="1" dirty="0">
+                <a:ea typeface="한컴산뜻돋움" panose="02000000000000000000" pitchFamily="2" charset="-127"/>
+              </a:rPr>
+              <a:t> 센서</a:t>
+            </a:r>
+            <a:r>
+              <a:rPr lang="en-US" altLang="ko-KR" sz="3000" b="1" dirty="0">
+                <a:ea typeface="한컴산뜻돋움" panose="02000000000000000000" pitchFamily="2" charset="-127"/>
+              </a:rPr>
+              <a:t>, CO2 </a:t>
+            </a:r>
+            <a:r>
+              <a:rPr lang="ko-KR" altLang="en-US" sz="3000" b="1" dirty="0">
+                <a:ea typeface="한컴산뜻돋움" panose="02000000000000000000" pitchFamily="2" charset="-127"/>
+              </a:rPr>
+              <a:t>센서 등 스마트 온실 운영에 필요한 구성센서들을 설치하고</a:t>
+            </a:r>
+            <a:r>
+              <a:rPr lang="en-US" altLang="ko-KR" sz="3000" b="1" dirty="0">
+                <a:ea typeface="한컴산뜻돋움" panose="02000000000000000000" pitchFamily="2" charset="-127"/>
+              </a:rPr>
+              <a:t>, </a:t>
+            </a:r>
+            <a:r>
+              <a:rPr lang="ko-KR" altLang="en-US" sz="3000" b="1" dirty="0">
+                <a:ea typeface="한컴산뜻돋움" panose="02000000000000000000" pitchFamily="2" charset="-127"/>
+              </a:rPr>
+              <a:t>챔버 외부에 부착한 마이크로 컨트롤러</a:t>
+            </a:r>
+            <a:r>
+              <a:rPr lang="en-US" altLang="ko-KR" sz="3000" b="1" dirty="0">
+                <a:ea typeface="한컴산뜻돋움" panose="02000000000000000000" pitchFamily="2" charset="-127"/>
+              </a:rPr>
+              <a:t>(Arduino Mega)</a:t>
+            </a:r>
+            <a:r>
+              <a:rPr lang="ko-KR" altLang="en-US" sz="3000" b="1" dirty="0">
+                <a:ea typeface="한컴산뜻돋움" panose="02000000000000000000" pitchFamily="2" charset="-127"/>
+              </a:rPr>
+              <a:t>에 연결해 챔버 센서 측정 및 제어 장비를 운용할 수 있도록 하였다</a:t>
+            </a:r>
+            <a:r>
+              <a:rPr lang="en-US" altLang="ko-KR" sz="3000" b="1" dirty="0">
                 <a:ea typeface="한컴산뜻돋움" panose="02000000000000000000" pitchFamily="2" charset="-127"/>
               </a:rPr>
               <a:t>. </a:t>
             </a:r>
             <a:r>
-              <a:rPr lang="ko-KR" altLang="en-US" sz="3000" dirty="0">
-                <a:ea typeface="한컴산뜻돋움" panose="02000000000000000000" pitchFamily="2" charset="-127"/>
-              </a:rPr>
-              <a:t>미니 챔버는 아크릴로 제작했고 </a:t>
-            </a:r>
-            <a:r>
-              <a:rPr lang="ko-KR" altLang="en-US" sz="3000" dirty="0" err="1">
-                <a:ea typeface="한컴산뜻돋움" panose="02000000000000000000" pitchFamily="2" charset="-127"/>
-              </a:rPr>
-              <a:t>온습도</a:t>
-            </a:r>
-            <a:r>
-              <a:rPr lang="ko-KR" altLang="en-US" sz="3000" dirty="0">
-                <a:ea typeface="한컴산뜻돋움" panose="02000000000000000000" pitchFamily="2" charset="-127"/>
-              </a:rPr>
-              <a:t> 센서</a:t>
-            </a:r>
-            <a:r>
-              <a:rPr lang="en-US" altLang="ko-KR" sz="3000" dirty="0">
+              <a:rPr lang="ko-KR" altLang="en-US" sz="3000" b="1" dirty="0">
+                <a:ea typeface="한컴산뜻돋움" panose="02000000000000000000" pitchFamily="2" charset="-127"/>
+              </a:rPr>
+              <a:t>센서에서 측정된 데이터는 </a:t>
+            </a:r>
+            <a:r>
+              <a:rPr lang="ko-KR" altLang="en-US" sz="3000" b="1" dirty="0" err="1">
+                <a:ea typeface="한컴산뜻돋움" panose="02000000000000000000" pitchFamily="2" charset="-127"/>
+              </a:rPr>
+              <a:t>아두이노에</a:t>
+            </a:r>
+            <a:r>
+              <a:rPr lang="ko-KR" altLang="en-US" sz="3000" b="1" dirty="0">
+                <a:ea typeface="한컴산뜻돋움" panose="02000000000000000000" pitchFamily="2" charset="-127"/>
+              </a:rPr>
+              <a:t> 기록되고</a:t>
+            </a:r>
+            <a:r>
+              <a:rPr lang="en-US" altLang="ko-KR" sz="3000" b="1" dirty="0">
                 <a:ea typeface="한컴산뜻돋움" panose="02000000000000000000" pitchFamily="2" charset="-127"/>
               </a:rPr>
               <a:t>, </a:t>
             </a:r>
             <a:r>
-              <a:rPr lang="ko-KR" altLang="en-US" sz="3000" dirty="0">
-                <a:ea typeface="한컴산뜻돋움" panose="02000000000000000000" pitchFamily="2" charset="-127"/>
-              </a:rPr>
-              <a:t>조도 센서</a:t>
-            </a:r>
-            <a:r>
-              <a:rPr lang="en-US" altLang="ko-KR" sz="3000" dirty="0">
-                <a:ea typeface="한컴산뜻돋움" panose="02000000000000000000" pitchFamily="2" charset="-127"/>
-              </a:rPr>
-              <a:t>(</a:t>
-            </a:r>
-            <a:r>
-              <a:rPr lang="en-US" altLang="ko-KR" sz="3000" dirty="0" err="1">
-                <a:ea typeface="한컴산뜻돋움" panose="02000000000000000000" pitchFamily="2" charset="-127"/>
-              </a:rPr>
-              <a:t>CdS</a:t>
-            </a:r>
-            <a:r>
-              <a:rPr lang="en-US" altLang="ko-KR" sz="3000" dirty="0">
-                <a:ea typeface="한컴산뜻돋움" panose="02000000000000000000" pitchFamily="2" charset="-127"/>
-              </a:rPr>
-              <a:t>), </a:t>
-            </a:r>
-            <a:r>
-              <a:rPr lang="ko-KR" altLang="en-US" sz="3000" dirty="0">
-                <a:ea typeface="한컴산뜻돋움" panose="02000000000000000000" pitchFamily="2" charset="-127"/>
-              </a:rPr>
-              <a:t>토양 </a:t>
-            </a:r>
-            <a:r>
-              <a:rPr lang="ko-KR" altLang="en-US" sz="3000" dirty="0" err="1">
-                <a:ea typeface="한컴산뜻돋움" panose="02000000000000000000" pitchFamily="2" charset="-127"/>
-              </a:rPr>
-              <a:t>유수분</a:t>
-            </a:r>
-            <a:r>
-              <a:rPr lang="ko-KR" altLang="en-US" sz="3000" dirty="0">
-                <a:ea typeface="한컴산뜻돋움" panose="02000000000000000000" pitchFamily="2" charset="-127"/>
-              </a:rPr>
-              <a:t> 센서</a:t>
-            </a:r>
-            <a:r>
-              <a:rPr lang="en-US" altLang="ko-KR" sz="3000" dirty="0">
-                <a:ea typeface="한컴산뜻돋움" panose="02000000000000000000" pitchFamily="2" charset="-127"/>
-              </a:rPr>
-              <a:t>, CO2 </a:t>
-            </a:r>
-            <a:r>
-              <a:rPr lang="ko-KR" altLang="en-US" sz="3000" dirty="0">
-                <a:ea typeface="한컴산뜻돋움" panose="02000000000000000000" pitchFamily="2" charset="-127"/>
-              </a:rPr>
-              <a:t>센서 등 스마트 온실 운영에 필요한 구성센서들을 설치하고</a:t>
-            </a:r>
-            <a:r>
-              <a:rPr lang="en-US" altLang="ko-KR" sz="3000" dirty="0">
+              <a:rPr lang="ko-KR" altLang="en-US" sz="3000" b="1" dirty="0">
+                <a:ea typeface="한컴산뜻돋움" panose="02000000000000000000" pitchFamily="2" charset="-127"/>
+              </a:rPr>
+              <a:t>이 정보는 </a:t>
+            </a:r>
+            <a:r>
+              <a:rPr lang="ko-KR" altLang="en-US" sz="3000" b="1" dirty="0" err="1">
+                <a:ea typeface="한컴산뜻돋움" panose="02000000000000000000" pitchFamily="2" charset="-127"/>
+              </a:rPr>
+              <a:t>라즈베리파이에</a:t>
+            </a:r>
+            <a:r>
+              <a:rPr lang="ko-KR" altLang="en-US" sz="3000" b="1" dirty="0">
+                <a:ea typeface="한컴산뜻돋움" panose="02000000000000000000" pitchFamily="2" charset="-127"/>
+              </a:rPr>
+              <a:t> 설치한 </a:t>
+            </a:r>
+            <a:r>
+              <a:rPr lang="ko-KR" altLang="en-US" sz="3000" b="1" dirty="0" err="1">
+                <a:ea typeface="한컴산뜻돋움" panose="02000000000000000000" pitchFamily="2" charset="-127"/>
+              </a:rPr>
+              <a:t>파이썬</a:t>
+            </a:r>
+            <a:r>
+              <a:rPr lang="ko-KR" altLang="en-US" sz="3000" b="1" dirty="0">
+                <a:ea typeface="한컴산뜻돋움" panose="02000000000000000000" pitchFamily="2" charset="-127"/>
+              </a:rPr>
+              <a:t> 프로그램을 이용하여 데이터베이스화를 하였다</a:t>
+            </a:r>
+            <a:r>
+              <a:rPr lang="en-US" altLang="ko-KR" sz="3000" b="1" dirty="0">
+                <a:ea typeface="한컴산뜻돋움" panose="02000000000000000000" pitchFamily="2" charset="-127"/>
+              </a:rPr>
+              <a:t>. </a:t>
+            </a:r>
+            <a:r>
+              <a:rPr lang="ko-KR" altLang="en-US" sz="3000" b="1" dirty="0">
+                <a:ea typeface="한컴산뜻돋움" panose="02000000000000000000" pitchFamily="2" charset="-127"/>
+              </a:rPr>
+              <a:t>예를 들어</a:t>
+            </a:r>
+            <a:r>
+              <a:rPr lang="en-US" altLang="ko-KR" sz="3000" b="1" dirty="0">
                 <a:ea typeface="한컴산뜻돋움" panose="02000000000000000000" pitchFamily="2" charset="-127"/>
               </a:rPr>
               <a:t>, </a:t>
             </a:r>
             <a:r>
-              <a:rPr lang="ko-KR" altLang="en-US" sz="3000" dirty="0">
-                <a:ea typeface="한컴산뜻돋움" panose="02000000000000000000" pitchFamily="2" charset="-127"/>
-              </a:rPr>
-              <a:t>챔버 외부에 부착한 마이크로 컨트롤러</a:t>
-            </a:r>
-            <a:r>
-              <a:rPr lang="en-US" altLang="ko-KR" sz="3000" dirty="0">
-                <a:ea typeface="한컴산뜻돋움" panose="02000000000000000000" pitchFamily="2" charset="-127"/>
-              </a:rPr>
-              <a:t>(Arduino Mega)</a:t>
-            </a:r>
-            <a:r>
-              <a:rPr lang="ko-KR" altLang="en-US" sz="3000" dirty="0">
-                <a:ea typeface="한컴산뜻돋움" panose="02000000000000000000" pitchFamily="2" charset="-127"/>
-              </a:rPr>
-              <a:t>에 연결해 챔버 센서 측정 및 제어 장비를 운용할 수 있도록 하였다</a:t>
-            </a:r>
-            <a:r>
-              <a:rPr lang="en-US" altLang="ko-KR" sz="3000" dirty="0">
+              <a:rPr lang="ko-KR" altLang="en-US" sz="3000" b="1" dirty="0" err="1">
+                <a:ea typeface="한컴산뜻돋움" panose="02000000000000000000" pitchFamily="2" charset="-127"/>
+              </a:rPr>
+              <a:t>라즈베리파이에</a:t>
+            </a:r>
+            <a:r>
+              <a:rPr lang="ko-KR" altLang="en-US" sz="3000" b="1" dirty="0">
+                <a:ea typeface="한컴산뜻돋움" panose="02000000000000000000" pitchFamily="2" charset="-127"/>
+              </a:rPr>
+              <a:t> 설치된 </a:t>
+            </a:r>
+            <a:r>
+              <a:rPr lang="ko-KR" altLang="en-US" sz="3000" b="1" dirty="0" err="1">
+                <a:ea typeface="한컴산뜻돋움" panose="02000000000000000000" pitchFamily="2" charset="-127"/>
+              </a:rPr>
+              <a:t>파이썬에서는</a:t>
+            </a:r>
+            <a:r>
+              <a:rPr lang="ko-KR" altLang="en-US" sz="3000" b="1" dirty="0">
+                <a:ea typeface="한컴산뜻돋움" panose="02000000000000000000" pitchFamily="2" charset="-127"/>
+              </a:rPr>
+              <a:t> 습도와 온도를 저장한 후</a:t>
+            </a:r>
+            <a:r>
+              <a:rPr lang="en-US" altLang="ko-KR" sz="3000" b="1" dirty="0">
+                <a:ea typeface="한컴산뜻돋움" panose="02000000000000000000" pitchFamily="2" charset="-127"/>
+              </a:rPr>
+              <a:t>, </a:t>
+            </a:r>
+            <a:r>
+              <a:rPr lang="ko-KR" altLang="en-US" sz="3000" b="1" dirty="0">
+                <a:ea typeface="한컴산뜻돋움" panose="02000000000000000000" pitchFamily="2" charset="-127"/>
+              </a:rPr>
+              <a:t>두 </a:t>
+            </a:r>
+            <a:r>
+              <a:rPr lang="ko-KR" altLang="en-US" sz="3000" b="1" dirty="0" err="1">
+                <a:ea typeface="한컴산뜻돋움" panose="02000000000000000000" pitchFamily="2" charset="-127"/>
+              </a:rPr>
+              <a:t>관측값을</a:t>
+            </a:r>
+            <a:r>
+              <a:rPr lang="ko-KR" altLang="en-US" sz="3000" b="1" dirty="0">
+                <a:ea typeface="한컴산뜻돋움" panose="02000000000000000000" pitchFamily="2" charset="-127"/>
+              </a:rPr>
+              <a:t> 이용하여 불쾌지수를 계산할 수 있다</a:t>
+            </a:r>
+            <a:r>
+              <a:rPr lang="en-US" altLang="ko-KR" sz="3000" b="1" dirty="0">
                 <a:ea typeface="한컴산뜻돋움" panose="02000000000000000000" pitchFamily="2" charset="-127"/>
               </a:rPr>
               <a:t>. </a:t>
             </a:r>
             <a:r>
-              <a:rPr lang="ko-KR" altLang="en-US" sz="3000" dirty="0">
-                <a:ea typeface="한컴산뜻돋움" panose="02000000000000000000" pitchFamily="2" charset="-127"/>
-              </a:rPr>
-              <a:t>센서에서 측정된 데이터는 </a:t>
-            </a:r>
-            <a:r>
-              <a:rPr lang="ko-KR" altLang="en-US" sz="3000" dirty="0" err="1">
-                <a:ea typeface="한컴산뜻돋움" panose="02000000000000000000" pitchFamily="2" charset="-127"/>
-              </a:rPr>
-              <a:t>아두이노에</a:t>
-            </a:r>
-            <a:r>
-              <a:rPr lang="ko-KR" altLang="en-US" sz="3000" dirty="0">
-                <a:ea typeface="한컴산뜻돋움" panose="02000000000000000000" pitchFamily="2" charset="-127"/>
-              </a:rPr>
-              <a:t> 기록되고</a:t>
-            </a:r>
-            <a:r>
-              <a:rPr lang="en-US" altLang="ko-KR" sz="3000" dirty="0">
-                <a:ea typeface="한컴산뜻돋움" panose="02000000000000000000" pitchFamily="2" charset="-127"/>
-              </a:rPr>
-              <a:t>, </a:t>
-            </a:r>
-            <a:r>
-              <a:rPr lang="ko-KR" altLang="en-US" sz="3000" dirty="0">
-                <a:ea typeface="한컴산뜻돋움" panose="02000000000000000000" pitchFamily="2" charset="-127"/>
-              </a:rPr>
-              <a:t>이 정보는 </a:t>
-            </a:r>
-            <a:r>
-              <a:rPr lang="ko-KR" altLang="en-US" sz="3000" dirty="0" err="1">
-                <a:ea typeface="한컴산뜻돋움" panose="02000000000000000000" pitchFamily="2" charset="-127"/>
-              </a:rPr>
-              <a:t>라즈베리파이에</a:t>
-            </a:r>
-            <a:r>
-              <a:rPr lang="ko-KR" altLang="en-US" sz="3000" dirty="0">
-                <a:ea typeface="한컴산뜻돋움" panose="02000000000000000000" pitchFamily="2" charset="-127"/>
-              </a:rPr>
-              <a:t> 설치한 </a:t>
-            </a:r>
-            <a:r>
-              <a:rPr lang="ko-KR" altLang="en-US" sz="3000" dirty="0" err="1">
-                <a:ea typeface="한컴산뜻돋움" panose="02000000000000000000" pitchFamily="2" charset="-127"/>
-              </a:rPr>
-              <a:t>파이썬</a:t>
-            </a:r>
-            <a:r>
-              <a:rPr lang="ko-KR" altLang="en-US" sz="3000" dirty="0">
-                <a:ea typeface="한컴산뜻돋움" panose="02000000000000000000" pitchFamily="2" charset="-127"/>
-              </a:rPr>
-              <a:t> 프로그램을 이용하여 데이터베이스화를 하였다</a:t>
-            </a:r>
-            <a:r>
-              <a:rPr lang="en-US" altLang="ko-KR" sz="3000" dirty="0">
-                <a:ea typeface="한컴산뜻돋움" panose="02000000000000000000" pitchFamily="2" charset="-127"/>
-              </a:rPr>
-              <a:t>. </a:t>
-            </a:r>
-            <a:r>
-              <a:rPr lang="ko-KR" altLang="en-US" sz="3000" dirty="0">
-                <a:ea typeface="한컴산뜻돋움" panose="02000000000000000000" pitchFamily="2" charset="-127"/>
-              </a:rPr>
-              <a:t>예를 들어</a:t>
-            </a:r>
-            <a:r>
-              <a:rPr lang="en-US" altLang="ko-KR" sz="3000" dirty="0">
-                <a:ea typeface="한컴산뜻돋움" panose="02000000000000000000" pitchFamily="2" charset="-127"/>
-              </a:rPr>
-              <a:t>, </a:t>
-            </a:r>
-            <a:r>
-              <a:rPr lang="ko-KR" altLang="en-US" sz="3000" dirty="0" err="1">
-                <a:ea typeface="한컴산뜻돋움" panose="02000000000000000000" pitchFamily="2" charset="-127"/>
-              </a:rPr>
-              <a:t>라즈베리파이에</a:t>
-            </a:r>
-            <a:r>
-              <a:rPr lang="ko-KR" altLang="en-US" sz="3000" dirty="0">
-                <a:ea typeface="한컴산뜻돋움" panose="02000000000000000000" pitchFamily="2" charset="-127"/>
-              </a:rPr>
-              <a:t> 설치된 </a:t>
-            </a:r>
-            <a:r>
-              <a:rPr lang="ko-KR" altLang="en-US" sz="3000" dirty="0" err="1">
-                <a:ea typeface="한컴산뜻돋움" panose="02000000000000000000" pitchFamily="2" charset="-127"/>
-              </a:rPr>
-              <a:t>파이썬에서는</a:t>
-            </a:r>
-            <a:r>
-              <a:rPr lang="ko-KR" altLang="en-US" sz="3000" dirty="0">
-                <a:ea typeface="한컴산뜻돋움" panose="02000000000000000000" pitchFamily="2" charset="-127"/>
-              </a:rPr>
-              <a:t> 습도와 온도를 저장한 후</a:t>
-            </a:r>
-            <a:r>
-              <a:rPr lang="en-US" altLang="ko-KR" sz="3000" dirty="0">
-                <a:ea typeface="한컴산뜻돋움" panose="02000000000000000000" pitchFamily="2" charset="-127"/>
-              </a:rPr>
-              <a:t>, </a:t>
-            </a:r>
-            <a:r>
-              <a:rPr lang="ko-KR" altLang="en-US" sz="3000" dirty="0">
-                <a:ea typeface="한컴산뜻돋움" panose="02000000000000000000" pitchFamily="2" charset="-127"/>
-              </a:rPr>
-              <a:t>두 </a:t>
-            </a:r>
-            <a:r>
-              <a:rPr lang="ko-KR" altLang="en-US" sz="3000" dirty="0" err="1">
-                <a:ea typeface="한컴산뜻돋움" panose="02000000000000000000" pitchFamily="2" charset="-127"/>
-              </a:rPr>
-              <a:t>관측값을</a:t>
-            </a:r>
-            <a:r>
-              <a:rPr lang="ko-KR" altLang="en-US" sz="3000" dirty="0">
-                <a:ea typeface="한컴산뜻돋움" panose="02000000000000000000" pitchFamily="2" charset="-127"/>
-              </a:rPr>
-              <a:t> 이용하여 불쾌지수를 계산할 수 있다</a:t>
-            </a:r>
-            <a:r>
-              <a:rPr lang="en-US" altLang="ko-KR" sz="3000" dirty="0">
-                <a:ea typeface="한컴산뜻돋움" panose="02000000000000000000" pitchFamily="2" charset="-127"/>
-              </a:rPr>
-              <a:t>. </a:t>
-            </a:r>
-            <a:r>
-              <a:rPr lang="ko-KR" altLang="en-US" sz="3000" dirty="0">
-                <a:ea typeface="한컴산뜻돋움" panose="02000000000000000000" pitchFamily="2" charset="-127"/>
-              </a:rPr>
-              <a:t>계산된 불쾌지수를 바탕으로 환기용 팬과 창문에 연결된 모터를 작동시키고</a:t>
-            </a:r>
-            <a:r>
-              <a:rPr lang="en-US" altLang="ko-KR" sz="3000" dirty="0">
-                <a:ea typeface="한컴산뜻돋움" panose="02000000000000000000" pitchFamily="2" charset="-127"/>
-              </a:rPr>
-              <a:t>, </a:t>
-            </a:r>
-            <a:r>
-              <a:rPr lang="ko-KR" altLang="en-US" sz="3000" dirty="0">
-                <a:ea typeface="한컴산뜻돋움" panose="02000000000000000000" pitchFamily="2" charset="-127"/>
-              </a:rPr>
-              <a:t>조도를 조절할 수 있다</a:t>
-            </a:r>
-            <a:r>
-              <a:rPr lang="en-US" altLang="ko-KR" sz="3000" dirty="0">
-                <a:ea typeface="한컴산뜻돋움" panose="02000000000000000000" pitchFamily="2" charset="-127"/>
-              </a:rPr>
-              <a:t>. </a:t>
-            </a:r>
-            <a:r>
-              <a:rPr lang="ko-KR" altLang="en-US" sz="3000" dirty="0">
+              <a:rPr lang="ko-KR" altLang="en-US" sz="3000" b="1" dirty="0">
                 <a:ea typeface="한컴산뜻돋움" panose="02000000000000000000" pitchFamily="2" charset="-127"/>
               </a:rPr>
               <a:t>팬을 작동시키는 </a:t>
             </a:r>
             <a:r>
-              <a:rPr lang="en-US" altLang="ko-KR" sz="3000" dirty="0">
+              <a:rPr lang="en-US" altLang="ko-KR" sz="3000" b="1" dirty="0">
                 <a:ea typeface="한컴산뜻돋움" panose="02000000000000000000" pitchFamily="2" charset="-127"/>
               </a:rPr>
               <a:t>ON-OFF </a:t>
             </a:r>
             <a:r>
-              <a:rPr lang="ko-KR" altLang="en-US" sz="3000" dirty="0">
+              <a:rPr lang="ko-KR" altLang="en-US" sz="3000" b="1" dirty="0">
                 <a:ea typeface="한컴산뜻돋움" panose="02000000000000000000" pitchFamily="2" charset="-127"/>
               </a:rPr>
               <a:t>제어 명령과 조도 및 창문의 개폐를 조절하는 비례제어 명령은 </a:t>
             </a:r>
             <a:r>
-              <a:rPr lang="ko-KR" altLang="en-US" sz="3000" dirty="0" err="1">
+              <a:rPr lang="ko-KR" altLang="en-US" sz="3000" b="1" dirty="0" err="1">
                 <a:ea typeface="한컴산뜻돋움" panose="02000000000000000000" pitchFamily="2" charset="-127"/>
               </a:rPr>
               <a:t>아두이노로</a:t>
             </a:r>
             <a:r>
-              <a:rPr lang="ko-KR" altLang="en-US" sz="3000" dirty="0">
+              <a:rPr lang="ko-KR" altLang="en-US" sz="3000" b="1" dirty="0">
                 <a:ea typeface="한컴산뜻돋움" panose="02000000000000000000" pitchFamily="2" charset="-127"/>
               </a:rPr>
               <a:t> 전달되어 실제 기기가 작동할 수 있다</a:t>
             </a:r>
             <a:r>
-              <a:rPr lang="en-US" altLang="ko-KR" sz="3000" dirty="0">
+              <a:rPr lang="en-US" altLang="ko-KR" sz="3000" b="1" dirty="0">
                 <a:ea typeface="한컴산뜻돋움" panose="02000000000000000000" pitchFamily="2" charset="-127"/>
               </a:rPr>
               <a:t>.</a:t>
             </a:r>
-            <a:endParaRPr lang="en-US" altLang="ko-KR" sz="3000" dirty="0">
+            <a:endParaRPr lang="ko-KR" altLang="ko-KR" sz="3000" b="1" dirty="0">
+              <a:latin typeface="한컴산뜻돋움" panose="02000000000000000000" pitchFamily="2" charset="-127"/>
+              <a:ea typeface="한컴산뜻돋움" panose="02000000000000000000" pitchFamily="2" charset="-127"/>
+              <a:cs typeface="Arial Unicode MS" panose="020B0604020202020204" pitchFamily="50" charset="-127"/>
+            </a:endParaRPr>
+          </a:p>
+          <a:p>
+            <a:pPr lvl="2" algn="just">
+              <a:lnSpc>
+                <a:spcPct val="120000"/>
+              </a:lnSpc>
+              <a:defRPr/>
+            </a:pPr>
+            <a:r>
+              <a:rPr lang="en-US" altLang="ko-KR" sz="3000" b="1" dirty="0">
+                <a:ea typeface="한컴산뜻돋움" panose="02000000000000000000" pitchFamily="2" charset="-127"/>
+              </a:rPr>
+              <a:t> </a:t>
+            </a:r>
+            <a:endParaRPr lang="en-US" altLang="ko-KR" sz="3000" b="1" dirty="0">
               <a:latin typeface="한컴산뜻돋움" panose="02000000000000000000" pitchFamily="2" charset="-127"/>
               <a:ea typeface="한컴산뜻돋움" panose="02000000000000000000" pitchFamily="2" charset="-127"/>
               <a:cs typeface="Arial Unicode MS" panose="020B0600000101010101" charset="-127"/>
@@ -5813,7 +5816,7 @@
         </p:nvSpPr>
         <p:spPr>
           <a:xfrm>
-            <a:off x="704827" y="10821311"/>
+            <a:off x="639874" y="10392065"/>
             <a:ext cx="15044706" cy="3355399"/>
           </a:xfrm>
           <a:prstGeom prst="rect">
@@ -5850,7 +5853,7 @@
               </a:lnSpc>
             </a:pPr>
             <a:r>
-              <a:rPr lang="ko-KR" altLang="en-US" sz="3000" dirty="0">
+              <a:rPr lang="ko-KR" altLang="en-US" sz="3000" b="1" dirty="0">
                 <a:latin typeface="한컴산뜻돋움" panose="02000000000000000000" pitchFamily="2" charset="-127"/>
                 <a:ea typeface="한컴산뜻돋움" panose="02000000000000000000" pitchFamily="2" charset="-127"/>
                 <a:cs typeface="Arial Unicode MS" panose="020B0604020202020204" pitchFamily="50" charset="-127"/>
@@ -5858,7 +5861,7 @@
               <a:t>전 세계적으로 이상 기후 현상이 빈번해지면서 농업의 생산성 및 지속가능성이 위협을 받고 있다</a:t>
             </a:r>
             <a:r>
-              <a:rPr lang="en-US" altLang="ko-KR" sz="3000" dirty="0">
+              <a:rPr lang="en-US" altLang="ko-KR" sz="3000" b="1" dirty="0">
                 <a:latin typeface="한컴산뜻돋움" panose="02000000000000000000" pitchFamily="2" charset="-127"/>
                 <a:ea typeface="한컴산뜻돋움" panose="02000000000000000000" pitchFamily="2" charset="-127"/>
                 <a:cs typeface="Arial Unicode MS" panose="020B0604020202020204" pitchFamily="50" charset="-127"/>
@@ -5866,7 +5869,7 @@
               <a:t>. </a:t>
             </a:r>
             <a:r>
-              <a:rPr lang="ko-KR" altLang="en-US" sz="3000" dirty="0">
+              <a:rPr lang="ko-KR" altLang="en-US" sz="3000" b="1" dirty="0">
                 <a:latin typeface="한컴산뜻돋움" panose="02000000000000000000" pitchFamily="2" charset="-127"/>
                 <a:ea typeface="한컴산뜻돋움" panose="02000000000000000000" pitchFamily="2" charset="-127"/>
                 <a:cs typeface="Arial Unicode MS" panose="020B0604020202020204" pitchFamily="50" charset="-127"/>
@@ -5874,7 +5877,7 @@
               <a:t>안정적인 식량 공급을 위하여 식물공장과 같은 환경제어 농업 기술</a:t>
             </a:r>
             <a:r>
-              <a:rPr lang="en-US" altLang="ko-KR" sz="3000" dirty="0">
+              <a:rPr lang="en-US" altLang="ko-KR" sz="3000" b="1" dirty="0">
                 <a:latin typeface="한컴산뜻돋움" panose="02000000000000000000" pitchFamily="2" charset="-127"/>
                 <a:ea typeface="한컴산뜻돋움" panose="02000000000000000000" pitchFamily="2" charset="-127"/>
                 <a:cs typeface="Arial Unicode MS" panose="020B0604020202020204" pitchFamily="50" charset="-127"/>
@@ -5882,7 +5885,7 @@
               <a:t>(controlled-environment agriculture, CEA)</a:t>
             </a:r>
             <a:r>
-              <a:rPr lang="ko-KR" altLang="en-US" sz="3000" dirty="0">
+              <a:rPr lang="ko-KR" altLang="en-US" sz="3000" b="1" dirty="0">
                 <a:latin typeface="한컴산뜻돋움" panose="02000000000000000000" pitchFamily="2" charset="-127"/>
                 <a:ea typeface="한컴산뜻돋움" panose="02000000000000000000" pitchFamily="2" charset="-127"/>
                 <a:cs typeface="Arial Unicode MS" panose="020B0604020202020204" pitchFamily="50" charset="-127"/>
@@ -5890,7 +5893,7 @@
               <a:t>에</a:t>
             </a:r>
             <a:r>
-              <a:rPr lang="en-US" altLang="ko-KR" sz="3000" dirty="0">
+              <a:rPr lang="en-US" altLang="ko-KR" sz="3000" b="1" dirty="0">
                 <a:latin typeface="한컴산뜻돋움" panose="02000000000000000000" pitchFamily="2" charset="-127"/>
                 <a:ea typeface="한컴산뜻돋움" panose="02000000000000000000" pitchFamily="2" charset="-127"/>
                 <a:cs typeface="Arial Unicode MS" panose="020B0604020202020204" pitchFamily="50" charset="-127"/>
@@ -5898,118 +5901,118 @@
               <a:t> </a:t>
             </a:r>
             <a:r>
-              <a:rPr lang="ko-KR" altLang="en-US" sz="3000" dirty="0">
+              <a:rPr lang="ko-KR" altLang="en-US" sz="3000" b="1" dirty="0">
                 <a:latin typeface="한컴산뜻돋움" panose="02000000000000000000" pitchFamily="2" charset="-127"/>
                 <a:ea typeface="한컴산뜻돋움" panose="02000000000000000000" pitchFamily="2" charset="-127"/>
                 <a:cs typeface="Arial Unicode MS" panose="020B0604020202020204" pitchFamily="50" charset="-127"/>
               </a:rPr>
-              <a:t>관한 관심이 커지고 있다</a:t>
-            </a:r>
-            <a:r>
-              <a:rPr lang="en-US" altLang="ko-KR" sz="3000" dirty="0">
+              <a:t>관한 관심이 커지고 있는데</a:t>
+            </a:r>
+            <a:r>
+              <a:rPr lang="en-US" altLang="ko-KR" sz="3000" b="1" dirty="0">
                 <a:latin typeface="한컴산뜻돋움" panose="02000000000000000000" pitchFamily="2" charset="-127"/>
                 <a:ea typeface="한컴산뜻돋움" panose="02000000000000000000" pitchFamily="2" charset="-127"/>
                 <a:cs typeface="Arial Unicode MS" panose="020B0604020202020204" pitchFamily="50" charset="-127"/>
               </a:rPr>
+              <a:t>, CEA</a:t>
+            </a:r>
+            <a:r>
+              <a:rPr lang="ko-KR" altLang="en-US" sz="3000" b="1" dirty="0">
+                <a:latin typeface="한컴산뜻돋움" panose="02000000000000000000" pitchFamily="2" charset="-127"/>
+                <a:ea typeface="한컴산뜻돋움" panose="02000000000000000000" pitchFamily="2" charset="-127"/>
+                <a:cs typeface="Arial Unicode MS" panose="020B0604020202020204" pitchFamily="50" charset="-127"/>
+              </a:rPr>
+              <a:t>의 한 종류인 챔버</a:t>
+            </a:r>
+            <a:r>
+              <a:rPr lang="en-US" altLang="ko-KR" sz="3000" b="1" dirty="0">
+                <a:latin typeface="한컴산뜻돋움" panose="02000000000000000000" pitchFamily="2" charset="-127"/>
+                <a:ea typeface="한컴산뜻돋움" panose="02000000000000000000" pitchFamily="2" charset="-127"/>
+                <a:cs typeface="Arial Unicode MS" panose="020B0604020202020204" pitchFamily="50" charset="-127"/>
+              </a:rPr>
+              <a:t>(Plant</a:t>
+            </a:r>
+            <a:r>
+              <a:rPr lang="ko-KR" altLang="en-US" sz="3000" b="1" dirty="0">
+                <a:latin typeface="한컴산뜻돋움" panose="02000000000000000000" pitchFamily="2" charset="-127"/>
+                <a:ea typeface="한컴산뜻돋움" panose="02000000000000000000" pitchFamily="2" charset="-127"/>
+                <a:cs typeface="Arial Unicode MS" panose="020B0604020202020204" pitchFamily="50" charset="-127"/>
+              </a:rPr>
+              <a:t> </a:t>
+            </a:r>
+            <a:r>
+              <a:rPr lang="en-US" altLang="ko-KR" sz="3000" b="1" dirty="0">
+                <a:latin typeface="한컴산뜻돋움" panose="02000000000000000000" pitchFamily="2" charset="-127"/>
+                <a:ea typeface="한컴산뜻돋움" panose="02000000000000000000" pitchFamily="2" charset="-127"/>
+                <a:cs typeface="Arial Unicode MS" panose="020B0604020202020204" pitchFamily="50" charset="-127"/>
+              </a:rPr>
+              <a:t>Growth</a:t>
+            </a:r>
+            <a:r>
+              <a:rPr lang="ko-KR" altLang="en-US" sz="3000" b="1" dirty="0">
+                <a:latin typeface="한컴산뜻돋움" panose="02000000000000000000" pitchFamily="2" charset="-127"/>
+                <a:ea typeface="한컴산뜻돋움" panose="02000000000000000000" pitchFamily="2" charset="-127"/>
+                <a:cs typeface="Arial Unicode MS" panose="020B0604020202020204" pitchFamily="50" charset="-127"/>
+              </a:rPr>
+              <a:t> </a:t>
+            </a:r>
+            <a:r>
+              <a:rPr lang="en-US" altLang="ko-KR" sz="3000" b="1" dirty="0">
+                <a:latin typeface="한컴산뜻돋움" panose="02000000000000000000" pitchFamily="2" charset="-127"/>
+                <a:ea typeface="한컴산뜻돋움" panose="02000000000000000000" pitchFamily="2" charset="-127"/>
+                <a:cs typeface="Arial Unicode MS" panose="020B0604020202020204" pitchFamily="50" charset="-127"/>
+              </a:rPr>
+              <a:t>Chamber)</a:t>
+            </a:r>
+            <a:r>
+              <a:rPr lang="ko-KR" altLang="en-US" sz="3000" b="1" dirty="0">
+                <a:latin typeface="한컴산뜻돋움" panose="02000000000000000000" pitchFamily="2" charset="-127"/>
+                <a:ea typeface="한컴산뜻돋움" panose="02000000000000000000" pitchFamily="2" charset="-127"/>
+                <a:cs typeface="Arial Unicode MS" panose="020B0604020202020204" pitchFamily="50" charset="-127"/>
+              </a:rPr>
+              <a:t>는 식물의 재배 생리를 연구하기 위하여 개발된 장치로 널리 이용되고 있다</a:t>
+            </a:r>
+            <a:r>
+              <a:rPr lang="en-US" altLang="ko-KR" sz="3000" b="1" dirty="0">
+                <a:latin typeface="한컴산뜻돋움" panose="02000000000000000000" pitchFamily="2" charset="-127"/>
+                <a:ea typeface="한컴산뜻돋움" panose="02000000000000000000" pitchFamily="2" charset="-127"/>
+                <a:cs typeface="Arial Unicode MS" panose="020B0604020202020204" pitchFamily="50" charset="-127"/>
+              </a:rPr>
               <a:t>. </a:t>
             </a:r>
             <a:r>
-              <a:rPr lang="ko-KR" altLang="en-US" sz="3000" dirty="0">
+              <a:rPr lang="ko-KR" altLang="en-US" sz="3000" b="1" dirty="0">
                 <a:latin typeface="한컴산뜻돋움" panose="02000000000000000000" pitchFamily="2" charset="-127"/>
                 <a:ea typeface="한컴산뜻돋움" panose="02000000000000000000" pitchFamily="2" charset="-127"/>
                 <a:cs typeface="Arial Unicode MS" panose="020B0604020202020204" pitchFamily="50" charset="-127"/>
               </a:rPr>
-              <a:t>이러한 여건에서 챔버</a:t>
-            </a:r>
-            <a:r>
-              <a:rPr lang="en-US" altLang="ko-KR" sz="3000" dirty="0">
+              <a:t>하지만 시설 내 환경 제어 및 장치 운영을 위한 연구 장비는 찾아보기 어렵다</a:t>
+            </a:r>
+            <a:r>
+              <a:rPr lang="en-US" altLang="ko-KR" sz="3000" b="1" dirty="0">
                 <a:latin typeface="한컴산뜻돋움" panose="02000000000000000000" pitchFamily="2" charset="-127"/>
                 <a:ea typeface="한컴산뜻돋움" panose="02000000000000000000" pitchFamily="2" charset="-127"/>
                 <a:cs typeface="Arial Unicode MS" panose="020B0604020202020204" pitchFamily="50" charset="-127"/>
               </a:rPr>
-              <a:t>(Plant</a:t>
-            </a:r>
-            <a:r>
-              <a:rPr lang="ko-KR" altLang="en-US" sz="3000" dirty="0">
+              <a:t>. </a:t>
+            </a:r>
+            <a:r>
+              <a:rPr lang="ko-KR" altLang="en-US" sz="3000" b="1" dirty="0">
                 <a:latin typeface="한컴산뜻돋움" panose="02000000000000000000" pitchFamily="2" charset="-127"/>
                 <a:ea typeface="한컴산뜻돋움" panose="02000000000000000000" pitchFamily="2" charset="-127"/>
                 <a:cs typeface="Arial Unicode MS" panose="020B0604020202020204" pitchFamily="50" charset="-127"/>
               </a:rPr>
-              <a:t> </a:t>
-            </a:r>
-            <a:r>
-              <a:rPr lang="en-US" altLang="ko-KR" sz="3000" dirty="0">
+              <a:t>그렇기 때문에 본 연구에서는 환경제어 농업 기술 구축과정에서 시설 제어 및 환경 조절을 수행할 수 있는 알고리즘의 연구를 위하여 연구용 미니 챔버를 개발하고자 하였다</a:t>
+            </a:r>
+            <a:r>
+              <a:rPr lang="en-US" altLang="ko-KR" sz="3000" b="1" dirty="0">
                 <a:latin typeface="한컴산뜻돋움" panose="02000000000000000000" pitchFamily="2" charset="-127"/>
                 <a:ea typeface="한컴산뜻돋움" panose="02000000000000000000" pitchFamily="2" charset="-127"/>
                 <a:cs typeface="Arial Unicode MS" panose="020B0604020202020204" pitchFamily="50" charset="-127"/>
               </a:rPr>
-              <a:t>Growth</a:t>
-            </a:r>
-            <a:r>
-              <a:rPr lang="ko-KR" altLang="en-US" sz="3000" dirty="0">
-                <a:latin typeface="한컴산뜻돋움" panose="02000000000000000000" pitchFamily="2" charset="-127"/>
-                <a:ea typeface="한컴산뜻돋움" panose="02000000000000000000" pitchFamily="2" charset="-127"/>
-                <a:cs typeface="Arial Unicode MS" panose="020B0604020202020204" pitchFamily="50" charset="-127"/>
-              </a:rPr>
-              <a:t> </a:t>
-            </a:r>
-            <a:r>
-              <a:rPr lang="en-US" altLang="ko-KR" sz="3000" dirty="0">
-                <a:latin typeface="한컴산뜻돋움" panose="02000000000000000000" pitchFamily="2" charset="-127"/>
-                <a:ea typeface="한컴산뜻돋움" panose="02000000000000000000" pitchFamily="2" charset="-127"/>
-                <a:cs typeface="Arial Unicode MS" panose="020B0604020202020204" pitchFamily="50" charset="-127"/>
-              </a:rPr>
-              <a:t>Chamber)</a:t>
-            </a:r>
-            <a:r>
-              <a:rPr lang="ko-KR" altLang="en-US" sz="3000" dirty="0">
-                <a:latin typeface="한컴산뜻돋움" panose="02000000000000000000" pitchFamily="2" charset="-127"/>
-                <a:ea typeface="한컴산뜻돋움" panose="02000000000000000000" pitchFamily="2" charset="-127"/>
-                <a:cs typeface="Arial Unicode MS" panose="020B0604020202020204" pitchFamily="50" charset="-127"/>
-              </a:rPr>
-              <a:t>는 식물의 재배 생리를 연구하기 위하여 개발된 장치로 널리 이용되고 있다</a:t>
-            </a:r>
-            <a:r>
-              <a:rPr lang="en-US" altLang="ko-KR" sz="3000" dirty="0">
-                <a:latin typeface="한컴산뜻돋움" panose="02000000000000000000" pitchFamily="2" charset="-127"/>
-                <a:ea typeface="한컴산뜻돋움" panose="02000000000000000000" pitchFamily="2" charset="-127"/>
-                <a:cs typeface="Arial Unicode MS" panose="020B0604020202020204" pitchFamily="50" charset="-127"/>
-              </a:rPr>
-              <a:t>. </a:t>
-            </a:r>
-            <a:r>
-              <a:rPr lang="ko-KR" altLang="en-US" sz="3000" dirty="0">
-                <a:latin typeface="한컴산뜻돋움" panose="02000000000000000000" pitchFamily="2" charset="-127"/>
-                <a:ea typeface="한컴산뜻돋움" panose="02000000000000000000" pitchFamily="2" charset="-127"/>
-                <a:cs typeface="Arial Unicode MS" panose="020B0604020202020204" pitchFamily="50" charset="-127"/>
-              </a:rPr>
-              <a:t>하지만 시설 내 환경 제어 및 장치 운영을 위한 연구 장비는 찾아보기 어렵다</a:t>
-            </a:r>
-            <a:r>
-              <a:rPr lang="en-US" altLang="ko-KR" sz="3000" dirty="0">
-                <a:latin typeface="한컴산뜻돋움" panose="02000000000000000000" pitchFamily="2" charset="-127"/>
-                <a:ea typeface="한컴산뜻돋움" panose="02000000000000000000" pitchFamily="2" charset="-127"/>
-                <a:cs typeface="Arial Unicode MS" panose="020B0604020202020204" pitchFamily="50" charset="-127"/>
-              </a:rPr>
-              <a:t>. </a:t>
-            </a:r>
-            <a:r>
-              <a:rPr lang="ko-KR" altLang="en-US" sz="3000" dirty="0">
-                <a:latin typeface="한컴산뜻돋움" panose="02000000000000000000" pitchFamily="2" charset="-127"/>
-                <a:ea typeface="한컴산뜻돋움" panose="02000000000000000000" pitchFamily="2" charset="-127"/>
-                <a:cs typeface="Arial Unicode MS" panose="020B0604020202020204" pitchFamily="50" charset="-127"/>
-              </a:rPr>
-              <a:t>그렇기 때문에 본 연구에서는 환경제어 농업 기술 구축과정에서 시설 제어 및 환경 조절을 수행할 수 있는 알고리즘의 연구를 위하여 연구용 미니 챔버를 개발하고자 했다</a:t>
-            </a:r>
-            <a:r>
-              <a:rPr lang="en-US" altLang="ko-KR" sz="3000" dirty="0">
-                <a:latin typeface="한컴산뜻돋움" panose="02000000000000000000" pitchFamily="2" charset="-127"/>
-                <a:ea typeface="한컴산뜻돋움" panose="02000000000000000000" pitchFamily="2" charset="-127"/>
-                <a:cs typeface="Arial Unicode MS" panose="020B0604020202020204" pitchFamily="50" charset="-127"/>
-              </a:rPr>
-              <a:t>. </a:t>
-            </a:r>
-            <a:endParaRPr lang="ko-KR" altLang="ko-KR" sz="3000" dirty="0">
+              <a:t>.</a:t>
+            </a:r>
+            <a:endParaRPr lang="ko-KR" altLang="ko-KR" sz="3000" b="1" dirty="0">
               <a:latin typeface="한컴산뜻돋움" panose="02000000000000000000" pitchFamily="2" charset="-127"/>
               <a:ea typeface="한컴산뜻돋움" panose="02000000000000000000" pitchFamily="2" charset="-127"/>
               <a:cs typeface="Arial Unicode MS" panose="020B0604020202020204" pitchFamily="50" charset="-127"/>
@@ -6031,7 +6034,7 @@
         </p:nvSpPr>
         <p:spPr>
           <a:xfrm>
-            <a:off x="23645519" y="38792732"/>
+            <a:off x="23350551" y="38836340"/>
             <a:ext cx="13202599" cy="523220"/>
           </a:xfrm>
           <a:prstGeom prst="rect">
@@ -6081,7 +6084,7 @@
         </p:nvGrpSpPr>
         <p:grpSpPr>
           <a:xfrm>
-            <a:off x="13184060" y="27052748"/>
+            <a:off x="4955765" y="20792970"/>
             <a:ext cx="6218761" cy="772776"/>
             <a:chOff x="-15126" y="29457655"/>
             <a:chExt cx="6784103" cy="843029"/>
@@ -6228,8 +6231,8 @@
         </p:nvSpPr>
         <p:spPr>
           <a:xfrm>
-            <a:off x="974512" y="35404717"/>
-            <a:ext cx="29703300" cy="2631490"/>
+            <a:off x="909560" y="34975471"/>
+            <a:ext cx="14950702" cy="2123658"/>
           </a:xfrm>
           <a:prstGeom prst="rect">
             <a:avLst/>
@@ -6244,182 +6247,24 @@
           <a:p>
             <a:pPr lvl="1"/>
             <a:r>
-              <a:rPr lang="en-US" altLang="ko-KR" sz="3300" dirty="0">
+              <a:rPr lang="en-US" altLang="ko-KR" sz="3300" b="1" dirty="0">
                 <a:latin typeface="한컴산뜻돋움" panose="02000000000000000000" pitchFamily="2" charset="-127"/>
                 <a:ea typeface="한컴산뜻돋움" panose="02000000000000000000" pitchFamily="2" charset="-127"/>
                 <a:cs typeface="Arial Unicode MS" panose="020B0600000101010101" charset="-127"/>
               </a:rPr>
-              <a:t>There was a significant difference in photosynthesis indicators of V and J according to the leaf position of strawberries.</a:t>
+              <a:t>photosynthetic characteristics of strawberries according to the leaf position, DAT, and the changes in leaf area. The results of this study</a:t>
             </a:r>
           </a:p>
           <a:p>
             <a:pPr lvl="1"/>
             <a:r>
-              <a:rPr lang="en-US" altLang="ko-KR" sz="3300" dirty="0">
+              <a:rPr lang="en-US" altLang="ko-KR" sz="3300" b="1" dirty="0">
                 <a:latin typeface="한컴산뜻돋움" panose="02000000000000000000" pitchFamily="2" charset="-127"/>
                 <a:ea typeface="한컴산뜻돋움" panose="02000000000000000000" pitchFamily="2" charset="-127"/>
                 <a:cs typeface="Arial Unicode MS" panose="020B0600000101010101" charset="-127"/>
               </a:rPr>
-              <a:t>Particularly, in the oldest fifth leaf, both V and J were significantly lower than the other leaves. Also, there were changes in both</a:t>
-            </a:r>
-          </a:p>
-          <a:p>
-            <a:pPr lvl="1"/>
-            <a:r>
-              <a:rPr lang="en-US" altLang="ko-KR" sz="3300" dirty="0">
-                <a:latin typeface="한컴산뜻돋움" panose="02000000000000000000" pitchFamily="2" charset="-127"/>
-                <a:ea typeface="한컴산뜻돋움" panose="02000000000000000000" pitchFamily="2" charset="-127"/>
-                <a:cs typeface="Arial Unicode MS" panose="020B0600000101010101" charset="-127"/>
-              </a:rPr>
-              <a:t>V and J according to the measurement dates. Canopy photosynthetic efficiency was calculated with the analyzed results of</a:t>
-            </a:r>
-          </a:p>
-          <a:p>
-            <a:pPr lvl="1"/>
-            <a:r>
-              <a:rPr lang="en-US" altLang="ko-KR" sz="3300" dirty="0">
-                <a:latin typeface="한컴산뜻돋움" panose="02000000000000000000" pitchFamily="2" charset="-127"/>
-                <a:ea typeface="한컴산뜻돋움" panose="02000000000000000000" pitchFamily="2" charset="-127"/>
-                <a:cs typeface="Arial Unicode MS" panose="020B0600000101010101" charset="-127"/>
-              </a:rPr>
-              <a:t>photosynthetic characteristics of strawberries according to the leaf position, DAT, and the changes in leaf area. The results of this study</a:t>
-            </a:r>
-          </a:p>
-          <a:p>
-            <a:pPr lvl="1"/>
-            <a:r>
-              <a:rPr lang="en-US" altLang="ko-KR" sz="3300" dirty="0">
-                <a:latin typeface="한컴산뜻돋움" panose="02000000000000000000" pitchFamily="2" charset="-127"/>
-                <a:ea typeface="한컴산뜻돋움" panose="02000000000000000000" pitchFamily="2" charset="-127"/>
-                <a:cs typeface="Arial Unicode MS" panose="020B0600000101010101" charset="-127"/>
-              </a:rPr>
               <a:t>can be used as useful data for selecting the CO balance of strawberries for various environmental control technologies.</a:t>
             </a:r>
-          </a:p>
-        </p:txBody>
-      </p:sp>
-      <p:sp>
-        <p:nvSpPr>
-          <p:cNvPr id="45" name="직사각형 44">
-            <a:extLst>
-              <a:ext uri="{FF2B5EF4-FFF2-40B4-BE49-F238E27FC236}">
-                <a16:creationId xmlns:a16="http://schemas.microsoft.com/office/drawing/2014/main" id="{536D3E76-10DC-9990-B59B-0BDCAE04AB6E}"/>
-              </a:ext>
-            </a:extLst>
-          </p:cNvPr>
-          <p:cNvSpPr/>
-          <p:nvPr/>
-        </p:nvSpPr>
-        <p:spPr>
-          <a:xfrm>
-            <a:off x="2375324" y="28887439"/>
-            <a:ext cx="10732244" cy="3508943"/>
-          </a:xfrm>
-          <a:prstGeom prst="rect">
-            <a:avLst/>
-          </a:prstGeom>
-          <a:solidFill>
-            <a:srgbClr val="56296E"/>
-          </a:solidFill>
-          <a:ln>
-            <a:noFill/>
-          </a:ln>
-        </p:spPr>
-        <p:style>
-          <a:lnRef idx="2">
-            <a:schemeClr val="accent1">
-              <a:shade val="50000"/>
-            </a:schemeClr>
-          </a:lnRef>
-          <a:fillRef idx="1">
-            <a:schemeClr val="accent1"/>
-          </a:fillRef>
-          <a:effectRef idx="0">
-            <a:schemeClr val="accent1"/>
-          </a:effectRef>
-          <a:fontRef idx="minor">
-            <a:schemeClr val="lt1"/>
-          </a:fontRef>
-        </p:style>
-        <p:txBody>
-          <a:bodyPr rtlCol="0" anchor="ctr"/>
-          <a:lstStyle/>
-          <a:p>
-            <a:pPr algn="ctr"/>
-            <a:r>
-              <a:rPr lang="en-US" altLang="ko-KR" sz="5500" dirty="0">
-                <a:solidFill>
-                  <a:schemeClr val="bg1"/>
-                </a:solidFill>
-                <a:latin typeface="한컴산뜻돋움" panose="02000000000000000000" pitchFamily="2" charset="-127"/>
-                <a:ea typeface="한컴산뜻돋움" panose="02000000000000000000" pitchFamily="2" charset="-127"/>
-                <a:cs typeface="Arial Unicode MS" panose="020B0604020202020204" pitchFamily="50" charset="-127"/>
-              </a:rPr>
-              <a:t>4</a:t>
-            </a:r>
-            <a:r>
-              <a:rPr lang="ko-KR" altLang="en-US" sz="5500" dirty="0">
-                <a:solidFill>
-                  <a:schemeClr val="bg1"/>
-                </a:solidFill>
-                <a:latin typeface="한컴산뜻돋움" panose="02000000000000000000" pitchFamily="2" charset="-127"/>
-                <a:ea typeface="한컴산뜻돋움" panose="02000000000000000000" pitchFamily="2" charset="-127"/>
-                <a:cs typeface="Arial Unicode MS" panose="020B0604020202020204" pitchFamily="50" charset="-127"/>
-              </a:rPr>
-              <a:t>번</a:t>
-            </a:r>
-            <a:endParaRPr lang="en-US" altLang="ko-KR" sz="5500" dirty="0">
-              <a:solidFill>
-                <a:schemeClr val="bg1"/>
-              </a:solidFill>
-              <a:latin typeface="한컴산뜻돋움" panose="02000000000000000000" pitchFamily="2" charset="-127"/>
-              <a:ea typeface="한컴산뜻돋움" panose="02000000000000000000" pitchFamily="2" charset="-127"/>
-              <a:cs typeface="Arial Unicode MS" panose="020B0604020202020204" pitchFamily="50" charset="-127"/>
-            </a:endParaRPr>
-          </a:p>
-          <a:p>
-            <a:pPr algn="ctr"/>
-            <a:r>
-              <a:rPr lang="en-US" altLang="ko-KR" sz="5500" dirty="0">
-                <a:solidFill>
-                  <a:schemeClr val="bg1"/>
-                </a:solidFill>
-                <a:latin typeface="한컴산뜻돋움" panose="02000000000000000000" pitchFamily="2" charset="-127"/>
-                <a:ea typeface="한컴산뜻돋움" panose="02000000000000000000" pitchFamily="2" charset="-127"/>
-                <a:cs typeface="Arial Unicode MS" panose="020B0604020202020204" pitchFamily="50" charset="-127"/>
-              </a:rPr>
-              <a:t>Light</a:t>
-            </a:r>
-            <a:r>
-              <a:rPr lang="ko-KR" altLang="en-US" sz="5500" dirty="0">
-                <a:solidFill>
-                  <a:schemeClr val="bg1"/>
-                </a:solidFill>
-                <a:latin typeface="한컴산뜻돋움" panose="02000000000000000000" pitchFamily="2" charset="-127"/>
-                <a:ea typeface="한컴산뜻돋움" panose="02000000000000000000" pitchFamily="2" charset="-127"/>
-                <a:cs typeface="Arial Unicode MS" panose="020B0604020202020204" pitchFamily="50" charset="-127"/>
-              </a:rPr>
-              <a:t> </a:t>
-            </a:r>
-            <a:r>
-              <a:rPr lang="en-US" altLang="ko-KR" sz="5500" dirty="0">
-                <a:solidFill>
-                  <a:schemeClr val="bg1"/>
-                </a:solidFill>
-                <a:latin typeface="한컴산뜻돋움" panose="02000000000000000000" pitchFamily="2" charset="-127"/>
-                <a:ea typeface="한컴산뜻돋움" panose="02000000000000000000" pitchFamily="2" charset="-127"/>
-                <a:cs typeface="Arial Unicode MS" panose="020B0604020202020204" pitchFamily="50" charset="-127"/>
-              </a:rPr>
-              <a:t>response curve</a:t>
-            </a:r>
-            <a:endParaRPr lang="ko-KR" altLang="en-US" sz="5500" dirty="0">
-              <a:solidFill>
-                <a:schemeClr val="bg1"/>
-              </a:solidFill>
-              <a:latin typeface="한컴산뜻돋움" panose="02000000000000000000" pitchFamily="2" charset="-127"/>
-              <a:ea typeface="한컴산뜻돋움" panose="02000000000000000000" pitchFamily="2" charset="-127"/>
-              <a:cs typeface="Arial Unicode MS" panose="020B0604020202020204" pitchFamily="50" charset="-127"/>
-            </a:endParaRPr>
           </a:p>
         </p:txBody>
       </p:sp>
@@ -6437,8 +6282,8 @@
         </p:nvSpPr>
         <p:spPr>
           <a:xfrm>
-            <a:off x="16303155" y="20124124"/>
-            <a:ext cx="15168448" cy="6208623"/>
+            <a:off x="16314268" y="18569791"/>
+            <a:ext cx="15168448" cy="4602029"/>
           </a:xfrm>
           <a:prstGeom prst="rect">
             <a:avLst/>
@@ -6458,7 +6303,7 @@
               <a:defRPr/>
             </a:pPr>
             <a:r>
-              <a:rPr lang="en-US" altLang="ko-KR" sz="3300" b="1" dirty="0">
+              <a:rPr lang="en-US" altLang="ko-KR" sz="3450" b="1" dirty="0">
                 <a:solidFill>
                   <a:srgbClr val="56296E"/>
                 </a:solidFill>
@@ -6471,7 +6316,7 @@
                 <a:ea typeface="한컴산뜻돋움" panose="02000000000000000000" pitchFamily="2" charset="-127"/>
                 <a:cs typeface="Arial Unicode MS" panose="020B0600000101010101" charset="-127"/>
               </a:rPr>
-              <a:t>Measurements	</a:t>
+              <a:t>Building Server on Raspberry Pi 	</a:t>
             </a:r>
           </a:p>
           <a:p>
@@ -6482,228 +6327,150 @@
               <a:defRPr/>
             </a:pPr>
             <a:r>
-              <a:rPr lang="ko-KR" altLang="en-US" sz="3000" dirty="0" err="1">
+              <a:rPr lang="ko-KR" altLang="en-US" sz="3000" b="1" dirty="0" err="1">
                 <a:ea typeface="한컴산뜻돋움" panose="02000000000000000000" pitchFamily="2" charset="-127"/>
               </a:rPr>
               <a:t>라즈베리파이는</a:t>
             </a:r>
             <a:r>
-              <a:rPr lang="ko-KR" altLang="en-US" sz="3000" dirty="0">
-                <a:ea typeface="한컴산뜻돋움" panose="02000000000000000000" pitchFamily="2" charset="-127"/>
-              </a:rPr>
-              <a:t> 저전력으로 운영되는 마이크로컴퓨터로 비용이 저렴하여 현장에 설치하기 유용한 컴퓨터이나</a:t>
-            </a:r>
-            <a:r>
-              <a:rPr lang="en-US" altLang="ko-KR" sz="3000" dirty="0">
-                <a:ea typeface="한컴산뜻돋움" panose="02000000000000000000" pitchFamily="2" charset="-127"/>
-              </a:rPr>
-              <a:t>, AI </a:t>
-            </a:r>
-            <a:r>
-              <a:rPr lang="ko-KR" altLang="en-US" sz="3000" dirty="0">
-                <a:ea typeface="한컴산뜻돋움" panose="02000000000000000000" pitchFamily="2" charset="-127"/>
-              </a:rPr>
-              <a:t>모델이나 복잡한 데이터처리를 수행하기에는 부적합하다</a:t>
-            </a:r>
-            <a:r>
-              <a:rPr lang="en-US" altLang="ko-KR" sz="3000" dirty="0">
+              <a:rPr lang="ko-KR" altLang="en-US" sz="3000" b="1" dirty="0">
+                <a:ea typeface="한컴산뜻돋움" panose="02000000000000000000" pitchFamily="2" charset="-127"/>
+              </a:rPr>
+              <a:t> 저전력으로 운영되는 마이크로컴퓨터로 비용이 저렴하여 현장에 설치하기 유용한 컴퓨터이다</a:t>
+            </a:r>
+            <a:r>
+              <a:rPr lang="en-US" altLang="ko-KR" sz="3000" b="1" dirty="0">
                 <a:ea typeface="한컴산뜻돋움" panose="02000000000000000000" pitchFamily="2" charset="-127"/>
               </a:rPr>
               <a:t>. </a:t>
             </a:r>
             <a:r>
-              <a:rPr lang="ko-KR" altLang="en-US" sz="3000" dirty="0">
-                <a:ea typeface="한컴산뜻돋움" panose="02000000000000000000" pitchFamily="2" charset="-127"/>
-              </a:rPr>
-              <a:t>이러한 문제점은 클라우드 컴퓨팅 기술을 통해 해결할 수 있다</a:t>
-            </a:r>
-            <a:r>
-              <a:rPr lang="en-US" altLang="ko-KR" sz="3000" dirty="0">
+              <a:rPr lang="ko-KR" altLang="en-US" sz="3000" b="1" dirty="0" err="1">
+                <a:ea typeface="한컴산뜻돋움" panose="02000000000000000000" pitchFamily="2" charset="-127"/>
+              </a:rPr>
+              <a:t>라즈베리파이에</a:t>
+            </a:r>
+            <a:r>
+              <a:rPr lang="ko-KR" altLang="en-US" sz="3000" b="1" dirty="0">
+                <a:ea typeface="한컴산뜻돋움" panose="02000000000000000000" pitchFamily="2" charset="-127"/>
+              </a:rPr>
+              <a:t> </a:t>
+            </a:r>
+            <a:r>
+              <a:rPr lang="en-US" altLang="ko-KR" sz="3000" b="1" dirty="0">
+                <a:ea typeface="한컴산뜻돋움" panose="02000000000000000000" pitchFamily="2" charset="-127"/>
+              </a:rPr>
+              <a:t>Nginx</a:t>
+            </a:r>
+            <a:r>
+              <a:rPr lang="ko-KR" altLang="en-US" sz="3000" b="1" dirty="0">
+                <a:ea typeface="한컴산뜻돋움" panose="02000000000000000000" pitchFamily="2" charset="-127"/>
+              </a:rPr>
+              <a:t>로 경량 웹서버를 구동하고</a:t>
+            </a:r>
+            <a:r>
+              <a:rPr lang="en-US" altLang="ko-KR" sz="3000" b="1" dirty="0">
+                <a:ea typeface="한컴산뜻돋움" panose="02000000000000000000" pitchFamily="2" charset="-127"/>
+              </a:rPr>
+              <a:t>, </a:t>
+            </a:r>
+            <a:r>
+              <a:rPr lang="ko-KR" altLang="en-US" sz="3000" b="1" dirty="0">
+                <a:ea typeface="한컴산뜻돋움" panose="02000000000000000000" pitchFamily="2" charset="-127"/>
+              </a:rPr>
+              <a:t>마이크로 서비스 형태로 통신 방식을 설계하고 구현하였다</a:t>
+            </a:r>
+            <a:r>
+              <a:rPr lang="en-US" altLang="ko-KR" sz="3000" b="1" dirty="0">
                 <a:ea typeface="한컴산뜻돋움" panose="02000000000000000000" pitchFamily="2" charset="-127"/>
               </a:rPr>
               <a:t>. </a:t>
             </a:r>
             <a:r>
-              <a:rPr lang="ko-KR" altLang="en-US" sz="3000" dirty="0">
-                <a:ea typeface="한컴산뜻돋움" panose="02000000000000000000" pitchFamily="2" charset="-127"/>
-              </a:rPr>
-              <a:t>클라우드 환경으로 데이터베이스를 구축하면</a:t>
-            </a:r>
-            <a:r>
-              <a:rPr lang="en-US" altLang="ko-KR" sz="3000" dirty="0">
-                <a:ea typeface="한컴산뜻돋움" panose="02000000000000000000" pitchFamily="2" charset="-127"/>
-              </a:rPr>
-              <a:t>, AI </a:t>
-            </a:r>
-            <a:r>
-              <a:rPr lang="ko-KR" altLang="en-US" sz="3000" dirty="0">
-                <a:ea typeface="한컴산뜻돋움" panose="02000000000000000000" pitchFamily="2" charset="-127"/>
-              </a:rPr>
-              <a:t>모델 적용</a:t>
-            </a:r>
-            <a:r>
-              <a:rPr lang="en-US" altLang="ko-KR" sz="3000" dirty="0">
+              <a:rPr lang="ko-KR" altLang="en-US" sz="3000" b="1" dirty="0">
+                <a:ea typeface="한컴산뜻돋움" panose="02000000000000000000" pitchFamily="2" charset="-127"/>
+              </a:rPr>
+              <a:t>이런 형태의 설계는 </a:t>
+            </a:r>
+            <a:r>
+              <a:rPr lang="ko-KR" altLang="en-US" sz="3000" b="1" dirty="0" err="1">
+                <a:ea typeface="한컴산뜻돋움" panose="02000000000000000000" pitchFamily="2" charset="-127"/>
+              </a:rPr>
+              <a:t>미니챔버가</a:t>
+            </a:r>
+            <a:r>
+              <a:rPr lang="ko-KR" altLang="en-US" sz="3000" b="1" dirty="0">
+                <a:ea typeface="한컴산뜻돋움" panose="02000000000000000000" pitchFamily="2" charset="-127"/>
+              </a:rPr>
+              <a:t> 독립된 형태의 실험장비로 운영될 수 있게 한다</a:t>
+            </a:r>
+            <a:r>
+              <a:rPr lang="en-US" altLang="ko-KR" sz="3000" b="1" dirty="0">
+                <a:ea typeface="한컴산뜻돋움" panose="02000000000000000000" pitchFamily="2" charset="-127"/>
+              </a:rPr>
+              <a:t>. </a:t>
+            </a:r>
+            <a:r>
+              <a:rPr lang="ko-KR" altLang="en-US" sz="3000" b="1" dirty="0">
+                <a:ea typeface="한컴산뜻돋움" panose="02000000000000000000" pitchFamily="2" charset="-127"/>
+              </a:rPr>
+              <a:t>스마트폰이나 패드 제품 등 모바일장비로 </a:t>
+            </a:r>
+            <a:r>
+              <a:rPr lang="ko-KR" altLang="en-US" sz="3000" b="1" dirty="0" err="1">
+                <a:ea typeface="한컴산뜻돋움" panose="02000000000000000000" pitchFamily="2" charset="-127"/>
+              </a:rPr>
+              <a:t>미니챔버에</a:t>
+            </a:r>
+            <a:r>
+              <a:rPr lang="ko-KR" altLang="en-US" sz="3000" b="1" dirty="0">
+                <a:ea typeface="한컴산뜻돋움" panose="02000000000000000000" pitchFamily="2" charset="-127"/>
+              </a:rPr>
+              <a:t> 접속하여 센서의 작동유무 체크 및 제어장치의 구동을 수행할 수 있다</a:t>
+            </a:r>
+            <a:r>
+              <a:rPr lang="en-US" altLang="ko-KR" sz="3000" b="1" dirty="0">
+                <a:ea typeface="한컴산뜻돋움" panose="02000000000000000000" pitchFamily="2" charset="-127"/>
+              </a:rPr>
+              <a:t>. </a:t>
+            </a:r>
+            <a:r>
+              <a:rPr lang="ko-KR" altLang="en-US" sz="3000" b="1" dirty="0">
+                <a:ea typeface="한컴산뜻돋움" panose="02000000000000000000" pitchFamily="2" charset="-127"/>
+              </a:rPr>
+              <a:t>웹 </a:t>
+            </a:r>
+            <a:r>
+              <a:rPr lang="en-US" altLang="ko-KR" sz="3000" b="1" dirty="0">
+                <a:ea typeface="한컴산뜻돋움" panose="02000000000000000000" pitchFamily="2" charset="-127"/>
+              </a:rPr>
+              <a:t>API</a:t>
+            </a:r>
+            <a:r>
+              <a:rPr lang="ko-KR" altLang="en-US" sz="3000" b="1" dirty="0">
+                <a:ea typeface="한컴산뜻돋움" panose="02000000000000000000" pitchFamily="2" charset="-127"/>
+              </a:rPr>
+              <a:t>를 이용하므로</a:t>
+            </a:r>
+            <a:r>
+              <a:rPr lang="en-US" altLang="ko-KR" sz="3000" b="1" dirty="0">
                 <a:ea typeface="한컴산뜻돋움" panose="02000000000000000000" pitchFamily="2" charset="-127"/>
               </a:rPr>
               <a:t>, </a:t>
             </a:r>
             <a:r>
-              <a:rPr lang="ko-KR" altLang="en-US" sz="3000" dirty="0">
-                <a:ea typeface="한컴산뜻돋움" panose="02000000000000000000" pitchFamily="2" charset="-127"/>
-              </a:rPr>
-              <a:t>빅데이터 분석 등 다양한 첨단 기술을 활용할 수 있다</a:t>
-            </a:r>
-            <a:r>
-              <a:rPr lang="en-US" altLang="ko-KR" sz="3000" dirty="0">
-                <a:ea typeface="한컴산뜻돋움" panose="02000000000000000000" pitchFamily="2" charset="-127"/>
-              </a:rPr>
-              <a:t>. </a:t>
-            </a:r>
-            <a:r>
-              <a:rPr lang="ko-KR" altLang="en-US" sz="3000" dirty="0">
-                <a:ea typeface="한컴산뜻돋움" panose="02000000000000000000" pitchFamily="2" charset="-127"/>
-              </a:rPr>
-              <a:t>이를 위해서는 무선통신 기술이 중요하다</a:t>
-            </a:r>
-            <a:r>
-              <a:rPr lang="en-US" altLang="ko-KR" sz="3000" dirty="0">
-                <a:ea typeface="한컴산뜻돋움" panose="02000000000000000000" pitchFamily="2" charset="-127"/>
-              </a:rPr>
-              <a:t>. </a:t>
-            </a:r>
-            <a:r>
-              <a:rPr lang="ko-KR" altLang="en-US" sz="3000" dirty="0" err="1">
-                <a:ea typeface="한컴산뜻돋움" panose="02000000000000000000" pitchFamily="2" charset="-127"/>
-              </a:rPr>
-              <a:t>라즈베리파이에</a:t>
-            </a:r>
-            <a:r>
-              <a:rPr lang="ko-KR" altLang="en-US" sz="3000" dirty="0">
-                <a:ea typeface="한컴산뜻돋움" panose="02000000000000000000" pitchFamily="2" charset="-127"/>
-              </a:rPr>
-              <a:t> </a:t>
-            </a:r>
-            <a:r>
-              <a:rPr lang="en-US" altLang="ko-KR" sz="3000" dirty="0">
-                <a:ea typeface="한컴산뜻돋움" panose="02000000000000000000" pitchFamily="2" charset="-127"/>
-              </a:rPr>
-              <a:t>Nginx</a:t>
-            </a:r>
-            <a:r>
-              <a:rPr lang="ko-KR" altLang="en-US" sz="3000" dirty="0">
-                <a:ea typeface="한컴산뜻돋움" panose="02000000000000000000" pitchFamily="2" charset="-127"/>
-              </a:rPr>
-              <a:t>로 경량 웹서버를 구동하고</a:t>
-            </a:r>
-            <a:r>
-              <a:rPr lang="en-US" altLang="ko-KR" sz="3000" dirty="0">
-                <a:ea typeface="한컴산뜻돋움" panose="02000000000000000000" pitchFamily="2" charset="-127"/>
-              </a:rPr>
-              <a:t>, </a:t>
-            </a:r>
-            <a:r>
-              <a:rPr lang="ko-KR" altLang="en-US" sz="3000" dirty="0">
-                <a:ea typeface="한컴산뜻돋움" panose="02000000000000000000" pitchFamily="2" charset="-127"/>
-              </a:rPr>
-              <a:t>마이크로 서비스 형태로 통신 방식을 설계하고 구현하였다</a:t>
-            </a:r>
-            <a:r>
-              <a:rPr lang="en-US" altLang="ko-KR" sz="3000" dirty="0">
-                <a:ea typeface="한컴산뜻돋움" panose="02000000000000000000" pitchFamily="2" charset="-127"/>
-              </a:rPr>
-              <a:t>. </a:t>
-            </a:r>
-            <a:r>
-              <a:rPr lang="ko-KR" altLang="en-US" sz="3000" dirty="0">
-                <a:ea typeface="한컴산뜻돋움" panose="02000000000000000000" pitchFamily="2" charset="-127"/>
-              </a:rPr>
-              <a:t>이런 형태의 설계는 </a:t>
-            </a:r>
-            <a:r>
-              <a:rPr lang="ko-KR" altLang="en-US" sz="3000" dirty="0" err="1">
-                <a:ea typeface="한컴산뜻돋움" panose="02000000000000000000" pitchFamily="2" charset="-127"/>
-              </a:rPr>
-              <a:t>미니챔버가</a:t>
-            </a:r>
-            <a:r>
-              <a:rPr lang="ko-KR" altLang="en-US" sz="3000" dirty="0">
-                <a:ea typeface="한컴산뜻돋움" panose="02000000000000000000" pitchFamily="2" charset="-127"/>
-              </a:rPr>
-              <a:t> 독립된 형태의 실험장비로 운영될 수 있게 한다</a:t>
-            </a:r>
-            <a:r>
-              <a:rPr lang="en-US" altLang="ko-KR" sz="3000" dirty="0">
-                <a:ea typeface="한컴산뜻돋움" panose="02000000000000000000" pitchFamily="2" charset="-127"/>
-              </a:rPr>
-              <a:t>. </a:t>
-            </a:r>
-            <a:r>
-              <a:rPr lang="ko-KR" altLang="en-US" sz="3000" dirty="0">
-                <a:ea typeface="한컴산뜻돋움" panose="02000000000000000000" pitchFamily="2" charset="-127"/>
-              </a:rPr>
-              <a:t>스마트폰이나 패드 제품 등 모바일장비로 </a:t>
-            </a:r>
-            <a:r>
-              <a:rPr lang="ko-KR" altLang="en-US" sz="3000" dirty="0" err="1">
-                <a:ea typeface="한컴산뜻돋움" panose="02000000000000000000" pitchFamily="2" charset="-127"/>
-              </a:rPr>
-              <a:t>미니챔버에</a:t>
-            </a:r>
-            <a:r>
-              <a:rPr lang="ko-KR" altLang="en-US" sz="3000" dirty="0">
-                <a:ea typeface="한컴산뜻돋움" panose="02000000000000000000" pitchFamily="2" charset="-127"/>
-              </a:rPr>
-              <a:t> 접속하여 센서의 작동유무 체크 및 제어장치의 구동을 수행할 수 있다</a:t>
-            </a:r>
-            <a:r>
-              <a:rPr lang="en-US" altLang="ko-KR" sz="3000" dirty="0">
-                <a:ea typeface="한컴산뜻돋움" panose="02000000000000000000" pitchFamily="2" charset="-127"/>
-              </a:rPr>
-              <a:t>. </a:t>
-            </a:r>
-            <a:r>
-              <a:rPr lang="ko-KR" altLang="en-US" sz="3000" dirty="0">
-                <a:ea typeface="한컴산뜻돋움" panose="02000000000000000000" pitchFamily="2" charset="-127"/>
-              </a:rPr>
-              <a:t>웹 </a:t>
-            </a:r>
-            <a:r>
-              <a:rPr lang="en-US" altLang="ko-KR" sz="3000" dirty="0">
-                <a:ea typeface="한컴산뜻돋움" panose="02000000000000000000" pitchFamily="2" charset="-127"/>
-              </a:rPr>
-              <a:t>API</a:t>
-            </a:r>
-            <a:r>
-              <a:rPr lang="ko-KR" altLang="en-US" sz="3000" dirty="0">
-                <a:ea typeface="한컴산뜻돋움" panose="02000000000000000000" pitchFamily="2" charset="-127"/>
-              </a:rPr>
-              <a:t>를 이용하므로</a:t>
-            </a:r>
-            <a:r>
-              <a:rPr lang="en-US" altLang="ko-KR" sz="3000" dirty="0">
-                <a:ea typeface="한컴산뜻돋움" panose="02000000000000000000" pitchFamily="2" charset="-127"/>
-              </a:rPr>
-              <a:t>, </a:t>
-            </a:r>
-            <a:r>
-              <a:rPr lang="ko-KR" altLang="en-US" sz="3000" dirty="0">
-                <a:ea typeface="한컴산뜻돋움" panose="02000000000000000000" pitchFamily="2" charset="-127"/>
-              </a:rPr>
-              <a:t>규격만 준수하면 따로 사용자용 프로그램을 설치하지 않고 </a:t>
-            </a:r>
-            <a:r>
-              <a:rPr lang="ko-KR" altLang="en-US" sz="3000" dirty="0" err="1">
-                <a:ea typeface="한컴산뜻돋움" panose="02000000000000000000" pitchFamily="2" charset="-127"/>
-              </a:rPr>
-              <a:t>사용가능하다</a:t>
-            </a:r>
-            <a:r>
-              <a:rPr lang="en-US" altLang="ko-KR" sz="3000" dirty="0">
+              <a:rPr lang="ko-KR" altLang="en-US" sz="3000" b="1" dirty="0">
+                <a:ea typeface="한컴산뜻돋움" panose="02000000000000000000" pitchFamily="2" charset="-127"/>
+              </a:rPr>
+              <a:t>규격만 준수하면 따로 사용자용 프로그램을 설치하지 않고 사용 가능하다</a:t>
+            </a:r>
+            <a:r>
+              <a:rPr lang="en-US" altLang="ko-KR" sz="3000" b="1" dirty="0">
                 <a:ea typeface="한컴산뜻돋움" panose="02000000000000000000" pitchFamily="2" charset="-127"/>
               </a:rPr>
               <a:t>.</a:t>
             </a:r>
-            <a:endParaRPr lang="en-US" altLang="ko-KR" sz="3000" dirty="0">
+            <a:endParaRPr lang="en-US" altLang="ko-KR" sz="3000" b="1" dirty="0">
               <a:latin typeface="한컴산뜻돋움" panose="02000000000000000000" pitchFamily="2" charset="-127"/>
               <a:ea typeface="한컴산뜻돋움" panose="02000000000000000000" pitchFamily="2" charset="-127"/>
               <a:cs typeface="Arial Unicode MS" panose="020B0600000101010101" charset="-127"/>
@@ -6727,7 +6494,7 @@
         </p:nvSpPr>
         <p:spPr>
           <a:xfrm>
-            <a:off x="932768" y="21354717"/>
+            <a:off x="907759" y="17257180"/>
             <a:ext cx="14508936" cy="3153102"/>
           </a:xfrm>
           <a:prstGeom prst="rect">
@@ -6764,7 +6531,7 @@
               </a:lnSpc>
             </a:pPr>
             <a:r>
-              <a:rPr lang="ko-KR" altLang="en-US" sz="3000" dirty="0">
+              <a:rPr lang="ko-KR" altLang="en-US" sz="3000" b="1" dirty="0">
                 <a:latin typeface="한컴산뜻돋움" panose="02000000000000000000" pitchFamily="2" charset="-127"/>
                 <a:ea typeface="한컴산뜻돋움" panose="02000000000000000000" pitchFamily="2" charset="-127"/>
                 <a:cs typeface="Arial Unicode MS" panose="020B0604020202020204" pitchFamily="50" charset="-127"/>
@@ -6772,7 +6539,7 @@
               <a:t>기존 챔버는 온도</a:t>
             </a:r>
             <a:r>
-              <a:rPr lang="en-US" altLang="ko-KR" sz="3000" dirty="0">
+              <a:rPr lang="en-US" altLang="ko-KR" sz="3000" b="1" dirty="0">
                 <a:latin typeface="한컴산뜻돋움" panose="02000000000000000000" pitchFamily="2" charset="-127"/>
                 <a:ea typeface="한컴산뜻돋움" panose="02000000000000000000" pitchFamily="2" charset="-127"/>
                 <a:cs typeface="Arial Unicode MS" panose="020B0604020202020204" pitchFamily="50" charset="-127"/>
@@ -6780,7 +6547,7 @@
               <a:t>/</a:t>
             </a:r>
             <a:r>
-              <a:rPr lang="ko-KR" altLang="en-US" sz="3000" dirty="0">
+              <a:rPr lang="ko-KR" altLang="en-US" sz="3000" b="1" dirty="0">
                 <a:latin typeface="한컴산뜻돋움" panose="02000000000000000000" pitchFamily="2" charset="-127"/>
                 <a:ea typeface="한컴산뜻돋움" panose="02000000000000000000" pitchFamily="2" charset="-127"/>
                 <a:cs typeface="Arial Unicode MS" panose="020B0604020202020204" pitchFamily="50" charset="-127"/>
@@ -6788,7 +6555,7 @@
               <a:t>습도</a:t>
             </a:r>
             <a:r>
-              <a:rPr lang="en-US" altLang="ko-KR" sz="3000" dirty="0">
+              <a:rPr lang="en-US" altLang="ko-KR" sz="3000" b="1" dirty="0">
                 <a:latin typeface="한컴산뜻돋움" panose="02000000000000000000" pitchFamily="2" charset="-127"/>
                 <a:ea typeface="한컴산뜻돋움" panose="02000000000000000000" pitchFamily="2" charset="-127"/>
                 <a:cs typeface="Arial Unicode MS" panose="020B0604020202020204" pitchFamily="50" charset="-127"/>
@@ -6796,7 +6563,7 @@
               <a:t>/</a:t>
             </a:r>
             <a:r>
-              <a:rPr lang="ko-KR" altLang="en-US" sz="3000" dirty="0">
+              <a:rPr lang="ko-KR" altLang="en-US" sz="3000" b="1" dirty="0">
                 <a:latin typeface="한컴산뜻돋움" panose="02000000000000000000" pitchFamily="2" charset="-127"/>
                 <a:ea typeface="한컴산뜻돋움" panose="02000000000000000000" pitchFamily="2" charset="-127"/>
                 <a:cs typeface="Arial Unicode MS" panose="020B0604020202020204" pitchFamily="50" charset="-127"/>
@@ -6804,7 +6571,7 @@
               <a:t>광도 등의 조절을 통해 식물 재배 환경을 제어할 수 있어 식물 생육 과정을 이해하는데 유용한 실험 장비이다</a:t>
             </a:r>
             <a:r>
-              <a:rPr lang="en-US" altLang="ko-KR" sz="3000" dirty="0">
+              <a:rPr lang="en-US" altLang="ko-KR" sz="3000" b="1" dirty="0">
                 <a:latin typeface="한컴산뜻돋움" panose="02000000000000000000" pitchFamily="2" charset="-127"/>
                 <a:ea typeface="한컴산뜻돋움" panose="02000000000000000000" pitchFamily="2" charset="-127"/>
                 <a:cs typeface="Arial Unicode MS" panose="020B0604020202020204" pitchFamily="50" charset="-127"/>
@@ -6812,7 +6579,7 @@
               <a:t>. </a:t>
             </a:r>
             <a:r>
-              <a:rPr lang="ko-KR" altLang="en-US" sz="3000" dirty="0">
+              <a:rPr lang="ko-KR" altLang="en-US" sz="3000" b="1" dirty="0">
                 <a:latin typeface="한컴산뜻돋움" panose="02000000000000000000" pitchFamily="2" charset="-127"/>
                 <a:ea typeface="한컴산뜻돋움" panose="02000000000000000000" pitchFamily="2" charset="-127"/>
                 <a:cs typeface="Arial Unicode MS" panose="020B0604020202020204" pitchFamily="50" charset="-127"/>
@@ -6820,7 +6587,7 @@
               <a:t>하지만 환경조절은 제품에 미리 </a:t>
             </a:r>
             <a:r>
-              <a:rPr lang="ko-KR" altLang="en-US" sz="3000" dirty="0" err="1">
+              <a:rPr lang="ko-KR" altLang="en-US" sz="3000" b="1" dirty="0" err="1">
                 <a:latin typeface="한컴산뜻돋움" panose="02000000000000000000" pitchFamily="2" charset="-127"/>
                 <a:ea typeface="한컴산뜻돋움" panose="02000000000000000000" pitchFamily="2" charset="-127"/>
                 <a:cs typeface="Arial Unicode MS" panose="020B0604020202020204" pitchFamily="50" charset="-127"/>
@@ -6828,7 +6595,7 @@
               <a:t>프로그래밍된</a:t>
             </a:r>
             <a:r>
-              <a:rPr lang="ko-KR" altLang="en-US" sz="3000" dirty="0">
+              <a:rPr lang="ko-KR" altLang="en-US" sz="3000" b="1" dirty="0">
                 <a:latin typeface="한컴산뜻돋움" panose="02000000000000000000" pitchFamily="2" charset="-127"/>
                 <a:ea typeface="한컴산뜻돋움" panose="02000000000000000000" pitchFamily="2" charset="-127"/>
                 <a:cs typeface="Arial Unicode MS" panose="020B0604020202020204" pitchFamily="50" charset="-127"/>
@@ -6836,7 +6603,7 @@
               <a:t> 규칙만으로 운영이 되고 있고</a:t>
             </a:r>
             <a:r>
-              <a:rPr lang="en-US" altLang="ko-KR" sz="3000" dirty="0">
+              <a:rPr lang="en-US" altLang="ko-KR" sz="3000" b="1" dirty="0">
                 <a:latin typeface="한컴산뜻돋움" panose="02000000000000000000" pitchFamily="2" charset="-127"/>
                 <a:ea typeface="한컴산뜻돋움" panose="02000000000000000000" pitchFamily="2" charset="-127"/>
                 <a:cs typeface="Arial Unicode MS" panose="020B0604020202020204" pitchFamily="50" charset="-127"/>
@@ -6844,7 +6611,7 @@
               <a:t>, </a:t>
             </a:r>
             <a:r>
-              <a:rPr lang="ko-KR" altLang="en-US" sz="3000" dirty="0">
+              <a:rPr lang="ko-KR" altLang="en-US" sz="3000" b="1" dirty="0">
                 <a:latin typeface="한컴산뜻돋움" panose="02000000000000000000" pitchFamily="2" charset="-127"/>
                 <a:ea typeface="한컴산뜻돋움" panose="02000000000000000000" pitchFamily="2" charset="-127"/>
                 <a:cs typeface="Arial Unicode MS" panose="020B0604020202020204" pitchFamily="50" charset="-127"/>
@@ -6852,7 +6619,7 @@
               <a:t>외부에서 새로운 알고리즘으로 운영 소프트웨어를 만들더라도 적용하기가 어렵다</a:t>
             </a:r>
             <a:r>
-              <a:rPr lang="en-US" altLang="ko-KR" sz="3000" dirty="0">
+              <a:rPr lang="en-US" altLang="ko-KR" sz="3000" b="1" dirty="0">
                 <a:latin typeface="한컴산뜻돋움" panose="02000000000000000000" pitchFamily="2" charset="-127"/>
                 <a:ea typeface="한컴산뜻돋움" panose="02000000000000000000" pitchFamily="2" charset="-127"/>
                 <a:cs typeface="Arial Unicode MS" panose="020B0604020202020204" pitchFamily="50" charset="-127"/>
@@ -6860,7 +6627,7 @@
               <a:t>. </a:t>
             </a:r>
             <a:r>
-              <a:rPr lang="ko-KR" altLang="en-US" sz="3000" dirty="0">
+              <a:rPr lang="ko-KR" altLang="en-US" sz="3000" b="1" dirty="0">
                 <a:latin typeface="한컴산뜻돋움" panose="02000000000000000000" pitchFamily="2" charset="-127"/>
                 <a:ea typeface="한컴산뜻돋움" panose="02000000000000000000" pitchFamily="2" charset="-127"/>
                 <a:cs typeface="Arial Unicode MS" panose="020B0604020202020204" pitchFamily="50" charset="-127"/>
@@ -6868,7 +6635,7 @@
               <a:t>또한 폐쇄적인 설계로 인해 추가적인 센서 및 제어장치를 설피하여 실험하기가 불가능한 제품이 많다</a:t>
             </a:r>
             <a:r>
-              <a:rPr lang="en-US" altLang="ko-KR" sz="3000" dirty="0">
+              <a:rPr lang="en-US" altLang="ko-KR" sz="3000" b="1" dirty="0">
                 <a:latin typeface="한컴산뜻돋움" panose="02000000000000000000" pitchFamily="2" charset="-127"/>
                 <a:ea typeface="한컴산뜻돋움" panose="02000000000000000000" pitchFamily="2" charset="-127"/>
                 <a:cs typeface="Arial Unicode MS" panose="020B0604020202020204" pitchFamily="50" charset="-127"/>
@@ -6876,42 +6643,82 @@
               <a:t>. </a:t>
             </a:r>
             <a:r>
-              <a:rPr lang="ko-KR" altLang="en-US" sz="3000" dirty="0">
+              <a:rPr lang="ko-KR" altLang="en-US" sz="3000" b="1" dirty="0">
                 <a:ea typeface="한컴산뜻돋움" panose="02000000000000000000" pitchFamily="2" charset="-127"/>
               </a:rPr>
               <a:t>본 연구에서는 챔버의 운영 알고리즘을 개선하고</a:t>
             </a:r>
             <a:r>
-              <a:rPr lang="en-US" altLang="ko-KR" sz="3000" dirty="0">
+              <a:rPr lang="en-US" altLang="ko-KR" sz="3000" b="1" dirty="0">
                 <a:ea typeface="한컴산뜻돋움" panose="02000000000000000000" pitchFamily="2" charset="-127"/>
               </a:rPr>
               <a:t>, </a:t>
             </a:r>
             <a:r>
-              <a:rPr lang="ko-KR" altLang="en-US" sz="3000" dirty="0">
+              <a:rPr lang="ko-KR" altLang="en-US" sz="3000" b="1" dirty="0">
                 <a:ea typeface="한컴산뜻돋움" panose="02000000000000000000" pitchFamily="2" charset="-127"/>
               </a:rPr>
               <a:t>새로운 장비 및 센서를 추가하여 실험할 수 있도록 오픈형 </a:t>
             </a:r>
             <a:r>
-              <a:rPr lang="ko-KR" altLang="en-US" sz="3000" dirty="0" err="1">
+              <a:rPr lang="ko-KR" altLang="en-US" sz="3000" b="1" dirty="0" err="1">
                 <a:ea typeface="한컴산뜻돋움" panose="02000000000000000000" pitchFamily="2" charset="-127"/>
               </a:rPr>
               <a:t>미니챔버를</a:t>
             </a:r>
             <a:r>
-              <a:rPr lang="ko-KR" altLang="en-US" sz="3000" dirty="0">
+              <a:rPr lang="ko-KR" altLang="en-US" sz="3000" b="1" dirty="0">
                 <a:ea typeface="한컴산뜻돋움" panose="02000000000000000000" pitchFamily="2" charset="-127"/>
               </a:rPr>
               <a:t> 구현하고자 한다</a:t>
             </a:r>
             <a:r>
-              <a:rPr lang="en-US" altLang="ko-KR" sz="3000" dirty="0">
-                <a:ea typeface="한컴산뜻돋움" panose="02000000000000000000" pitchFamily="2" charset="-127"/>
-              </a:rPr>
-              <a:t>.</a:t>
-            </a:r>
-            <a:endParaRPr lang="ko-KR" altLang="ko-KR" sz="3000" dirty="0">
+              <a:rPr lang="en-US" altLang="ko-KR" sz="3000" b="1" dirty="0">
+                <a:ea typeface="한컴산뜻돋움" panose="02000000000000000000" pitchFamily="2" charset="-127"/>
+              </a:rPr>
+              <a:t>. </a:t>
+            </a:r>
+            <a:r>
+              <a:rPr lang="ko-KR" altLang="en-US" sz="3000" b="1" dirty="0" err="1">
+                <a:latin typeface="한컴산뜻돋움" panose="02000000000000000000" pitchFamily="2" charset="-127"/>
+                <a:ea typeface="한컴산뜻돋움" panose="02000000000000000000" pitchFamily="2" charset="-127"/>
+                <a:cs typeface="Arial Unicode MS" panose="020B0604020202020204" pitchFamily="50" charset="-127"/>
+              </a:rPr>
+              <a:t>미니챔버를</a:t>
+            </a:r>
+            <a:r>
+              <a:rPr lang="ko-KR" altLang="en-US" sz="3000" b="1" dirty="0">
+                <a:latin typeface="한컴산뜻돋움" panose="02000000000000000000" pitchFamily="2" charset="-127"/>
+                <a:ea typeface="한컴산뜻돋움" panose="02000000000000000000" pitchFamily="2" charset="-127"/>
+                <a:cs typeface="Arial Unicode MS" panose="020B0604020202020204" pitchFamily="50" charset="-127"/>
+              </a:rPr>
+              <a:t> 구현한 이후에는 이미지 분석을 통한 </a:t>
+            </a:r>
+            <a:r>
+              <a:rPr lang="en-US" altLang="ko-KR" sz="3000" b="1" dirty="0">
+                <a:latin typeface="한컴산뜻돋움" panose="02000000000000000000" pitchFamily="2" charset="-127"/>
+                <a:ea typeface="한컴산뜻돋움" panose="02000000000000000000" pitchFamily="2" charset="-127"/>
+                <a:cs typeface="Arial Unicode MS" panose="020B0604020202020204" pitchFamily="50" charset="-127"/>
+              </a:rPr>
+              <a:t>AI </a:t>
+            </a:r>
+            <a:r>
+              <a:rPr lang="ko-KR" altLang="en-US" sz="3000" b="1" dirty="0">
+                <a:latin typeface="한컴산뜻돋움" panose="02000000000000000000" pitchFamily="2" charset="-127"/>
+                <a:ea typeface="한컴산뜻돋움" panose="02000000000000000000" pitchFamily="2" charset="-127"/>
+                <a:cs typeface="Arial Unicode MS" panose="020B0604020202020204" pitchFamily="50" charset="-127"/>
+              </a:rPr>
+              <a:t>모델을 이용하여 생육단계를 구분하고 단계에 따른 알맞은 환경조절이 자동으로 될 수 있도록 소프트웨어를 구축하고자 한다</a:t>
+            </a:r>
+            <a:r>
+              <a:rPr lang="en-US" altLang="ko-KR" sz="3000" b="1" dirty="0">
+                <a:latin typeface="한컴산뜻돋움" panose="02000000000000000000" pitchFamily="2" charset="-127"/>
+                <a:ea typeface="한컴산뜻돋움" panose="02000000000000000000" pitchFamily="2" charset="-127"/>
+                <a:cs typeface="Arial Unicode MS" panose="020B0604020202020204" pitchFamily="50" charset="-127"/>
+              </a:rPr>
+              <a:t>. </a:t>
+            </a:r>
+            <a:endParaRPr lang="ko-KR" altLang="ko-KR" sz="3000" b="1" dirty="0">
               <a:latin typeface="한컴산뜻돋움" panose="02000000000000000000" pitchFamily="2" charset="-127"/>
               <a:ea typeface="한컴산뜻돋움" panose="02000000000000000000" pitchFamily="2" charset="-127"/>
               <a:cs typeface="Arial Unicode MS" panose="020B0604020202020204" pitchFamily="50" charset="-127"/>
@@ -7250,6 +7057,4642 @@
           </a:p>
           <a:p>
             <a:endParaRPr lang="ko-KR" altLang="en-US" dirty="0"/>
+          </a:p>
+        </p:txBody>
+      </p:sp>
+      <p:sp>
+        <p:nvSpPr>
+          <p:cNvPr id="5" name="웃는 얼굴 4">
+            <a:extLst>
+              <a:ext uri="{FF2B5EF4-FFF2-40B4-BE49-F238E27FC236}">
+                <a16:creationId xmlns:a16="http://schemas.microsoft.com/office/drawing/2014/main" id="{6DED927D-B109-499D-B8AA-9D62DB9A5DD9}"/>
+              </a:ext>
+            </a:extLst>
+          </p:cNvPr>
+          <p:cNvSpPr/>
+          <p:nvPr/>
+        </p:nvSpPr>
+        <p:spPr>
+          <a:xfrm>
+            <a:off x="17156243" y="28857354"/>
+            <a:ext cx="14631250" cy="8934700"/>
+          </a:xfrm>
+          <a:prstGeom prst="smileyFace">
+            <a:avLst/>
+          </a:prstGeom>
+          <a:solidFill>
+            <a:schemeClr val="bg1"/>
+          </a:solidFill>
+          <a:ln>
+            <a:solidFill>
+              <a:schemeClr val="tx1">
+                <a:lumMod val="85000"/>
+                <a:lumOff val="15000"/>
+              </a:schemeClr>
+            </a:solidFill>
+          </a:ln>
+        </p:spPr>
+        <p:style>
+          <a:lnRef idx="2">
+            <a:schemeClr val="accent1">
+              <a:shade val="50000"/>
+            </a:schemeClr>
+          </a:lnRef>
+          <a:fillRef idx="1">
+            <a:schemeClr val="accent1"/>
+          </a:fillRef>
+          <a:effectRef idx="0">
+            <a:schemeClr val="accent1"/>
+          </a:effectRef>
+          <a:fontRef idx="minor">
+            <a:schemeClr val="lt1"/>
+          </a:fontRef>
+        </p:style>
+        <p:txBody>
+          <a:bodyPr rtlCol="0" anchor="ctr"/>
+          <a:lstStyle/>
+          <a:p>
+            <a:pPr algn="ctr"/>
+            <a:endParaRPr lang="ko-KR" altLang="en-US"/>
+          </a:p>
+        </p:txBody>
+      </p:sp>
+      <p:sp>
+        <p:nvSpPr>
+          <p:cNvPr id="8" name="TextBox 7">
+            <a:extLst>
+              <a:ext uri="{FF2B5EF4-FFF2-40B4-BE49-F238E27FC236}">
+                <a16:creationId xmlns:a16="http://schemas.microsoft.com/office/drawing/2014/main" id="{FA10C3B7-5853-492E-BA97-45A3E10B3C5F}"/>
+              </a:ext>
+            </a:extLst>
+          </p:cNvPr>
+          <p:cNvSpPr txBox="1"/>
+          <p:nvPr/>
+        </p:nvSpPr>
+        <p:spPr>
+          <a:xfrm>
+            <a:off x="19324167" y="29221599"/>
+            <a:ext cx="8996517" cy="553998"/>
+          </a:xfrm>
+          <a:prstGeom prst="rect">
+            <a:avLst/>
+          </a:prstGeom>
+          <a:noFill/>
+        </p:spPr>
+        <p:txBody>
+          <a:bodyPr wrap="square" rtlCol="0">
+            <a:spAutoFit/>
+          </a:bodyPr>
+          <a:lstStyle/>
+          <a:p>
+            <a:r>
+              <a:rPr lang="ko-KR" altLang="en-US" sz="3000" dirty="0"/>
+              <a:t>여기에 </a:t>
+            </a:r>
+            <a:r>
+              <a:rPr lang="en-US" altLang="ko-KR" sz="3000" dirty="0"/>
+              <a:t>Dash-</a:t>
+            </a:r>
+            <a:r>
+              <a:rPr lang="en-US" altLang="ko-KR" sz="3000" dirty="0" err="1"/>
+              <a:t>Borad</a:t>
+            </a:r>
+            <a:r>
+              <a:rPr lang="en-US" altLang="ko-KR" sz="3000" dirty="0"/>
+              <a:t> </a:t>
+            </a:r>
+            <a:r>
+              <a:rPr lang="ko-KR" altLang="en-US" sz="3000" dirty="0" err="1"/>
+              <a:t>넣을거임</a:t>
+            </a:r>
+            <a:r>
+              <a:rPr lang="en-US" altLang="ko-KR" sz="3000" dirty="0"/>
+              <a:t>~</a:t>
+            </a:r>
+            <a:r>
+              <a:rPr lang="ko-KR" altLang="en-US" sz="3000" dirty="0" err="1"/>
+              <a:t>ㅋ</a:t>
+            </a:r>
+            <a:endParaRPr lang="ko-KR" altLang="en-US" sz="3000" dirty="0"/>
+          </a:p>
+        </p:txBody>
+      </p:sp>
+      <p:sp>
+        <p:nvSpPr>
+          <p:cNvPr id="60" name="제목 1">
+            <a:extLst>
+              <a:ext uri="{FF2B5EF4-FFF2-40B4-BE49-F238E27FC236}">
+                <a16:creationId xmlns:a16="http://schemas.microsoft.com/office/drawing/2014/main" id="{543C0F7A-31DF-4F29-8727-D96396E20085}"/>
+              </a:ext>
+            </a:extLst>
+          </p:cNvPr>
+          <p:cNvSpPr txBox="1">
+            <a:spLocks/>
+          </p:cNvSpPr>
+          <p:nvPr/>
+        </p:nvSpPr>
+        <p:spPr>
+          <a:xfrm>
+            <a:off x="685183" y="28041955"/>
+            <a:ext cx="14508936" cy="1804428"/>
+          </a:xfrm>
+          <a:prstGeom prst="rect">
+            <a:avLst/>
+          </a:prstGeom>
+        </p:spPr>
+        <p:txBody>
+          <a:bodyPr vert="horz" lIns="83820" tIns="41910" rIns="83820" bIns="41910" rtlCol="0" anchor="b">
+            <a:noAutofit/>
+          </a:bodyPr>
+          <a:lstStyle>
+            <a:lvl1pPr algn="ctr" defTabSz="3240451" rtl="0" eaLnBrk="1" latinLnBrk="1" hangingPunct="1">
+              <a:lnSpc>
+                <a:spcPct val="90000"/>
+              </a:lnSpc>
+              <a:spcBef>
+                <a:spcPct val="0"/>
+              </a:spcBef>
+              <a:buNone/>
+              <a:defRPr sz="21263" kern="1200">
+                <a:solidFill>
+                  <a:schemeClr val="tx1"/>
+                </a:solidFill>
+                <a:latin typeface="+mj-lt"/>
+                <a:ea typeface="+mj-ea"/>
+                <a:cs typeface="+mj-cs"/>
+              </a:defRPr>
+            </a:lvl1pPr>
+          </a:lstStyle>
+          <a:p>
+            <a:pPr algn="just" latinLnBrk="0">
+              <a:lnSpc>
+                <a:spcPct val="120000"/>
+              </a:lnSpc>
+            </a:pPr>
+            <a:r>
+              <a:rPr lang="ko-KR" altLang="en-US" sz="3000" b="1" dirty="0">
+                <a:latin typeface="한컴산뜻돋움" panose="02000000000000000000" pitchFamily="2" charset="-127"/>
+                <a:ea typeface="한컴산뜻돋움" panose="02000000000000000000" pitchFamily="2" charset="-127"/>
+                <a:cs typeface="Arial Unicode MS" panose="020B0604020202020204" pitchFamily="50" charset="-127"/>
+              </a:rPr>
+              <a:t>결과 부분에 대시보드에 대한 설명도 같이 있으면 </a:t>
+            </a:r>
+            <a:r>
+              <a:rPr lang="ko-KR" altLang="en-US" sz="3000" b="1" dirty="0" err="1">
+                <a:latin typeface="한컴산뜻돋움" panose="02000000000000000000" pitchFamily="2" charset="-127"/>
+                <a:ea typeface="한컴산뜻돋움" panose="02000000000000000000" pitchFamily="2" charset="-127"/>
+                <a:cs typeface="Arial Unicode MS" panose="020B0604020202020204" pitchFamily="50" charset="-127"/>
+              </a:rPr>
+              <a:t>좋을듯</a:t>
+            </a:r>
+          </a:p>
+          <a:p>
+            <a:pPr algn="just" latinLnBrk="0">
+              <a:lnSpc>
+                <a:spcPct val="120000"/>
+              </a:lnSpc>
+            </a:pPr>
+            <a:r>
+              <a:rPr lang="ko-KR" altLang="en-US" sz="3000" b="1" dirty="0">
+                <a:latin typeface="한컴산뜻돋움" panose="02000000000000000000" pitchFamily="2" charset="-127"/>
+                <a:ea typeface="한컴산뜻돋움" panose="02000000000000000000" pitchFamily="2" charset="-127"/>
+                <a:cs typeface="Arial Unicode MS" panose="020B0604020202020204" pitchFamily="50" charset="-127"/>
+              </a:rPr>
+              <a:t>토마토의 생육단계별 맞춤 환경조절장치 제어하는 기준에 대해서도 말하기</a:t>
+            </a:r>
+            <a:endParaRPr lang="en-US" altLang="ko-KR" sz="3000" b="1" dirty="0">
+              <a:latin typeface="한컴산뜻돋움" panose="02000000000000000000" pitchFamily="2" charset="-127"/>
+              <a:ea typeface="한컴산뜻돋움" panose="02000000000000000000" pitchFamily="2" charset="-127"/>
+              <a:cs typeface="Arial Unicode MS" panose="020B0604020202020204" pitchFamily="50" charset="-127"/>
+            </a:endParaRPr>
+          </a:p>
+          <a:p>
+            <a:pPr algn="just" latinLnBrk="0">
+              <a:lnSpc>
+                <a:spcPct val="120000"/>
+              </a:lnSpc>
+            </a:pPr>
+            <a:endParaRPr lang="ko-KR" altLang="ko-KR" sz="3000" b="1" dirty="0">
+              <a:latin typeface="한컴산뜻돋움" panose="02000000000000000000" pitchFamily="2" charset="-127"/>
+              <a:ea typeface="한컴산뜻돋움" panose="02000000000000000000" pitchFamily="2" charset="-127"/>
+              <a:cs typeface="Arial Unicode MS" panose="020B0604020202020204" pitchFamily="50" charset="-127"/>
+            </a:endParaRPr>
+          </a:p>
+        </p:txBody>
+      </p:sp>
+      <p:sp>
+        <p:nvSpPr>
+          <p:cNvPr id="65" name="TextBox 64">
+            <a:extLst>
+              <a:ext uri="{FF2B5EF4-FFF2-40B4-BE49-F238E27FC236}">
+                <a16:creationId xmlns:a16="http://schemas.microsoft.com/office/drawing/2014/main" id="{BA629385-328B-4C37-9141-9AA6167B06E7}"/>
+              </a:ext>
+            </a:extLst>
+          </p:cNvPr>
+          <p:cNvSpPr txBox="1"/>
+          <p:nvPr/>
+        </p:nvSpPr>
+        <p:spPr>
+          <a:xfrm>
+            <a:off x="16278091" y="23118551"/>
+            <a:ext cx="15168448" cy="4575483"/>
+          </a:xfrm>
+          <a:prstGeom prst="rect">
+            <a:avLst/>
+          </a:prstGeom>
+          <a:noFill/>
+        </p:spPr>
+        <p:txBody>
+          <a:bodyPr wrap="square">
+            <a:spAutoFit/>
+          </a:bodyPr>
+          <a:lstStyle/>
+          <a:p>
+            <a:pPr lvl="1">
+              <a:lnSpc>
+                <a:spcPct val="120000"/>
+              </a:lnSpc>
+              <a:defRPr/>
+            </a:pPr>
+            <a:r>
+              <a:rPr lang="en-US" altLang="ko-KR" sz="3450" b="1" dirty="0">
+                <a:solidFill>
+                  <a:srgbClr val="56296E"/>
+                </a:solidFill>
+                <a:effectLst>
+                  <a:outerShdw blurRad="38100" dist="38100" dir="2700000" algn="tl">
+                    <a:srgbClr val="C0C0C0"/>
+                  </a:outerShdw>
+                </a:effectLst>
+                <a:latin typeface="한컴산뜻돋움" panose="02000000000000000000" pitchFamily="2" charset="-127"/>
+                <a:ea typeface="한컴산뜻돋움" panose="02000000000000000000" pitchFamily="2" charset="-127"/>
+                <a:cs typeface="Arial Unicode MS" panose="020B0600000101010101" charset="-127"/>
+              </a:rPr>
+              <a:t>AI Model for Image Analysis by Plant Growth Stage</a:t>
+            </a:r>
+          </a:p>
+          <a:p>
+            <a:pPr lvl="2" algn="just">
+              <a:lnSpc>
+                <a:spcPct val="120000"/>
+              </a:lnSpc>
+              <a:defRPr/>
+            </a:pPr>
+            <a:r>
+              <a:rPr lang="ko-KR" altLang="en-US" sz="3000" b="1" dirty="0" err="1">
+                <a:latin typeface="한컴산뜻돋움" panose="02000000000000000000" pitchFamily="2" charset="-127"/>
+                <a:ea typeface="한컴산뜻돋움" panose="02000000000000000000" pitchFamily="2" charset="-127"/>
+                <a:cs typeface="Arial Unicode MS" panose="020B0600000101010101" charset="-127"/>
+              </a:rPr>
+              <a:t>티쳐블</a:t>
+            </a:r>
+            <a:r>
+              <a:rPr lang="ko-KR" altLang="en-US" sz="3000" b="1" dirty="0">
+                <a:latin typeface="한컴산뜻돋움" panose="02000000000000000000" pitchFamily="2" charset="-127"/>
+                <a:ea typeface="한컴산뜻돋움" panose="02000000000000000000" pitchFamily="2" charset="-127"/>
+                <a:cs typeface="Arial Unicode MS" panose="020B0600000101010101" charset="-127"/>
+              </a:rPr>
+              <a:t> </a:t>
+            </a:r>
+            <a:r>
+              <a:rPr lang="ko-KR" altLang="en-US" sz="3000" b="1" dirty="0" err="1">
+                <a:latin typeface="한컴산뜻돋움" panose="02000000000000000000" pitchFamily="2" charset="-127"/>
+                <a:ea typeface="한컴산뜻돋움" panose="02000000000000000000" pitchFamily="2" charset="-127"/>
+                <a:cs typeface="Arial Unicode MS" panose="020B0600000101010101" charset="-127"/>
+              </a:rPr>
+              <a:t>머신을</a:t>
+            </a:r>
+            <a:r>
+              <a:rPr lang="ko-KR" altLang="en-US" sz="3000" b="1" dirty="0">
+                <a:latin typeface="한컴산뜻돋움" panose="02000000000000000000" pitchFamily="2" charset="-127"/>
+                <a:ea typeface="한컴산뜻돋움" panose="02000000000000000000" pitchFamily="2" charset="-127"/>
+                <a:cs typeface="Arial Unicode MS" panose="020B0600000101010101" charset="-127"/>
+              </a:rPr>
+              <a:t> 이용하여 토마토의 생육단계별 이미지를 학습시키고 학습시킨 모델을 </a:t>
+            </a:r>
+            <a:r>
+              <a:rPr lang="en-US" altLang="ko-KR" sz="3000" b="1" dirty="0" err="1">
+                <a:latin typeface="한컴산뜻돋움" panose="02000000000000000000" pitchFamily="2" charset="-127"/>
+                <a:ea typeface="한컴산뜻돋움" panose="02000000000000000000" pitchFamily="2" charset="-127"/>
+                <a:cs typeface="Arial Unicode MS" panose="020B0600000101010101" charset="-127"/>
+              </a:rPr>
+              <a:t>Keras</a:t>
+            </a:r>
+            <a:r>
+              <a:rPr lang="en-US" altLang="ko-KR" sz="3000" b="1" dirty="0">
+                <a:latin typeface="한컴산뜻돋움" panose="02000000000000000000" pitchFamily="2" charset="-127"/>
+                <a:ea typeface="한컴산뜻돋움" panose="02000000000000000000" pitchFamily="2" charset="-127"/>
+                <a:cs typeface="Arial Unicode MS" panose="020B0600000101010101" charset="-127"/>
+              </a:rPr>
+              <a:t> </a:t>
+            </a:r>
+            <a:r>
+              <a:rPr lang="ko-KR" altLang="en-US" sz="3000" b="1" dirty="0">
+                <a:latin typeface="한컴산뜻돋움" panose="02000000000000000000" pitchFamily="2" charset="-127"/>
+                <a:ea typeface="한컴산뜻돋움" panose="02000000000000000000" pitchFamily="2" charset="-127"/>
+                <a:cs typeface="Arial Unicode MS" panose="020B0600000101010101" charset="-127"/>
+              </a:rPr>
+              <a:t>모델 형태로 추출했다</a:t>
+            </a:r>
+            <a:r>
+              <a:rPr lang="en-US" altLang="ko-KR" sz="3000" b="1" dirty="0">
+                <a:latin typeface="한컴산뜻돋움" panose="02000000000000000000" pitchFamily="2" charset="-127"/>
+                <a:ea typeface="한컴산뜻돋움" panose="02000000000000000000" pitchFamily="2" charset="-127"/>
+                <a:cs typeface="Arial Unicode MS" panose="020B0600000101010101" charset="-127"/>
+              </a:rPr>
+              <a:t>. </a:t>
+            </a:r>
+            <a:r>
+              <a:rPr lang="ko-KR" altLang="en-US" sz="3000" b="1" dirty="0">
+                <a:latin typeface="한컴산뜻돋움" panose="02000000000000000000" pitchFamily="2" charset="-127"/>
+                <a:ea typeface="한컴산뜻돋움" panose="02000000000000000000" pitchFamily="2" charset="-127"/>
+                <a:cs typeface="Arial Unicode MS" panose="020B0600000101010101" charset="-127"/>
+              </a:rPr>
+              <a:t>토마토의 생육단계는 총 </a:t>
+            </a:r>
+            <a:r>
+              <a:rPr lang="en-US" altLang="ko-KR" sz="3000" b="1" dirty="0">
+                <a:latin typeface="한컴산뜻돋움" panose="02000000000000000000" pitchFamily="2" charset="-127"/>
+                <a:ea typeface="한컴산뜻돋움" panose="02000000000000000000" pitchFamily="2" charset="-127"/>
+                <a:cs typeface="Arial Unicode MS" panose="020B0600000101010101" charset="-127"/>
+              </a:rPr>
+              <a:t>5</a:t>
+            </a:r>
+            <a:r>
+              <a:rPr lang="ko-KR" altLang="en-US" sz="3000" b="1" dirty="0">
+                <a:latin typeface="한컴산뜻돋움" panose="02000000000000000000" pitchFamily="2" charset="-127"/>
+                <a:ea typeface="한컴산뜻돋움" panose="02000000000000000000" pitchFamily="2" charset="-127"/>
+                <a:cs typeface="Arial Unicode MS" panose="020B0600000101010101" charset="-127"/>
+              </a:rPr>
+              <a:t>개로 발아</a:t>
+            </a:r>
+            <a:r>
+              <a:rPr lang="en-US" altLang="ko-KR" sz="3000" b="1" dirty="0">
+                <a:latin typeface="한컴산뜻돋움" panose="02000000000000000000" pitchFamily="2" charset="-127"/>
+                <a:ea typeface="한컴산뜻돋움" panose="02000000000000000000" pitchFamily="2" charset="-127"/>
+                <a:cs typeface="Arial Unicode MS" panose="020B0600000101010101" charset="-127"/>
+              </a:rPr>
+              <a:t>, </a:t>
+            </a:r>
+            <a:r>
+              <a:rPr lang="ko-KR" altLang="en-US" sz="3000" b="1" dirty="0">
+                <a:latin typeface="한컴산뜻돋움" panose="02000000000000000000" pitchFamily="2" charset="-127"/>
+                <a:ea typeface="한컴산뜻돋움" panose="02000000000000000000" pitchFamily="2" charset="-127"/>
+                <a:cs typeface="Arial Unicode MS" panose="020B0600000101010101" charset="-127"/>
+              </a:rPr>
+              <a:t>육묘</a:t>
+            </a:r>
+            <a:r>
+              <a:rPr lang="en-US" altLang="ko-KR" sz="3000" b="1" dirty="0">
+                <a:latin typeface="한컴산뜻돋움" panose="02000000000000000000" pitchFamily="2" charset="-127"/>
+                <a:ea typeface="한컴산뜻돋움" panose="02000000000000000000" pitchFamily="2" charset="-127"/>
+                <a:cs typeface="Arial Unicode MS" panose="020B0600000101010101" charset="-127"/>
+              </a:rPr>
+              <a:t>, </a:t>
+            </a:r>
+            <a:r>
+              <a:rPr lang="ko-KR" altLang="en-US" sz="3000" b="1" dirty="0">
+                <a:latin typeface="한컴산뜻돋움" panose="02000000000000000000" pitchFamily="2" charset="-127"/>
+                <a:ea typeface="한컴산뜻돋움" panose="02000000000000000000" pitchFamily="2" charset="-127"/>
+                <a:cs typeface="Arial Unicode MS" panose="020B0600000101010101" charset="-127"/>
+              </a:rPr>
+              <a:t>생육</a:t>
+            </a:r>
+            <a:r>
+              <a:rPr lang="en-US" altLang="ko-KR" sz="3000" b="1" dirty="0">
+                <a:latin typeface="한컴산뜻돋움" panose="02000000000000000000" pitchFamily="2" charset="-127"/>
+                <a:ea typeface="한컴산뜻돋움" panose="02000000000000000000" pitchFamily="2" charset="-127"/>
+                <a:cs typeface="Arial Unicode MS" panose="020B0600000101010101" charset="-127"/>
+              </a:rPr>
+              <a:t>, </a:t>
+            </a:r>
+            <a:r>
+              <a:rPr lang="ko-KR" altLang="en-US" sz="3000" b="1" dirty="0">
+                <a:latin typeface="한컴산뜻돋움" panose="02000000000000000000" pitchFamily="2" charset="-127"/>
+                <a:ea typeface="한컴산뜻돋움" panose="02000000000000000000" pitchFamily="2" charset="-127"/>
+                <a:cs typeface="Arial Unicode MS" panose="020B0600000101010101" charset="-127"/>
+              </a:rPr>
+              <a:t>개화</a:t>
+            </a:r>
+            <a:r>
+              <a:rPr lang="en-US" altLang="ko-KR" sz="3000" b="1" dirty="0">
+                <a:latin typeface="한컴산뜻돋움" panose="02000000000000000000" pitchFamily="2" charset="-127"/>
+                <a:ea typeface="한컴산뜻돋움" panose="02000000000000000000" pitchFamily="2" charset="-127"/>
+                <a:cs typeface="Arial Unicode MS" panose="020B0600000101010101" charset="-127"/>
+              </a:rPr>
+              <a:t>, </a:t>
+            </a:r>
+            <a:r>
+              <a:rPr lang="ko-KR" altLang="en-US" sz="3000" b="1" dirty="0">
+                <a:latin typeface="한컴산뜻돋움" panose="02000000000000000000" pitchFamily="2" charset="-127"/>
+                <a:ea typeface="한컴산뜻돋움" panose="02000000000000000000" pitchFamily="2" charset="-127"/>
+                <a:cs typeface="Arial Unicode MS" panose="020B0600000101010101" charset="-127"/>
+              </a:rPr>
+              <a:t>열매 단계로 구분하였다</a:t>
+            </a:r>
+            <a:r>
+              <a:rPr lang="en-US" altLang="ko-KR" sz="3000" b="1" dirty="0">
+                <a:latin typeface="한컴산뜻돋움" panose="02000000000000000000" pitchFamily="2" charset="-127"/>
+                <a:ea typeface="한컴산뜻돋움" panose="02000000000000000000" pitchFamily="2" charset="-127"/>
+                <a:cs typeface="Arial Unicode MS" panose="020B0600000101010101" charset="-127"/>
+              </a:rPr>
+              <a:t>.</a:t>
+            </a:r>
+            <a:r>
+              <a:rPr lang="ko-KR" altLang="en-US" sz="3000" b="1" dirty="0">
+                <a:latin typeface="한컴산뜻돋움" panose="02000000000000000000" pitchFamily="2" charset="-127"/>
+                <a:ea typeface="한컴산뜻돋움" panose="02000000000000000000" pitchFamily="2" charset="-127"/>
+                <a:cs typeface="Arial Unicode MS" panose="020B0600000101010101" charset="-127"/>
+              </a:rPr>
+              <a:t>학습된 </a:t>
+            </a:r>
+            <a:r>
+              <a:rPr lang="en-US" altLang="ko-KR" sz="3000" b="1" dirty="0" err="1">
+                <a:latin typeface="한컴산뜻돋움" panose="02000000000000000000" pitchFamily="2" charset="-127"/>
+                <a:ea typeface="한컴산뜻돋움" panose="02000000000000000000" pitchFamily="2" charset="-127"/>
+                <a:cs typeface="Arial Unicode MS" panose="020B0600000101010101" charset="-127"/>
+              </a:rPr>
+              <a:t>Keras</a:t>
+            </a:r>
+            <a:r>
+              <a:rPr lang="en-US" altLang="ko-KR" sz="3000" b="1" dirty="0">
+                <a:latin typeface="한컴산뜻돋움" panose="02000000000000000000" pitchFamily="2" charset="-127"/>
+                <a:ea typeface="한컴산뜻돋움" panose="02000000000000000000" pitchFamily="2" charset="-127"/>
+                <a:cs typeface="Arial Unicode MS" panose="020B0600000101010101" charset="-127"/>
+              </a:rPr>
+              <a:t> </a:t>
+            </a:r>
+            <a:r>
+              <a:rPr lang="ko-KR" altLang="en-US" sz="3000" b="1" dirty="0">
+                <a:latin typeface="한컴산뜻돋움" panose="02000000000000000000" pitchFamily="2" charset="-127"/>
+                <a:ea typeface="한컴산뜻돋움" panose="02000000000000000000" pitchFamily="2" charset="-127"/>
+                <a:cs typeface="Arial Unicode MS" panose="020B0600000101010101" charset="-127"/>
+              </a:rPr>
+              <a:t>모델을 </a:t>
+            </a:r>
+            <a:r>
+              <a:rPr lang="ko-KR" altLang="en-US" sz="3000" b="1" dirty="0" err="1">
+                <a:latin typeface="한컴산뜻돋움" panose="02000000000000000000" pitchFamily="2" charset="-127"/>
+                <a:ea typeface="한컴산뜻돋움" panose="02000000000000000000" pitchFamily="2" charset="-127"/>
+                <a:cs typeface="Arial Unicode MS" panose="020B0600000101010101" charset="-127"/>
+              </a:rPr>
+              <a:t>아두이노의</a:t>
+            </a:r>
+            <a:r>
+              <a:rPr lang="ko-KR" altLang="en-US" sz="3000" b="1" dirty="0">
+                <a:latin typeface="한컴산뜻돋움" panose="02000000000000000000" pitchFamily="2" charset="-127"/>
+                <a:ea typeface="한컴산뜻돋움" panose="02000000000000000000" pitchFamily="2" charset="-127"/>
+                <a:cs typeface="Arial Unicode MS" panose="020B0600000101010101" charset="-127"/>
+              </a:rPr>
+              <a:t> 카메라 모듈과 연결시켜 챔버에 부착된 카메라 모둘에서 찍은 영상을 토대로 생육단계를 구분 할 수 있도록 하였다</a:t>
+            </a:r>
+            <a:r>
+              <a:rPr lang="en-US" altLang="ko-KR" sz="3000" b="1" dirty="0">
+                <a:latin typeface="한컴산뜻돋움" panose="02000000000000000000" pitchFamily="2" charset="-127"/>
+                <a:ea typeface="한컴산뜻돋움" panose="02000000000000000000" pitchFamily="2" charset="-127"/>
+                <a:cs typeface="Arial Unicode MS" panose="020B0600000101010101" charset="-127"/>
+              </a:rPr>
+              <a:t>. </a:t>
+            </a:r>
+            <a:r>
+              <a:rPr lang="ko-KR" altLang="en-US" sz="3000" b="1" dirty="0">
+                <a:latin typeface="한컴산뜻돋움" panose="02000000000000000000" pitchFamily="2" charset="-127"/>
+                <a:ea typeface="한컴산뜻돋움" panose="02000000000000000000" pitchFamily="2" charset="-127"/>
+                <a:cs typeface="Arial Unicode MS" panose="020B0600000101010101" charset="-127"/>
+              </a:rPr>
+              <a:t>학습된 </a:t>
+            </a:r>
+            <a:r>
+              <a:rPr lang="en-US" altLang="ko-KR" sz="3000" b="1" dirty="0" err="1">
+                <a:latin typeface="한컴산뜻돋움" panose="02000000000000000000" pitchFamily="2" charset="-127"/>
+                <a:ea typeface="한컴산뜻돋움" panose="02000000000000000000" pitchFamily="2" charset="-127"/>
+                <a:cs typeface="Arial Unicode MS" panose="020B0600000101010101" charset="-127"/>
+              </a:rPr>
+              <a:t>Keras</a:t>
+            </a:r>
+            <a:r>
+              <a:rPr lang="ko-KR" altLang="en-US" sz="3000" b="1" dirty="0">
+                <a:latin typeface="한컴산뜻돋움" panose="02000000000000000000" pitchFamily="2" charset="-127"/>
+                <a:ea typeface="한컴산뜻돋움" panose="02000000000000000000" pitchFamily="2" charset="-127"/>
+                <a:cs typeface="Arial Unicode MS" panose="020B0600000101010101" charset="-127"/>
+              </a:rPr>
+              <a:t> 모델의 구분된 단계 값은 </a:t>
+            </a:r>
+            <a:r>
+              <a:rPr lang="ko-KR" altLang="en-US" sz="3000" b="1" dirty="0" err="1">
+                <a:latin typeface="한컴산뜻돋움" panose="02000000000000000000" pitchFamily="2" charset="-127"/>
+                <a:ea typeface="한컴산뜻돋움" panose="02000000000000000000" pitchFamily="2" charset="-127"/>
+                <a:cs typeface="Arial Unicode MS" panose="020B0600000101010101" charset="-127"/>
+              </a:rPr>
+              <a:t>파이썬으로</a:t>
+            </a:r>
+            <a:r>
+              <a:rPr lang="ko-KR" altLang="en-US" sz="3000" b="1" dirty="0">
+                <a:latin typeface="한컴산뜻돋움" panose="02000000000000000000" pitchFamily="2" charset="-127"/>
+                <a:ea typeface="한컴산뜻돋움" panose="02000000000000000000" pitchFamily="2" charset="-127"/>
+                <a:cs typeface="Arial Unicode MS" panose="020B0600000101010101" charset="-127"/>
+              </a:rPr>
+              <a:t> 읽어서 각 생육 단계마다 알맞은 환경 값을 맞출 수 있도록 </a:t>
+            </a:r>
+            <a:r>
+              <a:rPr lang="en-US" altLang="ko-KR" sz="3000" b="1" dirty="0">
+                <a:latin typeface="한컴산뜻돋움" panose="02000000000000000000" pitchFamily="2" charset="-127"/>
+                <a:ea typeface="한컴산뜻돋움" panose="02000000000000000000" pitchFamily="2" charset="-127"/>
+                <a:cs typeface="Arial Unicode MS" panose="020B0600000101010101" charset="-127"/>
+              </a:rPr>
+              <a:t>fan</a:t>
+            </a:r>
+            <a:r>
+              <a:rPr lang="ko-KR" altLang="en-US" sz="3000" b="1" dirty="0">
+                <a:latin typeface="한컴산뜻돋움" panose="02000000000000000000" pitchFamily="2" charset="-127"/>
+                <a:ea typeface="한컴산뜻돋움" panose="02000000000000000000" pitchFamily="2" charset="-127"/>
+                <a:cs typeface="Arial Unicode MS" panose="020B0600000101010101" charset="-127"/>
+              </a:rPr>
+              <a:t>의 작동</a:t>
+            </a:r>
+            <a:r>
+              <a:rPr lang="en-US" altLang="ko-KR" sz="3000" b="1" dirty="0">
+                <a:latin typeface="한컴산뜻돋움" panose="02000000000000000000" pitchFamily="2" charset="-127"/>
+                <a:ea typeface="한컴산뜻돋움" panose="02000000000000000000" pitchFamily="2" charset="-127"/>
+                <a:cs typeface="Arial Unicode MS" panose="020B0600000101010101" charset="-127"/>
+              </a:rPr>
+              <a:t>, </a:t>
+            </a:r>
+            <a:r>
+              <a:rPr lang="ko-KR" altLang="en-US" sz="3000" b="1" dirty="0">
+                <a:latin typeface="한컴산뜻돋움" panose="02000000000000000000" pitchFamily="2" charset="-127"/>
+                <a:ea typeface="한컴산뜻돋움" panose="02000000000000000000" pitchFamily="2" charset="-127"/>
+                <a:cs typeface="Arial Unicode MS" panose="020B0600000101010101" charset="-127"/>
+              </a:rPr>
+              <a:t>광량</a:t>
+            </a:r>
+            <a:r>
+              <a:rPr lang="en-US" altLang="ko-KR" sz="3000" b="1" dirty="0">
+                <a:latin typeface="한컴산뜻돋움" panose="02000000000000000000" pitchFamily="2" charset="-127"/>
+                <a:ea typeface="한컴산뜻돋움" panose="02000000000000000000" pitchFamily="2" charset="-127"/>
+                <a:cs typeface="Arial Unicode MS" panose="020B0600000101010101" charset="-127"/>
+              </a:rPr>
+              <a:t>, </a:t>
+            </a:r>
+            <a:r>
+              <a:rPr lang="ko-KR" altLang="en-US" sz="3000" b="1" dirty="0">
+                <a:latin typeface="한컴산뜻돋움" panose="02000000000000000000" pitchFamily="2" charset="-127"/>
+                <a:ea typeface="한컴산뜻돋움" panose="02000000000000000000" pitchFamily="2" charset="-127"/>
+                <a:cs typeface="Arial Unicode MS" panose="020B0600000101010101" charset="-127"/>
+              </a:rPr>
+              <a:t>창문의 개폐</a:t>
+            </a:r>
+            <a:r>
+              <a:rPr lang="en-US" altLang="ko-KR" sz="3000" b="1" dirty="0">
+                <a:latin typeface="한컴산뜻돋움" panose="02000000000000000000" pitchFamily="2" charset="-127"/>
+                <a:ea typeface="한컴산뜻돋움" panose="02000000000000000000" pitchFamily="2" charset="-127"/>
+                <a:cs typeface="Arial Unicode MS" panose="020B0600000101010101" charset="-127"/>
+              </a:rPr>
+              <a:t>, </a:t>
+            </a:r>
+            <a:r>
+              <a:rPr lang="ko-KR" altLang="en-US" sz="3000" b="1" dirty="0" err="1">
+                <a:latin typeface="한컴산뜻돋움" panose="02000000000000000000" pitchFamily="2" charset="-127"/>
+                <a:ea typeface="한컴산뜻돋움" panose="02000000000000000000" pitchFamily="2" charset="-127"/>
+                <a:cs typeface="Arial Unicode MS" panose="020B0600000101010101" charset="-127"/>
+              </a:rPr>
+              <a:t>발열등</a:t>
+            </a:r>
+            <a:r>
+              <a:rPr lang="ko-KR" altLang="en-US" sz="3000" b="1" dirty="0">
+                <a:latin typeface="한컴산뜻돋움" panose="02000000000000000000" pitchFamily="2" charset="-127"/>
+                <a:ea typeface="한컴산뜻돋움" panose="02000000000000000000" pitchFamily="2" charset="-127"/>
+                <a:cs typeface="Arial Unicode MS" panose="020B0600000101010101" charset="-127"/>
+              </a:rPr>
+              <a:t> 및 </a:t>
+            </a:r>
+            <a:r>
+              <a:rPr lang="ko-KR" altLang="en-US" sz="3000" b="1" dirty="0" err="1">
+                <a:latin typeface="한컴산뜻돋움" panose="02000000000000000000" pitchFamily="2" charset="-127"/>
+                <a:ea typeface="한컴산뜻돋움" panose="02000000000000000000" pitchFamily="2" charset="-127"/>
+                <a:cs typeface="Arial Unicode MS" panose="020B0600000101010101" charset="-127"/>
+              </a:rPr>
+              <a:t>안개분무기의</a:t>
+            </a:r>
+            <a:r>
+              <a:rPr lang="ko-KR" altLang="en-US" sz="3000" b="1" dirty="0">
+                <a:latin typeface="한컴산뜻돋움" panose="02000000000000000000" pitchFamily="2" charset="-127"/>
+                <a:ea typeface="한컴산뜻돋움" panose="02000000000000000000" pitchFamily="2" charset="-127"/>
+                <a:cs typeface="Arial Unicode MS" panose="020B0600000101010101" charset="-127"/>
+              </a:rPr>
+              <a:t> 작동을 자동화 시켰다</a:t>
+            </a:r>
+            <a:r>
+              <a:rPr lang="en-US" altLang="ko-KR" sz="3000" b="1" dirty="0">
+                <a:latin typeface="한컴산뜻돋움" panose="02000000000000000000" pitchFamily="2" charset="-127"/>
+                <a:ea typeface="한컴산뜻돋움" panose="02000000000000000000" pitchFamily="2" charset="-127"/>
+                <a:cs typeface="Arial Unicode MS" panose="020B0600000101010101" charset="-127"/>
+              </a:rPr>
+              <a:t>, </a:t>
+            </a:r>
+          </a:p>
+        </p:txBody>
+      </p:sp>
+      <p:graphicFrame>
+        <p:nvGraphicFramePr>
+          <p:cNvPr id="23" name="표 22">
+            <a:extLst>
+              <a:ext uri="{FF2B5EF4-FFF2-40B4-BE49-F238E27FC236}">
+                <a16:creationId xmlns:a16="http://schemas.microsoft.com/office/drawing/2014/main" id="{DF438DD0-1CC0-477B-94D2-FCD788CE3558}"/>
+              </a:ext>
+            </a:extLst>
+          </p:cNvPr>
+          <p:cNvGraphicFramePr>
+            <a:graphicFrameLocks noGrp="1"/>
+          </p:cNvGraphicFramePr>
+          <p:nvPr>
+            <p:extLst>
+              <p:ext uri="{D42A27DB-BD31-4B8C-83A1-F6EECF244321}">
+                <p14:modId xmlns:p14="http://schemas.microsoft.com/office/powerpoint/2010/main" val="4141578163"/>
+              </p:ext>
+            </p:extLst>
+          </p:nvPr>
+        </p:nvGraphicFramePr>
+        <p:xfrm>
+          <a:off x="556686" y="21680568"/>
+          <a:ext cx="14508939" cy="4968240"/>
+        </p:xfrm>
+        <a:graphic>
+          <a:graphicData uri="http://schemas.openxmlformats.org/drawingml/2006/table">
+            <a:tbl>
+              <a:tblPr firstRow="1" bandRow="1">
+                <a:solidFill>
+                  <a:srgbClr val="56296E"/>
+                </a:solidFill>
+                <a:tableStyleId>{5940675A-B579-460E-94D1-54222C63F5DA}</a:tableStyleId>
+              </a:tblPr>
+              <a:tblGrid>
+                <a:gridCol w="1807136">
+                  <a:extLst>
+                    <a:ext uri="{9D8B030D-6E8A-4147-A177-3AD203B41FA5}">
+                      <a16:colId xmlns:a16="http://schemas.microsoft.com/office/drawing/2014/main" val="496110474"/>
+                    </a:ext>
+                  </a:extLst>
+                </a:gridCol>
+                <a:gridCol w="3103528">
+                  <a:extLst>
+                    <a:ext uri="{9D8B030D-6E8A-4147-A177-3AD203B41FA5}">
+                      <a16:colId xmlns:a16="http://schemas.microsoft.com/office/drawing/2014/main" val="2669966707"/>
+                    </a:ext>
+                  </a:extLst>
+                </a:gridCol>
+                <a:gridCol w="4743450">
+                  <a:extLst>
+                    <a:ext uri="{9D8B030D-6E8A-4147-A177-3AD203B41FA5}">
+                      <a16:colId xmlns:a16="http://schemas.microsoft.com/office/drawing/2014/main" val="4228305798"/>
+                    </a:ext>
+                  </a:extLst>
+                </a:gridCol>
+                <a:gridCol w="685800">
+                  <a:extLst>
+                    <a:ext uri="{9D8B030D-6E8A-4147-A177-3AD203B41FA5}">
+                      <a16:colId xmlns:a16="http://schemas.microsoft.com/office/drawing/2014/main" val="1353026916"/>
+                    </a:ext>
+                  </a:extLst>
+                </a:gridCol>
+                <a:gridCol w="742950">
+                  <a:extLst>
+                    <a:ext uri="{9D8B030D-6E8A-4147-A177-3AD203B41FA5}">
+                      <a16:colId xmlns:a16="http://schemas.microsoft.com/office/drawing/2014/main" val="1346501249"/>
+                    </a:ext>
+                  </a:extLst>
+                </a:gridCol>
+                <a:gridCol w="571500">
+                  <a:extLst>
+                    <a:ext uri="{9D8B030D-6E8A-4147-A177-3AD203B41FA5}">
+                      <a16:colId xmlns:a16="http://schemas.microsoft.com/office/drawing/2014/main" val="2255325064"/>
+                    </a:ext>
+                  </a:extLst>
+                </a:gridCol>
+                <a:gridCol w="2370943">
+                  <a:extLst>
+                    <a:ext uri="{9D8B030D-6E8A-4147-A177-3AD203B41FA5}">
+                      <a16:colId xmlns:a16="http://schemas.microsoft.com/office/drawing/2014/main" val="1326187076"/>
+                    </a:ext>
+                  </a:extLst>
+                </a:gridCol>
+                <a:gridCol w="483632">
+                  <a:extLst>
+                    <a:ext uri="{9D8B030D-6E8A-4147-A177-3AD203B41FA5}">
+                      <a16:colId xmlns:a16="http://schemas.microsoft.com/office/drawing/2014/main" val="1220636674"/>
+                    </a:ext>
+                  </a:extLst>
+                </a:gridCol>
+              </a:tblGrid>
+              <a:tr h="285640">
+                <a:tc gridSpan="8">
+                  <a:txBody>
+                    <a:bodyPr/>
+                    <a:lstStyle/>
+                    <a:p>
+                      <a:pPr algn="ctr" latinLnBrk="1"/>
+                      <a:r>
+                        <a:rPr lang="ko-KR" altLang="en-US" sz="3200" b="1" dirty="0">
+                          <a:solidFill>
+                            <a:schemeClr val="bg1"/>
+                          </a:solidFill>
+                        </a:rPr>
+                        <a:t>토마토 생육온도 기준표</a:t>
+                      </a:r>
+                    </a:p>
+                  </a:txBody>
+                  <a:tcPr>
+                    <a:lnL w="19050" cap="flat" cmpd="sng" algn="ctr">
+                      <a:solidFill>
+                        <a:schemeClr val="bg1"/>
+                      </a:solidFill>
+                      <a:prstDash val="solid"/>
+                      <a:round/>
+                      <a:headEnd type="none" w="med" len="med"/>
+                      <a:tailEnd type="none" w="med" len="med"/>
+                    </a:lnL>
+                    <a:lnR w="19050" cap="flat" cmpd="sng" algn="ctr">
+                      <a:solidFill>
+                        <a:schemeClr val="bg1"/>
+                      </a:solidFill>
+                      <a:prstDash val="solid"/>
+                      <a:round/>
+                      <a:headEnd type="none" w="med" len="med"/>
+                      <a:tailEnd type="none" w="med" len="med"/>
+                    </a:lnR>
+                    <a:lnT w="19050" cap="flat" cmpd="sng" algn="ctr">
+                      <a:solidFill>
+                        <a:schemeClr val="bg1"/>
+                      </a:solidFill>
+                      <a:prstDash val="solid"/>
+                      <a:round/>
+                      <a:headEnd type="none" w="med" len="med"/>
+                      <a:tailEnd type="none" w="med" len="med"/>
+                    </a:lnT>
+                    <a:lnB w="19050" cap="flat" cmpd="sng" algn="ctr">
+                      <a:solidFill>
+                        <a:schemeClr val="bg1"/>
+                      </a:solidFill>
+                      <a:prstDash val="solid"/>
+                      <a:round/>
+                      <a:headEnd type="none" w="med" len="med"/>
+                      <a:tailEnd type="none" w="med" len="med"/>
+                    </a:lnB>
+                    <a:lnTlToBr w="12700" cmpd="sng">
+                      <a:noFill/>
+                      <a:prstDash val="solid"/>
+                    </a:lnTlToBr>
+                    <a:lnBlToTr w="12700" cmpd="sng">
+                      <a:noFill/>
+                      <a:prstDash val="solid"/>
+                    </a:lnBlToTr>
+                  </a:tcPr>
+                </a:tc>
+                <a:tc hMerge="1">
+                  <a:txBody>
+                    <a:bodyPr/>
+                    <a:lstStyle/>
+                    <a:p>
+                      <a:pPr latinLnBrk="1"/>
+                      <a:endParaRPr lang="ko-KR" altLang="en-US" dirty="0"/>
+                    </a:p>
+                  </a:txBody>
+                  <a:tcPr/>
+                </a:tc>
+                <a:tc hMerge="1">
+                  <a:txBody>
+                    <a:bodyPr/>
+                    <a:lstStyle/>
+                    <a:p>
+                      <a:pPr latinLnBrk="1"/>
+                      <a:endParaRPr lang="ko-KR" altLang="en-US" dirty="0"/>
+                    </a:p>
+                  </a:txBody>
+                  <a:tcPr/>
+                </a:tc>
+                <a:tc hMerge="1">
+                  <a:txBody>
+                    <a:bodyPr/>
+                    <a:lstStyle/>
+                    <a:p>
+                      <a:pPr latinLnBrk="1"/>
+                      <a:endParaRPr lang="ko-KR" altLang="en-US"/>
+                    </a:p>
+                  </a:txBody>
+                  <a:tcPr/>
+                </a:tc>
+                <a:tc hMerge="1">
+                  <a:txBody>
+                    <a:bodyPr/>
+                    <a:lstStyle/>
+                    <a:p>
+                      <a:pPr latinLnBrk="1"/>
+                      <a:endParaRPr lang="ko-KR" altLang="en-US"/>
+                    </a:p>
+                  </a:txBody>
+                  <a:tcPr/>
+                </a:tc>
+                <a:tc hMerge="1">
+                  <a:txBody>
+                    <a:bodyPr/>
+                    <a:lstStyle/>
+                    <a:p>
+                      <a:pPr latinLnBrk="1"/>
+                      <a:endParaRPr lang="ko-KR" altLang="en-US"/>
+                    </a:p>
+                  </a:txBody>
+                  <a:tcPr/>
+                </a:tc>
+                <a:tc hMerge="1">
+                  <a:txBody>
+                    <a:bodyPr/>
+                    <a:lstStyle/>
+                    <a:p>
+                      <a:pPr latinLnBrk="1"/>
+                      <a:endParaRPr lang="ko-KR" altLang="en-US"/>
+                    </a:p>
+                  </a:txBody>
+                  <a:tcPr/>
+                </a:tc>
+                <a:tc hMerge="1">
+                  <a:txBody>
+                    <a:bodyPr/>
+                    <a:lstStyle/>
+                    <a:p>
+                      <a:pPr latinLnBrk="1"/>
+                      <a:endParaRPr lang="ko-KR" altLang="en-US"/>
+                    </a:p>
+                  </a:txBody>
+                  <a:tcPr/>
+                </a:tc>
+                <a:extLst>
+                  <a:ext uri="{0D108BD9-81ED-4DB2-BD59-A6C34878D82A}">
+                    <a16:rowId xmlns:a16="http://schemas.microsoft.com/office/drawing/2014/main" val="770188279"/>
+                  </a:ext>
+                </a:extLst>
+              </a:tr>
+              <a:tr h="486490">
+                <a:tc>
+                  <a:txBody>
+                    <a:bodyPr/>
+                    <a:lstStyle/>
+                    <a:p>
+                      <a:pPr algn="ctr" latinLnBrk="1"/>
+                      <a:r>
+                        <a:rPr lang="en-US" altLang="ko-KR" sz="2800" b="1" dirty="0">
+                          <a:solidFill>
+                            <a:schemeClr val="bg1"/>
+                          </a:solidFill>
+                        </a:rPr>
+                        <a:t>1</a:t>
+                      </a:r>
+                      <a:r>
+                        <a:rPr lang="ko-KR" altLang="en-US" sz="2800" b="1" dirty="0">
+                          <a:solidFill>
+                            <a:schemeClr val="bg1"/>
+                          </a:solidFill>
+                        </a:rPr>
+                        <a:t>단계</a:t>
+                      </a:r>
+                      <a:r>
+                        <a:rPr lang="en-US" altLang="ko-KR" sz="2800" b="1" dirty="0">
+                          <a:solidFill>
+                            <a:schemeClr val="bg1"/>
+                          </a:solidFill>
+                        </a:rPr>
+                        <a:t>: </a:t>
+                      </a:r>
+                      <a:r>
+                        <a:rPr lang="ko-KR" altLang="en-US" sz="2800" b="1" dirty="0">
+                          <a:solidFill>
+                            <a:schemeClr val="bg1"/>
+                          </a:solidFill>
+                        </a:rPr>
+                        <a:t>씨앗</a:t>
+                      </a:r>
+                    </a:p>
+                  </a:txBody>
+                  <a:tcPr>
+                    <a:lnL w="19050" cap="flat" cmpd="sng" algn="ctr">
+                      <a:solidFill>
+                        <a:schemeClr val="bg1"/>
+                      </a:solidFill>
+                      <a:prstDash val="solid"/>
+                      <a:round/>
+                      <a:headEnd type="none" w="med" len="med"/>
+                      <a:tailEnd type="none" w="med" len="med"/>
+                    </a:lnL>
+                    <a:lnR w="19050" cap="flat" cmpd="sng" algn="ctr">
+                      <a:solidFill>
+                        <a:schemeClr val="bg1"/>
+                      </a:solidFill>
+                      <a:prstDash val="solid"/>
+                      <a:round/>
+                      <a:headEnd type="none" w="med" len="med"/>
+                      <a:tailEnd type="none" w="med" len="med"/>
+                    </a:lnR>
+                    <a:lnT w="19050" cap="flat" cmpd="sng" algn="ctr">
+                      <a:solidFill>
+                        <a:schemeClr val="bg1"/>
+                      </a:solidFill>
+                      <a:prstDash val="solid"/>
+                      <a:round/>
+                      <a:headEnd type="none" w="med" len="med"/>
+                      <a:tailEnd type="none" w="med" len="med"/>
+                    </a:lnT>
+                    <a:lnB w="19050" cap="flat" cmpd="sng" algn="ctr">
+                      <a:solidFill>
+                        <a:schemeClr val="bg1"/>
+                      </a:solidFill>
+                      <a:prstDash val="solid"/>
+                      <a:round/>
+                      <a:headEnd type="none" w="med" len="med"/>
+                      <a:tailEnd type="none" w="med" len="med"/>
+                    </a:lnB>
+                    <a:lnTlToBr w="12700" cmpd="sng">
+                      <a:noFill/>
+                      <a:prstDash val="solid"/>
+                    </a:lnTlToBr>
+                    <a:lnBlToTr w="12700" cmpd="sng">
+                      <a:noFill/>
+                      <a:prstDash val="solid"/>
+                    </a:lnBlToTr>
+                  </a:tcPr>
+                </a:tc>
+                <a:tc>
+                  <a:txBody>
+                    <a:bodyPr/>
+                    <a:lstStyle/>
+                    <a:p>
+                      <a:pPr algn="ctr" latinLnBrk="1"/>
+                      <a:r>
+                        <a:rPr lang="ko-KR" altLang="en-US" sz="2800" b="1" dirty="0">
+                          <a:solidFill>
+                            <a:schemeClr val="bg1"/>
+                          </a:solidFill>
+                        </a:rPr>
+                        <a:t>발아 </a:t>
+                      </a:r>
+                      <a:r>
+                        <a:rPr lang="ko-KR" altLang="en-US" sz="2800" b="1" dirty="0" err="1">
+                          <a:solidFill>
+                            <a:schemeClr val="bg1"/>
+                          </a:solidFill>
+                        </a:rPr>
+                        <a:t>적온</a:t>
+                      </a:r>
+                      <a:endParaRPr lang="ko-KR" altLang="en-US" sz="2800" b="1" dirty="0">
+                        <a:solidFill>
+                          <a:schemeClr val="bg1"/>
+                        </a:solidFill>
+                      </a:endParaRPr>
+                    </a:p>
+                  </a:txBody>
+                  <a:tcPr>
+                    <a:lnL w="19050" cap="flat" cmpd="sng" algn="ctr">
+                      <a:solidFill>
+                        <a:schemeClr val="bg1"/>
+                      </a:solidFill>
+                      <a:prstDash val="solid"/>
+                      <a:round/>
+                      <a:headEnd type="none" w="med" len="med"/>
+                      <a:tailEnd type="none" w="med" len="med"/>
+                    </a:lnL>
+                    <a:lnR w="19050" cap="flat" cmpd="sng" algn="ctr">
+                      <a:solidFill>
+                        <a:schemeClr val="bg1"/>
+                      </a:solidFill>
+                      <a:prstDash val="solid"/>
+                      <a:round/>
+                      <a:headEnd type="none" w="med" len="med"/>
+                      <a:tailEnd type="none" w="med" len="med"/>
+                    </a:lnR>
+                    <a:lnT w="19050" cap="flat" cmpd="sng" algn="ctr">
+                      <a:solidFill>
+                        <a:schemeClr val="bg1"/>
+                      </a:solidFill>
+                      <a:prstDash val="solid"/>
+                      <a:round/>
+                      <a:headEnd type="none" w="med" len="med"/>
+                      <a:tailEnd type="none" w="med" len="med"/>
+                    </a:lnT>
+                    <a:lnB w="19050" cap="flat" cmpd="sng" algn="ctr">
+                      <a:solidFill>
+                        <a:schemeClr val="bg1"/>
+                      </a:solidFill>
+                      <a:prstDash val="solid"/>
+                      <a:round/>
+                      <a:headEnd type="none" w="med" len="med"/>
+                      <a:tailEnd type="none" w="med" len="med"/>
+                    </a:lnB>
+                    <a:lnTlToBr w="12700" cmpd="sng">
+                      <a:noFill/>
+                      <a:prstDash val="solid"/>
+                    </a:lnTlToBr>
+                    <a:lnBlToTr w="12700" cmpd="sng">
+                      <a:noFill/>
+                      <a:prstDash val="solid"/>
+                    </a:lnBlToTr>
+                  </a:tcPr>
+                </a:tc>
+                <a:tc>
+                  <a:txBody>
+                    <a:bodyPr/>
+                    <a:lstStyle/>
+                    <a:p>
+                      <a:pPr algn="ctr" latinLnBrk="1"/>
+                      <a:r>
+                        <a:rPr lang="en-US" altLang="ko-KR" sz="2800" b="1" dirty="0">
+                          <a:solidFill>
+                            <a:schemeClr val="bg1"/>
+                          </a:solidFill>
+                        </a:rPr>
+                        <a:t>28</a:t>
+                      </a:r>
+                      <a:r>
+                        <a:rPr lang="ko-KR" altLang="en-US" sz="2800" b="1" i="0" kern="1200" dirty="0">
+                          <a:solidFill>
+                            <a:schemeClr val="bg1"/>
+                          </a:solidFill>
+                          <a:effectLst/>
+                          <a:latin typeface="+mn-lt"/>
+                          <a:ea typeface="+mn-ea"/>
+                          <a:cs typeface="+mn-cs"/>
+                        </a:rPr>
+                        <a:t>℃</a:t>
+                      </a:r>
+                      <a:endParaRPr lang="ko-KR" altLang="en-US" sz="2800" b="1" dirty="0">
+                        <a:solidFill>
+                          <a:schemeClr val="bg1"/>
+                        </a:solidFill>
+                      </a:endParaRPr>
+                    </a:p>
+                  </a:txBody>
+                  <a:tcPr>
+                    <a:lnL w="19050" cap="flat" cmpd="sng" algn="ctr">
+                      <a:solidFill>
+                        <a:schemeClr val="bg1"/>
+                      </a:solidFill>
+                      <a:prstDash val="solid"/>
+                      <a:round/>
+                      <a:headEnd type="none" w="med" len="med"/>
+                      <a:tailEnd type="none" w="med" len="med"/>
+                    </a:lnL>
+                    <a:lnR w="19050" cap="flat" cmpd="sng" algn="ctr">
+                      <a:solidFill>
+                        <a:schemeClr val="bg1"/>
+                      </a:solidFill>
+                      <a:prstDash val="solid"/>
+                      <a:round/>
+                      <a:headEnd type="none" w="med" len="med"/>
+                      <a:tailEnd type="none" w="med" len="med"/>
+                    </a:lnR>
+                    <a:lnT w="19050" cap="flat" cmpd="sng" algn="ctr">
+                      <a:solidFill>
+                        <a:schemeClr val="bg1"/>
+                      </a:solidFill>
+                      <a:prstDash val="solid"/>
+                      <a:round/>
+                      <a:headEnd type="none" w="med" len="med"/>
+                      <a:tailEnd type="none" w="med" len="med"/>
+                    </a:lnT>
+                    <a:lnB w="19050" cap="flat" cmpd="sng" algn="ctr">
+                      <a:solidFill>
+                        <a:schemeClr val="bg1"/>
+                      </a:solidFill>
+                      <a:prstDash val="solid"/>
+                      <a:round/>
+                      <a:headEnd type="none" w="med" len="med"/>
+                      <a:tailEnd type="none" w="med" len="med"/>
+                    </a:lnB>
+                    <a:lnTlToBr w="12700" cmpd="sng">
+                      <a:noFill/>
+                      <a:prstDash val="solid"/>
+                    </a:lnTlToBr>
+                    <a:lnBlToTr w="12700" cmpd="sng">
+                      <a:noFill/>
+                      <a:prstDash val="solid"/>
+                    </a:lnBlToTr>
+                  </a:tcPr>
+                </a:tc>
+                <a:tc>
+                  <a:txBody>
+                    <a:bodyPr/>
+                    <a:lstStyle/>
+                    <a:p>
+                      <a:pPr algn="ctr" latinLnBrk="1"/>
+                      <a:endParaRPr lang="ko-KR" altLang="en-US" sz="2800" b="1" dirty="0">
+                        <a:solidFill>
+                          <a:schemeClr val="bg1"/>
+                        </a:solidFill>
+                      </a:endParaRPr>
+                    </a:p>
+                  </a:txBody>
+                  <a:tcPr>
+                    <a:lnL w="19050" cap="flat" cmpd="sng" algn="ctr">
+                      <a:solidFill>
+                        <a:schemeClr val="bg1"/>
+                      </a:solidFill>
+                      <a:prstDash val="solid"/>
+                      <a:round/>
+                      <a:headEnd type="none" w="med" len="med"/>
+                      <a:tailEnd type="none" w="med" len="med"/>
+                    </a:lnL>
+                    <a:lnR w="19050" cap="flat" cmpd="sng" algn="ctr">
+                      <a:solidFill>
+                        <a:schemeClr val="bg1"/>
+                      </a:solidFill>
+                      <a:prstDash val="solid"/>
+                      <a:round/>
+                      <a:headEnd type="none" w="med" len="med"/>
+                      <a:tailEnd type="none" w="med" len="med"/>
+                    </a:lnR>
+                    <a:lnT w="19050" cap="flat" cmpd="sng" algn="ctr">
+                      <a:solidFill>
+                        <a:schemeClr val="bg1"/>
+                      </a:solidFill>
+                      <a:prstDash val="solid"/>
+                      <a:round/>
+                      <a:headEnd type="none" w="med" len="med"/>
+                      <a:tailEnd type="none" w="med" len="med"/>
+                    </a:lnT>
+                    <a:lnB w="19050" cap="flat" cmpd="sng" algn="ctr">
+                      <a:solidFill>
+                        <a:schemeClr val="bg1"/>
+                      </a:solidFill>
+                      <a:prstDash val="solid"/>
+                      <a:round/>
+                      <a:headEnd type="none" w="med" len="med"/>
+                      <a:tailEnd type="none" w="med" len="med"/>
+                    </a:lnB>
+                    <a:lnTlToBr w="12700" cmpd="sng">
+                      <a:noFill/>
+                      <a:prstDash val="solid"/>
+                    </a:lnTlToBr>
+                    <a:lnBlToTr w="12700" cmpd="sng">
+                      <a:noFill/>
+                      <a:prstDash val="solid"/>
+                    </a:lnBlToTr>
+                  </a:tcPr>
+                </a:tc>
+                <a:tc>
+                  <a:txBody>
+                    <a:bodyPr/>
+                    <a:lstStyle/>
+                    <a:p>
+                      <a:pPr algn="ctr" latinLnBrk="1"/>
+                      <a:endParaRPr lang="ko-KR" altLang="en-US" sz="2800" b="1" dirty="0">
+                        <a:solidFill>
+                          <a:schemeClr val="bg1"/>
+                        </a:solidFill>
+                      </a:endParaRPr>
+                    </a:p>
+                  </a:txBody>
+                  <a:tcPr>
+                    <a:lnL w="19050" cap="flat" cmpd="sng" algn="ctr">
+                      <a:solidFill>
+                        <a:schemeClr val="bg1"/>
+                      </a:solidFill>
+                      <a:prstDash val="solid"/>
+                      <a:round/>
+                      <a:headEnd type="none" w="med" len="med"/>
+                      <a:tailEnd type="none" w="med" len="med"/>
+                    </a:lnL>
+                    <a:lnR w="19050" cap="flat" cmpd="sng" algn="ctr">
+                      <a:solidFill>
+                        <a:schemeClr val="bg1"/>
+                      </a:solidFill>
+                      <a:prstDash val="solid"/>
+                      <a:round/>
+                      <a:headEnd type="none" w="med" len="med"/>
+                      <a:tailEnd type="none" w="med" len="med"/>
+                    </a:lnR>
+                    <a:lnT w="19050" cap="flat" cmpd="sng" algn="ctr">
+                      <a:solidFill>
+                        <a:schemeClr val="bg1"/>
+                      </a:solidFill>
+                      <a:prstDash val="solid"/>
+                      <a:round/>
+                      <a:headEnd type="none" w="med" len="med"/>
+                      <a:tailEnd type="none" w="med" len="med"/>
+                    </a:lnT>
+                    <a:lnB w="19050" cap="flat" cmpd="sng" algn="ctr">
+                      <a:solidFill>
+                        <a:schemeClr val="bg1"/>
+                      </a:solidFill>
+                      <a:prstDash val="solid"/>
+                      <a:round/>
+                      <a:headEnd type="none" w="med" len="med"/>
+                      <a:tailEnd type="none" w="med" len="med"/>
+                    </a:lnB>
+                    <a:lnTlToBr w="12700" cmpd="sng">
+                      <a:noFill/>
+                      <a:prstDash val="solid"/>
+                    </a:lnTlToBr>
+                    <a:lnBlToTr w="12700" cmpd="sng">
+                      <a:noFill/>
+                      <a:prstDash val="solid"/>
+                    </a:lnBlToTr>
+                  </a:tcPr>
+                </a:tc>
+                <a:tc>
+                  <a:txBody>
+                    <a:bodyPr/>
+                    <a:lstStyle/>
+                    <a:p>
+                      <a:pPr algn="ctr" latinLnBrk="1"/>
+                      <a:endParaRPr lang="ko-KR" altLang="en-US" sz="2800" b="1" dirty="0">
+                        <a:solidFill>
+                          <a:schemeClr val="bg1"/>
+                        </a:solidFill>
+                      </a:endParaRPr>
+                    </a:p>
+                  </a:txBody>
+                  <a:tcPr>
+                    <a:lnL w="19050" cap="flat" cmpd="sng" algn="ctr">
+                      <a:solidFill>
+                        <a:schemeClr val="bg1"/>
+                      </a:solidFill>
+                      <a:prstDash val="solid"/>
+                      <a:round/>
+                      <a:headEnd type="none" w="med" len="med"/>
+                      <a:tailEnd type="none" w="med" len="med"/>
+                    </a:lnL>
+                    <a:lnR w="19050" cap="flat" cmpd="sng" algn="ctr">
+                      <a:solidFill>
+                        <a:schemeClr val="bg1"/>
+                      </a:solidFill>
+                      <a:prstDash val="solid"/>
+                      <a:round/>
+                      <a:headEnd type="none" w="med" len="med"/>
+                      <a:tailEnd type="none" w="med" len="med"/>
+                    </a:lnR>
+                    <a:lnT w="19050" cap="flat" cmpd="sng" algn="ctr">
+                      <a:solidFill>
+                        <a:schemeClr val="bg1"/>
+                      </a:solidFill>
+                      <a:prstDash val="solid"/>
+                      <a:round/>
+                      <a:headEnd type="none" w="med" len="med"/>
+                      <a:tailEnd type="none" w="med" len="med"/>
+                    </a:lnT>
+                    <a:lnB w="19050" cap="flat" cmpd="sng" algn="ctr">
+                      <a:solidFill>
+                        <a:schemeClr val="bg1"/>
+                      </a:solidFill>
+                      <a:prstDash val="solid"/>
+                      <a:round/>
+                      <a:headEnd type="none" w="med" len="med"/>
+                      <a:tailEnd type="none" w="med" len="med"/>
+                    </a:lnB>
+                    <a:lnTlToBr w="12700" cmpd="sng">
+                      <a:noFill/>
+                      <a:prstDash val="solid"/>
+                    </a:lnTlToBr>
+                    <a:lnBlToTr w="12700" cmpd="sng">
+                      <a:noFill/>
+                      <a:prstDash val="solid"/>
+                    </a:lnBlToTr>
+                  </a:tcPr>
+                </a:tc>
+                <a:tc>
+                  <a:txBody>
+                    <a:bodyPr/>
+                    <a:lstStyle/>
+                    <a:p>
+                      <a:pPr algn="ctr" latinLnBrk="1"/>
+                      <a:endParaRPr lang="ko-KR" altLang="en-US" sz="2800" b="1" dirty="0">
+                        <a:solidFill>
+                          <a:schemeClr val="bg1"/>
+                        </a:solidFill>
+                      </a:endParaRPr>
+                    </a:p>
+                  </a:txBody>
+                  <a:tcPr>
+                    <a:lnL w="19050" cap="flat" cmpd="sng" algn="ctr">
+                      <a:solidFill>
+                        <a:schemeClr val="bg1"/>
+                      </a:solidFill>
+                      <a:prstDash val="solid"/>
+                      <a:round/>
+                      <a:headEnd type="none" w="med" len="med"/>
+                      <a:tailEnd type="none" w="med" len="med"/>
+                    </a:lnL>
+                    <a:lnR w="19050" cap="flat" cmpd="sng" algn="ctr">
+                      <a:solidFill>
+                        <a:schemeClr val="bg1"/>
+                      </a:solidFill>
+                      <a:prstDash val="solid"/>
+                      <a:round/>
+                      <a:headEnd type="none" w="med" len="med"/>
+                      <a:tailEnd type="none" w="med" len="med"/>
+                    </a:lnR>
+                    <a:lnT w="19050" cap="flat" cmpd="sng" algn="ctr">
+                      <a:solidFill>
+                        <a:schemeClr val="bg1"/>
+                      </a:solidFill>
+                      <a:prstDash val="solid"/>
+                      <a:round/>
+                      <a:headEnd type="none" w="med" len="med"/>
+                      <a:tailEnd type="none" w="med" len="med"/>
+                    </a:lnT>
+                    <a:lnB w="19050" cap="flat" cmpd="sng" algn="ctr">
+                      <a:solidFill>
+                        <a:schemeClr val="bg1"/>
+                      </a:solidFill>
+                      <a:prstDash val="solid"/>
+                      <a:round/>
+                      <a:headEnd type="none" w="med" len="med"/>
+                      <a:tailEnd type="none" w="med" len="med"/>
+                    </a:lnB>
+                    <a:lnTlToBr w="12700" cmpd="sng">
+                      <a:noFill/>
+                      <a:prstDash val="solid"/>
+                    </a:lnTlToBr>
+                    <a:lnBlToTr w="12700" cmpd="sng">
+                      <a:noFill/>
+                      <a:prstDash val="solid"/>
+                    </a:lnBlToTr>
+                  </a:tcPr>
+                </a:tc>
+                <a:tc>
+                  <a:txBody>
+                    <a:bodyPr/>
+                    <a:lstStyle/>
+                    <a:p>
+                      <a:pPr algn="ctr" latinLnBrk="1"/>
+                      <a:endParaRPr lang="ko-KR" altLang="en-US" sz="2800" b="1" dirty="0">
+                        <a:solidFill>
+                          <a:schemeClr val="bg1"/>
+                        </a:solidFill>
+                      </a:endParaRPr>
+                    </a:p>
+                  </a:txBody>
+                  <a:tcPr>
+                    <a:lnL w="19050" cap="flat" cmpd="sng" algn="ctr">
+                      <a:solidFill>
+                        <a:schemeClr val="bg1"/>
+                      </a:solidFill>
+                      <a:prstDash val="solid"/>
+                      <a:round/>
+                      <a:headEnd type="none" w="med" len="med"/>
+                      <a:tailEnd type="none" w="med" len="med"/>
+                    </a:lnL>
+                    <a:lnR w="19050" cap="flat" cmpd="sng" algn="ctr">
+                      <a:solidFill>
+                        <a:schemeClr val="bg1"/>
+                      </a:solidFill>
+                      <a:prstDash val="solid"/>
+                      <a:round/>
+                      <a:headEnd type="none" w="med" len="med"/>
+                      <a:tailEnd type="none" w="med" len="med"/>
+                    </a:lnR>
+                    <a:lnT w="19050" cap="flat" cmpd="sng" algn="ctr">
+                      <a:solidFill>
+                        <a:schemeClr val="bg1"/>
+                      </a:solidFill>
+                      <a:prstDash val="solid"/>
+                      <a:round/>
+                      <a:headEnd type="none" w="med" len="med"/>
+                      <a:tailEnd type="none" w="med" len="med"/>
+                    </a:lnT>
+                    <a:lnB w="19050" cap="flat" cmpd="sng" algn="ctr">
+                      <a:solidFill>
+                        <a:schemeClr val="bg1"/>
+                      </a:solidFill>
+                      <a:prstDash val="solid"/>
+                      <a:round/>
+                      <a:headEnd type="none" w="med" len="med"/>
+                      <a:tailEnd type="none" w="med" len="med"/>
+                    </a:lnB>
+                    <a:lnTlToBr w="12700" cmpd="sng">
+                      <a:noFill/>
+                      <a:prstDash val="solid"/>
+                    </a:lnTlToBr>
+                    <a:lnBlToTr w="12700" cmpd="sng">
+                      <a:noFill/>
+                      <a:prstDash val="solid"/>
+                    </a:lnBlToTr>
+                  </a:tcPr>
+                </a:tc>
+                <a:extLst>
+                  <a:ext uri="{0D108BD9-81ED-4DB2-BD59-A6C34878D82A}">
+                    <a16:rowId xmlns:a16="http://schemas.microsoft.com/office/drawing/2014/main" val="4200968339"/>
+                  </a:ext>
+                </a:extLst>
+              </a:tr>
+              <a:tr h="486490">
+                <a:tc>
+                  <a:txBody>
+                    <a:bodyPr/>
+                    <a:lstStyle/>
+                    <a:p>
+                      <a:pPr algn="ctr" latinLnBrk="1"/>
+                      <a:r>
+                        <a:rPr lang="en-US" altLang="ko-KR" sz="2800" b="1" dirty="0">
+                          <a:solidFill>
+                            <a:schemeClr val="bg1"/>
+                          </a:solidFill>
+                        </a:rPr>
+                        <a:t>2</a:t>
+                      </a:r>
+                      <a:r>
+                        <a:rPr lang="ko-KR" altLang="en-US" sz="2800" b="1" dirty="0">
+                          <a:solidFill>
+                            <a:schemeClr val="bg1"/>
+                          </a:solidFill>
+                        </a:rPr>
+                        <a:t>단계</a:t>
+                      </a:r>
+                      <a:r>
+                        <a:rPr lang="en-US" altLang="ko-KR" sz="2800" b="1" dirty="0">
+                          <a:solidFill>
+                            <a:schemeClr val="bg1"/>
+                          </a:solidFill>
+                        </a:rPr>
+                        <a:t>: </a:t>
+                      </a:r>
+                      <a:r>
+                        <a:rPr lang="ko-KR" altLang="en-US" sz="2800" b="1" dirty="0">
+                          <a:solidFill>
+                            <a:schemeClr val="bg1"/>
+                          </a:solidFill>
+                        </a:rPr>
+                        <a:t>새싹</a:t>
+                      </a:r>
+                      <a:endParaRPr lang="en-US" altLang="ko-KR" sz="2800" b="1" dirty="0">
+                        <a:solidFill>
+                          <a:schemeClr val="bg1"/>
+                        </a:solidFill>
+                      </a:endParaRPr>
+                    </a:p>
+                  </a:txBody>
+                  <a:tcPr>
+                    <a:lnL w="19050" cap="flat" cmpd="sng" algn="ctr">
+                      <a:solidFill>
+                        <a:schemeClr val="bg1"/>
+                      </a:solidFill>
+                      <a:prstDash val="solid"/>
+                      <a:round/>
+                      <a:headEnd type="none" w="med" len="med"/>
+                      <a:tailEnd type="none" w="med" len="med"/>
+                    </a:lnL>
+                    <a:lnR w="19050" cap="flat" cmpd="sng" algn="ctr">
+                      <a:solidFill>
+                        <a:schemeClr val="bg1"/>
+                      </a:solidFill>
+                      <a:prstDash val="solid"/>
+                      <a:round/>
+                      <a:headEnd type="none" w="med" len="med"/>
+                      <a:tailEnd type="none" w="med" len="med"/>
+                    </a:lnR>
+                    <a:lnT w="19050" cap="flat" cmpd="sng" algn="ctr">
+                      <a:solidFill>
+                        <a:schemeClr val="bg1"/>
+                      </a:solidFill>
+                      <a:prstDash val="solid"/>
+                      <a:round/>
+                      <a:headEnd type="none" w="med" len="med"/>
+                      <a:tailEnd type="none" w="med" len="med"/>
+                    </a:lnT>
+                    <a:lnB w="19050" cap="flat" cmpd="sng" algn="ctr">
+                      <a:solidFill>
+                        <a:schemeClr val="bg1"/>
+                      </a:solidFill>
+                      <a:prstDash val="solid"/>
+                      <a:round/>
+                      <a:headEnd type="none" w="med" len="med"/>
+                      <a:tailEnd type="none" w="med" len="med"/>
+                    </a:lnB>
+                    <a:lnTlToBr w="12700" cmpd="sng">
+                      <a:noFill/>
+                      <a:prstDash val="solid"/>
+                    </a:lnTlToBr>
+                    <a:lnBlToTr w="12700" cmpd="sng">
+                      <a:noFill/>
+                      <a:prstDash val="solid"/>
+                    </a:lnBlToTr>
+                  </a:tcPr>
+                </a:tc>
+                <a:tc>
+                  <a:txBody>
+                    <a:bodyPr/>
+                    <a:lstStyle/>
+                    <a:p>
+                      <a:pPr algn="ctr" latinLnBrk="1"/>
+                      <a:r>
+                        <a:rPr lang="ko-KR" altLang="en-US" sz="2800" b="1" dirty="0">
+                          <a:solidFill>
+                            <a:schemeClr val="bg1"/>
+                          </a:solidFill>
+                        </a:rPr>
+                        <a:t>육묘 </a:t>
+                      </a:r>
+                      <a:r>
+                        <a:rPr lang="ko-KR" altLang="en-US" sz="2800" b="1" dirty="0" err="1">
+                          <a:solidFill>
+                            <a:schemeClr val="bg1"/>
+                          </a:solidFill>
+                        </a:rPr>
+                        <a:t>적온</a:t>
+                      </a:r>
+                      <a:endParaRPr lang="ko-KR" altLang="en-US" sz="2800" b="1" dirty="0">
+                        <a:solidFill>
+                          <a:schemeClr val="bg1"/>
+                        </a:solidFill>
+                      </a:endParaRPr>
+                    </a:p>
+                  </a:txBody>
+                  <a:tcPr>
+                    <a:lnL w="19050" cap="flat" cmpd="sng" algn="ctr">
+                      <a:solidFill>
+                        <a:schemeClr val="bg1"/>
+                      </a:solidFill>
+                      <a:prstDash val="solid"/>
+                      <a:round/>
+                      <a:headEnd type="none" w="med" len="med"/>
+                      <a:tailEnd type="none" w="med" len="med"/>
+                    </a:lnL>
+                    <a:lnR w="19050" cap="flat" cmpd="sng" algn="ctr">
+                      <a:solidFill>
+                        <a:schemeClr val="bg1"/>
+                      </a:solidFill>
+                      <a:prstDash val="solid"/>
+                      <a:round/>
+                      <a:headEnd type="none" w="med" len="med"/>
+                      <a:tailEnd type="none" w="med" len="med"/>
+                    </a:lnR>
+                    <a:lnT w="19050" cap="flat" cmpd="sng" algn="ctr">
+                      <a:solidFill>
+                        <a:schemeClr val="bg1"/>
+                      </a:solidFill>
+                      <a:prstDash val="solid"/>
+                      <a:round/>
+                      <a:headEnd type="none" w="med" len="med"/>
+                      <a:tailEnd type="none" w="med" len="med"/>
+                    </a:lnT>
+                    <a:lnB w="19050" cap="flat" cmpd="sng" algn="ctr">
+                      <a:solidFill>
+                        <a:schemeClr val="bg1"/>
+                      </a:solidFill>
+                      <a:prstDash val="solid"/>
+                      <a:round/>
+                      <a:headEnd type="none" w="med" len="med"/>
+                      <a:tailEnd type="none" w="med" len="med"/>
+                    </a:lnB>
+                    <a:lnTlToBr w="12700" cmpd="sng">
+                      <a:noFill/>
+                      <a:prstDash val="solid"/>
+                    </a:lnTlToBr>
+                    <a:lnBlToTr w="12700" cmpd="sng">
+                      <a:noFill/>
+                      <a:prstDash val="solid"/>
+                    </a:lnBlToTr>
+                  </a:tcPr>
+                </a:tc>
+                <a:tc>
+                  <a:txBody>
+                    <a:bodyPr/>
+                    <a:lstStyle/>
+                    <a:p>
+                      <a:pPr marL="0" marR="0" lvl="0" indent="0" algn="ctr" defTabSz="3240451" rtl="0" eaLnBrk="1" fontAlgn="auto" latinLnBrk="1" hangingPunct="1">
+                        <a:lnSpc>
+                          <a:spcPct val="100000"/>
+                        </a:lnSpc>
+                        <a:spcBef>
+                          <a:spcPts val="0"/>
+                        </a:spcBef>
+                        <a:spcAft>
+                          <a:spcPts val="0"/>
+                        </a:spcAft>
+                        <a:buClrTx/>
+                        <a:buSzTx/>
+                        <a:buFontTx/>
+                        <a:buNone/>
+                        <a:tabLst/>
+                        <a:defRPr/>
+                      </a:pPr>
+                      <a:r>
+                        <a:rPr lang="en-US" altLang="ko-KR" sz="2800" b="1" dirty="0">
+                          <a:solidFill>
+                            <a:schemeClr val="bg1"/>
+                          </a:solidFill>
+                        </a:rPr>
+                        <a:t>23</a:t>
+                      </a:r>
+                      <a:r>
+                        <a:rPr lang="ko-KR" altLang="en-US" sz="2800" b="1" i="0" kern="1200" dirty="0">
+                          <a:solidFill>
+                            <a:schemeClr val="bg1"/>
+                          </a:solidFill>
+                          <a:effectLst/>
+                          <a:latin typeface="+mn-lt"/>
+                          <a:ea typeface="+mn-ea"/>
+                          <a:cs typeface="+mn-cs"/>
+                        </a:rPr>
+                        <a:t>℃</a:t>
+                      </a:r>
+                      <a:endParaRPr lang="ko-KR" altLang="en-US" sz="2800" b="1" dirty="0">
+                        <a:solidFill>
+                          <a:schemeClr val="bg1"/>
+                        </a:solidFill>
+                      </a:endParaRPr>
+                    </a:p>
+                  </a:txBody>
+                  <a:tcPr>
+                    <a:lnL w="19050" cap="flat" cmpd="sng" algn="ctr">
+                      <a:solidFill>
+                        <a:schemeClr val="bg1"/>
+                      </a:solidFill>
+                      <a:prstDash val="solid"/>
+                      <a:round/>
+                      <a:headEnd type="none" w="med" len="med"/>
+                      <a:tailEnd type="none" w="med" len="med"/>
+                    </a:lnL>
+                    <a:lnR w="19050" cap="flat" cmpd="sng" algn="ctr">
+                      <a:solidFill>
+                        <a:schemeClr val="bg1"/>
+                      </a:solidFill>
+                      <a:prstDash val="solid"/>
+                      <a:round/>
+                      <a:headEnd type="none" w="med" len="med"/>
+                      <a:tailEnd type="none" w="med" len="med"/>
+                    </a:lnR>
+                    <a:lnT w="19050" cap="flat" cmpd="sng" algn="ctr">
+                      <a:solidFill>
+                        <a:schemeClr val="bg1"/>
+                      </a:solidFill>
+                      <a:prstDash val="solid"/>
+                      <a:round/>
+                      <a:headEnd type="none" w="med" len="med"/>
+                      <a:tailEnd type="none" w="med" len="med"/>
+                    </a:lnT>
+                    <a:lnB w="19050" cap="flat" cmpd="sng" algn="ctr">
+                      <a:solidFill>
+                        <a:schemeClr val="bg1"/>
+                      </a:solidFill>
+                      <a:prstDash val="solid"/>
+                      <a:round/>
+                      <a:headEnd type="none" w="med" len="med"/>
+                      <a:tailEnd type="none" w="med" len="med"/>
+                    </a:lnB>
+                    <a:lnTlToBr w="12700" cmpd="sng">
+                      <a:noFill/>
+                      <a:prstDash val="solid"/>
+                    </a:lnTlToBr>
+                    <a:lnBlToTr w="12700" cmpd="sng">
+                      <a:noFill/>
+                      <a:prstDash val="solid"/>
+                    </a:lnBlToTr>
+                  </a:tcPr>
+                </a:tc>
+                <a:tc>
+                  <a:txBody>
+                    <a:bodyPr/>
+                    <a:lstStyle/>
+                    <a:p>
+                      <a:pPr marL="0" marR="0" lvl="0" indent="0" algn="ctr" defTabSz="3240451" rtl="0" eaLnBrk="1" fontAlgn="auto" latinLnBrk="1" hangingPunct="1">
+                        <a:lnSpc>
+                          <a:spcPct val="100000"/>
+                        </a:lnSpc>
+                        <a:spcBef>
+                          <a:spcPts val="0"/>
+                        </a:spcBef>
+                        <a:spcAft>
+                          <a:spcPts val="0"/>
+                        </a:spcAft>
+                        <a:buClrTx/>
+                        <a:buSzTx/>
+                        <a:buFontTx/>
+                        <a:buNone/>
+                        <a:tabLst/>
+                        <a:defRPr/>
+                      </a:pPr>
+                      <a:endParaRPr lang="ko-KR" altLang="en-US" sz="2800" b="1" dirty="0">
+                        <a:solidFill>
+                          <a:schemeClr val="bg1"/>
+                        </a:solidFill>
+                      </a:endParaRPr>
+                    </a:p>
+                  </a:txBody>
+                  <a:tcPr>
+                    <a:lnL w="19050" cap="flat" cmpd="sng" algn="ctr">
+                      <a:solidFill>
+                        <a:schemeClr val="bg1"/>
+                      </a:solidFill>
+                      <a:prstDash val="solid"/>
+                      <a:round/>
+                      <a:headEnd type="none" w="med" len="med"/>
+                      <a:tailEnd type="none" w="med" len="med"/>
+                    </a:lnL>
+                    <a:lnR w="19050" cap="flat" cmpd="sng" algn="ctr">
+                      <a:solidFill>
+                        <a:schemeClr val="bg1"/>
+                      </a:solidFill>
+                      <a:prstDash val="solid"/>
+                      <a:round/>
+                      <a:headEnd type="none" w="med" len="med"/>
+                      <a:tailEnd type="none" w="med" len="med"/>
+                    </a:lnR>
+                    <a:lnT w="19050" cap="flat" cmpd="sng" algn="ctr">
+                      <a:solidFill>
+                        <a:schemeClr val="bg1"/>
+                      </a:solidFill>
+                      <a:prstDash val="solid"/>
+                      <a:round/>
+                      <a:headEnd type="none" w="med" len="med"/>
+                      <a:tailEnd type="none" w="med" len="med"/>
+                    </a:lnT>
+                    <a:lnB w="19050" cap="flat" cmpd="sng" algn="ctr">
+                      <a:solidFill>
+                        <a:schemeClr val="bg1"/>
+                      </a:solidFill>
+                      <a:prstDash val="solid"/>
+                      <a:round/>
+                      <a:headEnd type="none" w="med" len="med"/>
+                      <a:tailEnd type="none" w="med" len="med"/>
+                    </a:lnB>
+                    <a:lnTlToBr w="12700" cmpd="sng">
+                      <a:noFill/>
+                      <a:prstDash val="solid"/>
+                    </a:lnTlToBr>
+                    <a:lnBlToTr w="12700" cmpd="sng">
+                      <a:noFill/>
+                      <a:prstDash val="solid"/>
+                    </a:lnBlToTr>
+                  </a:tcPr>
+                </a:tc>
+                <a:tc>
+                  <a:txBody>
+                    <a:bodyPr/>
+                    <a:lstStyle/>
+                    <a:p>
+                      <a:pPr marL="0" marR="0" lvl="0" indent="0" algn="ctr" defTabSz="3240451" rtl="0" eaLnBrk="1" fontAlgn="auto" latinLnBrk="1" hangingPunct="1">
+                        <a:lnSpc>
+                          <a:spcPct val="100000"/>
+                        </a:lnSpc>
+                        <a:spcBef>
+                          <a:spcPts val="0"/>
+                        </a:spcBef>
+                        <a:spcAft>
+                          <a:spcPts val="0"/>
+                        </a:spcAft>
+                        <a:buClrTx/>
+                        <a:buSzTx/>
+                        <a:buFontTx/>
+                        <a:buNone/>
+                        <a:tabLst/>
+                        <a:defRPr/>
+                      </a:pPr>
+                      <a:endParaRPr lang="ko-KR" altLang="en-US" sz="2800" b="1" dirty="0">
+                        <a:solidFill>
+                          <a:schemeClr val="bg1"/>
+                        </a:solidFill>
+                      </a:endParaRPr>
+                    </a:p>
+                  </a:txBody>
+                  <a:tcPr>
+                    <a:lnL w="19050" cap="flat" cmpd="sng" algn="ctr">
+                      <a:solidFill>
+                        <a:schemeClr val="bg1"/>
+                      </a:solidFill>
+                      <a:prstDash val="solid"/>
+                      <a:round/>
+                      <a:headEnd type="none" w="med" len="med"/>
+                      <a:tailEnd type="none" w="med" len="med"/>
+                    </a:lnL>
+                    <a:lnR w="19050" cap="flat" cmpd="sng" algn="ctr">
+                      <a:solidFill>
+                        <a:schemeClr val="bg1"/>
+                      </a:solidFill>
+                      <a:prstDash val="solid"/>
+                      <a:round/>
+                      <a:headEnd type="none" w="med" len="med"/>
+                      <a:tailEnd type="none" w="med" len="med"/>
+                    </a:lnR>
+                    <a:lnT w="19050" cap="flat" cmpd="sng" algn="ctr">
+                      <a:solidFill>
+                        <a:schemeClr val="bg1"/>
+                      </a:solidFill>
+                      <a:prstDash val="solid"/>
+                      <a:round/>
+                      <a:headEnd type="none" w="med" len="med"/>
+                      <a:tailEnd type="none" w="med" len="med"/>
+                    </a:lnT>
+                    <a:lnB w="19050" cap="flat" cmpd="sng" algn="ctr">
+                      <a:solidFill>
+                        <a:schemeClr val="bg1"/>
+                      </a:solidFill>
+                      <a:prstDash val="solid"/>
+                      <a:round/>
+                      <a:headEnd type="none" w="med" len="med"/>
+                      <a:tailEnd type="none" w="med" len="med"/>
+                    </a:lnB>
+                    <a:lnTlToBr w="12700" cmpd="sng">
+                      <a:noFill/>
+                      <a:prstDash val="solid"/>
+                    </a:lnTlToBr>
+                    <a:lnBlToTr w="12700" cmpd="sng">
+                      <a:noFill/>
+                      <a:prstDash val="solid"/>
+                    </a:lnBlToTr>
+                  </a:tcPr>
+                </a:tc>
+                <a:tc>
+                  <a:txBody>
+                    <a:bodyPr/>
+                    <a:lstStyle/>
+                    <a:p>
+                      <a:pPr marL="0" marR="0" lvl="0" indent="0" algn="ctr" defTabSz="3240451" rtl="0" eaLnBrk="1" fontAlgn="auto" latinLnBrk="1" hangingPunct="1">
+                        <a:lnSpc>
+                          <a:spcPct val="100000"/>
+                        </a:lnSpc>
+                        <a:spcBef>
+                          <a:spcPts val="0"/>
+                        </a:spcBef>
+                        <a:spcAft>
+                          <a:spcPts val="0"/>
+                        </a:spcAft>
+                        <a:buClrTx/>
+                        <a:buSzTx/>
+                        <a:buFontTx/>
+                        <a:buNone/>
+                        <a:tabLst/>
+                        <a:defRPr/>
+                      </a:pPr>
+                      <a:endParaRPr lang="ko-KR" altLang="en-US" sz="2800" b="1" dirty="0">
+                        <a:solidFill>
+                          <a:schemeClr val="bg1"/>
+                        </a:solidFill>
+                      </a:endParaRPr>
+                    </a:p>
+                  </a:txBody>
+                  <a:tcPr>
+                    <a:lnL w="19050" cap="flat" cmpd="sng" algn="ctr">
+                      <a:solidFill>
+                        <a:schemeClr val="bg1"/>
+                      </a:solidFill>
+                      <a:prstDash val="solid"/>
+                      <a:round/>
+                      <a:headEnd type="none" w="med" len="med"/>
+                      <a:tailEnd type="none" w="med" len="med"/>
+                    </a:lnL>
+                    <a:lnR w="19050" cap="flat" cmpd="sng" algn="ctr">
+                      <a:solidFill>
+                        <a:schemeClr val="bg1"/>
+                      </a:solidFill>
+                      <a:prstDash val="solid"/>
+                      <a:round/>
+                      <a:headEnd type="none" w="med" len="med"/>
+                      <a:tailEnd type="none" w="med" len="med"/>
+                    </a:lnR>
+                    <a:lnT w="19050" cap="flat" cmpd="sng" algn="ctr">
+                      <a:solidFill>
+                        <a:schemeClr val="bg1"/>
+                      </a:solidFill>
+                      <a:prstDash val="solid"/>
+                      <a:round/>
+                      <a:headEnd type="none" w="med" len="med"/>
+                      <a:tailEnd type="none" w="med" len="med"/>
+                    </a:lnT>
+                    <a:lnB w="19050" cap="flat" cmpd="sng" algn="ctr">
+                      <a:solidFill>
+                        <a:schemeClr val="bg1"/>
+                      </a:solidFill>
+                      <a:prstDash val="solid"/>
+                      <a:round/>
+                      <a:headEnd type="none" w="med" len="med"/>
+                      <a:tailEnd type="none" w="med" len="med"/>
+                    </a:lnB>
+                    <a:lnTlToBr w="12700" cmpd="sng">
+                      <a:noFill/>
+                      <a:prstDash val="solid"/>
+                    </a:lnTlToBr>
+                    <a:lnBlToTr w="12700" cmpd="sng">
+                      <a:noFill/>
+                      <a:prstDash val="solid"/>
+                    </a:lnBlToTr>
+                  </a:tcPr>
+                </a:tc>
+                <a:tc>
+                  <a:txBody>
+                    <a:bodyPr/>
+                    <a:lstStyle/>
+                    <a:p>
+                      <a:pPr marL="0" marR="0" lvl="0" indent="0" algn="ctr" defTabSz="3240451" rtl="0" eaLnBrk="1" fontAlgn="auto" latinLnBrk="1" hangingPunct="1">
+                        <a:lnSpc>
+                          <a:spcPct val="100000"/>
+                        </a:lnSpc>
+                        <a:spcBef>
+                          <a:spcPts val="0"/>
+                        </a:spcBef>
+                        <a:spcAft>
+                          <a:spcPts val="0"/>
+                        </a:spcAft>
+                        <a:buClrTx/>
+                        <a:buSzTx/>
+                        <a:buFontTx/>
+                        <a:buNone/>
+                        <a:tabLst/>
+                        <a:defRPr/>
+                      </a:pPr>
+                      <a:endParaRPr lang="ko-KR" altLang="en-US" sz="2800" b="1" dirty="0">
+                        <a:solidFill>
+                          <a:schemeClr val="bg1"/>
+                        </a:solidFill>
+                      </a:endParaRPr>
+                    </a:p>
+                  </a:txBody>
+                  <a:tcPr>
+                    <a:lnL w="19050" cap="flat" cmpd="sng" algn="ctr">
+                      <a:solidFill>
+                        <a:schemeClr val="bg1"/>
+                      </a:solidFill>
+                      <a:prstDash val="solid"/>
+                      <a:round/>
+                      <a:headEnd type="none" w="med" len="med"/>
+                      <a:tailEnd type="none" w="med" len="med"/>
+                    </a:lnL>
+                    <a:lnR w="19050" cap="flat" cmpd="sng" algn="ctr">
+                      <a:solidFill>
+                        <a:schemeClr val="bg1"/>
+                      </a:solidFill>
+                      <a:prstDash val="solid"/>
+                      <a:round/>
+                      <a:headEnd type="none" w="med" len="med"/>
+                      <a:tailEnd type="none" w="med" len="med"/>
+                    </a:lnR>
+                    <a:lnT w="19050" cap="flat" cmpd="sng" algn="ctr">
+                      <a:solidFill>
+                        <a:schemeClr val="bg1"/>
+                      </a:solidFill>
+                      <a:prstDash val="solid"/>
+                      <a:round/>
+                      <a:headEnd type="none" w="med" len="med"/>
+                      <a:tailEnd type="none" w="med" len="med"/>
+                    </a:lnT>
+                    <a:lnB w="19050" cap="flat" cmpd="sng" algn="ctr">
+                      <a:solidFill>
+                        <a:schemeClr val="bg1"/>
+                      </a:solidFill>
+                      <a:prstDash val="solid"/>
+                      <a:round/>
+                      <a:headEnd type="none" w="med" len="med"/>
+                      <a:tailEnd type="none" w="med" len="med"/>
+                    </a:lnB>
+                    <a:lnTlToBr w="12700" cmpd="sng">
+                      <a:noFill/>
+                      <a:prstDash val="solid"/>
+                    </a:lnTlToBr>
+                    <a:lnBlToTr w="12700" cmpd="sng">
+                      <a:noFill/>
+                      <a:prstDash val="solid"/>
+                    </a:lnBlToTr>
+                  </a:tcPr>
+                </a:tc>
+                <a:tc>
+                  <a:txBody>
+                    <a:bodyPr/>
+                    <a:lstStyle/>
+                    <a:p>
+                      <a:pPr marL="0" marR="0" lvl="0" indent="0" algn="ctr" defTabSz="3240451" rtl="0" eaLnBrk="1" fontAlgn="auto" latinLnBrk="1" hangingPunct="1">
+                        <a:lnSpc>
+                          <a:spcPct val="100000"/>
+                        </a:lnSpc>
+                        <a:spcBef>
+                          <a:spcPts val="0"/>
+                        </a:spcBef>
+                        <a:spcAft>
+                          <a:spcPts val="0"/>
+                        </a:spcAft>
+                        <a:buClrTx/>
+                        <a:buSzTx/>
+                        <a:buFontTx/>
+                        <a:buNone/>
+                        <a:tabLst/>
+                        <a:defRPr/>
+                      </a:pPr>
+                      <a:endParaRPr lang="ko-KR" altLang="en-US" sz="2800" b="1" dirty="0">
+                        <a:solidFill>
+                          <a:schemeClr val="bg1"/>
+                        </a:solidFill>
+                      </a:endParaRPr>
+                    </a:p>
+                  </a:txBody>
+                  <a:tcPr>
+                    <a:lnL w="19050" cap="flat" cmpd="sng" algn="ctr">
+                      <a:solidFill>
+                        <a:schemeClr val="bg1"/>
+                      </a:solidFill>
+                      <a:prstDash val="solid"/>
+                      <a:round/>
+                      <a:headEnd type="none" w="med" len="med"/>
+                      <a:tailEnd type="none" w="med" len="med"/>
+                    </a:lnL>
+                    <a:lnR w="19050" cap="flat" cmpd="sng" algn="ctr">
+                      <a:solidFill>
+                        <a:schemeClr val="bg1"/>
+                      </a:solidFill>
+                      <a:prstDash val="solid"/>
+                      <a:round/>
+                      <a:headEnd type="none" w="med" len="med"/>
+                      <a:tailEnd type="none" w="med" len="med"/>
+                    </a:lnR>
+                    <a:lnT w="19050" cap="flat" cmpd="sng" algn="ctr">
+                      <a:solidFill>
+                        <a:schemeClr val="bg1"/>
+                      </a:solidFill>
+                      <a:prstDash val="solid"/>
+                      <a:round/>
+                      <a:headEnd type="none" w="med" len="med"/>
+                      <a:tailEnd type="none" w="med" len="med"/>
+                    </a:lnT>
+                    <a:lnB w="19050" cap="flat" cmpd="sng" algn="ctr">
+                      <a:solidFill>
+                        <a:schemeClr val="bg1"/>
+                      </a:solidFill>
+                      <a:prstDash val="solid"/>
+                      <a:round/>
+                      <a:headEnd type="none" w="med" len="med"/>
+                      <a:tailEnd type="none" w="med" len="med"/>
+                    </a:lnB>
+                    <a:lnTlToBr w="12700" cmpd="sng">
+                      <a:noFill/>
+                      <a:prstDash val="solid"/>
+                    </a:lnTlToBr>
+                    <a:lnBlToTr w="12700" cmpd="sng">
+                      <a:noFill/>
+                      <a:prstDash val="solid"/>
+                    </a:lnBlToTr>
+                  </a:tcPr>
+                </a:tc>
+                <a:extLst>
+                  <a:ext uri="{0D108BD9-81ED-4DB2-BD59-A6C34878D82A}">
+                    <a16:rowId xmlns:a16="http://schemas.microsoft.com/office/drawing/2014/main" val="2133796889"/>
+                  </a:ext>
+                </a:extLst>
+              </a:tr>
+              <a:tr h="486490">
+                <a:tc rowSpan="2">
+                  <a:txBody>
+                    <a:bodyPr/>
+                    <a:lstStyle/>
+                    <a:p>
+                      <a:pPr algn="ctr" latinLnBrk="1"/>
+                      <a:r>
+                        <a:rPr lang="en-US" altLang="ko-KR" sz="2800" b="1" dirty="0">
+                          <a:solidFill>
+                            <a:schemeClr val="bg1"/>
+                          </a:solidFill>
+                        </a:rPr>
+                        <a:t>3</a:t>
+                      </a:r>
+                      <a:r>
+                        <a:rPr lang="ko-KR" altLang="en-US" sz="2800" b="1" dirty="0">
+                          <a:solidFill>
+                            <a:schemeClr val="bg1"/>
+                          </a:solidFill>
+                        </a:rPr>
+                        <a:t>단계 </a:t>
+                      </a:r>
+                      <a:r>
+                        <a:rPr lang="en-US" altLang="ko-KR" sz="2800" b="1" dirty="0">
+                          <a:solidFill>
+                            <a:schemeClr val="bg1"/>
+                          </a:solidFill>
+                        </a:rPr>
+                        <a:t>: </a:t>
+                      </a:r>
+                      <a:r>
+                        <a:rPr lang="ko-KR" altLang="en-US" sz="2800" b="1" dirty="0">
+                          <a:solidFill>
+                            <a:schemeClr val="bg1"/>
+                          </a:solidFill>
+                        </a:rPr>
+                        <a:t>생장</a:t>
+                      </a:r>
+                    </a:p>
+                  </a:txBody>
+                  <a:tcPr>
+                    <a:lnL w="19050" cap="flat" cmpd="sng" algn="ctr">
+                      <a:solidFill>
+                        <a:schemeClr val="bg1"/>
+                      </a:solidFill>
+                      <a:prstDash val="solid"/>
+                      <a:round/>
+                      <a:headEnd type="none" w="med" len="med"/>
+                      <a:tailEnd type="none" w="med" len="med"/>
+                    </a:lnL>
+                    <a:lnR w="19050" cap="flat" cmpd="sng" algn="ctr">
+                      <a:solidFill>
+                        <a:schemeClr val="bg1"/>
+                      </a:solidFill>
+                      <a:prstDash val="solid"/>
+                      <a:round/>
+                      <a:headEnd type="none" w="med" len="med"/>
+                      <a:tailEnd type="none" w="med" len="med"/>
+                    </a:lnR>
+                    <a:lnT w="19050" cap="flat" cmpd="sng" algn="ctr">
+                      <a:solidFill>
+                        <a:schemeClr val="bg1"/>
+                      </a:solidFill>
+                      <a:prstDash val="solid"/>
+                      <a:round/>
+                      <a:headEnd type="none" w="med" len="med"/>
+                      <a:tailEnd type="none" w="med" len="med"/>
+                    </a:lnT>
+                    <a:lnB w="19050" cap="flat" cmpd="sng" algn="ctr">
+                      <a:solidFill>
+                        <a:schemeClr val="bg1"/>
+                      </a:solidFill>
+                      <a:prstDash val="solid"/>
+                      <a:round/>
+                      <a:headEnd type="none" w="med" len="med"/>
+                      <a:tailEnd type="none" w="med" len="med"/>
+                    </a:lnB>
+                    <a:lnTlToBr w="12700" cmpd="sng">
+                      <a:noFill/>
+                      <a:prstDash val="solid"/>
+                    </a:lnTlToBr>
+                    <a:lnBlToTr w="12700" cmpd="sng">
+                      <a:noFill/>
+                      <a:prstDash val="solid"/>
+                    </a:lnBlToTr>
+                  </a:tcPr>
+                </a:tc>
+                <a:tc rowSpan="2">
+                  <a:txBody>
+                    <a:bodyPr/>
+                    <a:lstStyle/>
+                    <a:p>
+                      <a:pPr algn="ctr" latinLnBrk="1"/>
+                      <a:r>
+                        <a:rPr lang="ko-KR" altLang="en-US" sz="2800" b="1" dirty="0">
+                          <a:solidFill>
+                            <a:schemeClr val="bg1"/>
+                          </a:solidFill>
+                        </a:rPr>
+                        <a:t>생육 </a:t>
+                      </a:r>
+                      <a:r>
+                        <a:rPr lang="ko-KR" altLang="en-US" sz="2800" b="1" dirty="0" err="1">
+                          <a:solidFill>
+                            <a:schemeClr val="bg1"/>
+                          </a:solidFill>
+                        </a:rPr>
+                        <a:t>적온</a:t>
+                      </a:r>
+                      <a:endParaRPr lang="ko-KR" altLang="en-US" sz="2800" b="1" dirty="0">
+                        <a:solidFill>
+                          <a:schemeClr val="bg1"/>
+                        </a:solidFill>
+                      </a:endParaRPr>
+                    </a:p>
+                  </a:txBody>
+                  <a:tcPr>
+                    <a:lnL w="19050" cap="flat" cmpd="sng" algn="ctr">
+                      <a:solidFill>
+                        <a:schemeClr val="bg1"/>
+                      </a:solidFill>
+                      <a:prstDash val="solid"/>
+                      <a:round/>
+                      <a:headEnd type="none" w="med" len="med"/>
+                      <a:tailEnd type="none" w="med" len="med"/>
+                    </a:lnL>
+                    <a:lnR w="19050" cap="flat" cmpd="sng" algn="ctr">
+                      <a:solidFill>
+                        <a:schemeClr val="bg1"/>
+                      </a:solidFill>
+                      <a:prstDash val="solid"/>
+                      <a:round/>
+                      <a:headEnd type="none" w="med" len="med"/>
+                      <a:tailEnd type="none" w="med" len="med"/>
+                    </a:lnR>
+                    <a:lnT w="19050" cap="flat" cmpd="sng" algn="ctr">
+                      <a:solidFill>
+                        <a:schemeClr val="bg1"/>
+                      </a:solidFill>
+                      <a:prstDash val="solid"/>
+                      <a:round/>
+                      <a:headEnd type="none" w="med" len="med"/>
+                      <a:tailEnd type="none" w="med" len="med"/>
+                    </a:lnT>
+                    <a:lnB w="19050" cap="flat" cmpd="sng" algn="ctr">
+                      <a:solidFill>
+                        <a:schemeClr val="bg1"/>
+                      </a:solidFill>
+                      <a:prstDash val="solid"/>
+                      <a:round/>
+                      <a:headEnd type="none" w="med" len="med"/>
+                      <a:tailEnd type="none" w="med" len="med"/>
+                    </a:lnB>
+                    <a:lnTlToBr w="12700" cmpd="sng">
+                      <a:noFill/>
+                      <a:prstDash val="solid"/>
+                    </a:lnTlToBr>
+                    <a:lnBlToTr w="12700" cmpd="sng">
+                      <a:noFill/>
+                      <a:prstDash val="solid"/>
+                    </a:lnBlToTr>
+                  </a:tcPr>
+                </a:tc>
+                <a:tc>
+                  <a:txBody>
+                    <a:bodyPr/>
+                    <a:lstStyle/>
+                    <a:p>
+                      <a:pPr marL="0" marR="0" lvl="0" indent="0" algn="ctr" defTabSz="3240451" rtl="0" eaLnBrk="1" fontAlgn="auto" latinLnBrk="1" hangingPunct="1">
+                        <a:lnSpc>
+                          <a:spcPct val="100000"/>
+                        </a:lnSpc>
+                        <a:spcBef>
+                          <a:spcPts val="0"/>
+                        </a:spcBef>
+                        <a:spcAft>
+                          <a:spcPts val="0"/>
+                        </a:spcAft>
+                        <a:buClrTx/>
+                        <a:buSzTx/>
+                        <a:buFontTx/>
+                        <a:buNone/>
+                        <a:tabLst/>
+                        <a:defRPr/>
+                      </a:pPr>
+                      <a:r>
+                        <a:rPr lang="ko-KR" altLang="en-US" sz="2800" b="1" dirty="0">
+                          <a:solidFill>
+                            <a:schemeClr val="bg1"/>
+                          </a:solidFill>
+                        </a:rPr>
+                        <a:t>낮 </a:t>
+                      </a:r>
+                      <a:r>
+                        <a:rPr lang="en-US" altLang="ko-KR" sz="2800" b="1" dirty="0">
+                          <a:solidFill>
+                            <a:schemeClr val="bg1"/>
+                          </a:solidFill>
+                        </a:rPr>
+                        <a:t>: 25</a:t>
+                      </a:r>
+                      <a:r>
+                        <a:rPr lang="ko-KR" altLang="en-US" sz="2800" b="1" i="0" kern="1200" dirty="0">
+                          <a:solidFill>
+                            <a:schemeClr val="bg1"/>
+                          </a:solidFill>
+                          <a:effectLst/>
+                          <a:latin typeface="+mn-lt"/>
+                          <a:ea typeface="+mn-ea"/>
+                          <a:cs typeface="+mn-cs"/>
+                        </a:rPr>
+                        <a:t>℃</a:t>
+                      </a:r>
+                      <a:endParaRPr lang="ko-KR" altLang="en-US" sz="2800" b="1" dirty="0">
+                        <a:solidFill>
+                          <a:schemeClr val="bg1"/>
+                        </a:solidFill>
+                      </a:endParaRPr>
+                    </a:p>
+                  </a:txBody>
+                  <a:tcPr>
+                    <a:lnL w="19050" cap="flat" cmpd="sng" algn="ctr">
+                      <a:solidFill>
+                        <a:schemeClr val="bg1"/>
+                      </a:solidFill>
+                      <a:prstDash val="solid"/>
+                      <a:round/>
+                      <a:headEnd type="none" w="med" len="med"/>
+                      <a:tailEnd type="none" w="med" len="med"/>
+                    </a:lnL>
+                    <a:lnR w="19050" cap="flat" cmpd="sng" algn="ctr">
+                      <a:solidFill>
+                        <a:schemeClr val="bg1"/>
+                      </a:solidFill>
+                      <a:prstDash val="solid"/>
+                      <a:round/>
+                      <a:headEnd type="none" w="med" len="med"/>
+                      <a:tailEnd type="none" w="med" len="med"/>
+                    </a:lnR>
+                    <a:lnT w="19050" cap="flat" cmpd="sng" algn="ctr">
+                      <a:solidFill>
+                        <a:schemeClr val="bg1"/>
+                      </a:solidFill>
+                      <a:prstDash val="solid"/>
+                      <a:round/>
+                      <a:headEnd type="none" w="med" len="med"/>
+                      <a:tailEnd type="none" w="med" len="med"/>
+                    </a:lnT>
+                    <a:lnB w="19050" cap="flat" cmpd="sng" algn="ctr">
+                      <a:solidFill>
+                        <a:schemeClr val="bg1"/>
+                      </a:solidFill>
+                      <a:prstDash val="solid"/>
+                      <a:round/>
+                      <a:headEnd type="none" w="med" len="med"/>
+                      <a:tailEnd type="none" w="med" len="med"/>
+                    </a:lnB>
+                    <a:lnTlToBr w="12700" cmpd="sng">
+                      <a:noFill/>
+                      <a:prstDash val="solid"/>
+                    </a:lnTlToBr>
+                    <a:lnBlToTr w="12700" cmpd="sng">
+                      <a:noFill/>
+                      <a:prstDash val="solid"/>
+                    </a:lnBlToTr>
+                  </a:tcPr>
+                </a:tc>
+                <a:tc>
+                  <a:txBody>
+                    <a:bodyPr/>
+                    <a:lstStyle/>
+                    <a:p>
+                      <a:pPr marL="0" marR="0" lvl="0" indent="0" algn="ctr" defTabSz="3240451" rtl="0" eaLnBrk="1" fontAlgn="auto" latinLnBrk="1" hangingPunct="1">
+                        <a:lnSpc>
+                          <a:spcPct val="100000"/>
+                        </a:lnSpc>
+                        <a:spcBef>
+                          <a:spcPts val="0"/>
+                        </a:spcBef>
+                        <a:spcAft>
+                          <a:spcPts val="0"/>
+                        </a:spcAft>
+                        <a:buClrTx/>
+                        <a:buSzTx/>
+                        <a:buFontTx/>
+                        <a:buNone/>
+                        <a:tabLst/>
+                        <a:defRPr/>
+                      </a:pPr>
+                      <a:endParaRPr lang="ko-KR" altLang="en-US" sz="2800" b="1" dirty="0">
+                        <a:solidFill>
+                          <a:schemeClr val="bg1"/>
+                        </a:solidFill>
+                      </a:endParaRPr>
+                    </a:p>
+                  </a:txBody>
+                  <a:tcPr>
+                    <a:lnL w="19050" cap="flat" cmpd="sng" algn="ctr">
+                      <a:solidFill>
+                        <a:schemeClr val="bg1"/>
+                      </a:solidFill>
+                      <a:prstDash val="solid"/>
+                      <a:round/>
+                      <a:headEnd type="none" w="med" len="med"/>
+                      <a:tailEnd type="none" w="med" len="med"/>
+                    </a:lnL>
+                    <a:lnR w="19050" cap="flat" cmpd="sng" algn="ctr">
+                      <a:solidFill>
+                        <a:schemeClr val="bg1"/>
+                      </a:solidFill>
+                      <a:prstDash val="solid"/>
+                      <a:round/>
+                      <a:headEnd type="none" w="med" len="med"/>
+                      <a:tailEnd type="none" w="med" len="med"/>
+                    </a:lnR>
+                    <a:lnT w="19050" cap="flat" cmpd="sng" algn="ctr">
+                      <a:solidFill>
+                        <a:schemeClr val="bg1"/>
+                      </a:solidFill>
+                      <a:prstDash val="solid"/>
+                      <a:round/>
+                      <a:headEnd type="none" w="med" len="med"/>
+                      <a:tailEnd type="none" w="med" len="med"/>
+                    </a:lnT>
+                    <a:lnB w="19050" cap="flat" cmpd="sng" algn="ctr">
+                      <a:solidFill>
+                        <a:schemeClr val="bg1"/>
+                      </a:solidFill>
+                      <a:prstDash val="solid"/>
+                      <a:round/>
+                      <a:headEnd type="none" w="med" len="med"/>
+                      <a:tailEnd type="none" w="med" len="med"/>
+                    </a:lnB>
+                    <a:lnTlToBr w="12700" cmpd="sng">
+                      <a:noFill/>
+                      <a:prstDash val="solid"/>
+                    </a:lnTlToBr>
+                    <a:lnBlToTr w="12700" cmpd="sng">
+                      <a:noFill/>
+                      <a:prstDash val="solid"/>
+                    </a:lnBlToTr>
+                  </a:tcPr>
+                </a:tc>
+                <a:tc>
+                  <a:txBody>
+                    <a:bodyPr/>
+                    <a:lstStyle/>
+                    <a:p>
+                      <a:pPr marL="0" marR="0" lvl="0" indent="0" algn="ctr" defTabSz="3240451" rtl="0" eaLnBrk="1" fontAlgn="auto" latinLnBrk="1" hangingPunct="1">
+                        <a:lnSpc>
+                          <a:spcPct val="100000"/>
+                        </a:lnSpc>
+                        <a:spcBef>
+                          <a:spcPts val="0"/>
+                        </a:spcBef>
+                        <a:spcAft>
+                          <a:spcPts val="0"/>
+                        </a:spcAft>
+                        <a:buClrTx/>
+                        <a:buSzTx/>
+                        <a:buFontTx/>
+                        <a:buNone/>
+                        <a:tabLst/>
+                        <a:defRPr/>
+                      </a:pPr>
+                      <a:endParaRPr lang="ko-KR" altLang="en-US" sz="2800" b="1" dirty="0">
+                        <a:solidFill>
+                          <a:schemeClr val="bg1"/>
+                        </a:solidFill>
+                      </a:endParaRPr>
+                    </a:p>
+                  </a:txBody>
+                  <a:tcPr>
+                    <a:lnL w="19050" cap="flat" cmpd="sng" algn="ctr">
+                      <a:solidFill>
+                        <a:schemeClr val="bg1"/>
+                      </a:solidFill>
+                      <a:prstDash val="solid"/>
+                      <a:round/>
+                      <a:headEnd type="none" w="med" len="med"/>
+                      <a:tailEnd type="none" w="med" len="med"/>
+                    </a:lnL>
+                    <a:lnR w="19050" cap="flat" cmpd="sng" algn="ctr">
+                      <a:solidFill>
+                        <a:schemeClr val="bg1"/>
+                      </a:solidFill>
+                      <a:prstDash val="solid"/>
+                      <a:round/>
+                      <a:headEnd type="none" w="med" len="med"/>
+                      <a:tailEnd type="none" w="med" len="med"/>
+                    </a:lnR>
+                    <a:lnT w="19050" cap="flat" cmpd="sng" algn="ctr">
+                      <a:solidFill>
+                        <a:schemeClr val="bg1"/>
+                      </a:solidFill>
+                      <a:prstDash val="solid"/>
+                      <a:round/>
+                      <a:headEnd type="none" w="med" len="med"/>
+                      <a:tailEnd type="none" w="med" len="med"/>
+                    </a:lnT>
+                    <a:lnB w="19050" cap="flat" cmpd="sng" algn="ctr">
+                      <a:solidFill>
+                        <a:schemeClr val="bg1"/>
+                      </a:solidFill>
+                      <a:prstDash val="solid"/>
+                      <a:round/>
+                      <a:headEnd type="none" w="med" len="med"/>
+                      <a:tailEnd type="none" w="med" len="med"/>
+                    </a:lnB>
+                    <a:lnTlToBr w="12700" cmpd="sng">
+                      <a:noFill/>
+                      <a:prstDash val="solid"/>
+                    </a:lnTlToBr>
+                    <a:lnBlToTr w="12700" cmpd="sng">
+                      <a:noFill/>
+                      <a:prstDash val="solid"/>
+                    </a:lnBlToTr>
+                  </a:tcPr>
+                </a:tc>
+                <a:tc>
+                  <a:txBody>
+                    <a:bodyPr/>
+                    <a:lstStyle/>
+                    <a:p>
+                      <a:pPr marL="0" marR="0" lvl="0" indent="0" algn="ctr" defTabSz="3240451" rtl="0" eaLnBrk="1" fontAlgn="auto" latinLnBrk="1" hangingPunct="1">
+                        <a:lnSpc>
+                          <a:spcPct val="100000"/>
+                        </a:lnSpc>
+                        <a:spcBef>
+                          <a:spcPts val="0"/>
+                        </a:spcBef>
+                        <a:spcAft>
+                          <a:spcPts val="0"/>
+                        </a:spcAft>
+                        <a:buClrTx/>
+                        <a:buSzTx/>
+                        <a:buFontTx/>
+                        <a:buNone/>
+                        <a:tabLst/>
+                        <a:defRPr/>
+                      </a:pPr>
+                      <a:endParaRPr lang="ko-KR" altLang="en-US" sz="2800" b="1" dirty="0">
+                        <a:solidFill>
+                          <a:schemeClr val="bg1"/>
+                        </a:solidFill>
+                      </a:endParaRPr>
+                    </a:p>
+                  </a:txBody>
+                  <a:tcPr>
+                    <a:lnL w="19050" cap="flat" cmpd="sng" algn="ctr">
+                      <a:solidFill>
+                        <a:schemeClr val="bg1"/>
+                      </a:solidFill>
+                      <a:prstDash val="solid"/>
+                      <a:round/>
+                      <a:headEnd type="none" w="med" len="med"/>
+                      <a:tailEnd type="none" w="med" len="med"/>
+                    </a:lnL>
+                    <a:lnR w="19050" cap="flat" cmpd="sng" algn="ctr">
+                      <a:solidFill>
+                        <a:schemeClr val="bg1"/>
+                      </a:solidFill>
+                      <a:prstDash val="solid"/>
+                      <a:round/>
+                      <a:headEnd type="none" w="med" len="med"/>
+                      <a:tailEnd type="none" w="med" len="med"/>
+                    </a:lnR>
+                    <a:lnT w="19050" cap="flat" cmpd="sng" algn="ctr">
+                      <a:solidFill>
+                        <a:schemeClr val="bg1"/>
+                      </a:solidFill>
+                      <a:prstDash val="solid"/>
+                      <a:round/>
+                      <a:headEnd type="none" w="med" len="med"/>
+                      <a:tailEnd type="none" w="med" len="med"/>
+                    </a:lnT>
+                    <a:lnB w="19050" cap="flat" cmpd="sng" algn="ctr">
+                      <a:solidFill>
+                        <a:schemeClr val="bg1"/>
+                      </a:solidFill>
+                      <a:prstDash val="solid"/>
+                      <a:round/>
+                      <a:headEnd type="none" w="med" len="med"/>
+                      <a:tailEnd type="none" w="med" len="med"/>
+                    </a:lnB>
+                    <a:lnTlToBr w="12700" cmpd="sng">
+                      <a:noFill/>
+                      <a:prstDash val="solid"/>
+                    </a:lnTlToBr>
+                    <a:lnBlToTr w="12700" cmpd="sng">
+                      <a:noFill/>
+                      <a:prstDash val="solid"/>
+                    </a:lnBlToTr>
+                  </a:tcPr>
+                </a:tc>
+                <a:tc>
+                  <a:txBody>
+                    <a:bodyPr/>
+                    <a:lstStyle/>
+                    <a:p>
+                      <a:pPr marL="0" marR="0" lvl="0" indent="0" algn="ctr" defTabSz="3240451" rtl="0" eaLnBrk="1" fontAlgn="auto" latinLnBrk="1" hangingPunct="1">
+                        <a:lnSpc>
+                          <a:spcPct val="100000"/>
+                        </a:lnSpc>
+                        <a:spcBef>
+                          <a:spcPts val="0"/>
+                        </a:spcBef>
+                        <a:spcAft>
+                          <a:spcPts val="0"/>
+                        </a:spcAft>
+                        <a:buClrTx/>
+                        <a:buSzTx/>
+                        <a:buFontTx/>
+                        <a:buNone/>
+                        <a:tabLst/>
+                        <a:defRPr/>
+                      </a:pPr>
+                      <a:endParaRPr lang="ko-KR" altLang="en-US" sz="2800" b="1" dirty="0">
+                        <a:solidFill>
+                          <a:schemeClr val="bg1"/>
+                        </a:solidFill>
+                      </a:endParaRPr>
+                    </a:p>
+                  </a:txBody>
+                  <a:tcPr>
+                    <a:lnL w="19050" cap="flat" cmpd="sng" algn="ctr">
+                      <a:solidFill>
+                        <a:schemeClr val="bg1"/>
+                      </a:solidFill>
+                      <a:prstDash val="solid"/>
+                      <a:round/>
+                      <a:headEnd type="none" w="med" len="med"/>
+                      <a:tailEnd type="none" w="med" len="med"/>
+                    </a:lnL>
+                    <a:lnR w="19050" cap="flat" cmpd="sng" algn="ctr">
+                      <a:solidFill>
+                        <a:schemeClr val="bg1"/>
+                      </a:solidFill>
+                      <a:prstDash val="solid"/>
+                      <a:round/>
+                      <a:headEnd type="none" w="med" len="med"/>
+                      <a:tailEnd type="none" w="med" len="med"/>
+                    </a:lnR>
+                    <a:lnT w="19050" cap="flat" cmpd="sng" algn="ctr">
+                      <a:solidFill>
+                        <a:schemeClr val="bg1"/>
+                      </a:solidFill>
+                      <a:prstDash val="solid"/>
+                      <a:round/>
+                      <a:headEnd type="none" w="med" len="med"/>
+                      <a:tailEnd type="none" w="med" len="med"/>
+                    </a:lnT>
+                    <a:lnB w="19050" cap="flat" cmpd="sng" algn="ctr">
+                      <a:solidFill>
+                        <a:schemeClr val="bg1"/>
+                      </a:solidFill>
+                      <a:prstDash val="solid"/>
+                      <a:round/>
+                      <a:headEnd type="none" w="med" len="med"/>
+                      <a:tailEnd type="none" w="med" len="med"/>
+                    </a:lnB>
+                    <a:lnTlToBr w="12700" cmpd="sng">
+                      <a:noFill/>
+                      <a:prstDash val="solid"/>
+                    </a:lnTlToBr>
+                    <a:lnBlToTr w="12700" cmpd="sng">
+                      <a:noFill/>
+                      <a:prstDash val="solid"/>
+                    </a:lnBlToTr>
+                  </a:tcPr>
+                </a:tc>
+                <a:tc>
+                  <a:txBody>
+                    <a:bodyPr/>
+                    <a:lstStyle/>
+                    <a:p>
+                      <a:pPr marL="0" marR="0" lvl="0" indent="0" algn="ctr" defTabSz="3240451" rtl="0" eaLnBrk="1" fontAlgn="auto" latinLnBrk="1" hangingPunct="1">
+                        <a:lnSpc>
+                          <a:spcPct val="100000"/>
+                        </a:lnSpc>
+                        <a:spcBef>
+                          <a:spcPts val="0"/>
+                        </a:spcBef>
+                        <a:spcAft>
+                          <a:spcPts val="0"/>
+                        </a:spcAft>
+                        <a:buClrTx/>
+                        <a:buSzTx/>
+                        <a:buFontTx/>
+                        <a:buNone/>
+                        <a:tabLst/>
+                        <a:defRPr/>
+                      </a:pPr>
+                      <a:endParaRPr lang="ko-KR" altLang="en-US" sz="2800" b="1" dirty="0">
+                        <a:solidFill>
+                          <a:schemeClr val="bg1"/>
+                        </a:solidFill>
+                      </a:endParaRPr>
+                    </a:p>
+                  </a:txBody>
+                  <a:tcPr>
+                    <a:lnL w="19050" cap="flat" cmpd="sng" algn="ctr">
+                      <a:solidFill>
+                        <a:schemeClr val="bg1"/>
+                      </a:solidFill>
+                      <a:prstDash val="solid"/>
+                      <a:round/>
+                      <a:headEnd type="none" w="med" len="med"/>
+                      <a:tailEnd type="none" w="med" len="med"/>
+                    </a:lnL>
+                    <a:lnR w="19050" cap="flat" cmpd="sng" algn="ctr">
+                      <a:solidFill>
+                        <a:schemeClr val="bg1"/>
+                      </a:solidFill>
+                      <a:prstDash val="solid"/>
+                      <a:round/>
+                      <a:headEnd type="none" w="med" len="med"/>
+                      <a:tailEnd type="none" w="med" len="med"/>
+                    </a:lnR>
+                    <a:lnT w="19050" cap="flat" cmpd="sng" algn="ctr">
+                      <a:solidFill>
+                        <a:schemeClr val="bg1"/>
+                      </a:solidFill>
+                      <a:prstDash val="solid"/>
+                      <a:round/>
+                      <a:headEnd type="none" w="med" len="med"/>
+                      <a:tailEnd type="none" w="med" len="med"/>
+                    </a:lnT>
+                    <a:lnB w="19050" cap="flat" cmpd="sng" algn="ctr">
+                      <a:solidFill>
+                        <a:schemeClr val="bg1"/>
+                      </a:solidFill>
+                      <a:prstDash val="solid"/>
+                      <a:round/>
+                      <a:headEnd type="none" w="med" len="med"/>
+                      <a:tailEnd type="none" w="med" len="med"/>
+                    </a:lnB>
+                    <a:lnTlToBr w="12700" cmpd="sng">
+                      <a:noFill/>
+                      <a:prstDash val="solid"/>
+                    </a:lnTlToBr>
+                    <a:lnBlToTr w="12700" cmpd="sng">
+                      <a:noFill/>
+                      <a:prstDash val="solid"/>
+                    </a:lnBlToTr>
+                  </a:tcPr>
+                </a:tc>
+                <a:extLst>
+                  <a:ext uri="{0D108BD9-81ED-4DB2-BD59-A6C34878D82A}">
+                    <a16:rowId xmlns:a16="http://schemas.microsoft.com/office/drawing/2014/main" val="814443139"/>
+                  </a:ext>
+                </a:extLst>
+              </a:tr>
+              <a:tr h="486490">
+                <a:tc vMerge="1">
+                  <a:txBody>
+                    <a:bodyPr/>
+                    <a:lstStyle/>
+                    <a:p>
+                      <a:pPr latinLnBrk="1"/>
+                      <a:endParaRPr lang="ko-KR" altLang="en-US" sz="2800" dirty="0"/>
+                    </a:p>
+                  </a:txBody>
+                  <a:tcPr/>
+                </a:tc>
+                <a:tc vMerge="1">
+                  <a:txBody>
+                    <a:bodyPr/>
+                    <a:lstStyle/>
+                    <a:p>
+                      <a:pPr latinLnBrk="1"/>
+                      <a:endParaRPr lang="ko-KR" altLang="en-US" sz="2800" dirty="0"/>
+                    </a:p>
+                  </a:txBody>
+                  <a:tcPr/>
+                </a:tc>
+                <a:tc>
+                  <a:txBody>
+                    <a:bodyPr/>
+                    <a:lstStyle/>
+                    <a:p>
+                      <a:pPr marL="0" marR="0" lvl="0" indent="0" algn="ctr" defTabSz="3240451" rtl="0" eaLnBrk="1" fontAlgn="auto" latinLnBrk="1" hangingPunct="1">
+                        <a:lnSpc>
+                          <a:spcPct val="100000"/>
+                        </a:lnSpc>
+                        <a:spcBef>
+                          <a:spcPts val="0"/>
+                        </a:spcBef>
+                        <a:spcAft>
+                          <a:spcPts val="0"/>
+                        </a:spcAft>
+                        <a:buClrTx/>
+                        <a:buSzTx/>
+                        <a:buFontTx/>
+                        <a:buNone/>
+                        <a:tabLst/>
+                        <a:defRPr/>
+                      </a:pPr>
+                      <a:r>
+                        <a:rPr lang="ko-KR" altLang="en-US" sz="2800" b="1" i="0" kern="1200" dirty="0">
+                          <a:solidFill>
+                            <a:schemeClr val="bg1"/>
+                          </a:solidFill>
+                          <a:effectLst/>
+                          <a:latin typeface="+mn-lt"/>
+                          <a:ea typeface="+mn-ea"/>
+                          <a:cs typeface="+mn-cs"/>
+                        </a:rPr>
+                        <a:t>밤 </a:t>
+                      </a:r>
+                      <a:r>
+                        <a:rPr lang="en-US" altLang="ko-KR" sz="2800" b="1" i="0" kern="1200" dirty="0">
+                          <a:solidFill>
+                            <a:schemeClr val="bg1"/>
+                          </a:solidFill>
+                          <a:effectLst/>
+                          <a:latin typeface="+mn-lt"/>
+                          <a:ea typeface="+mn-ea"/>
+                          <a:cs typeface="+mn-cs"/>
+                        </a:rPr>
+                        <a:t>: 17</a:t>
+                      </a:r>
+                      <a:r>
+                        <a:rPr lang="ko-KR" altLang="en-US" sz="2800" b="1" i="0" kern="1200" dirty="0">
+                          <a:solidFill>
+                            <a:schemeClr val="bg1"/>
+                          </a:solidFill>
+                          <a:effectLst/>
+                          <a:latin typeface="+mn-lt"/>
+                          <a:ea typeface="+mn-ea"/>
+                          <a:cs typeface="+mn-cs"/>
+                        </a:rPr>
+                        <a:t>℃</a:t>
+                      </a:r>
+                      <a:endParaRPr lang="ko-KR" altLang="en-US" sz="2800" b="1" dirty="0">
+                        <a:solidFill>
+                          <a:schemeClr val="bg1"/>
+                        </a:solidFill>
+                      </a:endParaRPr>
+                    </a:p>
+                  </a:txBody>
+                  <a:tcPr>
+                    <a:lnL w="19050" cap="flat" cmpd="sng" algn="ctr">
+                      <a:solidFill>
+                        <a:schemeClr val="bg1"/>
+                      </a:solidFill>
+                      <a:prstDash val="solid"/>
+                      <a:round/>
+                      <a:headEnd type="none" w="med" len="med"/>
+                      <a:tailEnd type="none" w="med" len="med"/>
+                    </a:lnL>
+                    <a:lnR w="19050" cap="flat" cmpd="sng" algn="ctr">
+                      <a:solidFill>
+                        <a:schemeClr val="bg1"/>
+                      </a:solidFill>
+                      <a:prstDash val="solid"/>
+                      <a:round/>
+                      <a:headEnd type="none" w="med" len="med"/>
+                      <a:tailEnd type="none" w="med" len="med"/>
+                    </a:lnR>
+                    <a:lnT w="19050" cap="flat" cmpd="sng" algn="ctr">
+                      <a:solidFill>
+                        <a:schemeClr val="bg1"/>
+                      </a:solidFill>
+                      <a:prstDash val="solid"/>
+                      <a:round/>
+                      <a:headEnd type="none" w="med" len="med"/>
+                      <a:tailEnd type="none" w="med" len="med"/>
+                    </a:lnT>
+                    <a:lnB w="19050" cap="flat" cmpd="sng" algn="ctr">
+                      <a:solidFill>
+                        <a:schemeClr val="bg1"/>
+                      </a:solidFill>
+                      <a:prstDash val="solid"/>
+                      <a:round/>
+                      <a:headEnd type="none" w="med" len="med"/>
+                      <a:tailEnd type="none" w="med" len="med"/>
+                    </a:lnB>
+                    <a:lnTlToBr w="12700" cmpd="sng">
+                      <a:noFill/>
+                      <a:prstDash val="solid"/>
+                    </a:lnTlToBr>
+                    <a:lnBlToTr w="12700" cmpd="sng">
+                      <a:noFill/>
+                      <a:prstDash val="solid"/>
+                    </a:lnBlToTr>
+                  </a:tcPr>
+                </a:tc>
+                <a:tc>
+                  <a:txBody>
+                    <a:bodyPr/>
+                    <a:lstStyle/>
+                    <a:p>
+                      <a:pPr marL="0" marR="0" lvl="0" indent="0" algn="ctr" defTabSz="3240451" rtl="0" eaLnBrk="1" fontAlgn="auto" latinLnBrk="1" hangingPunct="1">
+                        <a:lnSpc>
+                          <a:spcPct val="100000"/>
+                        </a:lnSpc>
+                        <a:spcBef>
+                          <a:spcPts val="0"/>
+                        </a:spcBef>
+                        <a:spcAft>
+                          <a:spcPts val="0"/>
+                        </a:spcAft>
+                        <a:buClrTx/>
+                        <a:buSzTx/>
+                        <a:buFontTx/>
+                        <a:buNone/>
+                        <a:tabLst/>
+                        <a:defRPr/>
+                      </a:pPr>
+                      <a:endParaRPr lang="ko-KR" altLang="en-US" sz="2800" b="1" dirty="0">
+                        <a:solidFill>
+                          <a:schemeClr val="bg1"/>
+                        </a:solidFill>
+                      </a:endParaRPr>
+                    </a:p>
+                  </a:txBody>
+                  <a:tcPr>
+                    <a:lnL w="19050" cap="flat" cmpd="sng" algn="ctr">
+                      <a:solidFill>
+                        <a:schemeClr val="bg1"/>
+                      </a:solidFill>
+                      <a:prstDash val="solid"/>
+                      <a:round/>
+                      <a:headEnd type="none" w="med" len="med"/>
+                      <a:tailEnd type="none" w="med" len="med"/>
+                    </a:lnL>
+                    <a:lnR w="19050" cap="flat" cmpd="sng" algn="ctr">
+                      <a:solidFill>
+                        <a:schemeClr val="bg1"/>
+                      </a:solidFill>
+                      <a:prstDash val="solid"/>
+                      <a:round/>
+                      <a:headEnd type="none" w="med" len="med"/>
+                      <a:tailEnd type="none" w="med" len="med"/>
+                    </a:lnR>
+                    <a:lnT w="19050" cap="flat" cmpd="sng" algn="ctr">
+                      <a:solidFill>
+                        <a:schemeClr val="bg1"/>
+                      </a:solidFill>
+                      <a:prstDash val="solid"/>
+                      <a:round/>
+                      <a:headEnd type="none" w="med" len="med"/>
+                      <a:tailEnd type="none" w="med" len="med"/>
+                    </a:lnT>
+                    <a:lnB w="19050" cap="flat" cmpd="sng" algn="ctr">
+                      <a:solidFill>
+                        <a:schemeClr val="bg1"/>
+                      </a:solidFill>
+                      <a:prstDash val="solid"/>
+                      <a:round/>
+                      <a:headEnd type="none" w="med" len="med"/>
+                      <a:tailEnd type="none" w="med" len="med"/>
+                    </a:lnB>
+                    <a:lnTlToBr w="12700" cmpd="sng">
+                      <a:noFill/>
+                      <a:prstDash val="solid"/>
+                    </a:lnTlToBr>
+                    <a:lnBlToTr w="12700" cmpd="sng">
+                      <a:noFill/>
+                      <a:prstDash val="solid"/>
+                    </a:lnBlToTr>
+                  </a:tcPr>
+                </a:tc>
+                <a:tc>
+                  <a:txBody>
+                    <a:bodyPr/>
+                    <a:lstStyle/>
+                    <a:p>
+                      <a:pPr marL="0" marR="0" lvl="0" indent="0" algn="ctr" defTabSz="3240451" rtl="0" eaLnBrk="1" fontAlgn="auto" latinLnBrk="1" hangingPunct="1">
+                        <a:lnSpc>
+                          <a:spcPct val="100000"/>
+                        </a:lnSpc>
+                        <a:spcBef>
+                          <a:spcPts val="0"/>
+                        </a:spcBef>
+                        <a:spcAft>
+                          <a:spcPts val="0"/>
+                        </a:spcAft>
+                        <a:buClrTx/>
+                        <a:buSzTx/>
+                        <a:buFontTx/>
+                        <a:buNone/>
+                        <a:tabLst/>
+                        <a:defRPr/>
+                      </a:pPr>
+                      <a:endParaRPr lang="ko-KR" altLang="en-US" sz="2800" b="1" dirty="0">
+                        <a:solidFill>
+                          <a:schemeClr val="bg1"/>
+                        </a:solidFill>
+                      </a:endParaRPr>
+                    </a:p>
+                  </a:txBody>
+                  <a:tcPr>
+                    <a:lnL w="19050" cap="flat" cmpd="sng" algn="ctr">
+                      <a:solidFill>
+                        <a:schemeClr val="bg1"/>
+                      </a:solidFill>
+                      <a:prstDash val="solid"/>
+                      <a:round/>
+                      <a:headEnd type="none" w="med" len="med"/>
+                      <a:tailEnd type="none" w="med" len="med"/>
+                    </a:lnL>
+                    <a:lnR w="19050" cap="flat" cmpd="sng" algn="ctr">
+                      <a:solidFill>
+                        <a:schemeClr val="bg1"/>
+                      </a:solidFill>
+                      <a:prstDash val="solid"/>
+                      <a:round/>
+                      <a:headEnd type="none" w="med" len="med"/>
+                      <a:tailEnd type="none" w="med" len="med"/>
+                    </a:lnR>
+                    <a:lnT w="19050" cap="flat" cmpd="sng" algn="ctr">
+                      <a:solidFill>
+                        <a:schemeClr val="bg1"/>
+                      </a:solidFill>
+                      <a:prstDash val="solid"/>
+                      <a:round/>
+                      <a:headEnd type="none" w="med" len="med"/>
+                      <a:tailEnd type="none" w="med" len="med"/>
+                    </a:lnT>
+                    <a:lnB w="19050" cap="flat" cmpd="sng" algn="ctr">
+                      <a:solidFill>
+                        <a:schemeClr val="bg1"/>
+                      </a:solidFill>
+                      <a:prstDash val="solid"/>
+                      <a:round/>
+                      <a:headEnd type="none" w="med" len="med"/>
+                      <a:tailEnd type="none" w="med" len="med"/>
+                    </a:lnB>
+                    <a:lnTlToBr w="12700" cmpd="sng">
+                      <a:noFill/>
+                      <a:prstDash val="solid"/>
+                    </a:lnTlToBr>
+                    <a:lnBlToTr w="12700" cmpd="sng">
+                      <a:noFill/>
+                      <a:prstDash val="solid"/>
+                    </a:lnBlToTr>
+                  </a:tcPr>
+                </a:tc>
+                <a:tc>
+                  <a:txBody>
+                    <a:bodyPr/>
+                    <a:lstStyle/>
+                    <a:p>
+                      <a:pPr marL="0" marR="0" lvl="0" indent="0" algn="ctr" defTabSz="3240451" rtl="0" eaLnBrk="1" fontAlgn="auto" latinLnBrk="1" hangingPunct="1">
+                        <a:lnSpc>
+                          <a:spcPct val="100000"/>
+                        </a:lnSpc>
+                        <a:spcBef>
+                          <a:spcPts val="0"/>
+                        </a:spcBef>
+                        <a:spcAft>
+                          <a:spcPts val="0"/>
+                        </a:spcAft>
+                        <a:buClrTx/>
+                        <a:buSzTx/>
+                        <a:buFontTx/>
+                        <a:buNone/>
+                        <a:tabLst/>
+                        <a:defRPr/>
+                      </a:pPr>
+                      <a:endParaRPr lang="ko-KR" altLang="en-US" sz="2800" b="1" dirty="0">
+                        <a:solidFill>
+                          <a:schemeClr val="bg1"/>
+                        </a:solidFill>
+                      </a:endParaRPr>
+                    </a:p>
+                  </a:txBody>
+                  <a:tcPr>
+                    <a:lnL w="19050" cap="flat" cmpd="sng" algn="ctr">
+                      <a:solidFill>
+                        <a:schemeClr val="bg1"/>
+                      </a:solidFill>
+                      <a:prstDash val="solid"/>
+                      <a:round/>
+                      <a:headEnd type="none" w="med" len="med"/>
+                      <a:tailEnd type="none" w="med" len="med"/>
+                    </a:lnL>
+                    <a:lnR w="19050" cap="flat" cmpd="sng" algn="ctr">
+                      <a:solidFill>
+                        <a:schemeClr val="bg1"/>
+                      </a:solidFill>
+                      <a:prstDash val="solid"/>
+                      <a:round/>
+                      <a:headEnd type="none" w="med" len="med"/>
+                      <a:tailEnd type="none" w="med" len="med"/>
+                    </a:lnR>
+                    <a:lnT w="19050" cap="flat" cmpd="sng" algn="ctr">
+                      <a:solidFill>
+                        <a:schemeClr val="bg1"/>
+                      </a:solidFill>
+                      <a:prstDash val="solid"/>
+                      <a:round/>
+                      <a:headEnd type="none" w="med" len="med"/>
+                      <a:tailEnd type="none" w="med" len="med"/>
+                    </a:lnT>
+                    <a:lnB w="19050" cap="flat" cmpd="sng" algn="ctr">
+                      <a:solidFill>
+                        <a:schemeClr val="bg1"/>
+                      </a:solidFill>
+                      <a:prstDash val="solid"/>
+                      <a:round/>
+                      <a:headEnd type="none" w="med" len="med"/>
+                      <a:tailEnd type="none" w="med" len="med"/>
+                    </a:lnB>
+                    <a:lnTlToBr w="12700" cmpd="sng">
+                      <a:noFill/>
+                      <a:prstDash val="solid"/>
+                    </a:lnTlToBr>
+                    <a:lnBlToTr w="12700" cmpd="sng">
+                      <a:noFill/>
+                      <a:prstDash val="solid"/>
+                    </a:lnBlToTr>
+                  </a:tcPr>
+                </a:tc>
+                <a:tc>
+                  <a:txBody>
+                    <a:bodyPr/>
+                    <a:lstStyle/>
+                    <a:p>
+                      <a:pPr marL="0" marR="0" lvl="0" indent="0" algn="ctr" defTabSz="3240451" rtl="0" eaLnBrk="1" fontAlgn="auto" latinLnBrk="1" hangingPunct="1">
+                        <a:lnSpc>
+                          <a:spcPct val="100000"/>
+                        </a:lnSpc>
+                        <a:spcBef>
+                          <a:spcPts val="0"/>
+                        </a:spcBef>
+                        <a:spcAft>
+                          <a:spcPts val="0"/>
+                        </a:spcAft>
+                        <a:buClrTx/>
+                        <a:buSzTx/>
+                        <a:buFontTx/>
+                        <a:buNone/>
+                        <a:tabLst/>
+                        <a:defRPr/>
+                      </a:pPr>
+                      <a:endParaRPr lang="ko-KR" altLang="en-US" sz="2800" b="1" dirty="0">
+                        <a:solidFill>
+                          <a:schemeClr val="bg1"/>
+                        </a:solidFill>
+                      </a:endParaRPr>
+                    </a:p>
+                  </a:txBody>
+                  <a:tcPr>
+                    <a:lnL w="19050" cap="flat" cmpd="sng" algn="ctr">
+                      <a:solidFill>
+                        <a:schemeClr val="bg1"/>
+                      </a:solidFill>
+                      <a:prstDash val="solid"/>
+                      <a:round/>
+                      <a:headEnd type="none" w="med" len="med"/>
+                      <a:tailEnd type="none" w="med" len="med"/>
+                    </a:lnL>
+                    <a:lnR w="19050" cap="flat" cmpd="sng" algn="ctr">
+                      <a:solidFill>
+                        <a:schemeClr val="bg1"/>
+                      </a:solidFill>
+                      <a:prstDash val="solid"/>
+                      <a:round/>
+                      <a:headEnd type="none" w="med" len="med"/>
+                      <a:tailEnd type="none" w="med" len="med"/>
+                    </a:lnR>
+                    <a:lnT w="19050" cap="flat" cmpd="sng" algn="ctr">
+                      <a:solidFill>
+                        <a:schemeClr val="bg1"/>
+                      </a:solidFill>
+                      <a:prstDash val="solid"/>
+                      <a:round/>
+                      <a:headEnd type="none" w="med" len="med"/>
+                      <a:tailEnd type="none" w="med" len="med"/>
+                    </a:lnT>
+                    <a:lnB w="19050" cap="flat" cmpd="sng" algn="ctr">
+                      <a:solidFill>
+                        <a:schemeClr val="bg1"/>
+                      </a:solidFill>
+                      <a:prstDash val="solid"/>
+                      <a:round/>
+                      <a:headEnd type="none" w="med" len="med"/>
+                      <a:tailEnd type="none" w="med" len="med"/>
+                    </a:lnB>
+                    <a:lnTlToBr w="12700" cmpd="sng">
+                      <a:noFill/>
+                      <a:prstDash val="solid"/>
+                    </a:lnTlToBr>
+                    <a:lnBlToTr w="12700" cmpd="sng">
+                      <a:noFill/>
+                      <a:prstDash val="solid"/>
+                    </a:lnBlToTr>
+                  </a:tcPr>
+                </a:tc>
+                <a:tc>
+                  <a:txBody>
+                    <a:bodyPr/>
+                    <a:lstStyle/>
+                    <a:p>
+                      <a:pPr marL="0" marR="0" lvl="0" indent="0" algn="ctr" defTabSz="3240451" rtl="0" eaLnBrk="1" fontAlgn="auto" latinLnBrk="1" hangingPunct="1">
+                        <a:lnSpc>
+                          <a:spcPct val="100000"/>
+                        </a:lnSpc>
+                        <a:spcBef>
+                          <a:spcPts val="0"/>
+                        </a:spcBef>
+                        <a:spcAft>
+                          <a:spcPts val="0"/>
+                        </a:spcAft>
+                        <a:buClrTx/>
+                        <a:buSzTx/>
+                        <a:buFontTx/>
+                        <a:buNone/>
+                        <a:tabLst/>
+                        <a:defRPr/>
+                      </a:pPr>
+                      <a:endParaRPr lang="ko-KR" altLang="en-US" sz="2800" b="1" dirty="0">
+                        <a:solidFill>
+                          <a:schemeClr val="bg1"/>
+                        </a:solidFill>
+                      </a:endParaRPr>
+                    </a:p>
+                  </a:txBody>
+                  <a:tcPr>
+                    <a:lnL w="19050" cap="flat" cmpd="sng" algn="ctr">
+                      <a:solidFill>
+                        <a:schemeClr val="bg1"/>
+                      </a:solidFill>
+                      <a:prstDash val="solid"/>
+                      <a:round/>
+                      <a:headEnd type="none" w="med" len="med"/>
+                      <a:tailEnd type="none" w="med" len="med"/>
+                    </a:lnL>
+                    <a:lnR w="19050" cap="flat" cmpd="sng" algn="ctr">
+                      <a:solidFill>
+                        <a:schemeClr val="bg1"/>
+                      </a:solidFill>
+                      <a:prstDash val="solid"/>
+                      <a:round/>
+                      <a:headEnd type="none" w="med" len="med"/>
+                      <a:tailEnd type="none" w="med" len="med"/>
+                    </a:lnR>
+                    <a:lnT w="19050" cap="flat" cmpd="sng" algn="ctr">
+                      <a:solidFill>
+                        <a:schemeClr val="bg1"/>
+                      </a:solidFill>
+                      <a:prstDash val="solid"/>
+                      <a:round/>
+                      <a:headEnd type="none" w="med" len="med"/>
+                      <a:tailEnd type="none" w="med" len="med"/>
+                    </a:lnT>
+                    <a:lnB w="19050" cap="flat" cmpd="sng" algn="ctr">
+                      <a:solidFill>
+                        <a:schemeClr val="bg1"/>
+                      </a:solidFill>
+                      <a:prstDash val="solid"/>
+                      <a:round/>
+                      <a:headEnd type="none" w="med" len="med"/>
+                      <a:tailEnd type="none" w="med" len="med"/>
+                    </a:lnB>
+                    <a:lnTlToBr w="12700" cmpd="sng">
+                      <a:noFill/>
+                      <a:prstDash val="solid"/>
+                    </a:lnTlToBr>
+                    <a:lnBlToTr w="12700" cmpd="sng">
+                      <a:noFill/>
+                      <a:prstDash val="solid"/>
+                    </a:lnBlToTr>
+                  </a:tcPr>
+                </a:tc>
+                <a:extLst>
+                  <a:ext uri="{0D108BD9-81ED-4DB2-BD59-A6C34878D82A}">
+                    <a16:rowId xmlns:a16="http://schemas.microsoft.com/office/drawing/2014/main" val="3574530272"/>
+                  </a:ext>
+                </a:extLst>
+              </a:tr>
+              <a:tr h="486490">
+                <a:tc>
+                  <a:txBody>
+                    <a:bodyPr/>
+                    <a:lstStyle/>
+                    <a:p>
+                      <a:pPr algn="ctr" latinLnBrk="1"/>
+                      <a:r>
+                        <a:rPr lang="en-US" altLang="ko-KR" sz="2800" b="1" dirty="0">
+                          <a:solidFill>
+                            <a:schemeClr val="bg1"/>
+                          </a:solidFill>
+                        </a:rPr>
+                        <a:t>4</a:t>
+                      </a:r>
+                      <a:r>
+                        <a:rPr lang="ko-KR" altLang="en-US" sz="2800" b="1" dirty="0">
+                          <a:solidFill>
+                            <a:schemeClr val="bg1"/>
+                          </a:solidFill>
+                        </a:rPr>
+                        <a:t>단계</a:t>
+                      </a:r>
+                      <a:r>
+                        <a:rPr lang="en-US" altLang="ko-KR" sz="2800" b="1" dirty="0">
+                          <a:solidFill>
+                            <a:schemeClr val="bg1"/>
+                          </a:solidFill>
+                        </a:rPr>
+                        <a:t>: </a:t>
+                      </a:r>
+                      <a:r>
+                        <a:rPr lang="ko-KR" altLang="en-US" sz="2800" b="1" dirty="0">
+                          <a:solidFill>
+                            <a:schemeClr val="bg1"/>
+                          </a:solidFill>
+                        </a:rPr>
+                        <a:t>꽃</a:t>
+                      </a:r>
+                      <a:endParaRPr lang="en-US" altLang="ko-KR" sz="2800" b="1" dirty="0">
+                        <a:solidFill>
+                          <a:schemeClr val="bg1"/>
+                        </a:solidFill>
+                      </a:endParaRPr>
+                    </a:p>
+                  </a:txBody>
+                  <a:tcPr>
+                    <a:lnL w="19050" cap="flat" cmpd="sng" algn="ctr">
+                      <a:solidFill>
+                        <a:schemeClr val="bg1"/>
+                      </a:solidFill>
+                      <a:prstDash val="solid"/>
+                      <a:round/>
+                      <a:headEnd type="none" w="med" len="med"/>
+                      <a:tailEnd type="none" w="med" len="med"/>
+                    </a:lnL>
+                    <a:lnR w="19050" cap="flat" cmpd="sng" algn="ctr">
+                      <a:solidFill>
+                        <a:schemeClr val="bg1"/>
+                      </a:solidFill>
+                      <a:prstDash val="solid"/>
+                      <a:round/>
+                      <a:headEnd type="none" w="med" len="med"/>
+                      <a:tailEnd type="none" w="med" len="med"/>
+                    </a:lnR>
+                    <a:lnT w="19050" cap="flat" cmpd="sng" algn="ctr">
+                      <a:solidFill>
+                        <a:schemeClr val="bg1"/>
+                      </a:solidFill>
+                      <a:prstDash val="solid"/>
+                      <a:round/>
+                      <a:headEnd type="none" w="med" len="med"/>
+                      <a:tailEnd type="none" w="med" len="med"/>
+                    </a:lnT>
+                    <a:lnB w="19050" cap="flat" cmpd="sng" algn="ctr">
+                      <a:solidFill>
+                        <a:schemeClr val="bg1"/>
+                      </a:solidFill>
+                      <a:prstDash val="solid"/>
+                      <a:round/>
+                      <a:headEnd type="none" w="med" len="med"/>
+                      <a:tailEnd type="none" w="med" len="med"/>
+                    </a:lnB>
+                    <a:lnTlToBr w="12700" cmpd="sng">
+                      <a:noFill/>
+                      <a:prstDash val="solid"/>
+                    </a:lnTlToBr>
+                    <a:lnBlToTr w="12700" cmpd="sng">
+                      <a:noFill/>
+                      <a:prstDash val="solid"/>
+                    </a:lnBlToTr>
+                  </a:tcPr>
+                </a:tc>
+                <a:tc>
+                  <a:txBody>
+                    <a:bodyPr/>
+                    <a:lstStyle/>
+                    <a:p>
+                      <a:pPr algn="ctr" latinLnBrk="1"/>
+                      <a:r>
+                        <a:rPr lang="ko-KR" altLang="en-US" sz="2800" b="1" dirty="0">
+                          <a:solidFill>
+                            <a:schemeClr val="bg1"/>
+                          </a:solidFill>
+                        </a:rPr>
+                        <a:t>개화 </a:t>
+                      </a:r>
+                      <a:r>
+                        <a:rPr lang="ko-KR" altLang="en-US" sz="2800" b="1" dirty="0" err="1">
+                          <a:solidFill>
+                            <a:schemeClr val="bg1"/>
+                          </a:solidFill>
+                        </a:rPr>
+                        <a:t>적온</a:t>
+                      </a:r>
+                      <a:endParaRPr lang="ko-KR" altLang="en-US" sz="2800" b="1" dirty="0">
+                        <a:solidFill>
+                          <a:schemeClr val="bg1"/>
+                        </a:solidFill>
+                      </a:endParaRPr>
+                    </a:p>
+                  </a:txBody>
+                  <a:tcPr>
+                    <a:lnL w="19050" cap="flat" cmpd="sng" algn="ctr">
+                      <a:solidFill>
+                        <a:schemeClr val="bg1"/>
+                      </a:solidFill>
+                      <a:prstDash val="solid"/>
+                      <a:round/>
+                      <a:headEnd type="none" w="med" len="med"/>
+                      <a:tailEnd type="none" w="med" len="med"/>
+                    </a:lnL>
+                    <a:lnR w="19050" cap="flat" cmpd="sng" algn="ctr">
+                      <a:solidFill>
+                        <a:schemeClr val="bg1"/>
+                      </a:solidFill>
+                      <a:prstDash val="solid"/>
+                      <a:round/>
+                      <a:headEnd type="none" w="med" len="med"/>
+                      <a:tailEnd type="none" w="med" len="med"/>
+                    </a:lnR>
+                    <a:lnT w="19050" cap="flat" cmpd="sng" algn="ctr">
+                      <a:solidFill>
+                        <a:schemeClr val="bg1"/>
+                      </a:solidFill>
+                      <a:prstDash val="solid"/>
+                      <a:round/>
+                      <a:headEnd type="none" w="med" len="med"/>
+                      <a:tailEnd type="none" w="med" len="med"/>
+                    </a:lnT>
+                    <a:lnB w="19050" cap="flat" cmpd="sng" algn="ctr">
+                      <a:solidFill>
+                        <a:schemeClr val="bg1"/>
+                      </a:solidFill>
+                      <a:prstDash val="solid"/>
+                      <a:round/>
+                      <a:headEnd type="none" w="med" len="med"/>
+                      <a:tailEnd type="none" w="med" len="med"/>
+                    </a:lnB>
+                    <a:lnTlToBr w="12700" cmpd="sng">
+                      <a:noFill/>
+                      <a:prstDash val="solid"/>
+                    </a:lnTlToBr>
+                    <a:lnBlToTr w="12700" cmpd="sng">
+                      <a:noFill/>
+                      <a:prstDash val="solid"/>
+                    </a:lnBlToTr>
+                  </a:tcPr>
+                </a:tc>
+                <a:tc>
+                  <a:txBody>
+                    <a:bodyPr/>
+                    <a:lstStyle/>
+                    <a:p>
+                      <a:pPr marL="0" marR="0" lvl="0" indent="0" algn="ctr" defTabSz="3240451" rtl="0" eaLnBrk="1" fontAlgn="auto" latinLnBrk="1" hangingPunct="1">
+                        <a:lnSpc>
+                          <a:spcPct val="100000"/>
+                        </a:lnSpc>
+                        <a:spcBef>
+                          <a:spcPts val="0"/>
+                        </a:spcBef>
+                        <a:spcAft>
+                          <a:spcPts val="0"/>
+                        </a:spcAft>
+                        <a:buClrTx/>
+                        <a:buSzTx/>
+                        <a:buFontTx/>
+                        <a:buNone/>
+                        <a:tabLst/>
+                        <a:defRPr/>
+                      </a:pPr>
+                      <a:r>
+                        <a:rPr lang="en-US" altLang="ko-KR" sz="2800" b="1" dirty="0">
+                          <a:solidFill>
+                            <a:schemeClr val="bg1"/>
+                          </a:solidFill>
+                        </a:rPr>
+                        <a:t>24</a:t>
+                      </a:r>
+                      <a:r>
+                        <a:rPr lang="ko-KR" altLang="en-US" sz="2800" b="1" i="0" kern="1200" dirty="0">
+                          <a:solidFill>
+                            <a:schemeClr val="bg1"/>
+                          </a:solidFill>
+                          <a:effectLst/>
+                          <a:latin typeface="+mn-lt"/>
+                          <a:ea typeface="+mn-ea"/>
+                          <a:cs typeface="+mn-cs"/>
+                        </a:rPr>
+                        <a:t>℃</a:t>
+                      </a:r>
+                      <a:endParaRPr lang="ko-KR" altLang="en-US" sz="2800" b="1" dirty="0">
+                        <a:solidFill>
+                          <a:schemeClr val="bg1"/>
+                        </a:solidFill>
+                      </a:endParaRPr>
+                    </a:p>
+                  </a:txBody>
+                  <a:tcPr>
+                    <a:lnL w="19050" cap="flat" cmpd="sng" algn="ctr">
+                      <a:solidFill>
+                        <a:schemeClr val="bg1"/>
+                      </a:solidFill>
+                      <a:prstDash val="solid"/>
+                      <a:round/>
+                      <a:headEnd type="none" w="med" len="med"/>
+                      <a:tailEnd type="none" w="med" len="med"/>
+                    </a:lnL>
+                    <a:lnR w="19050" cap="flat" cmpd="sng" algn="ctr">
+                      <a:solidFill>
+                        <a:schemeClr val="bg1"/>
+                      </a:solidFill>
+                      <a:prstDash val="solid"/>
+                      <a:round/>
+                      <a:headEnd type="none" w="med" len="med"/>
+                      <a:tailEnd type="none" w="med" len="med"/>
+                    </a:lnR>
+                    <a:lnT w="19050" cap="flat" cmpd="sng" algn="ctr">
+                      <a:solidFill>
+                        <a:schemeClr val="bg1"/>
+                      </a:solidFill>
+                      <a:prstDash val="solid"/>
+                      <a:round/>
+                      <a:headEnd type="none" w="med" len="med"/>
+                      <a:tailEnd type="none" w="med" len="med"/>
+                    </a:lnT>
+                    <a:lnB w="19050" cap="flat" cmpd="sng" algn="ctr">
+                      <a:solidFill>
+                        <a:schemeClr val="bg1"/>
+                      </a:solidFill>
+                      <a:prstDash val="solid"/>
+                      <a:round/>
+                      <a:headEnd type="none" w="med" len="med"/>
+                      <a:tailEnd type="none" w="med" len="med"/>
+                    </a:lnB>
+                    <a:lnTlToBr w="12700" cmpd="sng">
+                      <a:noFill/>
+                      <a:prstDash val="solid"/>
+                    </a:lnTlToBr>
+                    <a:lnBlToTr w="12700" cmpd="sng">
+                      <a:noFill/>
+                      <a:prstDash val="solid"/>
+                    </a:lnBlToTr>
+                  </a:tcPr>
+                </a:tc>
+                <a:tc>
+                  <a:txBody>
+                    <a:bodyPr/>
+                    <a:lstStyle/>
+                    <a:p>
+                      <a:pPr marL="0" marR="0" lvl="0" indent="0" algn="ctr" defTabSz="3240451" rtl="0" eaLnBrk="1" fontAlgn="auto" latinLnBrk="1" hangingPunct="1">
+                        <a:lnSpc>
+                          <a:spcPct val="100000"/>
+                        </a:lnSpc>
+                        <a:spcBef>
+                          <a:spcPts val="0"/>
+                        </a:spcBef>
+                        <a:spcAft>
+                          <a:spcPts val="0"/>
+                        </a:spcAft>
+                        <a:buClrTx/>
+                        <a:buSzTx/>
+                        <a:buFontTx/>
+                        <a:buNone/>
+                        <a:tabLst/>
+                        <a:defRPr/>
+                      </a:pPr>
+                      <a:endParaRPr lang="ko-KR" altLang="en-US" sz="2800" b="1" dirty="0">
+                        <a:solidFill>
+                          <a:schemeClr val="bg1"/>
+                        </a:solidFill>
+                      </a:endParaRPr>
+                    </a:p>
+                  </a:txBody>
+                  <a:tcPr>
+                    <a:lnL w="19050" cap="flat" cmpd="sng" algn="ctr">
+                      <a:solidFill>
+                        <a:schemeClr val="bg1"/>
+                      </a:solidFill>
+                      <a:prstDash val="solid"/>
+                      <a:round/>
+                      <a:headEnd type="none" w="med" len="med"/>
+                      <a:tailEnd type="none" w="med" len="med"/>
+                    </a:lnL>
+                    <a:lnR w="19050" cap="flat" cmpd="sng" algn="ctr">
+                      <a:solidFill>
+                        <a:schemeClr val="bg1"/>
+                      </a:solidFill>
+                      <a:prstDash val="solid"/>
+                      <a:round/>
+                      <a:headEnd type="none" w="med" len="med"/>
+                      <a:tailEnd type="none" w="med" len="med"/>
+                    </a:lnR>
+                    <a:lnT w="19050" cap="flat" cmpd="sng" algn="ctr">
+                      <a:solidFill>
+                        <a:schemeClr val="bg1"/>
+                      </a:solidFill>
+                      <a:prstDash val="solid"/>
+                      <a:round/>
+                      <a:headEnd type="none" w="med" len="med"/>
+                      <a:tailEnd type="none" w="med" len="med"/>
+                    </a:lnT>
+                    <a:lnB w="19050" cap="flat" cmpd="sng" algn="ctr">
+                      <a:solidFill>
+                        <a:schemeClr val="bg1"/>
+                      </a:solidFill>
+                      <a:prstDash val="solid"/>
+                      <a:round/>
+                      <a:headEnd type="none" w="med" len="med"/>
+                      <a:tailEnd type="none" w="med" len="med"/>
+                    </a:lnB>
+                    <a:lnTlToBr w="12700" cmpd="sng">
+                      <a:noFill/>
+                      <a:prstDash val="solid"/>
+                    </a:lnTlToBr>
+                    <a:lnBlToTr w="12700" cmpd="sng">
+                      <a:noFill/>
+                      <a:prstDash val="solid"/>
+                    </a:lnBlToTr>
+                  </a:tcPr>
+                </a:tc>
+                <a:tc>
+                  <a:txBody>
+                    <a:bodyPr/>
+                    <a:lstStyle/>
+                    <a:p>
+                      <a:pPr marL="0" marR="0" lvl="0" indent="0" algn="ctr" defTabSz="3240451" rtl="0" eaLnBrk="1" fontAlgn="auto" latinLnBrk="1" hangingPunct="1">
+                        <a:lnSpc>
+                          <a:spcPct val="100000"/>
+                        </a:lnSpc>
+                        <a:spcBef>
+                          <a:spcPts val="0"/>
+                        </a:spcBef>
+                        <a:spcAft>
+                          <a:spcPts val="0"/>
+                        </a:spcAft>
+                        <a:buClrTx/>
+                        <a:buSzTx/>
+                        <a:buFontTx/>
+                        <a:buNone/>
+                        <a:tabLst/>
+                        <a:defRPr/>
+                      </a:pPr>
+                      <a:endParaRPr lang="ko-KR" altLang="en-US" sz="2800" b="1" dirty="0">
+                        <a:solidFill>
+                          <a:schemeClr val="bg1"/>
+                        </a:solidFill>
+                      </a:endParaRPr>
+                    </a:p>
+                  </a:txBody>
+                  <a:tcPr>
+                    <a:lnL w="19050" cap="flat" cmpd="sng" algn="ctr">
+                      <a:solidFill>
+                        <a:schemeClr val="bg1"/>
+                      </a:solidFill>
+                      <a:prstDash val="solid"/>
+                      <a:round/>
+                      <a:headEnd type="none" w="med" len="med"/>
+                      <a:tailEnd type="none" w="med" len="med"/>
+                    </a:lnL>
+                    <a:lnR w="19050" cap="flat" cmpd="sng" algn="ctr">
+                      <a:solidFill>
+                        <a:schemeClr val="bg1"/>
+                      </a:solidFill>
+                      <a:prstDash val="solid"/>
+                      <a:round/>
+                      <a:headEnd type="none" w="med" len="med"/>
+                      <a:tailEnd type="none" w="med" len="med"/>
+                    </a:lnR>
+                    <a:lnT w="19050" cap="flat" cmpd="sng" algn="ctr">
+                      <a:solidFill>
+                        <a:schemeClr val="bg1"/>
+                      </a:solidFill>
+                      <a:prstDash val="solid"/>
+                      <a:round/>
+                      <a:headEnd type="none" w="med" len="med"/>
+                      <a:tailEnd type="none" w="med" len="med"/>
+                    </a:lnT>
+                    <a:lnB w="19050" cap="flat" cmpd="sng" algn="ctr">
+                      <a:solidFill>
+                        <a:schemeClr val="bg1"/>
+                      </a:solidFill>
+                      <a:prstDash val="solid"/>
+                      <a:round/>
+                      <a:headEnd type="none" w="med" len="med"/>
+                      <a:tailEnd type="none" w="med" len="med"/>
+                    </a:lnB>
+                    <a:lnTlToBr w="12700" cmpd="sng">
+                      <a:noFill/>
+                      <a:prstDash val="solid"/>
+                    </a:lnTlToBr>
+                    <a:lnBlToTr w="12700" cmpd="sng">
+                      <a:noFill/>
+                      <a:prstDash val="solid"/>
+                    </a:lnBlToTr>
+                  </a:tcPr>
+                </a:tc>
+                <a:tc>
+                  <a:txBody>
+                    <a:bodyPr/>
+                    <a:lstStyle/>
+                    <a:p>
+                      <a:pPr marL="0" marR="0" lvl="0" indent="0" algn="ctr" defTabSz="3240451" rtl="0" eaLnBrk="1" fontAlgn="auto" latinLnBrk="1" hangingPunct="1">
+                        <a:lnSpc>
+                          <a:spcPct val="100000"/>
+                        </a:lnSpc>
+                        <a:spcBef>
+                          <a:spcPts val="0"/>
+                        </a:spcBef>
+                        <a:spcAft>
+                          <a:spcPts val="0"/>
+                        </a:spcAft>
+                        <a:buClrTx/>
+                        <a:buSzTx/>
+                        <a:buFontTx/>
+                        <a:buNone/>
+                        <a:tabLst/>
+                        <a:defRPr/>
+                      </a:pPr>
+                      <a:endParaRPr lang="ko-KR" altLang="en-US" sz="2800" b="1" dirty="0">
+                        <a:solidFill>
+                          <a:schemeClr val="bg1"/>
+                        </a:solidFill>
+                      </a:endParaRPr>
+                    </a:p>
+                  </a:txBody>
+                  <a:tcPr>
+                    <a:lnL w="19050" cap="flat" cmpd="sng" algn="ctr">
+                      <a:solidFill>
+                        <a:schemeClr val="bg1"/>
+                      </a:solidFill>
+                      <a:prstDash val="solid"/>
+                      <a:round/>
+                      <a:headEnd type="none" w="med" len="med"/>
+                      <a:tailEnd type="none" w="med" len="med"/>
+                    </a:lnL>
+                    <a:lnR w="19050" cap="flat" cmpd="sng" algn="ctr">
+                      <a:solidFill>
+                        <a:schemeClr val="bg1"/>
+                      </a:solidFill>
+                      <a:prstDash val="solid"/>
+                      <a:round/>
+                      <a:headEnd type="none" w="med" len="med"/>
+                      <a:tailEnd type="none" w="med" len="med"/>
+                    </a:lnR>
+                    <a:lnT w="19050" cap="flat" cmpd="sng" algn="ctr">
+                      <a:solidFill>
+                        <a:schemeClr val="bg1"/>
+                      </a:solidFill>
+                      <a:prstDash val="solid"/>
+                      <a:round/>
+                      <a:headEnd type="none" w="med" len="med"/>
+                      <a:tailEnd type="none" w="med" len="med"/>
+                    </a:lnT>
+                    <a:lnB w="19050" cap="flat" cmpd="sng" algn="ctr">
+                      <a:solidFill>
+                        <a:schemeClr val="bg1"/>
+                      </a:solidFill>
+                      <a:prstDash val="solid"/>
+                      <a:round/>
+                      <a:headEnd type="none" w="med" len="med"/>
+                      <a:tailEnd type="none" w="med" len="med"/>
+                    </a:lnB>
+                    <a:lnTlToBr w="12700" cmpd="sng">
+                      <a:noFill/>
+                      <a:prstDash val="solid"/>
+                    </a:lnTlToBr>
+                    <a:lnBlToTr w="12700" cmpd="sng">
+                      <a:noFill/>
+                      <a:prstDash val="solid"/>
+                    </a:lnBlToTr>
+                  </a:tcPr>
+                </a:tc>
+                <a:tc>
+                  <a:txBody>
+                    <a:bodyPr/>
+                    <a:lstStyle/>
+                    <a:p>
+                      <a:pPr marL="0" marR="0" lvl="0" indent="0" algn="ctr" defTabSz="3240451" rtl="0" eaLnBrk="1" fontAlgn="auto" latinLnBrk="1" hangingPunct="1">
+                        <a:lnSpc>
+                          <a:spcPct val="100000"/>
+                        </a:lnSpc>
+                        <a:spcBef>
+                          <a:spcPts val="0"/>
+                        </a:spcBef>
+                        <a:spcAft>
+                          <a:spcPts val="0"/>
+                        </a:spcAft>
+                        <a:buClrTx/>
+                        <a:buSzTx/>
+                        <a:buFontTx/>
+                        <a:buNone/>
+                        <a:tabLst/>
+                        <a:defRPr/>
+                      </a:pPr>
+                      <a:endParaRPr lang="ko-KR" altLang="en-US" sz="2800" b="1" dirty="0">
+                        <a:solidFill>
+                          <a:schemeClr val="bg1"/>
+                        </a:solidFill>
+                      </a:endParaRPr>
+                    </a:p>
+                  </a:txBody>
+                  <a:tcPr>
+                    <a:lnL w="19050" cap="flat" cmpd="sng" algn="ctr">
+                      <a:solidFill>
+                        <a:schemeClr val="bg1"/>
+                      </a:solidFill>
+                      <a:prstDash val="solid"/>
+                      <a:round/>
+                      <a:headEnd type="none" w="med" len="med"/>
+                      <a:tailEnd type="none" w="med" len="med"/>
+                    </a:lnL>
+                    <a:lnR w="19050" cap="flat" cmpd="sng" algn="ctr">
+                      <a:solidFill>
+                        <a:schemeClr val="bg1"/>
+                      </a:solidFill>
+                      <a:prstDash val="solid"/>
+                      <a:round/>
+                      <a:headEnd type="none" w="med" len="med"/>
+                      <a:tailEnd type="none" w="med" len="med"/>
+                    </a:lnR>
+                    <a:lnT w="19050" cap="flat" cmpd="sng" algn="ctr">
+                      <a:solidFill>
+                        <a:schemeClr val="bg1"/>
+                      </a:solidFill>
+                      <a:prstDash val="solid"/>
+                      <a:round/>
+                      <a:headEnd type="none" w="med" len="med"/>
+                      <a:tailEnd type="none" w="med" len="med"/>
+                    </a:lnT>
+                    <a:lnB w="19050" cap="flat" cmpd="sng" algn="ctr">
+                      <a:solidFill>
+                        <a:schemeClr val="bg1"/>
+                      </a:solidFill>
+                      <a:prstDash val="solid"/>
+                      <a:round/>
+                      <a:headEnd type="none" w="med" len="med"/>
+                      <a:tailEnd type="none" w="med" len="med"/>
+                    </a:lnB>
+                    <a:lnTlToBr w="12700" cmpd="sng">
+                      <a:noFill/>
+                      <a:prstDash val="solid"/>
+                    </a:lnTlToBr>
+                    <a:lnBlToTr w="12700" cmpd="sng">
+                      <a:noFill/>
+                      <a:prstDash val="solid"/>
+                    </a:lnBlToTr>
+                  </a:tcPr>
+                </a:tc>
+                <a:tc>
+                  <a:txBody>
+                    <a:bodyPr/>
+                    <a:lstStyle/>
+                    <a:p>
+                      <a:pPr marL="0" marR="0" lvl="0" indent="0" algn="ctr" defTabSz="3240451" rtl="0" eaLnBrk="1" fontAlgn="auto" latinLnBrk="1" hangingPunct="1">
+                        <a:lnSpc>
+                          <a:spcPct val="100000"/>
+                        </a:lnSpc>
+                        <a:spcBef>
+                          <a:spcPts val="0"/>
+                        </a:spcBef>
+                        <a:spcAft>
+                          <a:spcPts val="0"/>
+                        </a:spcAft>
+                        <a:buClrTx/>
+                        <a:buSzTx/>
+                        <a:buFontTx/>
+                        <a:buNone/>
+                        <a:tabLst/>
+                        <a:defRPr/>
+                      </a:pPr>
+                      <a:endParaRPr lang="ko-KR" altLang="en-US" sz="2800" b="1" dirty="0">
+                        <a:solidFill>
+                          <a:schemeClr val="bg1"/>
+                        </a:solidFill>
+                      </a:endParaRPr>
+                    </a:p>
+                  </a:txBody>
+                  <a:tcPr>
+                    <a:lnL w="19050" cap="flat" cmpd="sng" algn="ctr">
+                      <a:solidFill>
+                        <a:schemeClr val="bg1"/>
+                      </a:solidFill>
+                      <a:prstDash val="solid"/>
+                      <a:round/>
+                      <a:headEnd type="none" w="med" len="med"/>
+                      <a:tailEnd type="none" w="med" len="med"/>
+                    </a:lnL>
+                    <a:lnR w="19050" cap="flat" cmpd="sng" algn="ctr">
+                      <a:solidFill>
+                        <a:schemeClr val="bg1"/>
+                      </a:solidFill>
+                      <a:prstDash val="solid"/>
+                      <a:round/>
+                      <a:headEnd type="none" w="med" len="med"/>
+                      <a:tailEnd type="none" w="med" len="med"/>
+                    </a:lnR>
+                    <a:lnT w="19050" cap="flat" cmpd="sng" algn="ctr">
+                      <a:solidFill>
+                        <a:schemeClr val="bg1"/>
+                      </a:solidFill>
+                      <a:prstDash val="solid"/>
+                      <a:round/>
+                      <a:headEnd type="none" w="med" len="med"/>
+                      <a:tailEnd type="none" w="med" len="med"/>
+                    </a:lnT>
+                    <a:lnB w="19050" cap="flat" cmpd="sng" algn="ctr">
+                      <a:solidFill>
+                        <a:schemeClr val="bg1"/>
+                      </a:solidFill>
+                      <a:prstDash val="solid"/>
+                      <a:round/>
+                      <a:headEnd type="none" w="med" len="med"/>
+                      <a:tailEnd type="none" w="med" len="med"/>
+                    </a:lnB>
+                    <a:lnTlToBr w="12700" cmpd="sng">
+                      <a:noFill/>
+                      <a:prstDash val="solid"/>
+                    </a:lnTlToBr>
+                    <a:lnBlToTr w="12700" cmpd="sng">
+                      <a:noFill/>
+                      <a:prstDash val="solid"/>
+                    </a:lnBlToTr>
+                  </a:tcPr>
+                </a:tc>
+                <a:extLst>
+                  <a:ext uri="{0D108BD9-81ED-4DB2-BD59-A6C34878D82A}">
+                    <a16:rowId xmlns:a16="http://schemas.microsoft.com/office/drawing/2014/main" val="2339137978"/>
+                  </a:ext>
+                </a:extLst>
+              </a:tr>
+              <a:tr h="486490">
+                <a:tc>
+                  <a:txBody>
+                    <a:bodyPr/>
+                    <a:lstStyle/>
+                    <a:p>
+                      <a:pPr algn="ctr" latinLnBrk="1"/>
+                      <a:r>
+                        <a:rPr lang="en-US" altLang="ko-KR" sz="2800" b="1" dirty="0">
+                          <a:solidFill>
+                            <a:schemeClr val="bg1"/>
+                          </a:solidFill>
+                        </a:rPr>
+                        <a:t>5</a:t>
+                      </a:r>
+                      <a:r>
+                        <a:rPr lang="ko-KR" altLang="en-US" sz="2800" b="1" dirty="0">
+                          <a:solidFill>
+                            <a:schemeClr val="bg1"/>
+                          </a:solidFill>
+                        </a:rPr>
+                        <a:t>단계</a:t>
+                      </a:r>
+                      <a:r>
+                        <a:rPr lang="en-US" altLang="ko-KR" sz="2800" b="1" dirty="0">
+                          <a:solidFill>
+                            <a:schemeClr val="bg1"/>
+                          </a:solidFill>
+                        </a:rPr>
+                        <a:t>: </a:t>
+                      </a:r>
+                      <a:r>
+                        <a:rPr lang="ko-KR" altLang="en-US" sz="2800" b="1" dirty="0">
+                          <a:solidFill>
+                            <a:schemeClr val="bg1"/>
+                          </a:solidFill>
+                        </a:rPr>
+                        <a:t>열매</a:t>
+                      </a:r>
+                    </a:p>
+                  </a:txBody>
+                  <a:tcPr>
+                    <a:lnL w="19050" cap="flat" cmpd="sng" algn="ctr">
+                      <a:solidFill>
+                        <a:schemeClr val="bg1"/>
+                      </a:solidFill>
+                      <a:prstDash val="solid"/>
+                      <a:round/>
+                      <a:headEnd type="none" w="med" len="med"/>
+                      <a:tailEnd type="none" w="med" len="med"/>
+                    </a:lnL>
+                    <a:lnR w="19050" cap="flat" cmpd="sng" algn="ctr">
+                      <a:solidFill>
+                        <a:schemeClr val="bg1"/>
+                      </a:solidFill>
+                      <a:prstDash val="solid"/>
+                      <a:round/>
+                      <a:headEnd type="none" w="med" len="med"/>
+                      <a:tailEnd type="none" w="med" len="med"/>
+                    </a:lnR>
+                    <a:lnT w="19050" cap="flat" cmpd="sng" algn="ctr">
+                      <a:solidFill>
+                        <a:schemeClr val="bg1"/>
+                      </a:solidFill>
+                      <a:prstDash val="solid"/>
+                      <a:round/>
+                      <a:headEnd type="none" w="med" len="med"/>
+                      <a:tailEnd type="none" w="med" len="med"/>
+                    </a:lnT>
+                    <a:lnB w="19050" cap="flat" cmpd="sng" algn="ctr">
+                      <a:solidFill>
+                        <a:schemeClr val="bg1"/>
+                      </a:solidFill>
+                      <a:prstDash val="solid"/>
+                      <a:round/>
+                      <a:headEnd type="none" w="med" len="med"/>
+                      <a:tailEnd type="none" w="med" len="med"/>
+                    </a:lnB>
+                    <a:lnTlToBr w="12700" cmpd="sng">
+                      <a:noFill/>
+                      <a:prstDash val="solid"/>
+                    </a:lnTlToBr>
+                    <a:lnBlToTr w="12700" cmpd="sng">
+                      <a:noFill/>
+                      <a:prstDash val="solid"/>
+                    </a:lnBlToTr>
+                  </a:tcPr>
+                </a:tc>
+                <a:tc>
+                  <a:txBody>
+                    <a:bodyPr/>
+                    <a:lstStyle/>
+                    <a:p>
+                      <a:pPr algn="ctr" latinLnBrk="1"/>
+                      <a:r>
+                        <a:rPr lang="ko-KR" altLang="en-US" sz="2800" b="1" dirty="0" err="1">
+                          <a:solidFill>
+                            <a:schemeClr val="bg1"/>
+                          </a:solidFill>
+                        </a:rPr>
+                        <a:t>과비대</a:t>
+                      </a:r>
+                      <a:r>
+                        <a:rPr lang="ko-KR" altLang="en-US" sz="2800" b="1" dirty="0">
+                          <a:solidFill>
+                            <a:schemeClr val="bg1"/>
+                          </a:solidFill>
+                        </a:rPr>
+                        <a:t> </a:t>
+                      </a:r>
+                      <a:r>
+                        <a:rPr lang="ko-KR" altLang="en-US" sz="2800" b="1" dirty="0" err="1">
+                          <a:solidFill>
+                            <a:schemeClr val="bg1"/>
+                          </a:solidFill>
+                        </a:rPr>
+                        <a:t>적온</a:t>
+                      </a:r>
+                      <a:endParaRPr lang="ko-KR" altLang="en-US" sz="2800" b="1" dirty="0">
+                        <a:solidFill>
+                          <a:schemeClr val="bg1"/>
+                        </a:solidFill>
+                      </a:endParaRPr>
+                    </a:p>
+                  </a:txBody>
+                  <a:tcPr>
+                    <a:lnL w="19050" cap="flat" cmpd="sng" algn="ctr">
+                      <a:solidFill>
+                        <a:schemeClr val="bg1"/>
+                      </a:solidFill>
+                      <a:prstDash val="solid"/>
+                      <a:round/>
+                      <a:headEnd type="none" w="med" len="med"/>
+                      <a:tailEnd type="none" w="med" len="med"/>
+                    </a:lnL>
+                    <a:lnR w="19050" cap="flat" cmpd="sng" algn="ctr">
+                      <a:solidFill>
+                        <a:schemeClr val="bg1"/>
+                      </a:solidFill>
+                      <a:prstDash val="solid"/>
+                      <a:round/>
+                      <a:headEnd type="none" w="med" len="med"/>
+                      <a:tailEnd type="none" w="med" len="med"/>
+                    </a:lnR>
+                    <a:lnT w="19050" cap="flat" cmpd="sng" algn="ctr">
+                      <a:solidFill>
+                        <a:schemeClr val="bg1"/>
+                      </a:solidFill>
+                      <a:prstDash val="solid"/>
+                      <a:round/>
+                      <a:headEnd type="none" w="med" len="med"/>
+                      <a:tailEnd type="none" w="med" len="med"/>
+                    </a:lnT>
+                    <a:lnB w="19050" cap="flat" cmpd="sng" algn="ctr">
+                      <a:solidFill>
+                        <a:schemeClr val="bg1"/>
+                      </a:solidFill>
+                      <a:prstDash val="solid"/>
+                      <a:round/>
+                      <a:headEnd type="none" w="med" len="med"/>
+                      <a:tailEnd type="none" w="med" len="med"/>
+                    </a:lnB>
+                    <a:lnTlToBr w="12700" cmpd="sng">
+                      <a:noFill/>
+                      <a:prstDash val="solid"/>
+                    </a:lnTlToBr>
+                    <a:lnBlToTr w="12700" cmpd="sng">
+                      <a:noFill/>
+                      <a:prstDash val="solid"/>
+                    </a:lnBlToTr>
+                  </a:tcPr>
+                </a:tc>
+                <a:tc>
+                  <a:txBody>
+                    <a:bodyPr/>
+                    <a:lstStyle/>
+                    <a:p>
+                      <a:pPr marL="0" marR="0" lvl="0" indent="0" algn="ctr" defTabSz="3240451" rtl="0" eaLnBrk="1" fontAlgn="auto" latinLnBrk="1" hangingPunct="1">
+                        <a:lnSpc>
+                          <a:spcPct val="100000"/>
+                        </a:lnSpc>
+                        <a:spcBef>
+                          <a:spcPts val="0"/>
+                        </a:spcBef>
+                        <a:spcAft>
+                          <a:spcPts val="0"/>
+                        </a:spcAft>
+                        <a:buClrTx/>
+                        <a:buSzTx/>
+                        <a:buFontTx/>
+                        <a:buNone/>
+                        <a:tabLst/>
+                        <a:defRPr/>
+                      </a:pPr>
+                      <a:r>
+                        <a:rPr lang="en-US" altLang="ko-KR" sz="2800" b="1" dirty="0">
+                          <a:solidFill>
+                            <a:schemeClr val="bg1"/>
+                          </a:solidFill>
+                        </a:rPr>
+                        <a:t>27</a:t>
+                      </a:r>
+                      <a:r>
+                        <a:rPr lang="ko-KR" altLang="en-US" sz="2800" b="1" i="0" kern="1200" dirty="0">
+                          <a:solidFill>
+                            <a:schemeClr val="bg1"/>
+                          </a:solidFill>
+                          <a:effectLst/>
+                          <a:latin typeface="+mn-lt"/>
+                          <a:ea typeface="+mn-ea"/>
+                          <a:cs typeface="+mn-cs"/>
+                        </a:rPr>
+                        <a:t>℃</a:t>
+                      </a:r>
+                      <a:endParaRPr lang="ko-KR" altLang="en-US" sz="2800" b="1" dirty="0">
+                        <a:solidFill>
+                          <a:schemeClr val="bg1"/>
+                        </a:solidFill>
+                      </a:endParaRPr>
+                    </a:p>
+                  </a:txBody>
+                  <a:tcPr>
+                    <a:lnL w="19050" cap="flat" cmpd="sng" algn="ctr">
+                      <a:solidFill>
+                        <a:schemeClr val="bg1"/>
+                      </a:solidFill>
+                      <a:prstDash val="solid"/>
+                      <a:round/>
+                      <a:headEnd type="none" w="med" len="med"/>
+                      <a:tailEnd type="none" w="med" len="med"/>
+                    </a:lnL>
+                    <a:lnR w="19050" cap="flat" cmpd="sng" algn="ctr">
+                      <a:solidFill>
+                        <a:schemeClr val="bg1"/>
+                      </a:solidFill>
+                      <a:prstDash val="solid"/>
+                      <a:round/>
+                      <a:headEnd type="none" w="med" len="med"/>
+                      <a:tailEnd type="none" w="med" len="med"/>
+                    </a:lnR>
+                    <a:lnT w="19050" cap="flat" cmpd="sng" algn="ctr">
+                      <a:solidFill>
+                        <a:schemeClr val="bg1"/>
+                      </a:solidFill>
+                      <a:prstDash val="solid"/>
+                      <a:round/>
+                      <a:headEnd type="none" w="med" len="med"/>
+                      <a:tailEnd type="none" w="med" len="med"/>
+                    </a:lnT>
+                    <a:lnB w="19050" cap="flat" cmpd="sng" algn="ctr">
+                      <a:solidFill>
+                        <a:schemeClr val="bg1"/>
+                      </a:solidFill>
+                      <a:prstDash val="solid"/>
+                      <a:round/>
+                      <a:headEnd type="none" w="med" len="med"/>
+                      <a:tailEnd type="none" w="med" len="med"/>
+                    </a:lnB>
+                    <a:lnTlToBr w="12700" cmpd="sng">
+                      <a:noFill/>
+                      <a:prstDash val="solid"/>
+                    </a:lnTlToBr>
+                    <a:lnBlToTr w="12700" cmpd="sng">
+                      <a:noFill/>
+                      <a:prstDash val="solid"/>
+                    </a:lnBlToTr>
+                  </a:tcPr>
+                </a:tc>
+                <a:tc>
+                  <a:txBody>
+                    <a:bodyPr/>
+                    <a:lstStyle/>
+                    <a:p>
+                      <a:pPr marL="0" marR="0" lvl="0" indent="0" algn="ctr" defTabSz="3240451" rtl="0" eaLnBrk="1" fontAlgn="auto" latinLnBrk="1" hangingPunct="1">
+                        <a:lnSpc>
+                          <a:spcPct val="100000"/>
+                        </a:lnSpc>
+                        <a:spcBef>
+                          <a:spcPts val="0"/>
+                        </a:spcBef>
+                        <a:spcAft>
+                          <a:spcPts val="0"/>
+                        </a:spcAft>
+                        <a:buClrTx/>
+                        <a:buSzTx/>
+                        <a:buFontTx/>
+                        <a:buNone/>
+                        <a:tabLst/>
+                        <a:defRPr/>
+                      </a:pPr>
+                      <a:endParaRPr lang="ko-KR" altLang="en-US" sz="2800" b="1" dirty="0">
+                        <a:solidFill>
+                          <a:schemeClr val="bg1"/>
+                        </a:solidFill>
+                      </a:endParaRPr>
+                    </a:p>
+                  </a:txBody>
+                  <a:tcPr>
+                    <a:lnL w="19050" cap="flat" cmpd="sng" algn="ctr">
+                      <a:solidFill>
+                        <a:schemeClr val="bg1"/>
+                      </a:solidFill>
+                      <a:prstDash val="solid"/>
+                      <a:round/>
+                      <a:headEnd type="none" w="med" len="med"/>
+                      <a:tailEnd type="none" w="med" len="med"/>
+                    </a:lnL>
+                    <a:lnR w="19050" cap="flat" cmpd="sng" algn="ctr">
+                      <a:solidFill>
+                        <a:schemeClr val="bg1"/>
+                      </a:solidFill>
+                      <a:prstDash val="solid"/>
+                      <a:round/>
+                      <a:headEnd type="none" w="med" len="med"/>
+                      <a:tailEnd type="none" w="med" len="med"/>
+                    </a:lnR>
+                    <a:lnT w="19050" cap="flat" cmpd="sng" algn="ctr">
+                      <a:solidFill>
+                        <a:schemeClr val="bg1"/>
+                      </a:solidFill>
+                      <a:prstDash val="solid"/>
+                      <a:round/>
+                      <a:headEnd type="none" w="med" len="med"/>
+                      <a:tailEnd type="none" w="med" len="med"/>
+                    </a:lnT>
+                    <a:lnB w="19050" cap="flat" cmpd="sng" algn="ctr">
+                      <a:solidFill>
+                        <a:schemeClr val="bg1"/>
+                      </a:solidFill>
+                      <a:prstDash val="solid"/>
+                      <a:round/>
+                      <a:headEnd type="none" w="med" len="med"/>
+                      <a:tailEnd type="none" w="med" len="med"/>
+                    </a:lnB>
+                    <a:lnTlToBr w="12700" cmpd="sng">
+                      <a:noFill/>
+                      <a:prstDash val="solid"/>
+                    </a:lnTlToBr>
+                    <a:lnBlToTr w="12700" cmpd="sng">
+                      <a:noFill/>
+                      <a:prstDash val="solid"/>
+                    </a:lnBlToTr>
+                  </a:tcPr>
+                </a:tc>
+                <a:tc>
+                  <a:txBody>
+                    <a:bodyPr/>
+                    <a:lstStyle/>
+                    <a:p>
+                      <a:pPr marL="0" marR="0" lvl="0" indent="0" algn="ctr" defTabSz="3240451" rtl="0" eaLnBrk="1" fontAlgn="auto" latinLnBrk="1" hangingPunct="1">
+                        <a:lnSpc>
+                          <a:spcPct val="100000"/>
+                        </a:lnSpc>
+                        <a:spcBef>
+                          <a:spcPts val="0"/>
+                        </a:spcBef>
+                        <a:spcAft>
+                          <a:spcPts val="0"/>
+                        </a:spcAft>
+                        <a:buClrTx/>
+                        <a:buSzTx/>
+                        <a:buFontTx/>
+                        <a:buNone/>
+                        <a:tabLst/>
+                        <a:defRPr/>
+                      </a:pPr>
+                      <a:endParaRPr lang="ko-KR" altLang="en-US" sz="2800" b="1" dirty="0">
+                        <a:solidFill>
+                          <a:schemeClr val="bg1"/>
+                        </a:solidFill>
+                      </a:endParaRPr>
+                    </a:p>
+                  </a:txBody>
+                  <a:tcPr>
+                    <a:lnL w="19050" cap="flat" cmpd="sng" algn="ctr">
+                      <a:solidFill>
+                        <a:schemeClr val="bg1"/>
+                      </a:solidFill>
+                      <a:prstDash val="solid"/>
+                      <a:round/>
+                      <a:headEnd type="none" w="med" len="med"/>
+                      <a:tailEnd type="none" w="med" len="med"/>
+                    </a:lnL>
+                    <a:lnR w="19050" cap="flat" cmpd="sng" algn="ctr">
+                      <a:solidFill>
+                        <a:schemeClr val="bg1"/>
+                      </a:solidFill>
+                      <a:prstDash val="solid"/>
+                      <a:round/>
+                      <a:headEnd type="none" w="med" len="med"/>
+                      <a:tailEnd type="none" w="med" len="med"/>
+                    </a:lnR>
+                    <a:lnT w="19050" cap="flat" cmpd="sng" algn="ctr">
+                      <a:solidFill>
+                        <a:schemeClr val="bg1"/>
+                      </a:solidFill>
+                      <a:prstDash val="solid"/>
+                      <a:round/>
+                      <a:headEnd type="none" w="med" len="med"/>
+                      <a:tailEnd type="none" w="med" len="med"/>
+                    </a:lnT>
+                    <a:lnB w="19050" cap="flat" cmpd="sng" algn="ctr">
+                      <a:solidFill>
+                        <a:schemeClr val="bg1"/>
+                      </a:solidFill>
+                      <a:prstDash val="solid"/>
+                      <a:round/>
+                      <a:headEnd type="none" w="med" len="med"/>
+                      <a:tailEnd type="none" w="med" len="med"/>
+                    </a:lnB>
+                    <a:lnTlToBr w="12700" cmpd="sng">
+                      <a:noFill/>
+                      <a:prstDash val="solid"/>
+                    </a:lnTlToBr>
+                    <a:lnBlToTr w="12700" cmpd="sng">
+                      <a:noFill/>
+                      <a:prstDash val="solid"/>
+                    </a:lnBlToTr>
+                  </a:tcPr>
+                </a:tc>
+                <a:tc>
+                  <a:txBody>
+                    <a:bodyPr/>
+                    <a:lstStyle/>
+                    <a:p>
+                      <a:pPr marL="0" marR="0" lvl="0" indent="0" algn="ctr" defTabSz="3240451" rtl="0" eaLnBrk="1" fontAlgn="auto" latinLnBrk="1" hangingPunct="1">
+                        <a:lnSpc>
+                          <a:spcPct val="100000"/>
+                        </a:lnSpc>
+                        <a:spcBef>
+                          <a:spcPts val="0"/>
+                        </a:spcBef>
+                        <a:spcAft>
+                          <a:spcPts val="0"/>
+                        </a:spcAft>
+                        <a:buClrTx/>
+                        <a:buSzTx/>
+                        <a:buFontTx/>
+                        <a:buNone/>
+                        <a:tabLst/>
+                        <a:defRPr/>
+                      </a:pPr>
+                      <a:endParaRPr lang="ko-KR" altLang="en-US" sz="2800" b="1" dirty="0">
+                        <a:solidFill>
+                          <a:schemeClr val="bg1"/>
+                        </a:solidFill>
+                      </a:endParaRPr>
+                    </a:p>
+                  </a:txBody>
+                  <a:tcPr>
+                    <a:lnL w="19050" cap="flat" cmpd="sng" algn="ctr">
+                      <a:solidFill>
+                        <a:schemeClr val="bg1"/>
+                      </a:solidFill>
+                      <a:prstDash val="solid"/>
+                      <a:round/>
+                      <a:headEnd type="none" w="med" len="med"/>
+                      <a:tailEnd type="none" w="med" len="med"/>
+                    </a:lnL>
+                    <a:lnR w="19050" cap="flat" cmpd="sng" algn="ctr">
+                      <a:solidFill>
+                        <a:schemeClr val="bg1"/>
+                      </a:solidFill>
+                      <a:prstDash val="solid"/>
+                      <a:round/>
+                      <a:headEnd type="none" w="med" len="med"/>
+                      <a:tailEnd type="none" w="med" len="med"/>
+                    </a:lnR>
+                    <a:lnT w="19050" cap="flat" cmpd="sng" algn="ctr">
+                      <a:solidFill>
+                        <a:schemeClr val="bg1"/>
+                      </a:solidFill>
+                      <a:prstDash val="solid"/>
+                      <a:round/>
+                      <a:headEnd type="none" w="med" len="med"/>
+                      <a:tailEnd type="none" w="med" len="med"/>
+                    </a:lnT>
+                    <a:lnB w="19050" cap="flat" cmpd="sng" algn="ctr">
+                      <a:solidFill>
+                        <a:schemeClr val="bg1"/>
+                      </a:solidFill>
+                      <a:prstDash val="solid"/>
+                      <a:round/>
+                      <a:headEnd type="none" w="med" len="med"/>
+                      <a:tailEnd type="none" w="med" len="med"/>
+                    </a:lnB>
+                    <a:lnTlToBr w="12700" cmpd="sng">
+                      <a:noFill/>
+                      <a:prstDash val="solid"/>
+                    </a:lnTlToBr>
+                    <a:lnBlToTr w="12700" cmpd="sng">
+                      <a:noFill/>
+                      <a:prstDash val="solid"/>
+                    </a:lnBlToTr>
+                  </a:tcPr>
+                </a:tc>
+                <a:tc>
+                  <a:txBody>
+                    <a:bodyPr/>
+                    <a:lstStyle/>
+                    <a:p>
+                      <a:pPr marL="0" marR="0" lvl="0" indent="0" algn="ctr" defTabSz="3240451" rtl="0" eaLnBrk="1" fontAlgn="auto" latinLnBrk="1" hangingPunct="1">
+                        <a:lnSpc>
+                          <a:spcPct val="100000"/>
+                        </a:lnSpc>
+                        <a:spcBef>
+                          <a:spcPts val="0"/>
+                        </a:spcBef>
+                        <a:spcAft>
+                          <a:spcPts val="0"/>
+                        </a:spcAft>
+                        <a:buClrTx/>
+                        <a:buSzTx/>
+                        <a:buFontTx/>
+                        <a:buNone/>
+                        <a:tabLst/>
+                        <a:defRPr/>
+                      </a:pPr>
+                      <a:endParaRPr lang="ko-KR" altLang="en-US" sz="2800" b="1" dirty="0">
+                        <a:solidFill>
+                          <a:schemeClr val="bg1"/>
+                        </a:solidFill>
+                      </a:endParaRPr>
+                    </a:p>
+                  </a:txBody>
+                  <a:tcPr>
+                    <a:lnL w="19050" cap="flat" cmpd="sng" algn="ctr">
+                      <a:solidFill>
+                        <a:schemeClr val="bg1"/>
+                      </a:solidFill>
+                      <a:prstDash val="solid"/>
+                      <a:round/>
+                      <a:headEnd type="none" w="med" len="med"/>
+                      <a:tailEnd type="none" w="med" len="med"/>
+                    </a:lnL>
+                    <a:lnR w="19050" cap="flat" cmpd="sng" algn="ctr">
+                      <a:solidFill>
+                        <a:schemeClr val="bg1"/>
+                      </a:solidFill>
+                      <a:prstDash val="solid"/>
+                      <a:round/>
+                      <a:headEnd type="none" w="med" len="med"/>
+                      <a:tailEnd type="none" w="med" len="med"/>
+                    </a:lnR>
+                    <a:lnT w="19050" cap="flat" cmpd="sng" algn="ctr">
+                      <a:solidFill>
+                        <a:schemeClr val="bg1"/>
+                      </a:solidFill>
+                      <a:prstDash val="solid"/>
+                      <a:round/>
+                      <a:headEnd type="none" w="med" len="med"/>
+                      <a:tailEnd type="none" w="med" len="med"/>
+                    </a:lnT>
+                    <a:lnB w="19050" cap="flat" cmpd="sng" algn="ctr">
+                      <a:solidFill>
+                        <a:schemeClr val="bg1"/>
+                      </a:solidFill>
+                      <a:prstDash val="solid"/>
+                      <a:round/>
+                      <a:headEnd type="none" w="med" len="med"/>
+                      <a:tailEnd type="none" w="med" len="med"/>
+                    </a:lnB>
+                    <a:lnTlToBr w="12700" cmpd="sng">
+                      <a:noFill/>
+                      <a:prstDash val="solid"/>
+                    </a:lnTlToBr>
+                    <a:lnBlToTr w="12700" cmpd="sng">
+                      <a:noFill/>
+                      <a:prstDash val="solid"/>
+                    </a:lnBlToTr>
+                  </a:tcPr>
+                </a:tc>
+                <a:tc>
+                  <a:txBody>
+                    <a:bodyPr/>
+                    <a:lstStyle/>
+                    <a:p>
+                      <a:pPr marL="0" marR="0" lvl="0" indent="0" algn="ctr" defTabSz="3240451" rtl="0" eaLnBrk="1" fontAlgn="auto" latinLnBrk="1" hangingPunct="1">
+                        <a:lnSpc>
+                          <a:spcPct val="100000"/>
+                        </a:lnSpc>
+                        <a:spcBef>
+                          <a:spcPts val="0"/>
+                        </a:spcBef>
+                        <a:spcAft>
+                          <a:spcPts val="0"/>
+                        </a:spcAft>
+                        <a:buClrTx/>
+                        <a:buSzTx/>
+                        <a:buFontTx/>
+                        <a:buNone/>
+                        <a:tabLst/>
+                        <a:defRPr/>
+                      </a:pPr>
+                      <a:endParaRPr lang="ko-KR" altLang="en-US" sz="2800" b="1" dirty="0">
+                        <a:solidFill>
+                          <a:schemeClr val="bg1"/>
+                        </a:solidFill>
+                      </a:endParaRPr>
+                    </a:p>
+                  </a:txBody>
+                  <a:tcPr>
+                    <a:lnL w="19050" cap="flat" cmpd="sng" algn="ctr">
+                      <a:solidFill>
+                        <a:schemeClr val="bg1"/>
+                      </a:solidFill>
+                      <a:prstDash val="solid"/>
+                      <a:round/>
+                      <a:headEnd type="none" w="med" len="med"/>
+                      <a:tailEnd type="none" w="med" len="med"/>
+                    </a:lnL>
+                    <a:lnR w="19050" cap="flat" cmpd="sng" algn="ctr">
+                      <a:solidFill>
+                        <a:schemeClr val="bg1"/>
+                      </a:solidFill>
+                      <a:prstDash val="solid"/>
+                      <a:round/>
+                      <a:headEnd type="none" w="med" len="med"/>
+                      <a:tailEnd type="none" w="med" len="med"/>
+                    </a:lnR>
+                    <a:lnT w="19050" cap="flat" cmpd="sng" algn="ctr">
+                      <a:solidFill>
+                        <a:schemeClr val="bg1"/>
+                      </a:solidFill>
+                      <a:prstDash val="solid"/>
+                      <a:round/>
+                      <a:headEnd type="none" w="med" len="med"/>
+                      <a:tailEnd type="none" w="med" len="med"/>
+                    </a:lnT>
+                    <a:lnB w="19050" cap="flat" cmpd="sng" algn="ctr">
+                      <a:solidFill>
+                        <a:schemeClr val="bg1"/>
+                      </a:solidFill>
+                      <a:prstDash val="solid"/>
+                      <a:round/>
+                      <a:headEnd type="none" w="med" len="med"/>
+                      <a:tailEnd type="none" w="med" len="med"/>
+                    </a:lnB>
+                    <a:lnTlToBr w="12700" cmpd="sng">
+                      <a:noFill/>
+                      <a:prstDash val="solid"/>
+                    </a:lnTlToBr>
+                    <a:lnBlToTr w="12700" cmpd="sng">
+                      <a:noFill/>
+                      <a:prstDash val="solid"/>
+                    </a:lnBlToTr>
+                  </a:tcPr>
+                </a:tc>
+                <a:extLst>
+                  <a:ext uri="{0D108BD9-81ED-4DB2-BD59-A6C34878D82A}">
+                    <a16:rowId xmlns:a16="http://schemas.microsoft.com/office/drawing/2014/main" val="524203606"/>
+                  </a:ext>
+                </a:extLst>
+              </a:tr>
+            </a:tbl>
+          </a:graphicData>
+        </a:graphic>
+      </p:graphicFrame>
+      <p:sp>
+        <p:nvSpPr>
+          <p:cNvPr id="66" name="제목 1">
+            <a:extLst>
+              <a:ext uri="{FF2B5EF4-FFF2-40B4-BE49-F238E27FC236}">
+                <a16:creationId xmlns:a16="http://schemas.microsoft.com/office/drawing/2014/main" id="{A69A56B0-7187-4B33-8632-03FD47E322A6}"/>
+              </a:ext>
+            </a:extLst>
+          </p:cNvPr>
+          <p:cNvSpPr txBox="1">
+            <a:spLocks/>
+          </p:cNvSpPr>
+          <p:nvPr/>
+        </p:nvSpPr>
+        <p:spPr>
+          <a:xfrm>
+            <a:off x="1080902" y="22047143"/>
+            <a:ext cx="5883824" cy="2249354"/>
+          </a:xfrm>
+          <a:prstGeom prst="rect">
+            <a:avLst/>
+          </a:prstGeom>
+        </p:spPr>
+        <p:txBody>
+          <a:bodyPr vert="horz" lIns="83820" tIns="41910" rIns="83820" bIns="41910" rtlCol="0" anchor="b">
+            <a:noAutofit/>
+          </a:bodyPr>
+          <a:lstStyle>
+            <a:lvl1pPr algn="ctr" defTabSz="3240451" rtl="0" eaLnBrk="1" latinLnBrk="1" hangingPunct="1">
+              <a:lnSpc>
+                <a:spcPct val="90000"/>
+              </a:lnSpc>
+              <a:spcBef>
+                <a:spcPct val="0"/>
+              </a:spcBef>
+              <a:buNone/>
+              <a:defRPr sz="21263" kern="1200">
+                <a:solidFill>
+                  <a:schemeClr val="tx1"/>
+                </a:solidFill>
+                <a:latin typeface="+mj-lt"/>
+                <a:ea typeface="+mj-ea"/>
+                <a:cs typeface="+mj-cs"/>
+              </a:defRPr>
+            </a:lvl1pPr>
+          </a:lstStyle>
+          <a:p>
+            <a:pPr algn="just" latinLnBrk="0">
+              <a:lnSpc>
+                <a:spcPct val="120000"/>
+              </a:lnSpc>
+            </a:pPr>
+            <a:r>
+              <a:rPr lang="ko-KR" altLang="en-US" sz="3000" b="1" dirty="0">
+                <a:latin typeface="한컴산뜻돋움" panose="02000000000000000000" pitchFamily="2" charset="-127"/>
+                <a:ea typeface="한컴산뜻돋움" panose="02000000000000000000" pitchFamily="2" charset="-127"/>
+                <a:cs typeface="Arial Unicode MS" panose="020B0604020202020204" pitchFamily="50" charset="-127"/>
+              </a:rPr>
+              <a:t>토마토의 생육단계별 맞춤 환경조절장치 제어하는 기준에 대해서 말하기</a:t>
+            </a:r>
+            <a:endParaRPr lang="en-US" altLang="ko-KR" sz="3000" b="1" dirty="0">
+              <a:latin typeface="한컴산뜻돋움" panose="02000000000000000000" pitchFamily="2" charset="-127"/>
+              <a:ea typeface="한컴산뜻돋움" panose="02000000000000000000" pitchFamily="2" charset="-127"/>
+              <a:cs typeface="Arial Unicode MS" panose="020B0604020202020204" pitchFamily="50" charset="-127"/>
+            </a:endParaRPr>
+          </a:p>
+          <a:p>
+            <a:pPr algn="just" latinLnBrk="0">
+              <a:lnSpc>
+                <a:spcPct val="120000"/>
+              </a:lnSpc>
+            </a:pPr>
+            <a:endParaRPr lang="ko-KR" altLang="ko-KR" sz="3000" b="1" dirty="0">
+              <a:latin typeface="한컴산뜻돋움" panose="02000000000000000000" pitchFamily="2" charset="-127"/>
+              <a:ea typeface="한컴산뜻돋움" panose="02000000000000000000" pitchFamily="2" charset="-127"/>
+              <a:cs typeface="Arial Unicode MS" panose="020B0604020202020204" pitchFamily="50" charset="-127"/>
+            </a:endParaRPr>
           </a:p>
         </p:txBody>
       </p:sp>

--- a/2022추계생물환경조절학회포스터(김솔아).pptx
+++ b/2022추계생물환경조절학회포스터(김솔아).pptx
@@ -3401,6 +3401,16 @@
 <file path=ppt/slides/slide1.xml><?xml version="1.0" encoding="utf-8"?>
 <p:sld xmlns:a="http://schemas.openxmlformats.org/drawingml/2006/main" xmlns:r="http://schemas.openxmlformats.org/officeDocument/2006/relationships" xmlns:p="http://schemas.openxmlformats.org/presentationml/2006/main">
   <p:cSld>
+    <p:bg>
+      <p:bgPr>
+        <a:solidFill>
+          <a:schemeClr val="bg1">
+            <a:alpha val="99000"/>
+          </a:schemeClr>
+        </a:solidFill>
+        <a:effectLst/>
+      </p:bgPr>
+    </p:bg>
     <p:spTree>
       <p:nvGrpSpPr>
         <p:cNvPr id="1" name=""/>
@@ -3433,7 +3443,9 @@
             <a:ext cx="15573409" cy="4903939"/>
           </a:xfrm>
           <a:prstGeom prst="roundRect">
-            <a:avLst/>
+            <a:avLst>
+              <a:gd name="adj" fmla="val 3926"/>
+            </a:avLst>
           </a:prstGeom>
           <a:solidFill>
             <a:srgbClr val="56296E">
@@ -3491,7 +3503,9 @@
             <a:ext cx="15573409" cy="8621714"/>
           </a:xfrm>
           <a:prstGeom prst="roundRect">
-            <a:avLst/>
+            <a:avLst>
+              <a:gd name="adj" fmla="val 2712"/>
+            </a:avLst>
           </a:prstGeom>
           <a:solidFill>
             <a:srgbClr val="56296E">
@@ -3549,7 +3563,9 @@
             <a:ext cx="15525164" cy="5532760"/>
           </a:xfrm>
           <a:prstGeom prst="roundRect">
-            <a:avLst/>
+            <a:avLst>
+              <a:gd name="adj" fmla="val 4489"/>
+            </a:avLst>
           </a:prstGeom>
           <a:solidFill>
             <a:srgbClr val="56296E">
@@ -3607,7 +3623,9 @@
             <a:ext cx="15573409" cy="6136551"/>
           </a:xfrm>
           <a:prstGeom prst="roundRect">
-            <a:avLst/>
+            <a:avLst>
+              <a:gd name="adj" fmla="val 2550"/>
+            </a:avLst>
           </a:prstGeom>
           <a:solidFill>
             <a:srgbClr val="56296E">
@@ -3661,15 +3679,17 @@
         </p:nvSpPr>
         <p:spPr>
           <a:xfrm>
-            <a:off x="16159403" y="8582549"/>
-            <a:ext cx="15837711" cy="19604757"/>
+            <a:off x="16159403" y="8582550"/>
+            <a:ext cx="15837711" cy="21204420"/>
           </a:xfrm>
           <a:prstGeom prst="roundRect">
-            <a:avLst/>
+            <a:avLst>
+              <a:gd name="adj" fmla="val 2689"/>
+            </a:avLst>
           </a:prstGeom>
           <a:solidFill>
             <a:srgbClr val="56296E">
-              <a:alpha val="31000"/>
+              <a:alpha val="32000"/>
             </a:srgbClr>
           </a:solidFill>
           <a:ln>
@@ -3719,7 +3739,7 @@
         </p:nvSpPr>
         <p:spPr>
           <a:xfrm>
-            <a:off x="8477071" y="13248506"/>
+            <a:off x="8618334" y="13245344"/>
             <a:ext cx="15168448" cy="15209215"/>
           </a:xfrm>
           <a:prstGeom prst="ellipse">
@@ -5080,7 +5100,7 @@
         </p:nvGrpSpPr>
         <p:grpSpPr>
           <a:xfrm>
-            <a:off x="5367414" y="33674513"/>
+            <a:off x="4987746" y="33698423"/>
             <a:ext cx="6219313" cy="772776"/>
             <a:chOff x="-9280" y="33214924"/>
             <a:chExt cx="6784705" cy="843028"/>
@@ -5221,8 +5241,8 @@
         </p:nvSpPr>
         <p:spPr>
           <a:xfrm>
-            <a:off x="16248424" y="9628277"/>
-            <a:ext cx="15010872" cy="9532610"/>
+            <a:off x="16353400" y="9628277"/>
+            <a:ext cx="15389702" cy="9560309"/>
           </a:xfrm>
           <a:prstGeom prst="rect">
             <a:avLst/>
@@ -5235,7 +5255,7 @@
           </a:bodyPr>
           <a:lstStyle/>
           <a:p>
-            <a:pPr lvl="1">
+            <a:pPr>
               <a:lnSpc>
                 <a:spcPct val="120000"/>
               </a:lnSpc>
@@ -5291,7 +5311,7 @@
             </a:r>
           </a:p>
           <a:p>
-            <a:pPr lvl="2" algn="just">
+            <a:pPr algn="just">
               <a:lnSpc>
                 <a:spcPct val="120000"/>
               </a:lnSpc>
@@ -5497,7 +5517,7 @@
             </a:r>
           </a:p>
           <a:p>
-            <a:pPr lvl="2" algn="just">
+            <a:pPr algn="just">
               <a:lnSpc>
                 <a:spcPct val="120000"/>
               </a:lnSpc>
@@ -5780,7 +5800,7 @@
             </a:endParaRPr>
           </a:p>
           <a:p>
-            <a:pPr lvl="2" algn="just">
+            <a:pPr lvl="1" algn="just">
               <a:lnSpc>
                 <a:spcPct val="120000"/>
               </a:lnSpc>
@@ -6282,8 +6302,8 @@
         </p:nvSpPr>
         <p:spPr>
           <a:xfrm>
-            <a:off x="16314268" y="18569791"/>
-            <a:ext cx="15168448" cy="4602029"/>
+            <a:off x="16353400" y="20842722"/>
+            <a:ext cx="15493964" cy="4020331"/>
           </a:xfrm>
           <a:prstGeom prst="rect">
             <a:avLst/>
@@ -6296,7 +6316,7 @@
           </a:bodyPr>
           <a:lstStyle/>
           <a:p>
-            <a:pPr lvl="1">
+            <a:pPr>
               <a:lnSpc>
                 <a:spcPct val="120000"/>
               </a:lnSpc>
@@ -6320,7 +6340,7 @@
             </a:r>
           </a:p>
           <a:p>
-            <a:pPr lvl="2" algn="just">
+            <a:pPr algn="just">
               <a:lnSpc>
                 <a:spcPct val="120000"/>
               </a:lnSpc>
@@ -6494,8 +6514,8 @@
         </p:nvSpPr>
         <p:spPr>
           <a:xfrm>
-            <a:off x="907759" y="17257180"/>
-            <a:ext cx="14508936" cy="3153102"/>
+            <a:off x="743638" y="16787843"/>
+            <a:ext cx="15009759" cy="3153102"/>
           </a:xfrm>
           <a:prstGeom prst="rect">
             <a:avLst/>
@@ -6740,8 +6760,8 @@
         </p:nvSpPr>
         <p:spPr>
           <a:xfrm>
-            <a:off x="20501811" y="1085000"/>
-            <a:ext cx="12574582" cy="1151341"/>
+            <a:off x="19873794" y="1085000"/>
+            <a:ext cx="13202599" cy="1151341"/>
           </a:xfrm>
           <a:prstGeom prst="roundRect">
             <a:avLst>
@@ -6790,7 +6810,7 @@
                 <a:ea typeface="한컴산뜻돋움" panose="02000000000000000000" pitchFamily="2" charset="-127"/>
                 <a:cs typeface="함초롬돋움" panose="020B0604000101010101" pitchFamily="50" charset="-127"/>
               </a:rPr>
-              <a:t>한국 생물환경조절학회 </a:t>
+              <a:t>    한국 생물환경조절학회 </a:t>
             </a:r>
             <a:r>
               <a:rPr lang="en-US" altLang="ko-KR" sz="4400" b="1" dirty="0">
@@ -7074,8 +7094,8 @@
         </p:nvSpPr>
         <p:spPr>
           <a:xfrm>
-            <a:off x="17156243" y="28857354"/>
-            <a:ext cx="14631250" cy="8934700"/>
+            <a:off x="17156243" y="30530272"/>
+            <a:ext cx="14631250" cy="7261781"/>
           </a:xfrm>
           <a:prstGeom prst="smileyFace">
             <a:avLst/>
@@ -7131,7 +7151,7 @@
         </p:nvSpPr>
         <p:spPr>
           <a:xfrm>
-            <a:off x="19324167" y="29221599"/>
+            <a:off x="16550059" y="31684109"/>
             <a:ext cx="8996517" cy="553998"/>
           </a:xfrm>
           <a:prstGeom prst="rect">
@@ -7294,8 +7314,8 @@
         </p:nvSpPr>
         <p:spPr>
           <a:xfrm>
-            <a:off x="16278091" y="23118551"/>
-            <a:ext cx="15168448" cy="4575483"/>
+            <a:off x="16309838" y="24944536"/>
+            <a:ext cx="13962807" cy="4575483"/>
           </a:xfrm>
           <a:prstGeom prst="rect">
             <a:avLst/>
@@ -7308,7 +7328,7 @@
           </a:bodyPr>
           <a:lstStyle/>
           <a:p>
-            <a:pPr lvl="1">
+            <a:pPr>
               <a:lnSpc>
                 <a:spcPct val="120000"/>
               </a:lnSpc>
@@ -7332,7 +7352,7 @@
             </a:r>
           </a:p>
           <a:p>
-            <a:pPr lvl="2" algn="just">
+            <a:pPr algn="just">
               <a:lnSpc>
                 <a:spcPct val="120000"/>
               </a:lnSpc>
@@ -7680,7 +7700,7 @@
                 <a:ea typeface="한컴산뜻돋움" panose="02000000000000000000" pitchFamily="2" charset="-127"/>
                 <a:cs typeface="Arial Unicode MS" panose="020B0600000101010101" charset="-127"/>
               </a:rPr>
-              <a:t> 작동을 자동화 시켰다</a:t>
+              <a:t> 작동을 자동화 시킬 수 있다</a:t>
             </a:r>
             <a:r>
               <a:rPr lang="en-US" altLang="ko-KR" sz="3000" b="1" dirty="0">
@@ -7688,7 +7708,7 @@
                 <a:ea typeface="한컴산뜻돋움" panose="02000000000000000000" pitchFamily="2" charset="-127"/>
                 <a:cs typeface="Arial Unicode MS" panose="020B0600000101010101" charset="-127"/>
               </a:rPr>
-              <a:t>, </a:t>
+              <a:t>.</a:t>
             </a:r>
           </a:p>
         </p:txBody>
@@ -7708,14 +7728,14 @@
           <p:nvPr>
             <p:extLst>
               <p:ext uri="{D42A27DB-BD31-4B8C-83A1-F6EECF244321}">
-                <p14:modId xmlns:p14="http://schemas.microsoft.com/office/powerpoint/2010/main" val="4141578163"/>
+                <p14:modId xmlns:p14="http://schemas.microsoft.com/office/powerpoint/2010/main" val="4075979666"/>
               </p:ext>
             </p:extLst>
           </p:nvPr>
         </p:nvGraphicFramePr>
         <p:xfrm>
-          <a:off x="556686" y="21680568"/>
-          <a:ext cx="14508939" cy="4968240"/>
+          <a:off x="556686" y="21680567"/>
+          <a:ext cx="9654436" cy="5394960"/>
         </p:xfrm>
         <a:graphic>
           <a:graphicData uri="http://schemas.openxmlformats.org/drawingml/2006/table">
@@ -7727,56 +7747,56 @@
                 <a:tableStyleId>{5940675A-B579-460E-94D1-54222C63F5DA}</a:tableStyleId>
               </a:tblPr>
               <a:tblGrid>
-                <a:gridCol w="1807136">
+                <a:gridCol w="1202492">
                   <a:extLst>
                     <a:ext uri="{9D8B030D-6E8A-4147-A177-3AD203B41FA5}">
                       <a16:colId xmlns:a16="http://schemas.microsoft.com/office/drawing/2014/main" val="496110474"/>
                     </a:ext>
                   </a:extLst>
                 </a:gridCol>
-                <a:gridCol w="3103528">
+                <a:gridCol w="2065128">
                   <a:extLst>
                     <a:ext uri="{9D8B030D-6E8A-4147-A177-3AD203B41FA5}">
                       <a16:colId xmlns:a16="http://schemas.microsoft.com/office/drawing/2014/main" val="2669966707"/>
                     </a:ext>
                   </a:extLst>
                 </a:gridCol>
-                <a:gridCol w="4743450">
+                <a:gridCol w="3156353">
                   <a:extLst>
                     <a:ext uri="{9D8B030D-6E8A-4147-A177-3AD203B41FA5}">
                       <a16:colId xmlns:a16="http://schemas.microsoft.com/office/drawing/2014/main" val="4228305798"/>
                     </a:ext>
                   </a:extLst>
                 </a:gridCol>
-                <a:gridCol w="685800">
+                <a:gridCol w="456340">
                   <a:extLst>
                     <a:ext uri="{9D8B030D-6E8A-4147-A177-3AD203B41FA5}">
                       <a16:colId xmlns:a16="http://schemas.microsoft.com/office/drawing/2014/main" val="1353026916"/>
                     </a:ext>
                   </a:extLst>
                 </a:gridCol>
-                <a:gridCol w="742950">
+                <a:gridCol w="494369">
                   <a:extLst>
                     <a:ext uri="{9D8B030D-6E8A-4147-A177-3AD203B41FA5}">
                       <a16:colId xmlns:a16="http://schemas.microsoft.com/office/drawing/2014/main" val="1346501249"/>
                     </a:ext>
                   </a:extLst>
                 </a:gridCol>
-                <a:gridCol w="571500">
+                <a:gridCol w="380283">
                   <a:extLst>
                     <a:ext uri="{9D8B030D-6E8A-4147-A177-3AD203B41FA5}">
                       <a16:colId xmlns:a16="http://schemas.microsoft.com/office/drawing/2014/main" val="2255325064"/>
                     </a:ext>
                   </a:extLst>
                 </a:gridCol>
-                <a:gridCol w="2370943">
+                <a:gridCol w="1577656">
                   <a:extLst>
                     <a:ext uri="{9D8B030D-6E8A-4147-A177-3AD203B41FA5}">
                       <a16:colId xmlns:a16="http://schemas.microsoft.com/office/drawing/2014/main" val="1326187076"/>
                     </a:ext>
                   </a:extLst>
                 </a:gridCol>
-                <a:gridCol w="483632">
+                <a:gridCol w="321815">
                   <a:extLst>
                     <a:ext uri="{9D8B030D-6E8A-4147-A177-3AD203B41FA5}">
                       <a16:colId xmlns:a16="http://schemas.microsoft.com/office/drawing/2014/main" val="1220636674"/>
@@ -7784,7 +7804,7 @@
                   </a:extLst>
                 </a:gridCol>
               </a:tblGrid>
-              <a:tr h="285640">
+              <a:tr h="385187">
                 <a:tc gridSpan="8">
                   <a:txBody>
                     <a:bodyPr/>
@@ -7931,7 +7951,7 @@
                   </a:ext>
                 </a:extLst>
               </a:tr>
-              <a:tr h="486490">
+              <a:tr h="628462">
                 <a:tc>
                   <a:txBody>
                     <a:bodyPr/>
@@ -8481,7 +8501,7 @@
                   </a:ext>
                 </a:extLst>
               </a:tr>
-              <a:tr h="486490">
+              <a:tr h="628462">
                 <a:tc>
                   <a:txBody>
                     <a:bodyPr/>
@@ -9132,7 +9152,7 @@
                   </a:ext>
                 </a:extLst>
               </a:tr>
-              <a:tr h="486490">
+              <a:tr h="344641">
                 <a:tc rowSpan="2">
                   <a:txBody>
                     <a:bodyPr/>
@@ -9786,7 +9806,7 @@
                   </a:ext>
                 </a:extLst>
               </a:tr>
-              <a:tr h="486490">
+              <a:tr h="344641">
                 <a:tc vMerge="1">
                   <a:txBody>
                     <a:bodyPr/>
@@ -10307,7 +10327,7 @@
                   </a:ext>
                 </a:extLst>
               </a:tr>
-              <a:tr h="486490">
+              <a:tr h="344641">
                 <a:tc>
                   <a:txBody>
                     <a:bodyPr/>
@@ -10958,7 +10978,7 @@
                   </a:ext>
                 </a:extLst>
               </a:tr>
-              <a:tr h="486490">
+              <a:tr h="628462">
                 <a:tc>
                   <a:txBody>
                     <a:bodyPr/>
@@ -11632,7 +11652,7 @@
         </p:nvSpPr>
         <p:spPr>
           <a:xfrm>
-            <a:off x="1080902" y="22047143"/>
+            <a:off x="-7087791" y="20599885"/>
             <a:ext cx="5883824" cy="2249354"/>
           </a:xfrm>
           <a:prstGeom prst="rect">
@@ -11692,6 +11712,573 @@
               <a:latin typeface="한컴산뜻돋움" panose="02000000000000000000" pitchFamily="2" charset="-127"/>
               <a:ea typeface="한컴산뜻돋움" panose="02000000000000000000" pitchFamily="2" charset="-127"/>
               <a:cs typeface="Arial Unicode MS" panose="020B0604020202020204" pitchFamily="50" charset="-127"/>
+            </a:endParaRPr>
+          </a:p>
+        </p:txBody>
+      </p:sp>
+      <p:pic>
+        <p:nvPicPr>
+          <p:cNvPr id="36" name="그림 35">
+            <a:extLst>
+              <a:ext uri="{FF2B5EF4-FFF2-40B4-BE49-F238E27FC236}">
+                <a16:creationId xmlns:a16="http://schemas.microsoft.com/office/drawing/2014/main" id="{1B27FD50-BF6E-4243-AEBA-A0F79FB660CE}"/>
+              </a:ext>
+            </a:extLst>
+          </p:cNvPr>
+          <p:cNvPicPr>
+            <a:picLocks noChangeAspect="1"/>
+          </p:cNvPicPr>
+          <p:nvPr/>
+        </p:nvPicPr>
+        <p:blipFill rotWithShape="1">
+          <a:blip r:embed="rId8"/>
+          <a:srcRect l="18278" t="-5231" r="20919" b="34524"/>
+          <a:stretch/>
+        </p:blipFill>
+        <p:spPr>
+          <a:xfrm>
+            <a:off x="20078405" y="1141512"/>
+            <a:ext cx="1229180" cy="987418"/>
+          </a:xfrm>
+          <a:prstGeom prst="rect">
+            <a:avLst/>
+          </a:prstGeom>
+        </p:spPr>
+      </p:pic>
+      <p:sp>
+        <p:nvSpPr>
+          <p:cNvPr id="42" name="직사각형 41">
+            <a:extLst>
+              <a:ext uri="{FF2B5EF4-FFF2-40B4-BE49-F238E27FC236}">
+                <a16:creationId xmlns:a16="http://schemas.microsoft.com/office/drawing/2014/main" id="{E161CCEA-F05E-4F7A-B8D4-F6DD8A46A36D}"/>
+              </a:ext>
+            </a:extLst>
+          </p:cNvPr>
+          <p:cNvSpPr/>
+          <p:nvPr/>
+        </p:nvSpPr>
+        <p:spPr>
+          <a:xfrm>
+            <a:off x="16766326" y="18739050"/>
+            <a:ext cx="14540615" cy="1860835"/>
+          </a:xfrm>
+          <a:prstGeom prst="rect">
+            <a:avLst/>
+          </a:prstGeom>
+          <a:solidFill>
+            <a:schemeClr val="bg1"/>
+          </a:solidFill>
+          <a:ln>
+            <a:solidFill>
+              <a:schemeClr val="bg1"/>
+            </a:solidFill>
+          </a:ln>
+        </p:spPr>
+        <p:style>
+          <a:lnRef idx="2">
+            <a:schemeClr val="accent1">
+              <a:shade val="50000"/>
+            </a:schemeClr>
+          </a:lnRef>
+          <a:fillRef idx="1">
+            <a:schemeClr val="accent1"/>
+          </a:fillRef>
+          <a:effectRef idx="0">
+            <a:schemeClr val="accent1"/>
+          </a:effectRef>
+          <a:fontRef idx="minor">
+            <a:schemeClr val="lt1"/>
+          </a:fontRef>
+        </p:style>
+        <p:txBody>
+          <a:bodyPr rtlCol="0" anchor="ctr"/>
+          <a:lstStyle/>
+          <a:p>
+            <a:pPr algn="ctr"/>
+            <a:endParaRPr lang="ko-KR" altLang="en-US"/>
+          </a:p>
+        </p:txBody>
+      </p:sp>
+      <p:pic>
+        <p:nvPicPr>
+          <p:cNvPr id="43" name="그림 42">
+            <a:extLst>
+              <a:ext uri="{FF2B5EF4-FFF2-40B4-BE49-F238E27FC236}">
+                <a16:creationId xmlns:a16="http://schemas.microsoft.com/office/drawing/2014/main" id="{747B7393-DD5E-463C-8690-5F806136893C}"/>
+              </a:ext>
+            </a:extLst>
+          </p:cNvPr>
+          <p:cNvPicPr>
+            <a:picLocks noChangeAspect="1"/>
+          </p:cNvPicPr>
+          <p:nvPr/>
+        </p:nvPicPr>
+        <p:blipFill>
+          <a:blip r:embed="rId9"/>
+          <a:stretch>
+            <a:fillRect/>
+          </a:stretch>
+        </p:blipFill>
+        <p:spPr>
+          <a:xfrm>
+            <a:off x="16827206" y="18963103"/>
+            <a:ext cx="1790833" cy="1363475"/>
+          </a:xfrm>
+          <a:prstGeom prst="rect">
+            <a:avLst/>
+          </a:prstGeom>
+        </p:spPr>
+      </p:pic>
+      <p:pic>
+        <p:nvPicPr>
+          <p:cNvPr id="44" name="그림 43">
+            <a:extLst>
+              <a:ext uri="{FF2B5EF4-FFF2-40B4-BE49-F238E27FC236}">
+                <a16:creationId xmlns:a16="http://schemas.microsoft.com/office/drawing/2014/main" id="{F2C3074E-C929-4D4B-AF45-2480B906B330}"/>
+              </a:ext>
+            </a:extLst>
+          </p:cNvPr>
+          <p:cNvPicPr>
+            <a:picLocks noChangeAspect="1"/>
+          </p:cNvPicPr>
+          <p:nvPr/>
+        </p:nvPicPr>
+        <p:blipFill rotWithShape="1">
+          <a:blip r:embed="rId10"/>
+          <a:srcRect l="3836"/>
+          <a:stretch/>
+        </p:blipFill>
+        <p:spPr>
+          <a:xfrm>
+            <a:off x="18793374" y="19006747"/>
+            <a:ext cx="1382949" cy="1415471"/>
+          </a:xfrm>
+          <a:prstGeom prst="rect">
+            <a:avLst/>
+          </a:prstGeom>
+        </p:spPr>
+      </p:pic>
+      <p:pic>
+        <p:nvPicPr>
+          <p:cNvPr id="45" name="그림 44">
+            <a:extLst>
+              <a:ext uri="{FF2B5EF4-FFF2-40B4-BE49-F238E27FC236}">
+                <a16:creationId xmlns:a16="http://schemas.microsoft.com/office/drawing/2014/main" id="{CCE29AD7-37C0-4852-8DC3-C3A9DE0EE7FD}"/>
+              </a:ext>
+            </a:extLst>
+          </p:cNvPr>
+          <p:cNvPicPr>
+            <a:picLocks noChangeAspect="1"/>
+          </p:cNvPicPr>
+          <p:nvPr/>
+        </p:nvPicPr>
+        <p:blipFill>
+          <a:blip r:embed="rId11"/>
+          <a:stretch>
+            <a:fillRect/>
+          </a:stretch>
+        </p:blipFill>
+        <p:spPr>
+          <a:xfrm>
+            <a:off x="20595211" y="19026906"/>
+            <a:ext cx="1138493" cy="1359561"/>
+          </a:xfrm>
+          <a:prstGeom prst="rect">
+            <a:avLst/>
+          </a:prstGeom>
+        </p:spPr>
+      </p:pic>
+      <p:pic>
+        <p:nvPicPr>
+          <p:cNvPr id="47" name="그림 46">
+            <a:extLst>
+              <a:ext uri="{FF2B5EF4-FFF2-40B4-BE49-F238E27FC236}">
+                <a16:creationId xmlns:a16="http://schemas.microsoft.com/office/drawing/2014/main" id="{70ED68FC-B33F-4257-95A3-838DBE90EA4F}"/>
+              </a:ext>
+            </a:extLst>
+          </p:cNvPr>
+          <p:cNvPicPr>
+            <a:picLocks noChangeAspect="1"/>
+          </p:cNvPicPr>
+          <p:nvPr/>
+        </p:nvPicPr>
+        <p:blipFill>
+          <a:blip r:embed="rId12"/>
+          <a:stretch>
+            <a:fillRect/>
+          </a:stretch>
+        </p:blipFill>
+        <p:spPr>
+          <a:xfrm>
+            <a:off x="22081294" y="18963103"/>
+            <a:ext cx="1123538" cy="1477243"/>
+          </a:xfrm>
+          <a:prstGeom prst="rect">
+            <a:avLst/>
+          </a:prstGeom>
+        </p:spPr>
+      </p:pic>
+      <p:pic>
+        <p:nvPicPr>
+          <p:cNvPr id="48" name="그림 47">
+            <a:extLst>
+              <a:ext uri="{FF2B5EF4-FFF2-40B4-BE49-F238E27FC236}">
+                <a16:creationId xmlns:a16="http://schemas.microsoft.com/office/drawing/2014/main" id="{7284B57B-6C07-4A84-9A8D-38CECC4C62A3}"/>
+              </a:ext>
+            </a:extLst>
+          </p:cNvPr>
+          <p:cNvPicPr>
+            <a:picLocks noChangeAspect="1"/>
+          </p:cNvPicPr>
+          <p:nvPr/>
+        </p:nvPicPr>
+        <p:blipFill>
+          <a:blip r:embed="rId13"/>
+          <a:stretch>
+            <a:fillRect/>
+          </a:stretch>
+        </p:blipFill>
+        <p:spPr>
+          <a:xfrm>
+            <a:off x="28944071" y="18772094"/>
+            <a:ext cx="2186257" cy="1750458"/>
+          </a:xfrm>
+          <a:prstGeom prst="rect">
+            <a:avLst/>
+          </a:prstGeom>
+        </p:spPr>
+      </p:pic>
+      <p:pic>
+        <p:nvPicPr>
+          <p:cNvPr id="50" name="그림 49">
+            <a:extLst>
+              <a:ext uri="{FF2B5EF4-FFF2-40B4-BE49-F238E27FC236}">
+                <a16:creationId xmlns:a16="http://schemas.microsoft.com/office/drawing/2014/main" id="{CE54E00E-AF18-4733-BA84-B75817BCA80F}"/>
+              </a:ext>
+            </a:extLst>
+          </p:cNvPr>
+          <p:cNvPicPr>
+            <a:picLocks noChangeAspect="1"/>
+          </p:cNvPicPr>
+          <p:nvPr/>
+        </p:nvPicPr>
+        <p:blipFill>
+          <a:blip r:embed="rId14"/>
+          <a:stretch>
+            <a:fillRect/>
+          </a:stretch>
+        </p:blipFill>
+        <p:spPr>
+          <a:xfrm>
+            <a:off x="25048947" y="19146090"/>
+            <a:ext cx="1768046" cy="1294256"/>
+          </a:xfrm>
+          <a:prstGeom prst="rect">
+            <a:avLst/>
+          </a:prstGeom>
+        </p:spPr>
+      </p:pic>
+      <p:pic>
+        <p:nvPicPr>
+          <p:cNvPr id="62" name="그림 61">
+            <a:extLst>
+              <a:ext uri="{FF2B5EF4-FFF2-40B4-BE49-F238E27FC236}">
+                <a16:creationId xmlns:a16="http://schemas.microsoft.com/office/drawing/2014/main" id="{E4FD98B9-43CC-4E86-A0B7-7061C3756F6F}"/>
+              </a:ext>
+            </a:extLst>
+          </p:cNvPr>
+          <p:cNvPicPr>
+            <a:picLocks noChangeAspect="1"/>
+          </p:cNvPicPr>
+          <p:nvPr/>
+        </p:nvPicPr>
+        <p:blipFill>
+          <a:blip r:embed="rId15"/>
+          <a:stretch>
+            <a:fillRect/>
+          </a:stretch>
+        </p:blipFill>
+        <p:spPr>
+          <a:xfrm>
+            <a:off x="26913948" y="19088533"/>
+            <a:ext cx="1776111" cy="1276880"/>
+          </a:xfrm>
+          <a:prstGeom prst="rect">
+            <a:avLst/>
+          </a:prstGeom>
+        </p:spPr>
+      </p:pic>
+      <p:sp>
+        <p:nvSpPr>
+          <p:cNvPr id="68" name="직사각형 67">
+            <a:extLst>
+              <a:ext uri="{FF2B5EF4-FFF2-40B4-BE49-F238E27FC236}">
+                <a16:creationId xmlns:a16="http://schemas.microsoft.com/office/drawing/2014/main" id="{299783BE-D9EC-4AC8-8300-8FF5B18E6CC9}"/>
+              </a:ext>
+            </a:extLst>
+          </p:cNvPr>
+          <p:cNvSpPr/>
+          <p:nvPr/>
+        </p:nvSpPr>
+        <p:spPr>
+          <a:xfrm>
+            <a:off x="30423080" y="25224156"/>
+            <a:ext cx="1238397" cy="4191601"/>
+          </a:xfrm>
+          <a:prstGeom prst="rect">
+            <a:avLst/>
+          </a:prstGeom>
+          <a:solidFill>
+            <a:schemeClr val="bg1"/>
+          </a:solidFill>
+          <a:ln>
+            <a:solidFill>
+              <a:schemeClr val="bg1"/>
+            </a:solidFill>
+          </a:ln>
+        </p:spPr>
+        <p:style>
+          <a:lnRef idx="2">
+            <a:schemeClr val="accent1">
+              <a:shade val="50000"/>
+            </a:schemeClr>
+          </a:lnRef>
+          <a:fillRef idx="1">
+            <a:schemeClr val="accent1"/>
+          </a:fillRef>
+          <a:effectRef idx="0">
+            <a:schemeClr val="accent1"/>
+          </a:effectRef>
+          <a:fontRef idx="minor">
+            <a:schemeClr val="lt1"/>
+          </a:fontRef>
+        </p:style>
+        <p:txBody>
+          <a:bodyPr rtlCol="0" anchor="ctr"/>
+          <a:lstStyle/>
+          <a:p>
+            <a:pPr algn="ctr"/>
+            <a:endParaRPr lang="ko-KR" altLang="en-US"/>
+          </a:p>
+        </p:txBody>
+      </p:sp>
+      <p:pic>
+        <p:nvPicPr>
+          <p:cNvPr id="1026" name="Picture 2" descr="Ds3231 At24c32 Iic Rtc 모듈 시계 타이머 메모리 모듈 Beats 교체 Ds1307 I2c Rtc 보드 Arduino  - Buy Ds3231 At24c32,Ds3231 At24c32 Rtc 모듈,Ds3231 At24c32 Iic Rtc 시계 타이머  메모리 모듈 Product on">
+            <a:extLst>
+              <a:ext uri="{FF2B5EF4-FFF2-40B4-BE49-F238E27FC236}">
+                <a16:creationId xmlns:a16="http://schemas.microsoft.com/office/drawing/2014/main" id="{87F287E1-4F72-47C4-AB82-D1F952112E73}"/>
+              </a:ext>
+            </a:extLst>
+          </p:cNvPr>
+          <p:cNvPicPr>
+            <a:picLocks noChangeAspect="1" noChangeArrowheads="1"/>
+          </p:cNvPicPr>
+          <p:nvPr/>
+        </p:nvPicPr>
+        <p:blipFill>
+          <a:blip r:embed="rId16">
+            <a:extLst>
+              <a:ext uri="{28A0092B-C50C-407E-A947-70E740481C1C}">
+                <a14:useLocalDpi xmlns:a14="http://schemas.microsoft.com/office/drawing/2010/main" val="0"/>
+              </a:ext>
+            </a:extLst>
+          </a:blip>
+          <a:srcRect/>
+          <a:stretch>
+            <a:fillRect/>
+          </a:stretch>
+        </p:blipFill>
+        <p:spPr bwMode="auto">
+          <a:xfrm>
+            <a:off x="23413014" y="18842013"/>
+            <a:ext cx="1456470" cy="1456470"/>
+          </a:xfrm>
+          <a:prstGeom prst="rect">
+            <a:avLst/>
+          </a:prstGeom>
+          <a:noFill/>
+          <a:extLst>
+            <a:ext uri="{909E8E84-426E-40DD-AFC4-6F175D3DCCD1}">
+              <a14:hiddenFill xmlns:a14="http://schemas.microsoft.com/office/drawing/2010/main">
+                <a:solidFill>
+                  <a:srgbClr val="FFFFFF"/>
+                </a:solidFill>
+              </a14:hiddenFill>
+            </a:ext>
+          </a:extLst>
+        </p:spPr>
+      </p:pic>
+      <p:pic>
+        <p:nvPicPr>
+          <p:cNvPr id="63" name="그림 62">
+            <a:extLst>
+              <a:ext uri="{FF2B5EF4-FFF2-40B4-BE49-F238E27FC236}">
+                <a16:creationId xmlns:a16="http://schemas.microsoft.com/office/drawing/2014/main" id="{D993FD25-1956-42F5-BC24-92E92BE8A3ED}"/>
+              </a:ext>
+            </a:extLst>
+          </p:cNvPr>
+          <p:cNvPicPr>
+            <a:picLocks noChangeAspect="1"/>
+          </p:cNvPicPr>
+          <p:nvPr/>
+        </p:nvPicPr>
+        <p:blipFill>
+          <a:blip r:embed="rId17"/>
+          <a:stretch>
+            <a:fillRect/>
+          </a:stretch>
+        </p:blipFill>
+        <p:spPr>
+          <a:xfrm>
+            <a:off x="30636728" y="26056672"/>
+            <a:ext cx="887705" cy="3322166"/>
+          </a:xfrm>
+          <a:prstGeom prst="rect">
+            <a:avLst/>
+          </a:prstGeom>
+        </p:spPr>
+      </p:pic>
+      <p:sp>
+        <p:nvSpPr>
+          <p:cNvPr id="72" name="TextBox 71">
+            <a:extLst>
+              <a:ext uri="{FF2B5EF4-FFF2-40B4-BE49-F238E27FC236}">
+                <a16:creationId xmlns:a16="http://schemas.microsoft.com/office/drawing/2014/main" id="{8C18D334-2342-4F34-BBA9-C5CC243144A2}"/>
+              </a:ext>
+            </a:extLst>
+          </p:cNvPr>
+          <p:cNvSpPr txBox="1"/>
+          <p:nvPr/>
+        </p:nvSpPr>
+        <p:spPr>
+          <a:xfrm>
+            <a:off x="23681284" y="20135585"/>
+            <a:ext cx="977663" cy="370101"/>
+          </a:xfrm>
+          <a:prstGeom prst="rect">
+            <a:avLst/>
+          </a:prstGeom>
+          <a:noFill/>
+        </p:spPr>
+        <p:txBody>
+          <a:bodyPr wrap="square">
+            <a:spAutoFit/>
+          </a:bodyPr>
+          <a:lstStyle/>
+          <a:p>
+            <a:pPr>
+              <a:lnSpc>
+                <a:spcPct val="120000"/>
+              </a:lnSpc>
+              <a:defRPr/>
+            </a:pPr>
+            <a:r>
+              <a:rPr lang="ko-KR" altLang="en-US" sz="1600" b="1" dirty="0">
+                <a:solidFill>
+                  <a:schemeClr val="tx1">
+                    <a:lumMod val="50000"/>
+                    <a:lumOff val="50000"/>
+                  </a:schemeClr>
+                </a:solidFill>
+                <a:ea typeface="한컴산뜻돋움" panose="02000000000000000000" pitchFamily="2" charset="-127"/>
+              </a:rPr>
+              <a:t>시계</a:t>
+            </a:r>
+            <a:r>
+              <a:rPr lang="en-US" altLang="ko-KR" sz="1600" b="1" dirty="0">
+                <a:solidFill>
+                  <a:schemeClr val="tx1">
+                    <a:lumMod val="50000"/>
+                    <a:lumOff val="50000"/>
+                  </a:schemeClr>
+                </a:solidFill>
+                <a:ea typeface="한컴산뜻돋움" panose="02000000000000000000" pitchFamily="2" charset="-127"/>
+              </a:rPr>
+              <a:t>(RTC)</a:t>
+            </a:r>
+            <a:endParaRPr lang="en-US" altLang="ko-KR" sz="1600" b="1" dirty="0">
+              <a:solidFill>
+                <a:schemeClr val="tx1">
+                  <a:lumMod val="50000"/>
+                  <a:lumOff val="50000"/>
+                </a:schemeClr>
+              </a:solidFill>
+              <a:ea typeface="한컴산뜻돋움" panose="02000000000000000000" pitchFamily="2" charset="-127"/>
+              <a:cs typeface="Arial Unicode MS" panose="020B0600000101010101" charset="-127"/>
+            </a:endParaRPr>
+          </a:p>
+        </p:txBody>
+      </p:sp>
+      <p:sp>
+        <p:nvSpPr>
+          <p:cNvPr id="73" name="TextBox 72">
+            <a:extLst>
+              <a:ext uri="{FF2B5EF4-FFF2-40B4-BE49-F238E27FC236}">
+                <a16:creationId xmlns:a16="http://schemas.microsoft.com/office/drawing/2014/main" id="{34BC61FD-62CB-465E-80EB-BAF37C6D66AC}"/>
+              </a:ext>
+            </a:extLst>
+          </p:cNvPr>
+          <p:cNvSpPr txBox="1"/>
+          <p:nvPr/>
+        </p:nvSpPr>
+        <p:spPr>
+          <a:xfrm flipH="1">
+            <a:off x="30660660" y="25307310"/>
+            <a:ext cx="839839" cy="666208"/>
+          </a:xfrm>
+          <a:prstGeom prst="rect">
+            <a:avLst/>
+          </a:prstGeom>
+          <a:noFill/>
+        </p:spPr>
+        <p:txBody>
+          <a:bodyPr wrap="square">
+            <a:spAutoFit/>
+          </a:bodyPr>
+          <a:lstStyle/>
+          <a:p>
+            <a:pPr>
+              <a:lnSpc>
+                <a:spcPct val="120000"/>
+              </a:lnSpc>
+              <a:defRPr/>
+            </a:pPr>
+            <a:r>
+              <a:rPr lang="en-US" altLang="ko-KR" sz="1600" b="1" dirty="0">
+                <a:solidFill>
+                  <a:schemeClr val="tx1">
+                    <a:lumMod val="50000"/>
+                    <a:lumOff val="50000"/>
+                  </a:schemeClr>
+                </a:solidFill>
+                <a:ea typeface="한컴산뜻돋움" panose="02000000000000000000" pitchFamily="2" charset="-127"/>
+                <a:cs typeface="Arial Unicode MS" panose="020B0600000101010101" charset="-127"/>
+              </a:rPr>
+              <a:t>Wi-Fi </a:t>
+            </a:r>
+            <a:r>
+              <a:rPr lang="ko-KR" altLang="en-US" sz="1600" b="1" dirty="0">
+                <a:solidFill>
+                  <a:schemeClr val="tx1">
+                    <a:lumMod val="50000"/>
+                    <a:lumOff val="50000"/>
+                  </a:schemeClr>
+                </a:solidFill>
+                <a:ea typeface="한컴산뜻돋움" panose="02000000000000000000" pitchFamily="2" charset="-127"/>
+                <a:cs typeface="Arial Unicode MS" panose="020B0600000101010101" charset="-127"/>
+              </a:rPr>
+              <a:t>카메라</a:t>
+            </a:r>
+            <a:endParaRPr lang="en-US" altLang="ko-KR" sz="1600" b="1" dirty="0">
+              <a:solidFill>
+                <a:schemeClr val="tx1">
+                  <a:lumMod val="50000"/>
+                  <a:lumOff val="50000"/>
+                </a:schemeClr>
+              </a:solidFill>
+              <a:ea typeface="한컴산뜻돋움" panose="02000000000000000000" pitchFamily="2" charset="-127"/>
+              <a:cs typeface="Arial Unicode MS" panose="020B0600000101010101" charset="-127"/>
             </a:endParaRPr>
           </a:p>
         </p:txBody>

--- a/2022추계생물환경조절학회포스터(김솔아).pptx
+++ b/2022추계생물환경조절학회포스터(김솔아).pptx
@@ -164,7 +164,7 @@
             </a:lvl1pPr>
           </a:lstStyle>
           <a:p>
-            <a:endParaRPr lang="ko-KR" altLang="en-US"/>
+            <a:endParaRPr lang="ko-KR" altLang="en-US" dirty="0"/>
           </a:p>
         </p:txBody>
       </p:sp>
@@ -197,9 +197,9 @@
           <a:p>
             <a:fld id="{B3F03B38-B074-4348-AC32-8BD5307827B7}" type="datetimeFigureOut">
               <a:rPr lang="ko-KR" altLang="en-US" smtClean="0"/>
-              <a:t>2022-10-13</a:t>
+              <a:t>2022-10-14</a:t>
             </a:fld>
-            <a:endParaRPr lang="ko-KR" altLang="en-US"/>
+            <a:endParaRPr lang="ko-KR" altLang="en-US" dirty="0"/>
           </a:p>
         </p:txBody>
       </p:sp>
@@ -232,7 +232,7 @@
           <a:bodyPr vert="horz" lIns="91440" tIns="45720" rIns="91440" bIns="45720" rtlCol="0" anchor="ctr"/>
           <a:lstStyle/>
           <a:p>
-            <a:endParaRPr lang="ko-KR" altLang="en-US"/>
+            <a:endParaRPr lang="ko-KR" altLang="en-US" dirty="0"/>
           </a:p>
         </p:txBody>
       </p:sp>
@@ -322,7 +322,7 @@
             </a:lvl1pPr>
           </a:lstStyle>
           <a:p>
-            <a:endParaRPr lang="ko-KR" altLang="en-US"/>
+            <a:endParaRPr lang="ko-KR" altLang="en-US" dirty="0"/>
           </a:p>
         </p:txBody>
       </p:sp>
@@ -357,7 +357,7 @@
               <a:rPr lang="ko-KR" altLang="en-US" smtClean="0"/>
               <a:t>‹#›</a:t>
             </a:fld>
-            <a:endParaRPr lang="ko-KR" altLang="en-US"/>
+            <a:endParaRPr lang="ko-KR" altLang="en-US" dirty="0"/>
           </a:p>
         </p:txBody>
       </p:sp>
@@ -539,7 +539,7 @@
               <a:pPr/>
               <a:t>1</a:t>
             </a:fld>
-            <a:endParaRPr lang="ko-KR" altLang="en-US"/>
+            <a:endParaRPr lang="ko-KR" altLang="en-US" dirty="0"/>
           </a:p>
         </p:txBody>
       </p:sp>
@@ -687,9 +687,9 @@
           <a:p>
             <a:fld id="{9DD42EB0-9B6E-4302-A06C-B97ABEF9E878}" type="datetimeFigureOut">
               <a:rPr lang="ko-KR" altLang="en-US" smtClean="0"/>
-              <a:t>2022-10-13</a:t>
+              <a:t>2022-10-14</a:t>
             </a:fld>
-            <a:endParaRPr lang="ko-KR" altLang="en-US"/>
+            <a:endParaRPr lang="ko-KR" altLang="en-US" dirty="0"/>
           </a:p>
         </p:txBody>
       </p:sp>
@@ -708,7 +708,7 @@
           <a:bodyPr/>
           <a:lstStyle/>
           <a:p>
-            <a:endParaRPr lang="ko-KR" altLang="en-US"/>
+            <a:endParaRPr lang="ko-KR" altLang="en-US" dirty="0"/>
           </a:p>
         </p:txBody>
       </p:sp>
@@ -731,7 +731,7 @@
               <a:rPr lang="ko-KR" altLang="en-US" smtClean="0"/>
               <a:t>‹#›</a:t>
             </a:fld>
-            <a:endParaRPr lang="ko-KR" altLang="en-US"/>
+            <a:endParaRPr lang="ko-KR" altLang="en-US" dirty="0"/>
           </a:p>
         </p:txBody>
       </p:sp>
@@ -857,9 +857,9 @@
           <a:p>
             <a:fld id="{9DD42EB0-9B6E-4302-A06C-B97ABEF9E878}" type="datetimeFigureOut">
               <a:rPr lang="ko-KR" altLang="en-US" smtClean="0"/>
-              <a:t>2022-10-13</a:t>
+              <a:t>2022-10-14</a:t>
             </a:fld>
-            <a:endParaRPr lang="ko-KR" altLang="en-US"/>
+            <a:endParaRPr lang="ko-KR" altLang="en-US" dirty="0"/>
           </a:p>
         </p:txBody>
       </p:sp>
@@ -878,7 +878,7 @@
           <a:bodyPr/>
           <a:lstStyle/>
           <a:p>
-            <a:endParaRPr lang="ko-KR" altLang="en-US"/>
+            <a:endParaRPr lang="ko-KR" altLang="en-US" dirty="0"/>
           </a:p>
         </p:txBody>
       </p:sp>
@@ -901,7 +901,7 @@
               <a:rPr lang="ko-KR" altLang="en-US" smtClean="0"/>
               <a:t>‹#›</a:t>
             </a:fld>
-            <a:endParaRPr lang="ko-KR" altLang="en-US"/>
+            <a:endParaRPr lang="ko-KR" altLang="en-US" dirty="0"/>
           </a:p>
         </p:txBody>
       </p:sp>
@@ -1037,9 +1037,9 @@
           <a:p>
             <a:fld id="{9DD42EB0-9B6E-4302-A06C-B97ABEF9E878}" type="datetimeFigureOut">
               <a:rPr lang="ko-KR" altLang="en-US" smtClean="0"/>
-              <a:t>2022-10-13</a:t>
+              <a:t>2022-10-14</a:t>
             </a:fld>
-            <a:endParaRPr lang="ko-KR" altLang="en-US"/>
+            <a:endParaRPr lang="ko-KR" altLang="en-US" dirty="0"/>
           </a:p>
         </p:txBody>
       </p:sp>
@@ -1058,7 +1058,7 @@
           <a:bodyPr/>
           <a:lstStyle/>
           <a:p>
-            <a:endParaRPr lang="ko-KR" altLang="en-US"/>
+            <a:endParaRPr lang="ko-KR" altLang="en-US" dirty="0"/>
           </a:p>
         </p:txBody>
       </p:sp>
@@ -1081,7 +1081,7 @@
               <a:rPr lang="ko-KR" altLang="en-US" smtClean="0"/>
               <a:t>‹#›</a:t>
             </a:fld>
-            <a:endParaRPr lang="ko-KR" altLang="en-US"/>
+            <a:endParaRPr lang="ko-KR" altLang="en-US" dirty="0"/>
           </a:p>
         </p:txBody>
       </p:sp>
@@ -1207,9 +1207,9 @@
           <a:p>
             <a:fld id="{9DD42EB0-9B6E-4302-A06C-B97ABEF9E878}" type="datetimeFigureOut">
               <a:rPr lang="ko-KR" altLang="en-US" smtClean="0"/>
-              <a:t>2022-10-13</a:t>
+              <a:t>2022-10-14</a:t>
             </a:fld>
-            <a:endParaRPr lang="ko-KR" altLang="en-US"/>
+            <a:endParaRPr lang="ko-KR" altLang="en-US" dirty="0"/>
           </a:p>
         </p:txBody>
       </p:sp>
@@ -1228,7 +1228,7 @@
           <a:bodyPr/>
           <a:lstStyle/>
           <a:p>
-            <a:endParaRPr lang="ko-KR" altLang="en-US"/>
+            <a:endParaRPr lang="ko-KR" altLang="en-US" dirty="0"/>
           </a:p>
         </p:txBody>
       </p:sp>
@@ -1251,7 +1251,7 @@
               <a:rPr lang="ko-KR" altLang="en-US" smtClean="0"/>
               <a:t>‹#›</a:t>
             </a:fld>
-            <a:endParaRPr lang="ko-KR" altLang="en-US"/>
+            <a:endParaRPr lang="ko-KR" altLang="en-US" dirty="0"/>
           </a:p>
         </p:txBody>
       </p:sp>
@@ -1451,9 +1451,9 @@
           <a:p>
             <a:fld id="{9DD42EB0-9B6E-4302-A06C-B97ABEF9E878}" type="datetimeFigureOut">
               <a:rPr lang="ko-KR" altLang="en-US" smtClean="0"/>
-              <a:t>2022-10-13</a:t>
+              <a:t>2022-10-14</a:t>
             </a:fld>
-            <a:endParaRPr lang="ko-KR" altLang="en-US"/>
+            <a:endParaRPr lang="ko-KR" altLang="en-US" dirty="0"/>
           </a:p>
         </p:txBody>
       </p:sp>
@@ -1472,7 +1472,7 @@
           <a:bodyPr/>
           <a:lstStyle/>
           <a:p>
-            <a:endParaRPr lang="ko-KR" altLang="en-US"/>
+            <a:endParaRPr lang="ko-KR" altLang="en-US" dirty="0"/>
           </a:p>
         </p:txBody>
       </p:sp>
@@ -1495,7 +1495,7 @@
               <a:rPr lang="ko-KR" altLang="en-US" smtClean="0"/>
               <a:t>‹#›</a:t>
             </a:fld>
-            <a:endParaRPr lang="ko-KR" altLang="en-US"/>
+            <a:endParaRPr lang="ko-KR" altLang="en-US" dirty="0"/>
           </a:p>
         </p:txBody>
       </p:sp>
@@ -1683,9 +1683,9 @@
           <a:p>
             <a:fld id="{9DD42EB0-9B6E-4302-A06C-B97ABEF9E878}" type="datetimeFigureOut">
               <a:rPr lang="ko-KR" altLang="en-US" smtClean="0"/>
-              <a:t>2022-10-13</a:t>
+              <a:t>2022-10-14</a:t>
             </a:fld>
-            <a:endParaRPr lang="ko-KR" altLang="en-US"/>
+            <a:endParaRPr lang="ko-KR" altLang="en-US" dirty="0"/>
           </a:p>
         </p:txBody>
       </p:sp>
@@ -1704,7 +1704,7 @@
           <a:bodyPr/>
           <a:lstStyle/>
           <a:p>
-            <a:endParaRPr lang="ko-KR" altLang="en-US"/>
+            <a:endParaRPr lang="ko-KR" altLang="en-US" dirty="0"/>
           </a:p>
         </p:txBody>
       </p:sp>
@@ -1727,7 +1727,7 @@
               <a:rPr lang="ko-KR" altLang="en-US" smtClean="0"/>
               <a:t>‹#›</a:t>
             </a:fld>
-            <a:endParaRPr lang="ko-KR" altLang="en-US"/>
+            <a:endParaRPr lang="ko-KR" altLang="en-US" dirty="0"/>
           </a:p>
         </p:txBody>
       </p:sp>
@@ -2050,9 +2050,9 @@
           <a:p>
             <a:fld id="{9DD42EB0-9B6E-4302-A06C-B97ABEF9E878}" type="datetimeFigureOut">
               <a:rPr lang="ko-KR" altLang="en-US" smtClean="0"/>
-              <a:t>2022-10-13</a:t>
+              <a:t>2022-10-14</a:t>
             </a:fld>
-            <a:endParaRPr lang="ko-KR" altLang="en-US"/>
+            <a:endParaRPr lang="ko-KR" altLang="en-US" dirty="0"/>
           </a:p>
         </p:txBody>
       </p:sp>
@@ -2071,7 +2071,7 @@
           <a:bodyPr/>
           <a:lstStyle/>
           <a:p>
-            <a:endParaRPr lang="ko-KR" altLang="en-US"/>
+            <a:endParaRPr lang="ko-KR" altLang="en-US" dirty="0"/>
           </a:p>
         </p:txBody>
       </p:sp>
@@ -2094,7 +2094,7 @@
               <a:rPr lang="ko-KR" altLang="en-US" smtClean="0"/>
               <a:t>‹#›</a:t>
             </a:fld>
-            <a:endParaRPr lang="ko-KR" altLang="en-US"/>
+            <a:endParaRPr lang="ko-KR" altLang="en-US" dirty="0"/>
           </a:p>
         </p:txBody>
       </p:sp>
@@ -2168,9 +2168,9 @@
           <a:p>
             <a:fld id="{9DD42EB0-9B6E-4302-A06C-B97ABEF9E878}" type="datetimeFigureOut">
               <a:rPr lang="ko-KR" altLang="en-US" smtClean="0"/>
-              <a:t>2022-10-13</a:t>
+              <a:t>2022-10-14</a:t>
             </a:fld>
-            <a:endParaRPr lang="ko-KR" altLang="en-US"/>
+            <a:endParaRPr lang="ko-KR" altLang="en-US" dirty="0"/>
           </a:p>
         </p:txBody>
       </p:sp>
@@ -2189,7 +2189,7 @@
           <a:bodyPr/>
           <a:lstStyle/>
           <a:p>
-            <a:endParaRPr lang="ko-KR" altLang="en-US"/>
+            <a:endParaRPr lang="ko-KR" altLang="en-US" dirty="0"/>
           </a:p>
         </p:txBody>
       </p:sp>
@@ -2212,7 +2212,7 @@
               <a:rPr lang="ko-KR" altLang="en-US" smtClean="0"/>
               <a:t>‹#›</a:t>
             </a:fld>
-            <a:endParaRPr lang="ko-KR" altLang="en-US"/>
+            <a:endParaRPr lang="ko-KR" altLang="en-US" dirty="0"/>
           </a:p>
         </p:txBody>
       </p:sp>
@@ -2263,9 +2263,9 @@
           <a:p>
             <a:fld id="{9DD42EB0-9B6E-4302-A06C-B97ABEF9E878}" type="datetimeFigureOut">
               <a:rPr lang="ko-KR" altLang="en-US" smtClean="0"/>
-              <a:t>2022-10-13</a:t>
+              <a:t>2022-10-14</a:t>
             </a:fld>
-            <a:endParaRPr lang="ko-KR" altLang="en-US"/>
+            <a:endParaRPr lang="ko-KR" altLang="en-US" dirty="0"/>
           </a:p>
         </p:txBody>
       </p:sp>
@@ -2284,7 +2284,7 @@
           <a:bodyPr/>
           <a:lstStyle/>
           <a:p>
-            <a:endParaRPr lang="ko-KR" altLang="en-US"/>
+            <a:endParaRPr lang="ko-KR" altLang="en-US" dirty="0"/>
           </a:p>
         </p:txBody>
       </p:sp>
@@ -2307,7 +2307,7 @@
               <a:rPr lang="ko-KR" altLang="en-US" smtClean="0"/>
               <a:t>‹#›</a:t>
             </a:fld>
-            <a:endParaRPr lang="ko-KR" altLang="en-US"/>
+            <a:endParaRPr lang="ko-KR" altLang="en-US" dirty="0"/>
           </a:p>
         </p:txBody>
       </p:sp>
@@ -2540,9 +2540,9 @@
           <a:p>
             <a:fld id="{9DD42EB0-9B6E-4302-A06C-B97ABEF9E878}" type="datetimeFigureOut">
               <a:rPr lang="ko-KR" altLang="en-US" smtClean="0"/>
-              <a:t>2022-10-13</a:t>
+              <a:t>2022-10-14</a:t>
             </a:fld>
-            <a:endParaRPr lang="ko-KR" altLang="en-US"/>
+            <a:endParaRPr lang="ko-KR" altLang="en-US" dirty="0"/>
           </a:p>
         </p:txBody>
       </p:sp>
@@ -2561,7 +2561,7 @@
           <a:bodyPr/>
           <a:lstStyle/>
           <a:p>
-            <a:endParaRPr lang="ko-KR" altLang="en-US"/>
+            <a:endParaRPr lang="ko-KR" altLang="en-US" dirty="0"/>
           </a:p>
         </p:txBody>
       </p:sp>
@@ -2584,7 +2584,7 @@
               <a:rPr lang="ko-KR" altLang="en-US" smtClean="0"/>
               <a:t>‹#›</a:t>
             </a:fld>
-            <a:endParaRPr lang="ko-KR" altLang="en-US"/>
+            <a:endParaRPr lang="ko-KR" altLang="en-US" dirty="0"/>
           </a:p>
         </p:txBody>
       </p:sp>
@@ -2708,7 +2708,7 @@
           </a:lstStyle>
           <a:p>
             <a:r>
-              <a:rPr lang="ko-KR" altLang="en-US"/>
+              <a:rPr lang="ko-KR" altLang="en-US" dirty="0"/>
               <a:t>그림을 추가하려면 아이콘을 클릭하십시오</a:t>
             </a:r>
             <a:endParaRPr lang="en-US" dirty="0"/>
@@ -2797,9 +2797,9 @@
           <a:p>
             <a:fld id="{9DD42EB0-9B6E-4302-A06C-B97ABEF9E878}" type="datetimeFigureOut">
               <a:rPr lang="ko-KR" altLang="en-US" smtClean="0"/>
-              <a:t>2022-10-13</a:t>
+              <a:t>2022-10-14</a:t>
             </a:fld>
-            <a:endParaRPr lang="ko-KR" altLang="en-US"/>
+            <a:endParaRPr lang="ko-KR" altLang="en-US" dirty="0"/>
           </a:p>
         </p:txBody>
       </p:sp>
@@ -2818,7 +2818,7 @@
           <a:bodyPr/>
           <a:lstStyle/>
           <a:p>
-            <a:endParaRPr lang="ko-KR" altLang="en-US"/>
+            <a:endParaRPr lang="ko-KR" altLang="en-US" dirty="0"/>
           </a:p>
         </p:txBody>
       </p:sp>
@@ -2841,7 +2841,7 @@
               <a:rPr lang="ko-KR" altLang="en-US" smtClean="0"/>
               <a:t>‹#›</a:t>
             </a:fld>
-            <a:endParaRPr lang="ko-KR" altLang="en-US"/>
+            <a:endParaRPr lang="ko-KR" altLang="en-US" dirty="0"/>
           </a:p>
         </p:txBody>
       </p:sp>
@@ -3010,9 +3010,9 @@
           <a:p>
             <a:fld id="{9DD42EB0-9B6E-4302-A06C-B97ABEF9E878}" type="datetimeFigureOut">
               <a:rPr lang="ko-KR" altLang="en-US" smtClean="0"/>
-              <a:t>2022-10-13</a:t>
+              <a:t>2022-10-14</a:t>
             </a:fld>
-            <a:endParaRPr lang="ko-KR" altLang="en-US"/>
+            <a:endParaRPr lang="ko-KR" altLang="en-US" dirty="0"/>
           </a:p>
         </p:txBody>
       </p:sp>
@@ -3049,7 +3049,7 @@
             </a:lvl1pPr>
           </a:lstStyle>
           <a:p>
-            <a:endParaRPr lang="ko-KR" altLang="en-US"/>
+            <a:endParaRPr lang="ko-KR" altLang="en-US" dirty="0"/>
           </a:p>
         </p:txBody>
       </p:sp>
@@ -3090,7 +3090,7 @@
               <a:rPr lang="ko-KR" altLang="en-US" smtClean="0"/>
               <a:t>‹#›</a:t>
             </a:fld>
-            <a:endParaRPr lang="ko-KR" altLang="en-US"/>
+            <a:endParaRPr lang="ko-KR" altLang="en-US" dirty="0"/>
           </a:p>
         </p:txBody>
       </p:sp>
@@ -3427,374 +3427,6 @@
       </p:grpSpPr>
       <p:sp>
         <p:nvSpPr>
-          <p:cNvPr id="59" name="사각형: 둥근 모서리 58">
-            <a:extLst>
-              <a:ext uri="{FF2B5EF4-FFF2-40B4-BE49-F238E27FC236}">
-                <a16:creationId xmlns:a16="http://schemas.microsoft.com/office/drawing/2014/main" id="{4B623F4F-0CCC-4798-B0BF-6A94FF403898}"/>
-              </a:ext>
-            </a:extLst>
-          </p:cNvPr>
-          <p:cNvSpPr/>
-          <p:nvPr/>
-        </p:nvSpPr>
-        <p:spPr>
-          <a:xfrm>
-            <a:off x="335097" y="33417978"/>
-            <a:ext cx="15573409" cy="4903939"/>
-          </a:xfrm>
-          <a:prstGeom prst="roundRect">
-            <a:avLst>
-              <a:gd name="adj" fmla="val 3926"/>
-            </a:avLst>
-          </a:prstGeom>
-          <a:solidFill>
-            <a:srgbClr val="56296E">
-              <a:alpha val="31000"/>
-            </a:srgbClr>
-          </a:solidFill>
-          <a:ln>
-            <a:solidFill>
-              <a:srgbClr val="C59DDB">
-                <a:alpha val="9000"/>
-              </a:srgbClr>
-            </a:solidFill>
-          </a:ln>
-        </p:spPr>
-        <p:style>
-          <a:lnRef idx="2">
-            <a:schemeClr val="accent1">
-              <a:shade val="50000"/>
-            </a:schemeClr>
-          </a:lnRef>
-          <a:fillRef idx="1">
-            <a:schemeClr val="accent1"/>
-          </a:fillRef>
-          <a:effectRef idx="0">
-            <a:schemeClr val="accent1"/>
-          </a:effectRef>
-          <a:fontRef idx="minor">
-            <a:schemeClr val="lt1"/>
-          </a:fontRef>
-        </p:style>
-        <p:txBody>
-          <a:bodyPr rtlCol="0" anchor="ctr"/>
-          <a:lstStyle/>
-          <a:p>
-            <a:pPr algn="ctr"/>
-            <a:endParaRPr lang="ko-KR" altLang="en-US" dirty="0"/>
-          </a:p>
-        </p:txBody>
-      </p:sp>
-      <p:sp>
-        <p:nvSpPr>
-          <p:cNvPr id="58" name="사각형: 둥근 모서리 57">
-            <a:extLst>
-              <a:ext uri="{FF2B5EF4-FFF2-40B4-BE49-F238E27FC236}">
-                <a16:creationId xmlns:a16="http://schemas.microsoft.com/office/drawing/2014/main" id="{EC24815F-66EA-4FE4-AFB4-17FE9C0A2376}"/>
-              </a:ext>
-            </a:extLst>
-          </p:cNvPr>
-          <p:cNvSpPr/>
-          <p:nvPr/>
-        </p:nvSpPr>
-        <p:spPr>
-          <a:xfrm>
-            <a:off x="335097" y="20599885"/>
-            <a:ext cx="15573409" cy="8621714"/>
-          </a:xfrm>
-          <a:prstGeom prst="roundRect">
-            <a:avLst>
-              <a:gd name="adj" fmla="val 2712"/>
-            </a:avLst>
-          </a:prstGeom>
-          <a:solidFill>
-            <a:srgbClr val="56296E">
-              <a:alpha val="31000"/>
-            </a:srgbClr>
-          </a:solidFill>
-          <a:ln>
-            <a:solidFill>
-              <a:srgbClr val="C59DDB">
-                <a:alpha val="9000"/>
-              </a:srgbClr>
-            </a:solidFill>
-          </a:ln>
-        </p:spPr>
-        <p:style>
-          <a:lnRef idx="2">
-            <a:schemeClr val="accent1">
-              <a:shade val="50000"/>
-            </a:schemeClr>
-          </a:lnRef>
-          <a:fillRef idx="1">
-            <a:schemeClr val="accent1"/>
-          </a:fillRef>
-          <a:effectRef idx="0">
-            <a:schemeClr val="accent1"/>
-          </a:effectRef>
-          <a:fontRef idx="minor">
-            <a:schemeClr val="lt1"/>
-          </a:fontRef>
-        </p:style>
-        <p:txBody>
-          <a:bodyPr rtlCol="0" anchor="ctr"/>
-          <a:lstStyle/>
-          <a:p>
-            <a:pPr algn="ctr"/>
-            <a:endParaRPr lang="ko-KR" altLang="en-US" dirty="0"/>
-          </a:p>
-        </p:txBody>
-      </p:sp>
-      <p:sp>
-        <p:nvSpPr>
-          <p:cNvPr id="56" name="사각형: 둥근 모서리 55">
-            <a:extLst>
-              <a:ext uri="{FF2B5EF4-FFF2-40B4-BE49-F238E27FC236}">
-                <a16:creationId xmlns:a16="http://schemas.microsoft.com/office/drawing/2014/main" id="{0B704EC9-27F6-4147-9957-8750D71066E6}"/>
-              </a:ext>
-            </a:extLst>
-          </p:cNvPr>
-          <p:cNvSpPr/>
-          <p:nvPr/>
-        </p:nvSpPr>
-        <p:spPr>
-          <a:xfrm>
-            <a:off x="335097" y="8618381"/>
-            <a:ext cx="15525164" cy="5532760"/>
-          </a:xfrm>
-          <a:prstGeom prst="roundRect">
-            <a:avLst>
-              <a:gd name="adj" fmla="val 4489"/>
-            </a:avLst>
-          </a:prstGeom>
-          <a:solidFill>
-            <a:srgbClr val="56296E">
-              <a:alpha val="31000"/>
-            </a:srgbClr>
-          </a:solidFill>
-          <a:ln>
-            <a:solidFill>
-              <a:srgbClr val="C59DDB">
-                <a:alpha val="9000"/>
-              </a:srgbClr>
-            </a:solidFill>
-          </a:ln>
-        </p:spPr>
-        <p:style>
-          <a:lnRef idx="2">
-            <a:schemeClr val="accent1">
-              <a:shade val="50000"/>
-            </a:schemeClr>
-          </a:lnRef>
-          <a:fillRef idx="1">
-            <a:schemeClr val="accent1"/>
-          </a:fillRef>
-          <a:effectRef idx="0">
-            <a:schemeClr val="accent1"/>
-          </a:effectRef>
-          <a:fontRef idx="minor">
-            <a:schemeClr val="lt1"/>
-          </a:fontRef>
-        </p:style>
-        <p:txBody>
-          <a:bodyPr rtlCol="0" anchor="ctr"/>
-          <a:lstStyle/>
-          <a:p>
-            <a:pPr algn="ctr"/>
-            <a:endParaRPr lang="ko-KR" altLang="en-US" dirty="0"/>
-          </a:p>
-        </p:txBody>
-      </p:sp>
-      <p:sp>
-        <p:nvSpPr>
-          <p:cNvPr id="57" name="사각형: 둥근 모서리 56">
-            <a:extLst>
-              <a:ext uri="{FF2B5EF4-FFF2-40B4-BE49-F238E27FC236}">
-                <a16:creationId xmlns:a16="http://schemas.microsoft.com/office/drawing/2014/main" id="{BCCC2BEC-6A11-4251-BA2B-C126722685B1}"/>
-              </a:ext>
-            </a:extLst>
-          </p:cNvPr>
-          <p:cNvSpPr/>
-          <p:nvPr/>
-        </p:nvSpPr>
-        <p:spPr>
-          <a:xfrm>
-            <a:off x="335097" y="14323149"/>
-            <a:ext cx="15573409" cy="6136551"/>
-          </a:xfrm>
-          <a:prstGeom prst="roundRect">
-            <a:avLst>
-              <a:gd name="adj" fmla="val 2550"/>
-            </a:avLst>
-          </a:prstGeom>
-          <a:solidFill>
-            <a:srgbClr val="56296E">
-              <a:alpha val="31000"/>
-            </a:srgbClr>
-          </a:solidFill>
-          <a:ln>
-            <a:solidFill>
-              <a:srgbClr val="C59DDB">
-                <a:alpha val="9000"/>
-              </a:srgbClr>
-            </a:solidFill>
-          </a:ln>
-        </p:spPr>
-        <p:style>
-          <a:lnRef idx="2">
-            <a:schemeClr val="accent1">
-              <a:shade val="50000"/>
-            </a:schemeClr>
-          </a:lnRef>
-          <a:fillRef idx="1">
-            <a:schemeClr val="accent1"/>
-          </a:fillRef>
-          <a:effectRef idx="0">
-            <a:schemeClr val="accent1"/>
-          </a:effectRef>
-          <a:fontRef idx="minor">
-            <a:schemeClr val="lt1"/>
-          </a:fontRef>
-        </p:style>
-        <p:txBody>
-          <a:bodyPr rtlCol="0" anchor="ctr"/>
-          <a:lstStyle/>
-          <a:p>
-            <a:pPr algn="ctr"/>
-            <a:endParaRPr lang="ko-KR" altLang="en-US" dirty="0"/>
-          </a:p>
-        </p:txBody>
-      </p:sp>
-      <p:sp>
-        <p:nvSpPr>
-          <p:cNvPr id="54" name="사각형: 둥근 모서리 53">
-            <a:extLst>
-              <a:ext uri="{FF2B5EF4-FFF2-40B4-BE49-F238E27FC236}">
-                <a16:creationId xmlns:a16="http://schemas.microsoft.com/office/drawing/2014/main" id="{5596E4DC-1F9B-4E84-9445-CF0CF83190E9}"/>
-              </a:ext>
-            </a:extLst>
-          </p:cNvPr>
-          <p:cNvSpPr/>
-          <p:nvPr/>
-        </p:nvSpPr>
-        <p:spPr>
-          <a:xfrm>
-            <a:off x="16159403" y="8582550"/>
-            <a:ext cx="15837711" cy="21204420"/>
-          </a:xfrm>
-          <a:prstGeom prst="roundRect">
-            <a:avLst>
-              <a:gd name="adj" fmla="val 2689"/>
-            </a:avLst>
-          </a:prstGeom>
-          <a:solidFill>
-            <a:srgbClr val="56296E">
-              <a:alpha val="32000"/>
-            </a:srgbClr>
-          </a:solidFill>
-          <a:ln>
-            <a:solidFill>
-              <a:srgbClr val="C59DDB">
-                <a:alpha val="9000"/>
-              </a:srgbClr>
-            </a:solidFill>
-          </a:ln>
-        </p:spPr>
-        <p:style>
-          <a:lnRef idx="2">
-            <a:schemeClr val="accent1">
-              <a:shade val="50000"/>
-            </a:schemeClr>
-          </a:lnRef>
-          <a:fillRef idx="1">
-            <a:schemeClr val="accent1"/>
-          </a:fillRef>
-          <a:effectRef idx="0">
-            <a:schemeClr val="accent1"/>
-          </a:effectRef>
-          <a:fontRef idx="minor">
-            <a:schemeClr val="lt1"/>
-          </a:fontRef>
-        </p:style>
-        <p:txBody>
-          <a:bodyPr rtlCol="0" anchor="ctr"/>
-          <a:lstStyle/>
-          <a:p>
-            <a:pPr algn="ctr"/>
-            <a:endParaRPr lang="ko-KR" altLang="en-US" dirty="0"/>
-          </a:p>
-        </p:txBody>
-      </p:sp>
-      <p:sp>
-        <p:nvSpPr>
-          <p:cNvPr id="10" name="타원 9">
-            <a:extLst>
-              <a:ext uri="{FF2B5EF4-FFF2-40B4-BE49-F238E27FC236}">
-                <a16:creationId xmlns:a16="http://schemas.microsoft.com/office/drawing/2014/main" id="{92E46BBF-DEAE-4DDB-97F5-84E31C55C396}"/>
-              </a:ext>
-            </a:extLst>
-          </p:cNvPr>
-          <p:cNvSpPr/>
-          <p:nvPr/>
-        </p:nvSpPr>
-        <p:spPr>
-          <a:xfrm>
-            <a:off x="8618334" y="13245344"/>
-            <a:ext cx="15168448" cy="15209215"/>
-          </a:xfrm>
-          <a:prstGeom prst="ellipse">
-            <a:avLst/>
-          </a:prstGeom>
-          <a:blipFill dpi="0" rotWithShape="1">
-            <a:blip r:embed="rId3">
-              <a:alphaModFix amt="9000"/>
-              <a:extLst>
-                <a:ext uri="{28A0092B-C50C-407E-A947-70E740481C1C}">
-                  <a14:useLocalDpi xmlns:a14="http://schemas.microsoft.com/office/drawing/2010/main" val="0"/>
-                </a:ext>
-              </a:extLst>
-            </a:blip>
-            <a:srcRect/>
-            <a:stretch>
-              <a:fillRect/>
-            </a:stretch>
-          </a:blipFill>
-          <a:ln>
-            <a:solidFill>
-              <a:schemeClr val="accent1">
-                <a:shade val="50000"/>
-                <a:alpha val="10000"/>
-              </a:schemeClr>
-            </a:solidFill>
-          </a:ln>
-        </p:spPr>
-        <p:style>
-          <a:lnRef idx="2">
-            <a:schemeClr val="accent1">
-              <a:shade val="50000"/>
-            </a:schemeClr>
-          </a:lnRef>
-          <a:fillRef idx="1">
-            <a:schemeClr val="accent1"/>
-          </a:fillRef>
-          <a:effectRef idx="0">
-            <a:schemeClr val="accent1"/>
-          </a:effectRef>
-          <a:fontRef idx="minor">
-            <a:schemeClr val="lt1"/>
-          </a:fontRef>
-        </p:style>
-        <p:txBody>
-          <a:bodyPr rtlCol="0" anchor="ctr"/>
-          <a:lstStyle/>
-          <a:p>
-            <a:pPr algn="ctr"/>
-            <a:endParaRPr lang="ko-KR" altLang="en-US"/>
-          </a:p>
-        </p:txBody>
-      </p:sp>
-      <p:sp>
-        <p:nvSpPr>
           <p:cNvPr id="2" name="제목 1"/>
           <p:cNvSpPr>
             <a:spLocks noGrp="1"/>
@@ -3805,7 +3437,7 @@
         </p:nvSpPr>
         <p:spPr>
           <a:xfrm>
-            <a:off x="641157" y="3043533"/>
+            <a:off x="680966" y="2778689"/>
             <a:ext cx="31166398" cy="2432476"/>
           </a:xfrm>
         </p:spPr>
@@ -3893,37 +3525,7 @@
                 <a:ea typeface="한컴산뜻돋움" panose="02000000000000000000" pitchFamily="2" charset="-127"/>
                 <a:cs typeface="Arial Unicode MS" panose="020B0604020202020204" pitchFamily="50" charset="-127"/>
               </a:rPr>
-              <a:t>환경 제어 알고리즘 적용 </a:t>
-            </a:r>
-            <a:r>
-              <a:rPr lang="ko-KR" altLang="en-US" sz="6100" b="1" dirty="0" err="1">
-                <a:effectLst>
-                  <a:outerShdw blurRad="50800" dist="25400" dir="2700000" algn="tl" rotWithShape="0">
-                    <a:prstClr val="black">
-                      <a:alpha val="40000"/>
-                    </a:prstClr>
-                  </a:outerShdw>
-                </a:effectLst>
-                <a:latin typeface="한컴산뜻돋움" panose="02000000000000000000" pitchFamily="2" charset="-127"/>
-                <a:ea typeface="한컴산뜻돋움" panose="02000000000000000000" pitchFamily="2" charset="-127"/>
-                <a:cs typeface="Arial Unicode MS" panose="020B0604020202020204" pitchFamily="50" charset="-127"/>
-              </a:rPr>
-              <a:t>미니챔버</a:t>
-            </a:r>
-            <a:r>
-              <a:rPr lang="ko-KR" altLang="en-US" sz="6100" b="1" dirty="0">
-                <a:effectLst>
-                  <a:outerShdw blurRad="50800" dist="25400" dir="2700000" algn="tl" rotWithShape="0">
-                    <a:prstClr val="black">
-                      <a:alpha val="40000"/>
-                    </a:prstClr>
-                  </a:outerShdw>
-                </a:effectLst>
-                <a:latin typeface="한컴산뜻돋움" panose="02000000000000000000" pitchFamily="2" charset="-127"/>
-                <a:ea typeface="한컴산뜻돋움" panose="02000000000000000000" pitchFamily="2" charset="-127"/>
-                <a:cs typeface="Arial Unicode MS" panose="020B0604020202020204" pitchFamily="50" charset="-127"/>
-              </a:rPr>
-              <a:t> 구현</a:t>
+              <a:t>환경 제어 알고리즘 적용 미니챔버 구현</a:t>
             </a:r>
             <a:br>
               <a:rPr lang="en-US" altLang="ko-KR" sz="6050" b="1" dirty="0">
@@ -4027,10 +3629,10 @@
         </p:nvGrpSpPr>
         <p:grpSpPr>
           <a:xfrm>
-            <a:off x="2852506" y="5675173"/>
-            <a:ext cx="26417577" cy="2674269"/>
+            <a:off x="2892315" y="5410330"/>
+            <a:ext cx="26417577" cy="2602390"/>
             <a:chOff x="1961489" y="8416218"/>
-            <a:chExt cx="28819175" cy="2917385"/>
+            <a:chExt cx="28819175" cy="2838971"/>
           </a:xfrm>
         </p:grpSpPr>
         <p:sp>
@@ -4128,7 +3730,7 @@
                 <a:t> , </a:t>
               </a:r>
               <a:r>
-                <a:rPr lang="ko-KR" altLang="en-US" sz="4033" b="1" dirty="0" err="1">
+                <a:rPr lang="ko-KR" altLang="en-US" sz="4033" b="1" dirty="0">
                   <a:latin typeface="한컴산뜻돋움" panose="02000000000000000000" pitchFamily="2" charset="-127"/>
                   <a:ea typeface="한컴산뜻돋움" panose="02000000000000000000" pitchFamily="2" charset="-127"/>
                   <a:cs typeface="Arial Unicode MS" panose="020B0604020202020204" pitchFamily="50" charset="-127"/>
@@ -4176,23 +3778,7 @@
                   <a:ea typeface="한컴산뜻돋움" panose="02000000000000000000" pitchFamily="2" charset="-127"/>
                   <a:cs typeface="Arial Unicode MS" panose="020B0604020202020204" pitchFamily="50" charset="-127"/>
                 </a:rPr>
-                <a:t> , </a:t>
-              </a:r>
-              <a:r>
-                <a:rPr lang="en-US" altLang="ko-KR" sz="4033" dirty="0" err="1">
-                  <a:latin typeface="한컴산뜻돋움" panose="02000000000000000000" pitchFamily="2" charset="-127"/>
-                  <a:ea typeface="한컴산뜻돋움" panose="02000000000000000000" pitchFamily="2" charset="-127"/>
-                  <a:cs typeface="Arial Unicode MS" panose="020B0604020202020204" pitchFamily="50" charset="-127"/>
-                </a:rPr>
-                <a:t>Hyejin</a:t>
-              </a:r>
-              <a:r>
-                <a:rPr lang="en-US" altLang="ko-KR" sz="4033" dirty="0">
-                  <a:latin typeface="한컴산뜻돋움" panose="02000000000000000000" pitchFamily="2" charset="-127"/>
-                  <a:ea typeface="한컴산뜻돋움" panose="02000000000000000000" pitchFamily="2" charset="-127"/>
-                  <a:cs typeface="Arial Unicode MS" panose="020B0604020202020204" pitchFamily="50" charset="-127"/>
-                </a:rPr>
-                <a:t> Jeon</a:t>
+                <a:t> , Hyejin Jeon</a:t>
               </a:r>
               <a:r>
                 <a:rPr lang="en-US" altLang="ko-KR" sz="4033" baseline="30000" dirty="0">
@@ -4208,23 +3794,7 @@
                   <a:ea typeface="한컴산뜻돋움" panose="02000000000000000000" pitchFamily="2" charset="-127"/>
                   <a:cs typeface="Arial Unicode MS" panose="020B0604020202020204" pitchFamily="50" charset="-127"/>
                 </a:rPr>
-                <a:t> , </a:t>
-              </a:r>
-              <a:r>
-                <a:rPr lang="en-US" altLang="ko-KR" sz="4033" dirty="0" err="1">
-                  <a:latin typeface="한컴산뜻돋움" panose="02000000000000000000" pitchFamily="2" charset="-127"/>
-                  <a:ea typeface="한컴산뜻돋움" panose="02000000000000000000" pitchFamily="2" charset="-127"/>
-                  <a:cs typeface="Arial Unicode MS" panose="020B0604020202020204" pitchFamily="50" charset="-127"/>
-                </a:rPr>
-                <a:t>Jaeyoung</a:t>
-              </a:r>
-              <a:r>
-                <a:rPr lang="en-US" altLang="ko-KR" sz="4033" dirty="0">
-                  <a:latin typeface="한컴산뜻돋움" panose="02000000000000000000" pitchFamily="2" charset="-127"/>
-                  <a:ea typeface="한컴산뜻돋움" panose="02000000000000000000" pitchFamily="2" charset="-127"/>
-                  <a:cs typeface="Arial Unicode MS" panose="020B0604020202020204" pitchFamily="50" charset="-127"/>
-                </a:rPr>
-                <a:t> Jung</a:t>
+                <a:t> , Jaeyoung Jung</a:t>
               </a:r>
               <a:r>
                 <a:rPr lang="en-US" altLang="ko-KR" sz="4033" baseline="30000" dirty="0">
@@ -4240,23 +3810,7 @@
                   <a:ea typeface="한컴산뜻돋움" panose="02000000000000000000" pitchFamily="2" charset="-127"/>
                   <a:cs typeface="Arial Unicode MS" panose="020B0604020202020204" pitchFamily="50" charset="-127"/>
                 </a:rPr>
-                <a:t> , </a:t>
-              </a:r>
-              <a:r>
-                <a:rPr lang="en-US" altLang="ko-KR" sz="4033" dirty="0" err="1">
-                  <a:latin typeface="한컴산뜻돋움" panose="02000000000000000000" pitchFamily="2" charset="-127"/>
-                  <a:ea typeface="한컴산뜻돋움" panose="02000000000000000000" pitchFamily="2" charset="-127"/>
-                  <a:cs typeface="Arial Unicode MS" panose="020B0604020202020204" pitchFamily="50" charset="-127"/>
-                </a:rPr>
-                <a:t>Taegon</a:t>
-              </a:r>
-              <a:r>
-                <a:rPr lang="en-US" altLang="ko-KR" sz="4033" dirty="0">
-                  <a:latin typeface="한컴산뜻돋움" panose="02000000000000000000" pitchFamily="2" charset="-127"/>
-                  <a:ea typeface="한컴산뜻돋움" panose="02000000000000000000" pitchFamily="2" charset="-127"/>
-                  <a:cs typeface="Arial Unicode MS" panose="020B0604020202020204" pitchFamily="50" charset="-127"/>
-                </a:rPr>
-                <a:t> Kim</a:t>
+                <a:t> , Taegon Kim</a:t>
               </a:r>
               <a:r>
                 <a:rPr lang="en-US" altLang="ko-KR" sz="4033" baseline="30000" dirty="0">
@@ -4283,7 +3837,7 @@
           <p:spPr>
             <a:xfrm>
               <a:off x="2203808" y="10012891"/>
-              <a:ext cx="28576856" cy="1320712"/>
+              <a:ext cx="28576856" cy="1242298"/>
             </a:xfrm>
             <a:prstGeom prst="rect">
               <a:avLst/>
@@ -4297,30 +3851,22 @@
             <a:p>
               <a:pPr algn="ctr" fontAlgn="base"/>
               <a:r>
-                <a:rPr lang="ko-KR" altLang="en-US" sz="3600" b="1" i="1" spc="92" dirty="0">
+                <a:rPr lang="ko-KR" altLang="en-US" sz="3400" b="1" i="1" spc="92" dirty="0">
                   <a:latin typeface="한컴산뜻돋움" panose="02000000000000000000" pitchFamily="2" charset="-127"/>
                   <a:ea typeface="한컴산뜻돋움" panose="02000000000000000000" pitchFamily="2" charset="-127"/>
                   <a:cs typeface="Arial Unicode MS" panose="020B0604020202020204" pitchFamily="50" charset="-127"/>
                 </a:rPr>
-                <a:t>전북대학교 </a:t>
+                <a:t>전북대학교 스마트팜학과</a:t>
               </a:r>
               <a:r>
-                <a:rPr lang="ko-KR" altLang="en-US" sz="3600" b="1" i="1" spc="92" dirty="0" err="1">
-                  <a:latin typeface="한컴산뜻돋움" panose="02000000000000000000" pitchFamily="2" charset="-127"/>
-                  <a:ea typeface="한컴산뜻돋움" panose="02000000000000000000" pitchFamily="2" charset="-127"/>
-                  <a:cs typeface="Arial Unicode MS" panose="020B0604020202020204" pitchFamily="50" charset="-127"/>
-                </a:rPr>
-                <a:t>스마트팜학과</a:t>
-              </a:r>
-              <a:r>
-                <a:rPr lang="en-US" altLang="ko-KR" sz="3600" b="1" baseline="30000" dirty="0">
+                <a:rPr lang="en-US" altLang="ko-KR" sz="3400" b="1" baseline="30000" dirty="0">
                   <a:latin typeface="한컴산뜻돋움" panose="02000000000000000000" pitchFamily="2" charset="-127"/>
                   <a:ea typeface="한컴산뜻돋움" panose="02000000000000000000" pitchFamily="2" charset="-127"/>
                   <a:cs typeface="Arial Unicode MS" panose="020B0604020202020204" pitchFamily="50" charset="-127"/>
                 </a:rPr>
                 <a:t> 1</a:t>
               </a:r>
-              <a:endParaRPr lang="en-US" altLang="ko-KR" sz="3600" b="1" i="1" spc="92" dirty="0">
+              <a:endParaRPr lang="en-US" altLang="ko-KR" sz="3400" b="1" i="1" spc="92" dirty="0">
                 <a:latin typeface="한컴산뜻돋움" panose="02000000000000000000" pitchFamily="2" charset="-127"/>
                 <a:ea typeface="한컴산뜻돋움" panose="02000000000000000000" pitchFamily="2" charset="-127"/>
                 <a:cs typeface="Arial Unicode MS" panose="020B0604020202020204" pitchFamily="50" charset="-127"/>
@@ -4329,47 +3875,15 @@
             <a:p>
               <a:pPr algn="ctr" fontAlgn="base"/>
               <a:r>
-                <a:rPr lang="en-US" altLang="ko-KR" sz="3667" i="1" spc="92" dirty="0">
+                <a:rPr lang="en-US" altLang="ko-KR" sz="3400" i="1" spc="92" dirty="0">
                   <a:latin typeface="한컴산뜻돋움" panose="02000000000000000000" pitchFamily="2" charset="-127"/>
                   <a:ea typeface="한컴산뜻돋움" panose="02000000000000000000" pitchFamily="2" charset="-127"/>
                   <a:cs typeface="Arial Unicode MS" panose="020B0604020202020204" pitchFamily="50" charset="-127"/>
                 </a:rPr>
-                <a:t>Department of Smart Farm, </a:t>
+                <a:t>Department of Smart Farm, Jeonbuk National University, Jeonju 54896, Korea</a:t>
               </a:r>
               <a:r>
-                <a:rPr lang="en-US" altLang="ko-KR" sz="3667" i="1" spc="92" dirty="0" err="1">
-                  <a:latin typeface="한컴산뜻돋움" panose="02000000000000000000" pitchFamily="2" charset="-127"/>
-                  <a:ea typeface="한컴산뜻돋움" panose="02000000000000000000" pitchFamily="2" charset="-127"/>
-                  <a:cs typeface="Arial Unicode MS" panose="020B0604020202020204" pitchFamily="50" charset="-127"/>
-                </a:rPr>
-                <a:t>Jeonbuk</a:t>
-              </a:r>
-              <a:r>
-                <a:rPr lang="en-US" altLang="ko-KR" sz="3667" i="1" spc="92" dirty="0">
-                  <a:latin typeface="한컴산뜻돋움" panose="02000000000000000000" pitchFamily="2" charset="-127"/>
-                  <a:ea typeface="한컴산뜻돋움" panose="02000000000000000000" pitchFamily="2" charset="-127"/>
-                  <a:cs typeface="Arial Unicode MS" panose="020B0604020202020204" pitchFamily="50" charset="-127"/>
-                </a:rPr>
-                <a:t> National University, </a:t>
-              </a:r>
-              <a:r>
-                <a:rPr lang="en-US" altLang="ko-KR" sz="3667" i="1" spc="92" dirty="0" err="1">
-                  <a:latin typeface="한컴산뜻돋움" panose="02000000000000000000" pitchFamily="2" charset="-127"/>
-                  <a:ea typeface="한컴산뜻돋움" panose="02000000000000000000" pitchFamily="2" charset="-127"/>
-                  <a:cs typeface="Arial Unicode MS" panose="020B0604020202020204" pitchFamily="50" charset="-127"/>
-                </a:rPr>
-                <a:t>Jeonju</a:t>
-              </a:r>
-              <a:r>
-                <a:rPr lang="en-US" altLang="ko-KR" sz="3667" i="1" spc="92" dirty="0">
-                  <a:latin typeface="한컴산뜻돋움" panose="02000000000000000000" pitchFamily="2" charset="-127"/>
-                  <a:ea typeface="한컴산뜻돋움" panose="02000000000000000000" pitchFamily="2" charset="-127"/>
-                  <a:cs typeface="Arial Unicode MS" panose="020B0604020202020204" pitchFamily="50" charset="-127"/>
-                </a:rPr>
-                <a:t> 54896, Korea</a:t>
-              </a:r>
-              <a:r>
-                <a:rPr lang="en-US" altLang="ko-KR" sz="4000" b="1" baseline="30000" dirty="0">
+                <a:rPr lang="en-US" altLang="ko-KR" sz="3400" b="1" baseline="30000" dirty="0">
                   <a:latin typeface="한컴산뜻돋움" panose="02000000000000000000" pitchFamily="2" charset="-127"/>
                   <a:ea typeface="한컴산뜻돋움" panose="02000000000000000000" pitchFamily="2" charset="-127"/>
                   <a:cs typeface="Arial Unicode MS" panose="020B0604020202020204" pitchFamily="50" charset="-127"/>
@@ -4377,7 +3891,7 @@
                 <a:t> 1</a:t>
               </a:r>
               <a:r>
-                <a:rPr lang="en-US" altLang="ko-KR" sz="3667" i="1" spc="92" dirty="0">
+                <a:rPr lang="en-US" altLang="ko-KR" sz="3400" i="1" spc="92" dirty="0">
                   <a:latin typeface="한컴산뜻돋움" panose="02000000000000000000" pitchFamily="2" charset="-127"/>
                   <a:ea typeface="한컴산뜻돋움" panose="02000000000000000000" pitchFamily="2" charset="-127"/>
                   <a:cs typeface="Arial Unicode MS" panose="020B0604020202020204" pitchFamily="50" charset="-127"/>
@@ -4537,7 +4051,7 @@
         <p:spPr>
           <a:xfrm>
             <a:off x="0" y="223"/>
-            <a:ext cx="32404049" cy="3221796"/>
+            <a:ext cx="32404049" cy="2965977"/>
           </a:xfrm>
           <a:prstGeom prst="rect">
             <a:avLst/>
@@ -4606,8 +4120,8 @@
         </p:nvSpPr>
         <p:spPr>
           <a:xfrm>
-            <a:off x="3049615" y="1843560"/>
-            <a:ext cx="14759134" cy="854080"/>
+            <a:off x="2484001" y="1652706"/>
+            <a:ext cx="11801820" cy="854080"/>
           </a:xfrm>
           <a:prstGeom prst="rect">
             <a:avLst/>
@@ -4667,7 +4181,7 @@
         </p:nvGrpSpPr>
         <p:grpSpPr>
           <a:xfrm>
-            <a:off x="5078603" y="8968556"/>
+            <a:off x="5084083" y="8697801"/>
             <a:ext cx="6230289" cy="688137"/>
             <a:chOff x="-27702" y="10180257"/>
             <a:chExt cx="6796679" cy="750696"/>
@@ -4813,7 +4327,7 @@
         </p:nvGrpSpPr>
         <p:grpSpPr>
           <a:xfrm>
-            <a:off x="4988298" y="14656419"/>
+            <a:off x="4988298" y="14042452"/>
             <a:ext cx="6218761" cy="697952"/>
             <a:chOff x="-15126" y="19871914"/>
             <a:chExt cx="6784103" cy="761401"/>
@@ -4959,7 +4473,7 @@
         </p:nvGrpSpPr>
         <p:grpSpPr>
           <a:xfrm>
-            <a:off x="20624543" y="8849426"/>
+            <a:off x="20625864" y="8503280"/>
             <a:ext cx="6218761" cy="772776"/>
             <a:chOff x="-15126" y="29457655"/>
             <a:chExt cx="6784103" cy="843029"/>
@@ -5241,7 +4755,7 @@
         </p:nvSpPr>
         <p:spPr>
           <a:xfrm>
-            <a:off x="16353400" y="9628277"/>
+            <a:off x="16397791" y="9479218"/>
             <a:ext cx="15389702" cy="9560309"/>
           </a:xfrm>
           <a:prstGeom prst="rect">
@@ -5275,39 +4789,7 @@
                 <a:ea typeface="한컴산뜻돋움" panose="02000000000000000000" pitchFamily="2" charset="-127"/>
                 <a:cs typeface="Arial Unicode MS" panose="020B0600000101010101" charset="-127"/>
               </a:rPr>
-              <a:t>Hardware and Software </a:t>
-            </a:r>
-            <a:r>
-              <a:rPr lang="en-US" altLang="ko-KR" sz="3450" b="1" dirty="0" err="1">
-                <a:solidFill>
-                  <a:srgbClr val="56296E"/>
-                </a:solidFill>
-                <a:effectLst>
-                  <a:outerShdw blurRad="38100" dist="38100" dir="2700000" algn="tl">
-                    <a:srgbClr val="C0C0C0"/>
-                  </a:outerShdw>
-                </a:effectLst>
-                <a:latin typeface="한컴산뜻돋움" panose="02000000000000000000" pitchFamily="2" charset="-127"/>
-                <a:ea typeface="한컴산뜻돋움" panose="02000000000000000000" pitchFamily="2" charset="-127"/>
-                <a:cs typeface="Arial Unicode MS" panose="020B0600000101010101" charset="-127"/>
-              </a:rPr>
-              <a:t>Configuaration</a:t>
-            </a:r>
-            <a:r>
-              <a:rPr lang="en-US" altLang="ko-KR" sz="3450" b="1" dirty="0">
-                <a:solidFill>
-                  <a:srgbClr val="56296E"/>
-                </a:solidFill>
-                <a:effectLst>
-                  <a:outerShdw blurRad="38100" dist="38100" dir="2700000" algn="tl">
-                    <a:srgbClr val="C0C0C0"/>
-                  </a:outerShdw>
-                </a:effectLst>
-                <a:latin typeface="한컴산뜻돋움" panose="02000000000000000000" pitchFamily="2" charset="-127"/>
-                <a:ea typeface="한컴산뜻돋움" panose="02000000000000000000" pitchFamily="2" charset="-127"/>
-                <a:cs typeface="Arial Unicode MS" panose="020B0600000101010101" charset="-127"/>
-              </a:rPr>
-              <a:t> of the Chamber </a:t>
+              <a:t>Hardware and Software Configuaration of the Chamber </a:t>
             </a:r>
           </a:p>
           <a:p>
@@ -5321,13 +4803,7 @@
               <a:rPr lang="ko-KR" altLang="en-US" sz="3000" b="1" dirty="0">
                 <a:ea typeface="한컴산뜻돋움" panose="02000000000000000000" pitchFamily="2" charset="-127"/>
               </a:rPr>
-              <a:t>하드웨어의 각 부분의 탈부착과 수리 및 교체가 용이하도록 </a:t>
-            </a:r>
-            <a:r>
-              <a:rPr lang="ko-KR" altLang="en-US" sz="3000" b="1" dirty="0" err="1">
-                <a:ea typeface="한컴산뜻돋움" panose="02000000000000000000" pitchFamily="2" charset="-127"/>
-              </a:rPr>
-              <a:t>아두이노</a:t>
+              <a:t>하드웨어의 각 부분의 탈부착과 수리 및 교체가 용이하도록 아두이노</a:t>
             </a:r>
             <a:r>
               <a:rPr lang="en-US" altLang="ko-KR" sz="3000" b="1" dirty="0">
@@ -5363,115 +4839,91 @@
               <a:rPr lang="ko-KR" altLang="en-US" sz="3000" b="1" dirty="0">
                 <a:ea typeface="한컴산뜻돋움" panose="02000000000000000000" pitchFamily="2" charset="-127"/>
               </a:rPr>
-              <a:t>여러 가지 알고리즘 구현 및 정보 통신을 위하여 </a:t>
-            </a:r>
-            <a:r>
-              <a:rPr lang="ko-KR" altLang="en-US" sz="3000" b="1" dirty="0" err="1">
-                <a:ea typeface="한컴산뜻돋움" panose="02000000000000000000" pitchFamily="2" charset="-127"/>
-              </a:rPr>
-              <a:t>라즈베리파이를</a:t>
+              <a:t>여러 가지 알고리즘 구현 및 정보 통신을 위하여 라즈베리파이를 </a:t>
+            </a:r>
+            <a:r>
+              <a:rPr lang="en-US" altLang="ko-KR" sz="3000" b="1" dirty="0">
+                <a:ea typeface="한컴산뜻돋움" panose="02000000000000000000" pitchFamily="2" charset="-127"/>
+              </a:rPr>
+              <a:t>S/W </a:t>
             </a:r>
             <a:r>
               <a:rPr lang="ko-KR" altLang="en-US" sz="3000" b="1" dirty="0">
                 <a:ea typeface="한컴산뜻돋움" panose="02000000000000000000" pitchFamily="2" charset="-127"/>
               </a:rPr>
-              <a:t> </a:t>
+              <a:t>플랫폼으로 구성하였다</a:t>
             </a:r>
             <a:r>
               <a:rPr lang="en-US" altLang="ko-KR" sz="3000" b="1" dirty="0">
                 <a:ea typeface="한컴산뜻돋움" panose="02000000000000000000" pitchFamily="2" charset="-127"/>
               </a:rPr>
+              <a:t>. </a:t>
+            </a:r>
+            <a:r>
+              <a:rPr lang="ko-KR" altLang="en-US" sz="3000" b="1" dirty="0">
+                <a:ea typeface="한컴산뜻돋움" panose="02000000000000000000" pitchFamily="2" charset="-127"/>
+              </a:rPr>
+              <a:t>이를 통해 원격에서 인터넷을 통하여 </a:t>
+            </a:r>
+            <a:r>
+              <a:rPr lang="en-US" altLang="ko-KR" sz="3000" b="1" dirty="0">
+                <a:ea typeface="한컴산뜻돋움" panose="02000000000000000000" pitchFamily="2" charset="-127"/>
+              </a:rPr>
               <a:t>S/W </a:t>
             </a:r>
             <a:r>
               <a:rPr lang="ko-KR" altLang="en-US" sz="3000" b="1" dirty="0">
                 <a:ea typeface="한컴산뜻돋움" panose="02000000000000000000" pitchFamily="2" charset="-127"/>
               </a:rPr>
-              <a:t>플랫폼으로 구성하였다</a:t>
+              <a:t>플랫폼에 접속이 가능하고</a:t>
             </a:r>
             <a:r>
               <a:rPr lang="en-US" altLang="ko-KR" sz="3000" b="1" dirty="0">
                 <a:ea typeface="한컴산뜻돋움" panose="02000000000000000000" pitchFamily="2" charset="-127"/>
               </a:rPr>
+              <a:t>, </a:t>
+            </a:r>
+            <a:r>
+              <a:rPr lang="ko-KR" altLang="en-US" sz="3000" b="1" dirty="0">
+                <a:ea typeface="한컴산뜻돋움" panose="02000000000000000000" pitchFamily="2" charset="-127"/>
+              </a:rPr>
+              <a:t>제어 알고리즘을 수정할 수 있다</a:t>
+            </a:r>
+            <a:r>
+              <a:rPr lang="en-US" altLang="ko-KR" sz="3000" b="1" dirty="0">
+                <a:ea typeface="한컴산뜻돋움" panose="02000000000000000000" pitchFamily="2" charset="-127"/>
+              </a:rPr>
               <a:t>. </a:t>
             </a:r>
             <a:r>
               <a:rPr lang="ko-KR" altLang="en-US" sz="3000" b="1" dirty="0">
                 <a:ea typeface="한컴산뜻돋움" panose="02000000000000000000" pitchFamily="2" charset="-127"/>
               </a:rPr>
-              <a:t>이를 통해 원격에서 인터넷을 통하여 </a:t>
+              <a:t>또한 </a:t>
             </a:r>
             <a:r>
               <a:rPr lang="en-US" altLang="ko-KR" sz="3000" b="1" dirty="0">
                 <a:ea typeface="한컴산뜻돋움" panose="02000000000000000000" pitchFamily="2" charset="-127"/>
               </a:rPr>
-              <a:t>S/W </a:t>
+              <a:t>H/W </a:t>
             </a:r>
             <a:r>
               <a:rPr lang="ko-KR" altLang="en-US" sz="3000" b="1" dirty="0">
                 <a:ea typeface="한컴산뜻돋움" panose="02000000000000000000" pitchFamily="2" charset="-127"/>
               </a:rPr>
-              <a:t>플랫폼에 접속이 가능하고</a:t>
+              <a:t>플랫폼을 통해 다양한 센서와 제어장치를 알고리즘에 따라 운영될 수 있도록 구성하였다</a:t>
             </a:r>
             <a:r>
               <a:rPr lang="en-US" altLang="ko-KR" sz="3000" b="1" dirty="0">
                 <a:ea typeface="한컴산뜻돋움" panose="02000000000000000000" pitchFamily="2" charset="-127"/>
               </a:rPr>
-              <a:t>, </a:t>
+              <a:t>. </a:t>
             </a:r>
             <a:r>
               <a:rPr lang="ko-KR" altLang="en-US" sz="3000" b="1" dirty="0">
                 <a:ea typeface="한컴산뜻돋움" panose="02000000000000000000" pitchFamily="2" charset="-127"/>
               </a:rPr>
-              <a:t>제어 알고리즘을 수정할 수 있다</a:t>
-            </a:r>
-            <a:r>
-              <a:rPr lang="en-US" altLang="ko-KR" sz="3000" b="1" dirty="0">
-                <a:ea typeface="한컴산뜻돋움" panose="02000000000000000000" pitchFamily="2" charset="-127"/>
-              </a:rPr>
-              <a:t>. </a:t>
-            </a:r>
-            <a:r>
-              <a:rPr lang="ko-KR" altLang="en-US" sz="3000" b="1" dirty="0">
-                <a:ea typeface="한컴산뜻돋움" panose="02000000000000000000" pitchFamily="2" charset="-127"/>
-              </a:rPr>
-              <a:t>또한 </a:t>
-            </a:r>
-            <a:r>
-              <a:rPr lang="en-US" altLang="ko-KR" sz="3000" b="1" dirty="0">
-                <a:ea typeface="한컴산뜻돋움" panose="02000000000000000000" pitchFamily="2" charset="-127"/>
-              </a:rPr>
-              <a:t>H/W </a:t>
-            </a:r>
-            <a:r>
-              <a:rPr lang="ko-KR" altLang="en-US" sz="3000" b="1" dirty="0">
-                <a:ea typeface="한컴산뜻돋움" panose="02000000000000000000" pitchFamily="2" charset="-127"/>
-              </a:rPr>
-              <a:t>플랫폼을 통해 다양한 센서와 제어장치를 알고리즘에 따라 운영될 수 있도록 구성하였다</a:t>
-            </a:r>
-            <a:r>
-              <a:rPr lang="en-US" altLang="ko-KR" sz="3000" b="1" dirty="0">
-                <a:ea typeface="한컴산뜻돋움" panose="02000000000000000000" pitchFamily="2" charset="-127"/>
-              </a:rPr>
-              <a:t>. </a:t>
-            </a:r>
-            <a:r>
-              <a:rPr lang="ko-KR" altLang="en-US" sz="3000" b="1" dirty="0">
-                <a:ea typeface="한컴산뜻돋움" panose="02000000000000000000" pitchFamily="2" charset="-127"/>
-              </a:rPr>
-              <a:t>제안하는 챔버는 재배환경은 실제 환경이나 </a:t>
-            </a:r>
-            <a:r>
-              <a:rPr lang="ko-KR" altLang="en-US" sz="3000" b="1" dirty="0" err="1">
-                <a:ea typeface="한컴산뜻돋움" panose="02000000000000000000" pitchFamily="2" charset="-127"/>
-              </a:rPr>
-              <a:t>생장챔버에</a:t>
-            </a:r>
-            <a:r>
-              <a:rPr lang="ko-KR" altLang="en-US" sz="3000" b="1" dirty="0">
-                <a:ea typeface="한컴산뜻돋움" panose="02000000000000000000" pitchFamily="2" charset="-127"/>
-              </a:rPr>
-              <a:t> 시스템을 붙일 수 있음을 가정하고</a:t>
+              <a:t>제안하는 챔버는 재배환경은 실제 환경이나 생장챔버에 시스템을 붙일 수 있음을 가정하고</a:t>
             </a:r>
             <a:r>
               <a:rPr lang="en-US" altLang="ko-KR" sz="3000" b="1" dirty="0">
@@ -5527,79 +4979,103 @@
               <a:rPr lang="ko-KR" altLang="en-US" sz="3000" b="1" dirty="0">
                 <a:ea typeface="한컴산뜻돋움" panose="02000000000000000000" pitchFamily="2" charset="-127"/>
               </a:rPr>
-              <a:t>미니 챔버는 아크릴로 제작했고 </a:t>
-            </a:r>
-            <a:r>
-              <a:rPr lang="ko-KR" altLang="en-US" sz="3000" b="1" dirty="0" err="1">
-                <a:ea typeface="한컴산뜻돋움" panose="02000000000000000000" pitchFamily="2" charset="-127"/>
-              </a:rPr>
-              <a:t>온습도</a:t>
+              <a:t>미니 챔버는 아크릴로 제작했고 온습도 센서</a:t>
+            </a:r>
+            <a:r>
+              <a:rPr lang="en-US" altLang="ko-KR" sz="3000" b="1" dirty="0">
+                <a:ea typeface="한컴산뜻돋움" panose="02000000000000000000" pitchFamily="2" charset="-127"/>
+              </a:rPr>
+              <a:t>, </a:t>
             </a:r>
             <a:r>
               <a:rPr lang="ko-KR" altLang="en-US" sz="3000" b="1" dirty="0">
                 <a:ea typeface="한컴산뜻돋움" panose="02000000000000000000" pitchFamily="2" charset="-127"/>
               </a:rPr>
-              <a:t> 센서</a:t>
+              <a:t>조도 센서</a:t>
             </a:r>
             <a:r>
               <a:rPr lang="en-US" altLang="ko-KR" sz="3000" b="1" dirty="0">
                 <a:ea typeface="한컴산뜻돋움" panose="02000000000000000000" pitchFamily="2" charset="-127"/>
               </a:rPr>
+              <a:t>(CdS), </a:t>
+            </a:r>
+            <a:r>
+              <a:rPr lang="ko-KR" altLang="en-US" sz="3000" b="1" dirty="0">
+                <a:ea typeface="한컴산뜻돋움" panose="02000000000000000000" pitchFamily="2" charset="-127"/>
+              </a:rPr>
+              <a:t>토양 유수분 센서</a:t>
+            </a:r>
+            <a:r>
+              <a:rPr lang="en-US" altLang="ko-KR" sz="3000" b="1" dirty="0">
+                <a:ea typeface="한컴산뜻돋움" panose="02000000000000000000" pitchFamily="2" charset="-127"/>
+              </a:rPr>
+              <a:t>, CO2 </a:t>
+            </a:r>
+            <a:r>
+              <a:rPr lang="ko-KR" altLang="en-US" sz="3000" b="1" dirty="0">
+                <a:ea typeface="한컴산뜻돋움" panose="02000000000000000000" pitchFamily="2" charset="-127"/>
+              </a:rPr>
+              <a:t>센서 등 스마트 온실 운영에 필요한 구성센서들을 설치하고</a:t>
+            </a:r>
+            <a:r>
+              <a:rPr lang="en-US" altLang="ko-KR" sz="3000" b="1" dirty="0">
+                <a:ea typeface="한컴산뜻돋움" panose="02000000000000000000" pitchFamily="2" charset="-127"/>
+              </a:rPr>
               <a:t>, </a:t>
             </a:r>
             <a:r>
               <a:rPr lang="ko-KR" altLang="en-US" sz="3000" b="1" dirty="0">
                 <a:ea typeface="한컴산뜻돋움" panose="02000000000000000000" pitchFamily="2" charset="-127"/>
               </a:rPr>
-              <a:t>조도 센서</a:t>
+              <a:t>챔버 외부에 부착한 마이크로 컨트롤러</a:t>
             </a:r>
             <a:r>
               <a:rPr lang="en-US" altLang="ko-KR" sz="3000" b="1" dirty="0">
                 <a:ea typeface="한컴산뜻돋움" panose="02000000000000000000" pitchFamily="2" charset="-127"/>
               </a:rPr>
-              <a:t>(</a:t>
-            </a:r>
-            <a:r>
-              <a:rPr lang="en-US" altLang="ko-KR" sz="3000" b="1" dirty="0" err="1">
-                <a:ea typeface="한컴산뜻돋움" panose="02000000000000000000" pitchFamily="2" charset="-127"/>
-              </a:rPr>
-              <a:t>CdS</a:t>
+              <a:t>(Arduino Mega)</a:t>
+            </a:r>
+            <a:r>
+              <a:rPr lang="ko-KR" altLang="en-US" sz="3000" b="1" dirty="0">
+                <a:ea typeface="한컴산뜻돋움" panose="02000000000000000000" pitchFamily="2" charset="-127"/>
+              </a:rPr>
+              <a:t>에 연결해 챔버 센서 측정 및 제어 장비를 운용할 수 있도록 하였다</a:t>
             </a:r>
             <a:r>
               <a:rPr lang="en-US" altLang="ko-KR" sz="3000" b="1" dirty="0">
                 <a:ea typeface="한컴산뜻돋움" panose="02000000000000000000" pitchFamily="2" charset="-127"/>
               </a:rPr>
-              <a:t>), </a:t>
+              <a:t>. </a:t>
             </a:r>
             <a:r>
               <a:rPr lang="ko-KR" altLang="en-US" sz="3000" b="1" dirty="0">
                 <a:ea typeface="한컴산뜻돋움" panose="02000000000000000000" pitchFamily="2" charset="-127"/>
               </a:rPr>
-              <a:t>토양 </a:t>
-            </a:r>
-            <a:r>
-              <a:rPr lang="ko-KR" altLang="en-US" sz="3000" b="1" dirty="0" err="1">
-                <a:ea typeface="한컴산뜻돋움" panose="02000000000000000000" pitchFamily="2" charset="-127"/>
-              </a:rPr>
-              <a:t>유수분</a:t>
+              <a:t>센서에서 측정된 데이터는 아두이노에 기록되고</a:t>
+            </a:r>
+            <a:r>
+              <a:rPr lang="en-US" altLang="ko-KR" sz="3000" b="1" dirty="0">
+                <a:ea typeface="한컴산뜻돋움" panose="02000000000000000000" pitchFamily="2" charset="-127"/>
+              </a:rPr>
+              <a:t>, </a:t>
             </a:r>
             <a:r>
               <a:rPr lang="ko-KR" altLang="en-US" sz="3000" b="1" dirty="0">
                 <a:ea typeface="한컴산뜻돋움" panose="02000000000000000000" pitchFamily="2" charset="-127"/>
               </a:rPr>
-              <a:t> 센서</a:t>
+              <a:t>이 정보는 라즈베리파이에 설치한 파이썬 프로그램을 이용하여 데이터베이스화를 하였다</a:t>
             </a:r>
             <a:r>
               <a:rPr lang="en-US" altLang="ko-KR" sz="3000" b="1" dirty="0">
                 <a:ea typeface="한컴산뜻돋움" panose="02000000000000000000" pitchFamily="2" charset="-127"/>
               </a:rPr>
-              <a:t>, CO2 </a:t>
+              <a:t>. </a:t>
             </a:r>
             <a:r>
               <a:rPr lang="ko-KR" altLang="en-US" sz="3000" b="1" dirty="0">
                 <a:ea typeface="한컴산뜻돋움" panose="02000000000000000000" pitchFamily="2" charset="-127"/>
               </a:rPr>
-              <a:t>센서 등 스마트 온실 운영에 필요한 구성센서들을 설치하고</a:t>
+              <a:t>예를 들어</a:t>
             </a:r>
             <a:r>
               <a:rPr lang="en-US" altLang="ko-KR" sz="3000" b="1" dirty="0">
@@ -5611,19 +5087,19 @@
               <a:rPr lang="ko-KR" altLang="en-US" sz="3000" b="1" dirty="0">
                 <a:ea typeface="한컴산뜻돋움" panose="02000000000000000000" pitchFamily="2" charset="-127"/>
               </a:rPr>
-              <a:t>챔버 외부에 부착한 마이크로 컨트롤러</a:t>
+              <a:t>라즈베리파이에 설치된 파이썬에서는 습도와 온도를 저장한 후</a:t>
             </a:r>
             <a:r>
               <a:rPr lang="en-US" altLang="ko-KR" sz="3000" b="1" dirty="0">
                 <a:ea typeface="한컴산뜻돋움" panose="02000000000000000000" pitchFamily="2" charset="-127"/>
               </a:rPr>
-              <a:t>(Arduino Mega)</a:t>
+              <a:t>, </a:t>
             </a:r>
             <a:r>
               <a:rPr lang="ko-KR" altLang="en-US" sz="3000" b="1" dirty="0">
                 <a:ea typeface="한컴산뜻돋움" panose="02000000000000000000" pitchFamily="2" charset="-127"/>
               </a:rPr>
-              <a:t>에 연결해 챔버 센서 측정 및 제어 장비를 운용할 수 있도록 하였다</a:t>
+              <a:t>두 관측값을 이용하여 불쾌지수를 계산할 수 있다</a:t>
             </a:r>
             <a:r>
               <a:rPr lang="en-US" altLang="ko-KR" sz="3000" b="1" dirty="0">
@@ -5635,157 +5111,19 @@
               <a:rPr lang="ko-KR" altLang="en-US" sz="3000" b="1" dirty="0">
                 <a:ea typeface="한컴산뜻돋움" panose="02000000000000000000" pitchFamily="2" charset="-127"/>
               </a:rPr>
-              <a:t>센서에서 측정된 데이터는 </a:t>
-            </a:r>
-            <a:r>
-              <a:rPr lang="ko-KR" altLang="en-US" sz="3000" b="1" dirty="0" err="1">
-                <a:ea typeface="한컴산뜻돋움" panose="02000000000000000000" pitchFamily="2" charset="-127"/>
-              </a:rPr>
-              <a:t>아두이노에</a:t>
+              <a:t>팬을 작동시키는 </a:t>
+            </a:r>
+            <a:r>
+              <a:rPr lang="en-US" altLang="ko-KR" sz="3000" b="1" dirty="0">
+                <a:ea typeface="한컴산뜻돋움" panose="02000000000000000000" pitchFamily="2" charset="-127"/>
+              </a:rPr>
+              <a:t>ON-OFF </a:t>
             </a:r>
             <a:r>
               <a:rPr lang="ko-KR" altLang="en-US" sz="3000" b="1" dirty="0">
                 <a:ea typeface="한컴산뜻돋움" panose="02000000000000000000" pitchFamily="2" charset="-127"/>
               </a:rPr>
-              <a:t> 기록되고</a:t>
-            </a:r>
-            <a:r>
-              <a:rPr lang="en-US" altLang="ko-KR" sz="3000" b="1" dirty="0">
-                <a:ea typeface="한컴산뜻돋움" panose="02000000000000000000" pitchFamily="2" charset="-127"/>
-              </a:rPr>
-              <a:t>, </a:t>
-            </a:r>
-            <a:r>
-              <a:rPr lang="ko-KR" altLang="en-US" sz="3000" b="1" dirty="0">
-                <a:ea typeface="한컴산뜻돋움" panose="02000000000000000000" pitchFamily="2" charset="-127"/>
-              </a:rPr>
-              <a:t>이 정보는 </a:t>
-            </a:r>
-            <a:r>
-              <a:rPr lang="ko-KR" altLang="en-US" sz="3000" b="1" dirty="0" err="1">
-                <a:ea typeface="한컴산뜻돋움" panose="02000000000000000000" pitchFamily="2" charset="-127"/>
-              </a:rPr>
-              <a:t>라즈베리파이에</a:t>
-            </a:r>
-            <a:r>
-              <a:rPr lang="ko-KR" altLang="en-US" sz="3000" b="1" dirty="0">
-                <a:ea typeface="한컴산뜻돋움" panose="02000000000000000000" pitchFamily="2" charset="-127"/>
-              </a:rPr>
-              <a:t> 설치한 </a:t>
-            </a:r>
-            <a:r>
-              <a:rPr lang="ko-KR" altLang="en-US" sz="3000" b="1" dirty="0" err="1">
-                <a:ea typeface="한컴산뜻돋움" panose="02000000000000000000" pitchFamily="2" charset="-127"/>
-              </a:rPr>
-              <a:t>파이썬</a:t>
-            </a:r>
-            <a:r>
-              <a:rPr lang="ko-KR" altLang="en-US" sz="3000" b="1" dirty="0">
-                <a:ea typeface="한컴산뜻돋움" panose="02000000000000000000" pitchFamily="2" charset="-127"/>
-              </a:rPr>
-              <a:t> 프로그램을 이용하여 데이터베이스화를 하였다</a:t>
-            </a:r>
-            <a:r>
-              <a:rPr lang="en-US" altLang="ko-KR" sz="3000" b="1" dirty="0">
-                <a:ea typeface="한컴산뜻돋움" panose="02000000000000000000" pitchFamily="2" charset="-127"/>
-              </a:rPr>
-              <a:t>. </a:t>
-            </a:r>
-            <a:r>
-              <a:rPr lang="ko-KR" altLang="en-US" sz="3000" b="1" dirty="0">
-                <a:ea typeface="한컴산뜻돋움" panose="02000000000000000000" pitchFamily="2" charset="-127"/>
-              </a:rPr>
-              <a:t>예를 들어</a:t>
-            </a:r>
-            <a:r>
-              <a:rPr lang="en-US" altLang="ko-KR" sz="3000" b="1" dirty="0">
-                <a:ea typeface="한컴산뜻돋움" panose="02000000000000000000" pitchFamily="2" charset="-127"/>
-              </a:rPr>
-              <a:t>, </a:t>
-            </a:r>
-            <a:r>
-              <a:rPr lang="ko-KR" altLang="en-US" sz="3000" b="1" dirty="0" err="1">
-                <a:ea typeface="한컴산뜻돋움" panose="02000000000000000000" pitchFamily="2" charset="-127"/>
-              </a:rPr>
-              <a:t>라즈베리파이에</a:t>
-            </a:r>
-            <a:r>
-              <a:rPr lang="ko-KR" altLang="en-US" sz="3000" b="1" dirty="0">
-                <a:ea typeface="한컴산뜻돋움" panose="02000000000000000000" pitchFamily="2" charset="-127"/>
-              </a:rPr>
-              <a:t> 설치된 </a:t>
-            </a:r>
-            <a:r>
-              <a:rPr lang="ko-KR" altLang="en-US" sz="3000" b="1" dirty="0" err="1">
-                <a:ea typeface="한컴산뜻돋움" panose="02000000000000000000" pitchFamily="2" charset="-127"/>
-              </a:rPr>
-              <a:t>파이썬에서는</a:t>
-            </a:r>
-            <a:r>
-              <a:rPr lang="ko-KR" altLang="en-US" sz="3000" b="1" dirty="0">
-                <a:ea typeface="한컴산뜻돋움" panose="02000000000000000000" pitchFamily="2" charset="-127"/>
-              </a:rPr>
-              <a:t> 습도와 온도를 저장한 후</a:t>
-            </a:r>
-            <a:r>
-              <a:rPr lang="en-US" altLang="ko-KR" sz="3000" b="1" dirty="0">
-                <a:ea typeface="한컴산뜻돋움" panose="02000000000000000000" pitchFamily="2" charset="-127"/>
-              </a:rPr>
-              <a:t>, </a:t>
-            </a:r>
-            <a:r>
-              <a:rPr lang="ko-KR" altLang="en-US" sz="3000" b="1" dirty="0">
-                <a:ea typeface="한컴산뜻돋움" panose="02000000000000000000" pitchFamily="2" charset="-127"/>
-              </a:rPr>
-              <a:t>두 </a:t>
-            </a:r>
-            <a:r>
-              <a:rPr lang="ko-KR" altLang="en-US" sz="3000" b="1" dirty="0" err="1">
-                <a:ea typeface="한컴산뜻돋움" panose="02000000000000000000" pitchFamily="2" charset="-127"/>
-              </a:rPr>
-              <a:t>관측값을</a:t>
-            </a:r>
-            <a:r>
-              <a:rPr lang="ko-KR" altLang="en-US" sz="3000" b="1" dirty="0">
-                <a:ea typeface="한컴산뜻돋움" panose="02000000000000000000" pitchFamily="2" charset="-127"/>
-              </a:rPr>
-              <a:t> 이용하여 불쾌지수를 계산할 수 있다</a:t>
-            </a:r>
-            <a:r>
-              <a:rPr lang="en-US" altLang="ko-KR" sz="3000" b="1" dirty="0">
-                <a:ea typeface="한컴산뜻돋움" panose="02000000000000000000" pitchFamily="2" charset="-127"/>
-              </a:rPr>
-              <a:t>. </a:t>
-            </a:r>
-            <a:r>
-              <a:rPr lang="ko-KR" altLang="en-US" sz="3000" b="1" dirty="0">
-                <a:ea typeface="한컴산뜻돋움" panose="02000000000000000000" pitchFamily="2" charset="-127"/>
-              </a:rPr>
-              <a:t>팬을 작동시키는 </a:t>
-            </a:r>
-            <a:r>
-              <a:rPr lang="en-US" altLang="ko-KR" sz="3000" b="1" dirty="0">
-                <a:ea typeface="한컴산뜻돋움" panose="02000000000000000000" pitchFamily="2" charset="-127"/>
-              </a:rPr>
-              <a:t>ON-OFF </a:t>
-            </a:r>
-            <a:r>
-              <a:rPr lang="ko-KR" altLang="en-US" sz="3000" b="1" dirty="0">
-                <a:ea typeface="한컴산뜻돋움" panose="02000000000000000000" pitchFamily="2" charset="-127"/>
-              </a:rPr>
-              <a:t>제어 명령과 조도 및 창문의 개폐를 조절하는 비례제어 명령은 </a:t>
-            </a:r>
-            <a:r>
-              <a:rPr lang="ko-KR" altLang="en-US" sz="3000" b="1" dirty="0" err="1">
-                <a:ea typeface="한컴산뜻돋움" panose="02000000000000000000" pitchFamily="2" charset="-127"/>
-              </a:rPr>
-              <a:t>아두이노로</a:t>
-            </a:r>
-            <a:r>
-              <a:rPr lang="ko-KR" altLang="en-US" sz="3000" b="1" dirty="0">
-                <a:ea typeface="한컴산뜻돋움" panose="02000000000000000000" pitchFamily="2" charset="-127"/>
-              </a:rPr>
-              <a:t> 전달되어 실제 기기가 작동할 수 있다</a:t>
+              <a:t>제어 명령과 조도 및 창문의 개폐를 조절하는 비례제어 명령은 아두이노로 전달되어 실제 기기가 작동할 수 있다</a:t>
             </a:r>
             <a:r>
               <a:rPr lang="en-US" altLang="ko-KR" sz="3000" b="1" dirty="0">
@@ -5836,8 +5174,8 @@
         </p:nvSpPr>
         <p:spPr>
           <a:xfrm>
-            <a:off x="639874" y="10392065"/>
-            <a:ext cx="15044706" cy="3355399"/>
+            <a:off x="636252" y="10162362"/>
+            <a:ext cx="15224009" cy="3355399"/>
           </a:xfrm>
           <a:prstGeom prst="rect">
             <a:avLst/>
@@ -6104,7 +5442,7 @@
         </p:nvGrpSpPr>
         <p:grpSpPr>
           <a:xfrm>
-            <a:off x="4955765" y="20792970"/>
+            <a:off x="4957086" y="19918540"/>
             <a:ext cx="6218761" cy="772776"/>
             <a:chOff x="-15126" y="29457655"/>
             <a:chExt cx="6784103" cy="843029"/>
@@ -6302,8 +5640,8 @@
         </p:nvSpPr>
         <p:spPr>
           <a:xfrm>
-            <a:off x="16353400" y="20842722"/>
-            <a:ext cx="15493964" cy="4020331"/>
+            <a:off x="16293529" y="20726452"/>
+            <a:ext cx="15688234" cy="4020331"/>
           </a:xfrm>
           <a:prstGeom prst="rect">
             <a:avLst/>
@@ -6347,16 +5685,10 @@
               <a:defRPr/>
             </a:pPr>
             <a:r>
-              <a:rPr lang="ko-KR" altLang="en-US" sz="3000" b="1" dirty="0" err="1">
-                <a:ea typeface="한컴산뜻돋움" panose="02000000000000000000" pitchFamily="2" charset="-127"/>
-              </a:rPr>
-              <a:t>라즈베리파이는</a:t>
-            </a:r>
-            <a:r>
               <a:rPr lang="ko-KR" altLang="en-US" sz="3000" b="1" dirty="0">
                 <a:ea typeface="한컴산뜻돋움" panose="02000000000000000000" pitchFamily="2" charset="-127"/>
               </a:rPr>
-              <a:t> 저전력으로 운영되는 마이크로컴퓨터로 비용이 저렴하여 현장에 설치하기 유용한 컴퓨터이다</a:t>
+              <a:t>라즈베리파이는 저전력으로 운영되는 마이크로컴퓨터로 비용이 저렴하여 현장에 설치하기 유용한 컴퓨터이다</a:t>
             </a:r>
             <a:r>
               <a:rPr lang="en-US" altLang="ko-KR" sz="3000" b="1" dirty="0">
@@ -6365,16 +5697,10 @@
               <a:t>. </a:t>
             </a:r>
             <a:r>
-              <a:rPr lang="ko-KR" altLang="en-US" sz="3000" b="1" dirty="0" err="1">
-                <a:ea typeface="한컴산뜻돋움" panose="02000000000000000000" pitchFamily="2" charset="-127"/>
-              </a:rPr>
-              <a:t>라즈베리파이에</a:t>
-            </a:r>
-            <a:r>
               <a:rPr lang="ko-KR" altLang="en-US" sz="3000" b="1" dirty="0">
                 <a:ea typeface="한컴산뜻돋움" panose="02000000000000000000" pitchFamily="2" charset="-127"/>
               </a:rPr>
-              <a:t> </a:t>
+              <a:t>라즈베리파이에 </a:t>
             </a:r>
             <a:r>
               <a:rPr lang="en-US" altLang="ko-KR" sz="3000" b="1" dirty="0">
@@ -6410,43 +5736,19 @@
               <a:rPr lang="ko-KR" altLang="en-US" sz="3000" b="1" dirty="0">
                 <a:ea typeface="한컴산뜻돋움" panose="02000000000000000000" pitchFamily="2" charset="-127"/>
               </a:rPr>
-              <a:t>이런 형태의 설계는 </a:t>
-            </a:r>
-            <a:r>
-              <a:rPr lang="ko-KR" altLang="en-US" sz="3000" b="1" dirty="0" err="1">
-                <a:ea typeface="한컴산뜻돋움" panose="02000000000000000000" pitchFamily="2" charset="-127"/>
-              </a:rPr>
-              <a:t>미니챔버가</a:t>
+              <a:t>이런 형태의 설계는 미니챔버가 독립된 형태의 실험장비로 운영될 수 있게 한다</a:t>
+            </a:r>
+            <a:r>
+              <a:rPr lang="en-US" altLang="ko-KR" sz="3000" b="1" dirty="0">
+                <a:ea typeface="한컴산뜻돋움" panose="02000000000000000000" pitchFamily="2" charset="-127"/>
+              </a:rPr>
+              <a:t>. </a:t>
             </a:r>
             <a:r>
               <a:rPr lang="ko-KR" altLang="en-US" sz="3000" b="1" dirty="0">
                 <a:ea typeface="한컴산뜻돋움" panose="02000000000000000000" pitchFamily="2" charset="-127"/>
               </a:rPr>
-              <a:t> 독립된 형태의 실험장비로 운영될 수 있게 한다</a:t>
-            </a:r>
-            <a:r>
-              <a:rPr lang="en-US" altLang="ko-KR" sz="3000" b="1" dirty="0">
-                <a:ea typeface="한컴산뜻돋움" panose="02000000000000000000" pitchFamily="2" charset="-127"/>
-              </a:rPr>
-              <a:t>. </a:t>
-            </a:r>
-            <a:r>
-              <a:rPr lang="ko-KR" altLang="en-US" sz="3000" b="1" dirty="0">
-                <a:ea typeface="한컴산뜻돋움" panose="02000000000000000000" pitchFamily="2" charset="-127"/>
-              </a:rPr>
-              <a:t>스마트폰이나 패드 제품 등 모바일장비로 </a:t>
-            </a:r>
-            <a:r>
-              <a:rPr lang="ko-KR" altLang="en-US" sz="3000" b="1" dirty="0" err="1">
-                <a:ea typeface="한컴산뜻돋움" panose="02000000000000000000" pitchFamily="2" charset="-127"/>
-              </a:rPr>
-              <a:t>미니챔버에</a:t>
-            </a:r>
-            <a:r>
-              <a:rPr lang="ko-KR" altLang="en-US" sz="3000" b="1" dirty="0">
-                <a:ea typeface="한컴산뜻돋움" panose="02000000000000000000" pitchFamily="2" charset="-127"/>
-              </a:rPr>
-              <a:t> 접속하여 센서의 작동유무 체크 및 제어장치의 구동을 수행할 수 있다</a:t>
+              <a:t>스마트폰이나 패드 제품 등 모바일장비로 미니챔버에 접속하여 센서의 작동유무 체크 및 제어장치의 구동을 수행할 수 있다</a:t>
             </a:r>
             <a:r>
               <a:rPr lang="en-US" altLang="ko-KR" sz="3000" b="1" dirty="0">
@@ -6514,8 +5816,8 @@
         </p:nvSpPr>
         <p:spPr>
           <a:xfrm>
-            <a:off x="743638" y="16787843"/>
-            <a:ext cx="15009759" cy="3153102"/>
+            <a:off x="694349" y="16250484"/>
+            <a:ext cx="15165912" cy="3153102"/>
           </a:xfrm>
           <a:prstGeom prst="rect">
             <a:avLst/>
@@ -6604,15 +5906,15 @@
                 <a:ea typeface="한컴산뜻돋움" panose="02000000000000000000" pitchFamily="2" charset="-127"/>
                 <a:cs typeface="Arial Unicode MS" panose="020B0604020202020204" pitchFamily="50" charset="-127"/>
               </a:rPr>
-              <a:t>하지만 환경조절은 제품에 미리 </a:t>
-            </a:r>
-            <a:r>
-              <a:rPr lang="ko-KR" altLang="en-US" sz="3000" b="1" dirty="0" err="1">
+              <a:t>하지만 환경조절은 제품에 미리 프로그래밍된 규칙만으로 운영이 되고 있고</a:t>
+            </a:r>
+            <a:r>
+              <a:rPr lang="en-US" altLang="ko-KR" sz="3000" b="1" dirty="0">
                 <a:latin typeface="한컴산뜻돋움" panose="02000000000000000000" pitchFamily="2" charset="-127"/>
                 <a:ea typeface="한컴산뜻돋움" panose="02000000000000000000" pitchFamily="2" charset="-127"/>
                 <a:cs typeface="Arial Unicode MS" panose="020B0604020202020204" pitchFamily="50" charset="-127"/>
               </a:rPr>
-              <a:t>프로그래밍된</a:t>
+              <a:t>, </a:t>
             </a:r>
             <a:r>
               <a:rPr lang="ko-KR" altLang="en-US" sz="3000" b="1" dirty="0">
@@ -6620,7 +5922,7 @@
                 <a:ea typeface="한컴산뜻돋움" panose="02000000000000000000" pitchFamily="2" charset="-127"/>
                 <a:cs typeface="Arial Unicode MS" panose="020B0604020202020204" pitchFamily="50" charset="-127"/>
               </a:rPr>
-              <a:t> 규칙만으로 운영이 되고 있고</a:t>
+              <a:t>외부에서 새로운 알고리즘으로 운영 소프트웨어를 만들더라도 적용하기가 어렵다</a:t>
             </a:r>
             <a:r>
               <a:rPr lang="en-US" altLang="ko-KR" sz="3000" b="1" dirty="0">
@@ -6628,91 +5930,55 @@
                 <a:ea typeface="한컴산뜻돋움" panose="02000000000000000000" pitchFamily="2" charset="-127"/>
                 <a:cs typeface="Arial Unicode MS" panose="020B0604020202020204" pitchFamily="50" charset="-127"/>
               </a:rPr>
+              <a:t>. </a:t>
+            </a:r>
+            <a:r>
+              <a:rPr lang="ko-KR" altLang="en-US" sz="3000" b="1" dirty="0">
+                <a:latin typeface="한컴산뜻돋움" panose="02000000000000000000" pitchFamily="2" charset="-127"/>
+                <a:ea typeface="한컴산뜻돋움" panose="02000000000000000000" pitchFamily="2" charset="-127"/>
+                <a:cs typeface="Arial Unicode MS" panose="020B0604020202020204" pitchFamily="50" charset="-127"/>
+              </a:rPr>
+              <a:t>또한 폐쇄적인 설계로 인해 추가적인 센서 및 제어장치를 설피하여 실험하기가 불가능한 제품이 많다</a:t>
+            </a:r>
+            <a:r>
+              <a:rPr lang="en-US" altLang="ko-KR" sz="3000" b="1" dirty="0">
+                <a:latin typeface="한컴산뜻돋움" panose="02000000000000000000" pitchFamily="2" charset="-127"/>
+                <a:ea typeface="한컴산뜻돋움" panose="02000000000000000000" pitchFamily="2" charset="-127"/>
+                <a:cs typeface="Arial Unicode MS" panose="020B0604020202020204" pitchFamily="50" charset="-127"/>
+              </a:rPr>
+              <a:t>. </a:t>
+            </a:r>
+            <a:r>
+              <a:rPr lang="ko-KR" altLang="en-US" sz="3000" b="1" dirty="0">
+                <a:ea typeface="한컴산뜻돋움" panose="02000000000000000000" pitchFamily="2" charset="-127"/>
+              </a:rPr>
+              <a:t>본 연구에서는 챔버의 운영 알고리즘을 개선하고</a:t>
+            </a:r>
+            <a:r>
+              <a:rPr lang="en-US" altLang="ko-KR" sz="3000" b="1" dirty="0">
+                <a:ea typeface="한컴산뜻돋움" panose="02000000000000000000" pitchFamily="2" charset="-127"/>
+              </a:rPr>
               <a:t>, </a:t>
             </a:r>
             <a:r>
               <a:rPr lang="ko-KR" altLang="en-US" sz="3000" b="1" dirty="0">
+                <a:ea typeface="한컴산뜻돋움" panose="02000000000000000000" pitchFamily="2" charset="-127"/>
+              </a:rPr>
+              <a:t>새로운 장비 및 센서를 추가하여 실험할 수 있도록 오픈형 미니챔버를 구현하고자 한다</a:t>
+            </a:r>
+            <a:r>
+              <a:rPr lang="en-US" altLang="ko-KR" sz="3000" b="1" dirty="0">
+                <a:ea typeface="한컴산뜻돋움" panose="02000000000000000000" pitchFamily="2" charset="-127"/>
+              </a:rPr>
+              <a:t>. </a:t>
+            </a:r>
+            <a:r>
+              <a:rPr lang="ko-KR" altLang="en-US" sz="3000" b="1" dirty="0">
                 <a:latin typeface="한컴산뜻돋움" panose="02000000000000000000" pitchFamily="2" charset="-127"/>
                 <a:ea typeface="한컴산뜻돋움" panose="02000000000000000000" pitchFamily="2" charset="-127"/>
                 <a:cs typeface="Arial Unicode MS" panose="020B0604020202020204" pitchFamily="50" charset="-127"/>
               </a:rPr>
-              <a:t>외부에서 새로운 알고리즘으로 운영 소프트웨어를 만들더라도 적용하기가 어렵다</a:t>
-            </a:r>
-            <a:r>
-              <a:rPr lang="en-US" altLang="ko-KR" sz="3000" b="1" dirty="0">
-                <a:latin typeface="한컴산뜻돋움" panose="02000000000000000000" pitchFamily="2" charset="-127"/>
-                <a:ea typeface="한컴산뜻돋움" panose="02000000000000000000" pitchFamily="2" charset="-127"/>
-                <a:cs typeface="Arial Unicode MS" panose="020B0604020202020204" pitchFamily="50" charset="-127"/>
-              </a:rPr>
-              <a:t>. </a:t>
-            </a:r>
-            <a:r>
-              <a:rPr lang="ko-KR" altLang="en-US" sz="3000" b="1" dirty="0">
-                <a:latin typeface="한컴산뜻돋움" panose="02000000000000000000" pitchFamily="2" charset="-127"/>
-                <a:ea typeface="한컴산뜻돋움" panose="02000000000000000000" pitchFamily="2" charset="-127"/>
-                <a:cs typeface="Arial Unicode MS" panose="020B0604020202020204" pitchFamily="50" charset="-127"/>
-              </a:rPr>
-              <a:t>또한 폐쇄적인 설계로 인해 추가적인 센서 및 제어장치를 설피하여 실험하기가 불가능한 제품이 많다</a:t>
-            </a:r>
-            <a:r>
-              <a:rPr lang="en-US" altLang="ko-KR" sz="3000" b="1" dirty="0">
-                <a:latin typeface="한컴산뜻돋움" panose="02000000000000000000" pitchFamily="2" charset="-127"/>
-                <a:ea typeface="한컴산뜻돋움" panose="02000000000000000000" pitchFamily="2" charset="-127"/>
-                <a:cs typeface="Arial Unicode MS" panose="020B0604020202020204" pitchFamily="50" charset="-127"/>
-              </a:rPr>
-              <a:t>. </a:t>
-            </a:r>
-            <a:r>
-              <a:rPr lang="ko-KR" altLang="en-US" sz="3000" b="1" dirty="0">
-                <a:ea typeface="한컴산뜻돋움" panose="02000000000000000000" pitchFamily="2" charset="-127"/>
-              </a:rPr>
-              <a:t>본 연구에서는 챔버의 운영 알고리즘을 개선하고</a:t>
-            </a:r>
-            <a:r>
-              <a:rPr lang="en-US" altLang="ko-KR" sz="3000" b="1" dirty="0">
-                <a:ea typeface="한컴산뜻돋움" panose="02000000000000000000" pitchFamily="2" charset="-127"/>
-              </a:rPr>
-              <a:t>, </a:t>
-            </a:r>
-            <a:r>
-              <a:rPr lang="ko-KR" altLang="en-US" sz="3000" b="1" dirty="0">
-                <a:ea typeface="한컴산뜻돋움" panose="02000000000000000000" pitchFamily="2" charset="-127"/>
-              </a:rPr>
-              <a:t>새로운 장비 및 센서를 추가하여 실험할 수 있도록 오픈형 </a:t>
-            </a:r>
-            <a:r>
-              <a:rPr lang="ko-KR" altLang="en-US" sz="3000" b="1" dirty="0" err="1">
-                <a:ea typeface="한컴산뜻돋움" panose="02000000000000000000" pitchFamily="2" charset="-127"/>
-              </a:rPr>
-              <a:t>미니챔버를</a:t>
-            </a:r>
-            <a:r>
-              <a:rPr lang="ko-KR" altLang="en-US" sz="3000" b="1" dirty="0">
-                <a:ea typeface="한컴산뜻돋움" panose="02000000000000000000" pitchFamily="2" charset="-127"/>
-              </a:rPr>
-              <a:t> 구현하고자 한다</a:t>
-            </a:r>
-            <a:r>
-              <a:rPr lang="en-US" altLang="ko-KR" sz="3000" b="1" dirty="0">
-                <a:ea typeface="한컴산뜻돋움" panose="02000000000000000000" pitchFamily="2" charset="-127"/>
-              </a:rPr>
-              <a:t>. </a:t>
-            </a:r>
-            <a:r>
-              <a:rPr lang="ko-KR" altLang="en-US" sz="3000" b="1" dirty="0" err="1">
-                <a:latin typeface="한컴산뜻돋움" panose="02000000000000000000" pitchFamily="2" charset="-127"/>
-                <a:ea typeface="한컴산뜻돋움" panose="02000000000000000000" pitchFamily="2" charset="-127"/>
-                <a:cs typeface="Arial Unicode MS" panose="020B0604020202020204" pitchFamily="50" charset="-127"/>
-              </a:rPr>
-              <a:t>미니챔버를</a:t>
-            </a:r>
-            <a:r>
-              <a:rPr lang="ko-KR" altLang="en-US" sz="3000" b="1" dirty="0">
-                <a:latin typeface="한컴산뜻돋움" panose="02000000000000000000" pitchFamily="2" charset="-127"/>
-                <a:ea typeface="한컴산뜻돋움" panose="02000000000000000000" pitchFamily="2" charset="-127"/>
-                <a:cs typeface="Arial Unicode MS" panose="020B0604020202020204" pitchFamily="50" charset="-127"/>
-              </a:rPr>
-              <a:t> 구현한 이후에는 이미지 분석을 통한 </a:t>
+              <a:t>미니챔버를 구현한 이후에는 이미지 분석을 통한 </a:t>
             </a:r>
             <a:r>
               <a:rPr lang="en-US" altLang="ko-KR" sz="3000" b="1" dirty="0">
@@ -6760,8 +6026,8 @@
         </p:nvSpPr>
         <p:spPr>
           <a:xfrm>
-            <a:off x="19873794" y="1085000"/>
-            <a:ext cx="13202599" cy="1151341"/>
+            <a:off x="19507200" y="970567"/>
+            <a:ext cx="13492993" cy="1151341"/>
           </a:xfrm>
           <a:prstGeom prst="roundRect">
             <a:avLst>
@@ -6871,11 +6137,11 @@
           <p:nvPr/>
         </p:nvPicPr>
         <p:blipFill rotWithShape="1">
-          <a:blip r:embed="rId4">
+          <a:blip r:embed="rId3">
             <a:extLst>
               <a:ext uri="{BEBA8EAE-BF5A-486C-A8C5-ECC9F3942E4B}">
                 <a14:imgProps xmlns:a14="http://schemas.microsoft.com/office/drawing/2010/main">
-                  <a14:imgLayer r:embed="rId5">
+                  <a14:imgLayer r:embed="rId4">
                     <a14:imgEffect>
                       <a14:brightnessContrast bright="100000"/>
                     </a14:imgEffect>
@@ -6892,8 +6158,8 @@
         </p:blipFill>
         <p:spPr>
           <a:xfrm>
-            <a:off x="3049615" y="597173"/>
-            <a:ext cx="7161506" cy="1221815"/>
+            <a:off x="2483503" y="289010"/>
+            <a:ext cx="7123618" cy="1215351"/>
           </a:xfrm>
           <a:prstGeom prst="rect">
             <a:avLst/>
@@ -6915,11 +6181,11 @@
           <p:nvPr/>
         </p:nvPicPr>
         <p:blipFill rotWithShape="1">
-          <a:blip r:embed="rId6">
+          <a:blip r:embed="rId5">
             <a:extLst>
               <a:ext uri="{BEBA8EAE-BF5A-486C-A8C5-ECC9F3942E4B}">
                 <a14:imgProps xmlns:a14="http://schemas.microsoft.com/office/drawing/2010/main">
-                  <a14:imgLayer r:embed="rId7">
+                  <a14:imgLayer r:embed="rId6">
                     <a14:imgEffect>
                       <a14:brightnessContrast bright="100000"/>
                     </a14:imgEffect>
@@ -6936,8 +6202,8 @@
         </p:blipFill>
         <p:spPr>
           <a:xfrm>
-            <a:off x="-898525" y="339643"/>
-            <a:ext cx="5044435" cy="2931694"/>
+            <a:off x="-1225398" y="210070"/>
+            <a:ext cx="5017748" cy="2916184"/>
           </a:xfrm>
           <a:prstGeom prst="rect">
             <a:avLst/>
@@ -7011,23 +6277,7 @@
                   <a:schemeClr val="bg1"/>
                 </a:solidFill>
               </a:rPr>
-              <a:t>과 한국연구재단 </a:t>
-            </a:r>
-            <a:r>
-              <a:rPr lang="ko-KR" altLang="en-US" sz="2300" b="1" dirty="0" err="1">
-                <a:solidFill>
-                  <a:schemeClr val="bg1"/>
-                </a:solidFill>
-              </a:rPr>
-              <a:t>이공분야기초연구사업</a:t>
-            </a:r>
-            <a:r>
-              <a:rPr lang="ko-KR" altLang="en-US" sz="2300" b="1" dirty="0">
-                <a:solidFill>
-                  <a:schemeClr val="bg1"/>
-                </a:solidFill>
-              </a:rPr>
-              <a:t> </a:t>
+              <a:t>과 한국연구재단 이공분야기초연구사업 </a:t>
             </a:r>
             <a:r>
               <a:rPr lang="en-US" altLang="ko-KR" sz="2300" b="1" dirty="0">
@@ -7133,7 +6383,7 @@
           <a:lstStyle/>
           <a:p>
             <a:pPr algn="ctr"/>
-            <a:endParaRPr lang="ko-KR" altLang="en-US"/>
+            <a:endParaRPr lang="ko-KR" altLang="en-US" dirty="0"/>
           </a:p>
         </p:txBody>
       </p:sp>
@@ -7171,18 +6421,10 @@
             </a:r>
             <a:r>
               <a:rPr lang="en-US" altLang="ko-KR" sz="3000" dirty="0"/>
-              <a:t>Dash-</a:t>
-            </a:r>
-            <a:r>
-              <a:rPr lang="en-US" altLang="ko-KR" sz="3000" dirty="0" err="1"/>
-              <a:t>Borad</a:t>
-            </a:r>
-            <a:r>
-              <a:rPr lang="en-US" altLang="ko-KR" sz="3000" dirty="0"/>
-              <a:t> </a:t>
-            </a:r>
-            <a:r>
-              <a:rPr lang="ko-KR" altLang="en-US" sz="3000" dirty="0" err="1"/>
+              <a:t>Dash-Borad </a:t>
+            </a:r>
+            <a:r>
+              <a:rPr lang="ko-KR" altLang="en-US" sz="3000" dirty="0"/>
               <a:t>넣을거임</a:t>
             </a:r>
             <a:r>
@@ -7190,10 +6432,9 @@
               <a:t>~</a:t>
             </a:r>
             <a:r>
-              <a:rPr lang="ko-KR" altLang="en-US" sz="3000" dirty="0" err="1"/>
+              <a:rPr lang="ko-KR" altLang="en-US" sz="3000" dirty="0"/>
               <a:t>ㅋ</a:t>
             </a:r>
-            <a:endParaRPr lang="ko-KR" altLang="en-US" sz="3000" dirty="0"/>
           </a:p>
         </p:txBody>
       </p:sp>
@@ -7213,8 +6454,8 @@
         </p:nvSpPr>
         <p:spPr>
           <a:xfrm>
-            <a:off x="685183" y="28041955"/>
-            <a:ext cx="14508936" cy="1804428"/>
+            <a:off x="763087" y="21225822"/>
+            <a:ext cx="14950702" cy="1804428"/>
           </a:xfrm>
           <a:prstGeom prst="rect">
             <a:avLst/>
@@ -7255,15 +6496,7 @@
                 <a:ea typeface="한컴산뜻돋움" panose="02000000000000000000" pitchFamily="2" charset="-127"/>
                 <a:cs typeface="Arial Unicode MS" panose="020B0604020202020204" pitchFamily="50" charset="-127"/>
               </a:rPr>
-              <a:t>결과 부분에 대시보드에 대한 설명도 같이 있으면 </a:t>
-            </a:r>
-            <a:r>
-              <a:rPr lang="ko-KR" altLang="en-US" sz="3000" b="1" dirty="0" err="1">
-                <a:latin typeface="한컴산뜻돋움" panose="02000000000000000000" pitchFamily="2" charset="-127"/>
-                <a:ea typeface="한컴산뜻돋움" panose="02000000000000000000" pitchFamily="2" charset="-127"/>
-                <a:cs typeface="Arial Unicode MS" panose="020B0604020202020204" pitchFamily="50" charset="-127"/>
-              </a:rPr>
-              <a:t>좋을듯</a:t>
+              <a:t>결과 부분에 대시보드에 대한 설명도 같이 있으면 좋을듯</a:t>
             </a:r>
           </a:p>
           <a:p>
@@ -7314,7 +6547,7 @@
         </p:nvSpPr>
         <p:spPr>
           <a:xfrm>
-            <a:off x="16309838" y="24944536"/>
+            <a:off x="16354770" y="24814089"/>
             <a:ext cx="13962807" cy="4575483"/>
           </a:xfrm>
           <a:prstGeom prst="rect">
@@ -7359,12 +6592,20 @@
               <a:defRPr/>
             </a:pPr>
             <a:r>
-              <a:rPr lang="ko-KR" altLang="en-US" sz="3000" b="1" dirty="0" err="1">
+              <a:rPr lang="ko-KR" altLang="en-US" sz="3000" b="1" dirty="0">
                 <a:latin typeface="한컴산뜻돋움" panose="02000000000000000000" pitchFamily="2" charset="-127"/>
                 <a:ea typeface="한컴산뜻돋움" panose="02000000000000000000" pitchFamily="2" charset="-127"/>
                 <a:cs typeface="Arial Unicode MS" panose="020B0600000101010101" charset="-127"/>
               </a:rPr>
-              <a:t>티쳐블</a:t>
+              <a:t>티쳐블 머신을 이용하여 토마토의 생육단계별 이미지를 학습시키고 학습시킨 모델을 </a:t>
+            </a:r>
+            <a:r>
+              <a:rPr lang="en-US" altLang="ko-KR" sz="3000" b="1" dirty="0">
+                <a:latin typeface="한컴산뜻돋움" panose="02000000000000000000" pitchFamily="2" charset="-127"/>
+                <a:ea typeface="한컴산뜻돋움" panose="02000000000000000000" pitchFamily="2" charset="-127"/>
+                <a:cs typeface="Arial Unicode MS" panose="020B0600000101010101" charset="-127"/>
+              </a:rPr>
+              <a:t>Keras </a:t>
             </a:r>
             <a:r>
               <a:rPr lang="ko-KR" altLang="en-US" sz="3000" b="1" dirty="0">
@@ -7372,15 +6613,15 @@
                 <a:ea typeface="한컴산뜻돋움" panose="02000000000000000000" pitchFamily="2" charset="-127"/>
                 <a:cs typeface="Arial Unicode MS" panose="020B0600000101010101" charset="-127"/>
               </a:rPr>
-              <a:t> </a:t>
-            </a:r>
-            <a:r>
-              <a:rPr lang="ko-KR" altLang="en-US" sz="3000" b="1" dirty="0" err="1">
+              <a:t>모델 형태로 추출했다</a:t>
+            </a:r>
+            <a:r>
+              <a:rPr lang="en-US" altLang="ko-KR" sz="3000" b="1" dirty="0">
                 <a:latin typeface="한컴산뜻돋움" panose="02000000000000000000" pitchFamily="2" charset="-127"/>
                 <a:ea typeface="한컴산뜻돋움" panose="02000000000000000000" pitchFamily="2" charset="-127"/>
                 <a:cs typeface="Arial Unicode MS" panose="020B0600000101010101" charset="-127"/>
               </a:rPr>
-              <a:t>머신을</a:t>
+              <a:t>. </a:t>
             </a:r>
             <a:r>
               <a:rPr lang="ko-KR" altLang="en-US" sz="3000" b="1" dirty="0">
@@ -7388,23 +6629,159 @@
                 <a:ea typeface="한컴산뜻돋움" panose="02000000000000000000" pitchFamily="2" charset="-127"/>
                 <a:cs typeface="Arial Unicode MS" panose="020B0600000101010101" charset="-127"/>
               </a:rPr>
-              <a:t> 이용하여 토마토의 생육단계별 이미지를 학습시키고 학습시킨 모델을 </a:t>
-            </a:r>
-            <a:r>
-              <a:rPr lang="en-US" altLang="ko-KR" sz="3000" b="1" dirty="0" err="1">
+              <a:t>토마토의 생육단계는 총 </a:t>
+            </a:r>
+            <a:r>
+              <a:rPr lang="en-US" altLang="ko-KR" sz="3000" b="1" dirty="0">
                 <a:latin typeface="한컴산뜻돋움" panose="02000000000000000000" pitchFamily="2" charset="-127"/>
                 <a:ea typeface="한컴산뜻돋움" panose="02000000000000000000" pitchFamily="2" charset="-127"/>
                 <a:cs typeface="Arial Unicode MS" panose="020B0600000101010101" charset="-127"/>
               </a:rPr>
+              <a:t>5</a:t>
+            </a:r>
+            <a:r>
+              <a:rPr lang="ko-KR" altLang="en-US" sz="3000" b="1" dirty="0">
+                <a:latin typeface="한컴산뜻돋움" panose="02000000000000000000" pitchFamily="2" charset="-127"/>
+                <a:ea typeface="한컴산뜻돋움" panose="02000000000000000000" pitchFamily="2" charset="-127"/>
+                <a:cs typeface="Arial Unicode MS" panose="020B0600000101010101" charset="-127"/>
+              </a:rPr>
+              <a:t>개로 발아</a:t>
+            </a:r>
+            <a:r>
+              <a:rPr lang="en-US" altLang="ko-KR" sz="3000" b="1" dirty="0">
+                <a:latin typeface="한컴산뜻돋움" panose="02000000000000000000" pitchFamily="2" charset="-127"/>
+                <a:ea typeface="한컴산뜻돋움" panose="02000000000000000000" pitchFamily="2" charset="-127"/>
+                <a:cs typeface="Arial Unicode MS" panose="020B0600000101010101" charset="-127"/>
+              </a:rPr>
+              <a:t>, </a:t>
+            </a:r>
+            <a:r>
+              <a:rPr lang="ko-KR" altLang="en-US" sz="3000" b="1" dirty="0">
+                <a:latin typeface="한컴산뜻돋움" panose="02000000000000000000" pitchFamily="2" charset="-127"/>
+                <a:ea typeface="한컴산뜻돋움" panose="02000000000000000000" pitchFamily="2" charset="-127"/>
+                <a:cs typeface="Arial Unicode MS" panose="020B0600000101010101" charset="-127"/>
+              </a:rPr>
+              <a:t>육묘</a:t>
+            </a:r>
+            <a:r>
+              <a:rPr lang="en-US" altLang="ko-KR" sz="3000" b="1" dirty="0">
+                <a:latin typeface="한컴산뜻돋움" panose="02000000000000000000" pitchFamily="2" charset="-127"/>
+                <a:ea typeface="한컴산뜻돋움" panose="02000000000000000000" pitchFamily="2" charset="-127"/>
+                <a:cs typeface="Arial Unicode MS" panose="020B0600000101010101" charset="-127"/>
+              </a:rPr>
+              <a:t>, </a:t>
+            </a:r>
+            <a:r>
+              <a:rPr lang="ko-KR" altLang="en-US" sz="3000" b="1" dirty="0">
+                <a:latin typeface="한컴산뜻돋움" panose="02000000000000000000" pitchFamily="2" charset="-127"/>
+                <a:ea typeface="한컴산뜻돋움" panose="02000000000000000000" pitchFamily="2" charset="-127"/>
+                <a:cs typeface="Arial Unicode MS" panose="020B0600000101010101" charset="-127"/>
+              </a:rPr>
+              <a:t>생육</a:t>
+            </a:r>
+            <a:r>
+              <a:rPr lang="en-US" altLang="ko-KR" sz="3000" b="1" dirty="0">
+                <a:latin typeface="한컴산뜻돋움" panose="02000000000000000000" pitchFamily="2" charset="-127"/>
+                <a:ea typeface="한컴산뜻돋움" panose="02000000000000000000" pitchFamily="2" charset="-127"/>
+                <a:cs typeface="Arial Unicode MS" panose="020B0600000101010101" charset="-127"/>
+              </a:rPr>
+              <a:t>, </a:t>
+            </a:r>
+            <a:r>
+              <a:rPr lang="ko-KR" altLang="en-US" sz="3000" b="1" dirty="0">
+                <a:latin typeface="한컴산뜻돋움" panose="02000000000000000000" pitchFamily="2" charset="-127"/>
+                <a:ea typeface="한컴산뜻돋움" panose="02000000000000000000" pitchFamily="2" charset="-127"/>
+                <a:cs typeface="Arial Unicode MS" panose="020B0600000101010101" charset="-127"/>
+              </a:rPr>
+              <a:t>개화</a:t>
+            </a:r>
+            <a:r>
+              <a:rPr lang="en-US" altLang="ko-KR" sz="3000" b="1" dirty="0">
+                <a:latin typeface="한컴산뜻돋움" panose="02000000000000000000" pitchFamily="2" charset="-127"/>
+                <a:ea typeface="한컴산뜻돋움" panose="02000000000000000000" pitchFamily="2" charset="-127"/>
+                <a:cs typeface="Arial Unicode MS" panose="020B0600000101010101" charset="-127"/>
+              </a:rPr>
+              <a:t>, </a:t>
+            </a:r>
+            <a:r>
+              <a:rPr lang="ko-KR" altLang="en-US" sz="3000" b="1" dirty="0">
+                <a:latin typeface="한컴산뜻돋움" panose="02000000000000000000" pitchFamily="2" charset="-127"/>
+                <a:ea typeface="한컴산뜻돋움" panose="02000000000000000000" pitchFamily="2" charset="-127"/>
+                <a:cs typeface="Arial Unicode MS" panose="020B0600000101010101" charset="-127"/>
+              </a:rPr>
+              <a:t>열매 단계로 구분하였다</a:t>
+            </a:r>
+            <a:r>
+              <a:rPr lang="en-US" altLang="ko-KR" sz="3000" b="1" dirty="0">
+                <a:latin typeface="한컴산뜻돋움" panose="02000000000000000000" pitchFamily="2" charset="-127"/>
+                <a:ea typeface="한컴산뜻돋움" panose="02000000000000000000" pitchFamily="2" charset="-127"/>
+                <a:cs typeface="Arial Unicode MS" panose="020B0600000101010101" charset="-127"/>
+              </a:rPr>
+              <a:t>.</a:t>
+            </a:r>
+            <a:r>
+              <a:rPr lang="ko-KR" altLang="en-US" sz="3000" b="1" dirty="0">
+                <a:latin typeface="한컴산뜻돋움" panose="02000000000000000000" pitchFamily="2" charset="-127"/>
+                <a:ea typeface="한컴산뜻돋움" panose="02000000000000000000" pitchFamily="2" charset="-127"/>
+                <a:cs typeface="Arial Unicode MS" panose="020B0600000101010101" charset="-127"/>
+              </a:rPr>
+              <a:t>학습된 </a:t>
+            </a:r>
+            <a:r>
+              <a:rPr lang="en-US" altLang="ko-KR" sz="3000" b="1" dirty="0">
+                <a:latin typeface="한컴산뜻돋움" panose="02000000000000000000" pitchFamily="2" charset="-127"/>
+                <a:ea typeface="한컴산뜻돋움" panose="02000000000000000000" pitchFamily="2" charset="-127"/>
+                <a:cs typeface="Arial Unicode MS" panose="020B0600000101010101" charset="-127"/>
+              </a:rPr>
+              <a:t>Keras </a:t>
+            </a:r>
+            <a:r>
+              <a:rPr lang="ko-KR" altLang="en-US" sz="3000" b="1" dirty="0">
+                <a:latin typeface="한컴산뜻돋움" panose="02000000000000000000" pitchFamily="2" charset="-127"/>
+                <a:ea typeface="한컴산뜻돋움" panose="02000000000000000000" pitchFamily="2" charset="-127"/>
+                <a:cs typeface="Arial Unicode MS" panose="020B0600000101010101" charset="-127"/>
+              </a:rPr>
+              <a:t>모델을 아두이노의 카메라 모듈과 연결시켜 챔버에 부착된 카메라 모둘에서 찍은 영상을 토대로 생육단계를 구분 할 수 있도록 하였다</a:t>
+            </a:r>
+            <a:r>
+              <a:rPr lang="en-US" altLang="ko-KR" sz="3000" b="1" dirty="0">
+                <a:latin typeface="한컴산뜻돋움" panose="02000000000000000000" pitchFamily="2" charset="-127"/>
+                <a:ea typeface="한컴산뜻돋움" panose="02000000000000000000" pitchFamily="2" charset="-127"/>
+                <a:cs typeface="Arial Unicode MS" panose="020B0600000101010101" charset="-127"/>
+              </a:rPr>
+              <a:t>. </a:t>
+            </a:r>
+            <a:r>
+              <a:rPr lang="ko-KR" altLang="en-US" sz="3000" b="1" dirty="0">
+                <a:latin typeface="한컴산뜻돋움" panose="02000000000000000000" pitchFamily="2" charset="-127"/>
+                <a:ea typeface="한컴산뜻돋움" panose="02000000000000000000" pitchFamily="2" charset="-127"/>
+                <a:cs typeface="Arial Unicode MS" panose="020B0600000101010101" charset="-127"/>
+              </a:rPr>
+              <a:t>학습된 </a:t>
+            </a:r>
+            <a:r>
+              <a:rPr lang="en-US" altLang="ko-KR" sz="3000" b="1" dirty="0">
+                <a:latin typeface="한컴산뜻돋움" panose="02000000000000000000" pitchFamily="2" charset="-127"/>
+                <a:ea typeface="한컴산뜻돋움" panose="02000000000000000000" pitchFamily="2" charset="-127"/>
+                <a:cs typeface="Arial Unicode MS" panose="020B0600000101010101" charset="-127"/>
+              </a:rPr>
               <a:t>Keras</a:t>
             </a:r>
             <a:r>
+              <a:rPr lang="ko-KR" altLang="en-US" sz="3000" b="1" dirty="0">
+                <a:latin typeface="한컴산뜻돋움" panose="02000000000000000000" pitchFamily="2" charset="-127"/>
+                <a:ea typeface="한컴산뜻돋움" panose="02000000000000000000" pitchFamily="2" charset="-127"/>
+                <a:cs typeface="Arial Unicode MS" panose="020B0600000101010101" charset="-127"/>
+              </a:rPr>
+              <a:t> 모델의 구분된 단계 값은 파이썬으로 읽어서 각 생육 단계마다 알맞은 환경 값을 맞출 수 있도록 </a:t>
+            </a:r>
+            <a:r>
               <a:rPr lang="en-US" altLang="ko-KR" sz="3000" b="1" dirty="0">
                 <a:latin typeface="한컴산뜻돋움" panose="02000000000000000000" pitchFamily="2" charset="-127"/>
                 <a:ea typeface="한컴산뜻돋움" panose="02000000000000000000" pitchFamily="2" charset="-127"/>
                 <a:cs typeface="Arial Unicode MS" panose="020B0600000101010101" charset="-127"/>
               </a:rPr>
-              <a:t> </a:t>
+              <a:t>fan</a:t>
             </a:r>
             <a:r>
               <a:rPr lang="ko-KR" altLang="en-US" sz="3000" b="1" dirty="0">
@@ -7412,7 +6789,7 @@
                 <a:ea typeface="한컴산뜻돋움" panose="02000000000000000000" pitchFamily="2" charset="-127"/>
                 <a:cs typeface="Arial Unicode MS" panose="020B0600000101010101" charset="-127"/>
               </a:rPr>
-              <a:t>모델 형태로 추출했다</a:t>
+              <a:t>의 작동</a:t>
             </a:r>
             <a:r>
               <a:rPr lang="en-US" altLang="ko-KR" sz="3000" b="1" dirty="0">
@@ -7420,7 +6797,7 @@
                 <a:ea typeface="한컴산뜻돋움" panose="02000000000000000000" pitchFamily="2" charset="-127"/>
                 <a:cs typeface="Arial Unicode MS" panose="020B0600000101010101" charset="-127"/>
               </a:rPr>
-              <a:t>. </a:t>
+              <a:t>, </a:t>
             </a:r>
             <a:r>
               <a:rPr lang="ko-KR" altLang="en-US" sz="3000" b="1" dirty="0">
@@ -7428,7 +6805,7 @@
                 <a:ea typeface="한컴산뜻돋움" panose="02000000000000000000" pitchFamily="2" charset="-127"/>
                 <a:cs typeface="Arial Unicode MS" panose="020B0600000101010101" charset="-127"/>
               </a:rPr>
-              <a:t>토마토의 생육단계는 총 </a:t>
+              <a:t>광량</a:t>
             </a:r>
             <a:r>
               <a:rPr lang="en-US" altLang="ko-KR" sz="3000" b="1" dirty="0">
@@ -7436,7 +6813,7 @@
                 <a:ea typeface="한컴산뜻돋움" panose="02000000000000000000" pitchFamily="2" charset="-127"/>
                 <a:cs typeface="Arial Unicode MS" panose="020B0600000101010101" charset="-127"/>
               </a:rPr>
-              <a:t>5</a:t>
+              <a:t>, </a:t>
             </a:r>
             <a:r>
               <a:rPr lang="ko-KR" altLang="en-US" sz="3000" b="1" dirty="0">
@@ -7444,7 +6821,7 @@
                 <a:ea typeface="한컴산뜻돋움" panose="02000000000000000000" pitchFamily="2" charset="-127"/>
                 <a:cs typeface="Arial Unicode MS" panose="020B0600000101010101" charset="-127"/>
               </a:rPr>
-              <a:t>개로 발아</a:t>
+              <a:t>창문의 개폐</a:t>
             </a:r>
             <a:r>
               <a:rPr lang="en-US" altLang="ko-KR" sz="3000" b="1" dirty="0">
@@ -7460,7 +6837,7 @@
                 <a:ea typeface="한컴산뜻돋움" panose="02000000000000000000" pitchFamily="2" charset="-127"/>
                 <a:cs typeface="Arial Unicode MS" panose="020B0600000101010101" charset="-127"/>
               </a:rPr>
-              <a:t>육묘</a:t>
+              <a:t>발열등 및 안개분무기의 작동을 자동화 시킬 수 있다</a:t>
             </a:r>
             <a:r>
               <a:rPr lang="en-US" altLang="ko-KR" sz="3000" b="1" dirty="0">
@@ -7468,4174 +6845,11 @@
                 <a:ea typeface="한컴산뜻돋움" panose="02000000000000000000" pitchFamily="2" charset="-127"/>
                 <a:cs typeface="Arial Unicode MS" panose="020B0600000101010101" charset="-127"/>
               </a:rPr>
-              <a:t>, </a:t>
-            </a:r>
-            <a:r>
-              <a:rPr lang="ko-KR" altLang="en-US" sz="3000" b="1" dirty="0">
-                <a:latin typeface="한컴산뜻돋움" panose="02000000000000000000" pitchFamily="2" charset="-127"/>
-                <a:ea typeface="한컴산뜻돋움" panose="02000000000000000000" pitchFamily="2" charset="-127"/>
-                <a:cs typeface="Arial Unicode MS" panose="020B0600000101010101" charset="-127"/>
-              </a:rPr>
-              <a:t>생육</a:t>
-            </a:r>
-            <a:r>
-              <a:rPr lang="en-US" altLang="ko-KR" sz="3000" b="1" dirty="0">
-                <a:latin typeface="한컴산뜻돋움" panose="02000000000000000000" pitchFamily="2" charset="-127"/>
-                <a:ea typeface="한컴산뜻돋움" panose="02000000000000000000" pitchFamily="2" charset="-127"/>
-                <a:cs typeface="Arial Unicode MS" panose="020B0600000101010101" charset="-127"/>
-              </a:rPr>
-              <a:t>, </a:t>
-            </a:r>
-            <a:r>
-              <a:rPr lang="ko-KR" altLang="en-US" sz="3000" b="1" dirty="0">
-                <a:latin typeface="한컴산뜻돋움" panose="02000000000000000000" pitchFamily="2" charset="-127"/>
-                <a:ea typeface="한컴산뜻돋움" panose="02000000000000000000" pitchFamily="2" charset="-127"/>
-                <a:cs typeface="Arial Unicode MS" panose="020B0600000101010101" charset="-127"/>
-              </a:rPr>
-              <a:t>개화</a:t>
-            </a:r>
-            <a:r>
-              <a:rPr lang="en-US" altLang="ko-KR" sz="3000" b="1" dirty="0">
-                <a:latin typeface="한컴산뜻돋움" panose="02000000000000000000" pitchFamily="2" charset="-127"/>
-                <a:ea typeface="한컴산뜻돋움" panose="02000000000000000000" pitchFamily="2" charset="-127"/>
-                <a:cs typeface="Arial Unicode MS" panose="020B0600000101010101" charset="-127"/>
-              </a:rPr>
-              <a:t>, </a:t>
-            </a:r>
-            <a:r>
-              <a:rPr lang="ko-KR" altLang="en-US" sz="3000" b="1" dirty="0">
-                <a:latin typeface="한컴산뜻돋움" panose="02000000000000000000" pitchFamily="2" charset="-127"/>
-                <a:ea typeface="한컴산뜻돋움" panose="02000000000000000000" pitchFamily="2" charset="-127"/>
-                <a:cs typeface="Arial Unicode MS" panose="020B0600000101010101" charset="-127"/>
-              </a:rPr>
-              <a:t>열매 단계로 구분하였다</a:t>
-            </a:r>
-            <a:r>
-              <a:rPr lang="en-US" altLang="ko-KR" sz="3000" b="1" dirty="0">
-                <a:latin typeface="한컴산뜻돋움" panose="02000000000000000000" pitchFamily="2" charset="-127"/>
-                <a:ea typeface="한컴산뜻돋움" panose="02000000000000000000" pitchFamily="2" charset="-127"/>
-                <a:cs typeface="Arial Unicode MS" panose="020B0600000101010101" charset="-127"/>
-              </a:rPr>
               <a:t>.</a:t>
             </a:r>
-            <a:r>
-              <a:rPr lang="ko-KR" altLang="en-US" sz="3000" b="1" dirty="0">
-                <a:latin typeface="한컴산뜻돋움" panose="02000000000000000000" pitchFamily="2" charset="-127"/>
-                <a:ea typeface="한컴산뜻돋움" panose="02000000000000000000" pitchFamily="2" charset="-127"/>
-                <a:cs typeface="Arial Unicode MS" panose="020B0600000101010101" charset="-127"/>
-              </a:rPr>
-              <a:t>학습된 </a:t>
-            </a:r>
-            <a:r>
-              <a:rPr lang="en-US" altLang="ko-KR" sz="3000" b="1" dirty="0" err="1">
-                <a:latin typeface="한컴산뜻돋움" panose="02000000000000000000" pitchFamily="2" charset="-127"/>
-                <a:ea typeface="한컴산뜻돋움" panose="02000000000000000000" pitchFamily="2" charset="-127"/>
-                <a:cs typeface="Arial Unicode MS" panose="020B0600000101010101" charset="-127"/>
-              </a:rPr>
-              <a:t>Keras</a:t>
-            </a:r>
-            <a:r>
-              <a:rPr lang="en-US" altLang="ko-KR" sz="3000" b="1" dirty="0">
-                <a:latin typeface="한컴산뜻돋움" panose="02000000000000000000" pitchFamily="2" charset="-127"/>
-                <a:ea typeface="한컴산뜻돋움" panose="02000000000000000000" pitchFamily="2" charset="-127"/>
-                <a:cs typeface="Arial Unicode MS" panose="020B0600000101010101" charset="-127"/>
-              </a:rPr>
-              <a:t> </a:t>
-            </a:r>
-            <a:r>
-              <a:rPr lang="ko-KR" altLang="en-US" sz="3000" b="1" dirty="0">
-                <a:latin typeface="한컴산뜻돋움" panose="02000000000000000000" pitchFamily="2" charset="-127"/>
-                <a:ea typeface="한컴산뜻돋움" panose="02000000000000000000" pitchFamily="2" charset="-127"/>
-                <a:cs typeface="Arial Unicode MS" panose="020B0600000101010101" charset="-127"/>
-              </a:rPr>
-              <a:t>모델을 </a:t>
-            </a:r>
-            <a:r>
-              <a:rPr lang="ko-KR" altLang="en-US" sz="3000" b="1" dirty="0" err="1">
-                <a:latin typeface="한컴산뜻돋움" panose="02000000000000000000" pitchFamily="2" charset="-127"/>
-                <a:ea typeface="한컴산뜻돋움" panose="02000000000000000000" pitchFamily="2" charset="-127"/>
-                <a:cs typeface="Arial Unicode MS" panose="020B0600000101010101" charset="-127"/>
-              </a:rPr>
-              <a:t>아두이노의</a:t>
-            </a:r>
-            <a:r>
-              <a:rPr lang="ko-KR" altLang="en-US" sz="3000" b="1" dirty="0">
-                <a:latin typeface="한컴산뜻돋움" panose="02000000000000000000" pitchFamily="2" charset="-127"/>
-                <a:ea typeface="한컴산뜻돋움" panose="02000000000000000000" pitchFamily="2" charset="-127"/>
-                <a:cs typeface="Arial Unicode MS" panose="020B0600000101010101" charset="-127"/>
-              </a:rPr>
-              <a:t> 카메라 모듈과 연결시켜 챔버에 부착된 카메라 모둘에서 찍은 영상을 토대로 생육단계를 구분 할 수 있도록 하였다</a:t>
-            </a:r>
-            <a:r>
-              <a:rPr lang="en-US" altLang="ko-KR" sz="3000" b="1" dirty="0">
-                <a:latin typeface="한컴산뜻돋움" panose="02000000000000000000" pitchFamily="2" charset="-127"/>
-                <a:ea typeface="한컴산뜻돋움" panose="02000000000000000000" pitchFamily="2" charset="-127"/>
-                <a:cs typeface="Arial Unicode MS" panose="020B0600000101010101" charset="-127"/>
-              </a:rPr>
-              <a:t>. </a:t>
-            </a:r>
-            <a:r>
-              <a:rPr lang="ko-KR" altLang="en-US" sz="3000" b="1" dirty="0">
-                <a:latin typeface="한컴산뜻돋움" panose="02000000000000000000" pitchFamily="2" charset="-127"/>
-                <a:ea typeface="한컴산뜻돋움" panose="02000000000000000000" pitchFamily="2" charset="-127"/>
-                <a:cs typeface="Arial Unicode MS" panose="020B0600000101010101" charset="-127"/>
-              </a:rPr>
-              <a:t>학습된 </a:t>
-            </a:r>
-            <a:r>
-              <a:rPr lang="en-US" altLang="ko-KR" sz="3000" b="1" dirty="0" err="1">
-                <a:latin typeface="한컴산뜻돋움" panose="02000000000000000000" pitchFamily="2" charset="-127"/>
-                <a:ea typeface="한컴산뜻돋움" panose="02000000000000000000" pitchFamily="2" charset="-127"/>
-                <a:cs typeface="Arial Unicode MS" panose="020B0600000101010101" charset="-127"/>
-              </a:rPr>
-              <a:t>Keras</a:t>
-            </a:r>
-            <a:r>
-              <a:rPr lang="ko-KR" altLang="en-US" sz="3000" b="1" dirty="0">
-                <a:latin typeface="한컴산뜻돋움" panose="02000000000000000000" pitchFamily="2" charset="-127"/>
-                <a:ea typeface="한컴산뜻돋움" panose="02000000000000000000" pitchFamily="2" charset="-127"/>
-                <a:cs typeface="Arial Unicode MS" panose="020B0600000101010101" charset="-127"/>
-              </a:rPr>
-              <a:t> 모델의 구분된 단계 값은 </a:t>
-            </a:r>
-            <a:r>
-              <a:rPr lang="ko-KR" altLang="en-US" sz="3000" b="1" dirty="0" err="1">
-                <a:latin typeface="한컴산뜻돋움" panose="02000000000000000000" pitchFamily="2" charset="-127"/>
-                <a:ea typeface="한컴산뜻돋움" panose="02000000000000000000" pitchFamily="2" charset="-127"/>
-                <a:cs typeface="Arial Unicode MS" panose="020B0600000101010101" charset="-127"/>
-              </a:rPr>
-              <a:t>파이썬으로</a:t>
-            </a:r>
-            <a:r>
-              <a:rPr lang="ko-KR" altLang="en-US" sz="3000" b="1" dirty="0">
-                <a:latin typeface="한컴산뜻돋움" panose="02000000000000000000" pitchFamily="2" charset="-127"/>
-                <a:ea typeface="한컴산뜻돋움" panose="02000000000000000000" pitchFamily="2" charset="-127"/>
-                <a:cs typeface="Arial Unicode MS" panose="020B0600000101010101" charset="-127"/>
-              </a:rPr>
-              <a:t> 읽어서 각 생육 단계마다 알맞은 환경 값을 맞출 수 있도록 </a:t>
-            </a:r>
-            <a:r>
-              <a:rPr lang="en-US" altLang="ko-KR" sz="3000" b="1" dirty="0">
-                <a:latin typeface="한컴산뜻돋움" panose="02000000000000000000" pitchFamily="2" charset="-127"/>
-                <a:ea typeface="한컴산뜻돋움" panose="02000000000000000000" pitchFamily="2" charset="-127"/>
-                <a:cs typeface="Arial Unicode MS" panose="020B0600000101010101" charset="-127"/>
-              </a:rPr>
-              <a:t>fan</a:t>
-            </a:r>
-            <a:r>
-              <a:rPr lang="ko-KR" altLang="en-US" sz="3000" b="1" dirty="0">
-                <a:latin typeface="한컴산뜻돋움" panose="02000000000000000000" pitchFamily="2" charset="-127"/>
-                <a:ea typeface="한컴산뜻돋움" panose="02000000000000000000" pitchFamily="2" charset="-127"/>
-                <a:cs typeface="Arial Unicode MS" panose="020B0600000101010101" charset="-127"/>
-              </a:rPr>
-              <a:t>의 작동</a:t>
-            </a:r>
-            <a:r>
-              <a:rPr lang="en-US" altLang="ko-KR" sz="3000" b="1" dirty="0">
-                <a:latin typeface="한컴산뜻돋움" panose="02000000000000000000" pitchFamily="2" charset="-127"/>
-                <a:ea typeface="한컴산뜻돋움" panose="02000000000000000000" pitchFamily="2" charset="-127"/>
-                <a:cs typeface="Arial Unicode MS" panose="020B0600000101010101" charset="-127"/>
-              </a:rPr>
-              <a:t>, </a:t>
-            </a:r>
-            <a:r>
-              <a:rPr lang="ko-KR" altLang="en-US" sz="3000" b="1" dirty="0">
-                <a:latin typeface="한컴산뜻돋움" panose="02000000000000000000" pitchFamily="2" charset="-127"/>
-                <a:ea typeface="한컴산뜻돋움" panose="02000000000000000000" pitchFamily="2" charset="-127"/>
-                <a:cs typeface="Arial Unicode MS" panose="020B0600000101010101" charset="-127"/>
-              </a:rPr>
-              <a:t>광량</a:t>
-            </a:r>
-            <a:r>
-              <a:rPr lang="en-US" altLang="ko-KR" sz="3000" b="1" dirty="0">
-                <a:latin typeface="한컴산뜻돋움" panose="02000000000000000000" pitchFamily="2" charset="-127"/>
-                <a:ea typeface="한컴산뜻돋움" panose="02000000000000000000" pitchFamily="2" charset="-127"/>
-                <a:cs typeface="Arial Unicode MS" panose="020B0600000101010101" charset="-127"/>
-              </a:rPr>
-              <a:t>, </a:t>
-            </a:r>
-            <a:r>
-              <a:rPr lang="ko-KR" altLang="en-US" sz="3000" b="1" dirty="0">
-                <a:latin typeface="한컴산뜻돋움" panose="02000000000000000000" pitchFamily="2" charset="-127"/>
-                <a:ea typeface="한컴산뜻돋움" panose="02000000000000000000" pitchFamily="2" charset="-127"/>
-                <a:cs typeface="Arial Unicode MS" panose="020B0600000101010101" charset="-127"/>
-              </a:rPr>
-              <a:t>창문의 개폐</a:t>
-            </a:r>
-            <a:r>
-              <a:rPr lang="en-US" altLang="ko-KR" sz="3000" b="1" dirty="0">
-                <a:latin typeface="한컴산뜻돋움" panose="02000000000000000000" pitchFamily="2" charset="-127"/>
-                <a:ea typeface="한컴산뜻돋움" panose="02000000000000000000" pitchFamily="2" charset="-127"/>
-                <a:cs typeface="Arial Unicode MS" panose="020B0600000101010101" charset="-127"/>
-              </a:rPr>
-              <a:t>, </a:t>
-            </a:r>
-            <a:r>
-              <a:rPr lang="ko-KR" altLang="en-US" sz="3000" b="1" dirty="0" err="1">
-                <a:latin typeface="한컴산뜻돋움" panose="02000000000000000000" pitchFamily="2" charset="-127"/>
-                <a:ea typeface="한컴산뜻돋움" panose="02000000000000000000" pitchFamily="2" charset="-127"/>
-                <a:cs typeface="Arial Unicode MS" panose="020B0600000101010101" charset="-127"/>
-              </a:rPr>
-              <a:t>발열등</a:t>
-            </a:r>
-            <a:r>
-              <a:rPr lang="ko-KR" altLang="en-US" sz="3000" b="1" dirty="0">
-                <a:latin typeface="한컴산뜻돋움" panose="02000000000000000000" pitchFamily="2" charset="-127"/>
-                <a:ea typeface="한컴산뜻돋움" panose="02000000000000000000" pitchFamily="2" charset="-127"/>
-                <a:cs typeface="Arial Unicode MS" panose="020B0600000101010101" charset="-127"/>
-              </a:rPr>
-              <a:t> 및 </a:t>
-            </a:r>
-            <a:r>
-              <a:rPr lang="ko-KR" altLang="en-US" sz="3000" b="1" dirty="0" err="1">
-                <a:latin typeface="한컴산뜻돋움" panose="02000000000000000000" pitchFamily="2" charset="-127"/>
-                <a:ea typeface="한컴산뜻돋움" panose="02000000000000000000" pitchFamily="2" charset="-127"/>
-                <a:cs typeface="Arial Unicode MS" panose="020B0600000101010101" charset="-127"/>
-              </a:rPr>
-              <a:t>안개분무기의</a:t>
-            </a:r>
-            <a:r>
-              <a:rPr lang="ko-KR" altLang="en-US" sz="3000" b="1" dirty="0">
-                <a:latin typeface="한컴산뜻돋움" panose="02000000000000000000" pitchFamily="2" charset="-127"/>
-                <a:ea typeface="한컴산뜻돋움" panose="02000000000000000000" pitchFamily="2" charset="-127"/>
-                <a:cs typeface="Arial Unicode MS" panose="020B0600000101010101" charset="-127"/>
-              </a:rPr>
-              <a:t> 작동을 자동화 시킬 수 있다</a:t>
-            </a:r>
-            <a:r>
-              <a:rPr lang="en-US" altLang="ko-KR" sz="3000" b="1" dirty="0">
-                <a:latin typeface="한컴산뜻돋움" panose="02000000000000000000" pitchFamily="2" charset="-127"/>
-                <a:ea typeface="한컴산뜻돋움" panose="02000000000000000000" pitchFamily="2" charset="-127"/>
-                <a:cs typeface="Arial Unicode MS" panose="020B0600000101010101" charset="-127"/>
-              </a:rPr>
-              <a:t>.</a:t>
-            </a:r>
-          </a:p>
-        </p:txBody>
-      </p:sp>
-      <p:graphicFrame>
-        <p:nvGraphicFramePr>
-          <p:cNvPr id="23" name="표 22">
-            <a:extLst>
-              <a:ext uri="{FF2B5EF4-FFF2-40B4-BE49-F238E27FC236}">
-                <a16:creationId xmlns:a16="http://schemas.microsoft.com/office/drawing/2014/main" id="{DF438DD0-1CC0-477B-94D2-FCD788CE3558}"/>
-              </a:ext>
-            </a:extLst>
-          </p:cNvPr>
-          <p:cNvGraphicFramePr>
-            <a:graphicFrameLocks noGrp="1"/>
-          </p:cNvGraphicFramePr>
-          <p:nvPr>
-            <p:extLst>
-              <p:ext uri="{D42A27DB-BD31-4B8C-83A1-F6EECF244321}">
-                <p14:modId xmlns:p14="http://schemas.microsoft.com/office/powerpoint/2010/main" val="4075979666"/>
-              </p:ext>
-            </p:extLst>
-          </p:nvPr>
-        </p:nvGraphicFramePr>
-        <p:xfrm>
-          <a:off x="556686" y="21680567"/>
-          <a:ext cx="9654436" cy="5394960"/>
-        </p:xfrm>
-        <a:graphic>
-          <a:graphicData uri="http://schemas.openxmlformats.org/drawingml/2006/table">
-            <a:tbl>
-              <a:tblPr firstRow="1" bandRow="1">
-                <a:solidFill>
-                  <a:srgbClr val="56296E"/>
-                </a:solidFill>
-                <a:tableStyleId>{5940675A-B579-460E-94D1-54222C63F5DA}</a:tableStyleId>
-              </a:tblPr>
-              <a:tblGrid>
-                <a:gridCol w="1202492">
-                  <a:extLst>
-                    <a:ext uri="{9D8B030D-6E8A-4147-A177-3AD203B41FA5}">
-                      <a16:colId xmlns:a16="http://schemas.microsoft.com/office/drawing/2014/main" val="496110474"/>
-                    </a:ext>
-                  </a:extLst>
-                </a:gridCol>
-                <a:gridCol w="2065128">
-                  <a:extLst>
-                    <a:ext uri="{9D8B030D-6E8A-4147-A177-3AD203B41FA5}">
-                      <a16:colId xmlns:a16="http://schemas.microsoft.com/office/drawing/2014/main" val="2669966707"/>
-                    </a:ext>
-                  </a:extLst>
-                </a:gridCol>
-                <a:gridCol w="3156353">
-                  <a:extLst>
-                    <a:ext uri="{9D8B030D-6E8A-4147-A177-3AD203B41FA5}">
-                      <a16:colId xmlns:a16="http://schemas.microsoft.com/office/drawing/2014/main" val="4228305798"/>
-                    </a:ext>
-                  </a:extLst>
-                </a:gridCol>
-                <a:gridCol w="456340">
-                  <a:extLst>
-                    <a:ext uri="{9D8B030D-6E8A-4147-A177-3AD203B41FA5}">
-                      <a16:colId xmlns:a16="http://schemas.microsoft.com/office/drawing/2014/main" val="1353026916"/>
-                    </a:ext>
-                  </a:extLst>
-                </a:gridCol>
-                <a:gridCol w="494369">
-                  <a:extLst>
-                    <a:ext uri="{9D8B030D-6E8A-4147-A177-3AD203B41FA5}">
-                      <a16:colId xmlns:a16="http://schemas.microsoft.com/office/drawing/2014/main" val="1346501249"/>
-                    </a:ext>
-                  </a:extLst>
-                </a:gridCol>
-                <a:gridCol w="380283">
-                  <a:extLst>
-                    <a:ext uri="{9D8B030D-6E8A-4147-A177-3AD203B41FA5}">
-                      <a16:colId xmlns:a16="http://schemas.microsoft.com/office/drawing/2014/main" val="2255325064"/>
-                    </a:ext>
-                  </a:extLst>
-                </a:gridCol>
-                <a:gridCol w="1577656">
-                  <a:extLst>
-                    <a:ext uri="{9D8B030D-6E8A-4147-A177-3AD203B41FA5}">
-                      <a16:colId xmlns:a16="http://schemas.microsoft.com/office/drawing/2014/main" val="1326187076"/>
-                    </a:ext>
-                  </a:extLst>
-                </a:gridCol>
-                <a:gridCol w="321815">
-                  <a:extLst>
-                    <a:ext uri="{9D8B030D-6E8A-4147-A177-3AD203B41FA5}">
-                      <a16:colId xmlns:a16="http://schemas.microsoft.com/office/drawing/2014/main" val="1220636674"/>
-                    </a:ext>
-                  </a:extLst>
-                </a:gridCol>
-              </a:tblGrid>
-              <a:tr h="385187">
-                <a:tc gridSpan="8">
-                  <a:txBody>
-                    <a:bodyPr/>
-                    <a:lstStyle/>
-                    <a:p>
-                      <a:pPr algn="ctr" latinLnBrk="1"/>
-                      <a:r>
-                        <a:rPr lang="ko-KR" altLang="en-US" sz="3200" b="1" dirty="0">
-                          <a:solidFill>
-                            <a:schemeClr val="bg1"/>
-                          </a:solidFill>
-                        </a:rPr>
-                        <a:t>토마토 생육온도 기준표</a:t>
-                      </a:r>
-                    </a:p>
-                  </a:txBody>
-                  <a:tcPr>
-                    <a:lnL w="19050" cap="flat" cmpd="sng" algn="ctr">
-                      <a:solidFill>
-                        <a:schemeClr val="bg1"/>
-                      </a:solidFill>
-                      <a:prstDash val="solid"/>
-                      <a:round/>
-                      <a:headEnd type="none" w="med" len="med"/>
-                      <a:tailEnd type="none" w="med" len="med"/>
-                    </a:lnL>
-                    <a:lnR w="19050" cap="flat" cmpd="sng" algn="ctr">
-                      <a:solidFill>
-                        <a:schemeClr val="bg1"/>
-                      </a:solidFill>
-                      <a:prstDash val="solid"/>
-                      <a:round/>
-                      <a:headEnd type="none" w="med" len="med"/>
-                      <a:tailEnd type="none" w="med" len="med"/>
-                    </a:lnR>
-                    <a:lnT w="19050" cap="flat" cmpd="sng" algn="ctr">
-                      <a:solidFill>
-                        <a:schemeClr val="bg1"/>
-                      </a:solidFill>
-                      <a:prstDash val="solid"/>
-                      <a:round/>
-                      <a:headEnd type="none" w="med" len="med"/>
-                      <a:tailEnd type="none" w="med" len="med"/>
-                    </a:lnT>
-                    <a:lnB w="19050" cap="flat" cmpd="sng" algn="ctr">
-                      <a:solidFill>
-                        <a:schemeClr val="bg1"/>
-                      </a:solidFill>
-                      <a:prstDash val="solid"/>
-                      <a:round/>
-                      <a:headEnd type="none" w="med" len="med"/>
-                      <a:tailEnd type="none" w="med" len="med"/>
-                    </a:lnB>
-                    <a:lnTlToBr w="12700" cmpd="sng">
-                      <a:noFill/>
-                      <a:prstDash val="solid"/>
-                    </a:lnTlToBr>
-                    <a:lnBlToTr w="12700" cmpd="sng">
-                      <a:noFill/>
-                      <a:prstDash val="solid"/>
-                    </a:lnBlToTr>
-                  </a:tcPr>
-                </a:tc>
-                <a:tc hMerge="1">
-                  <a:txBody>
-                    <a:bodyPr/>
-                    <a:lstStyle/>
-                    <a:p>
-                      <a:pPr latinLnBrk="1"/>
-                      <a:endParaRPr lang="ko-KR" altLang="en-US" dirty="0"/>
-                    </a:p>
-                  </a:txBody>
-                  <a:tcPr/>
-                </a:tc>
-                <a:tc hMerge="1">
-                  <a:txBody>
-                    <a:bodyPr/>
-                    <a:lstStyle/>
-                    <a:p>
-                      <a:pPr latinLnBrk="1"/>
-                      <a:endParaRPr lang="ko-KR" altLang="en-US" dirty="0"/>
-                    </a:p>
-                  </a:txBody>
-                  <a:tcPr/>
-                </a:tc>
-                <a:tc hMerge="1">
-                  <a:txBody>
-                    <a:bodyPr/>
-                    <a:lstStyle/>
-                    <a:p>
-                      <a:pPr latinLnBrk="1"/>
-                      <a:endParaRPr lang="ko-KR" altLang="en-US"/>
-                    </a:p>
-                  </a:txBody>
-                  <a:tcPr/>
-                </a:tc>
-                <a:tc hMerge="1">
-                  <a:txBody>
-                    <a:bodyPr/>
-                    <a:lstStyle/>
-                    <a:p>
-                      <a:pPr latinLnBrk="1"/>
-                      <a:endParaRPr lang="ko-KR" altLang="en-US"/>
-                    </a:p>
-                  </a:txBody>
-                  <a:tcPr/>
-                </a:tc>
-                <a:tc hMerge="1">
-                  <a:txBody>
-                    <a:bodyPr/>
-                    <a:lstStyle/>
-                    <a:p>
-                      <a:pPr latinLnBrk="1"/>
-                      <a:endParaRPr lang="ko-KR" altLang="en-US"/>
-                    </a:p>
-                  </a:txBody>
-                  <a:tcPr/>
-                </a:tc>
-                <a:tc hMerge="1">
-                  <a:txBody>
-                    <a:bodyPr/>
-                    <a:lstStyle/>
-                    <a:p>
-                      <a:pPr latinLnBrk="1"/>
-                      <a:endParaRPr lang="ko-KR" altLang="en-US"/>
-                    </a:p>
-                  </a:txBody>
-                  <a:tcPr/>
-                </a:tc>
-                <a:tc hMerge="1">
-                  <a:txBody>
-                    <a:bodyPr/>
-                    <a:lstStyle/>
-                    <a:p>
-                      <a:pPr latinLnBrk="1"/>
-                      <a:endParaRPr lang="ko-KR" altLang="en-US"/>
-                    </a:p>
-                  </a:txBody>
-                  <a:tcPr/>
-                </a:tc>
-                <a:extLst>
-                  <a:ext uri="{0D108BD9-81ED-4DB2-BD59-A6C34878D82A}">
-                    <a16:rowId xmlns:a16="http://schemas.microsoft.com/office/drawing/2014/main" val="770188279"/>
-                  </a:ext>
-                </a:extLst>
-              </a:tr>
-              <a:tr h="628462">
-                <a:tc>
-                  <a:txBody>
-                    <a:bodyPr/>
-                    <a:lstStyle/>
-                    <a:p>
-                      <a:pPr algn="ctr" latinLnBrk="1"/>
-                      <a:r>
-                        <a:rPr lang="en-US" altLang="ko-KR" sz="2800" b="1" dirty="0">
-                          <a:solidFill>
-                            <a:schemeClr val="bg1"/>
-                          </a:solidFill>
-                        </a:rPr>
-                        <a:t>1</a:t>
-                      </a:r>
-                      <a:r>
-                        <a:rPr lang="ko-KR" altLang="en-US" sz="2800" b="1" dirty="0">
-                          <a:solidFill>
-                            <a:schemeClr val="bg1"/>
-                          </a:solidFill>
-                        </a:rPr>
-                        <a:t>단계</a:t>
-                      </a:r>
-                      <a:r>
-                        <a:rPr lang="en-US" altLang="ko-KR" sz="2800" b="1" dirty="0">
-                          <a:solidFill>
-                            <a:schemeClr val="bg1"/>
-                          </a:solidFill>
-                        </a:rPr>
-                        <a:t>: </a:t>
-                      </a:r>
-                      <a:r>
-                        <a:rPr lang="ko-KR" altLang="en-US" sz="2800" b="1" dirty="0">
-                          <a:solidFill>
-                            <a:schemeClr val="bg1"/>
-                          </a:solidFill>
-                        </a:rPr>
-                        <a:t>씨앗</a:t>
-                      </a:r>
-                    </a:p>
-                  </a:txBody>
-                  <a:tcPr>
-                    <a:lnL w="19050" cap="flat" cmpd="sng" algn="ctr">
-                      <a:solidFill>
-                        <a:schemeClr val="bg1"/>
-                      </a:solidFill>
-                      <a:prstDash val="solid"/>
-                      <a:round/>
-                      <a:headEnd type="none" w="med" len="med"/>
-                      <a:tailEnd type="none" w="med" len="med"/>
-                    </a:lnL>
-                    <a:lnR w="19050" cap="flat" cmpd="sng" algn="ctr">
-                      <a:solidFill>
-                        <a:schemeClr val="bg1"/>
-                      </a:solidFill>
-                      <a:prstDash val="solid"/>
-                      <a:round/>
-                      <a:headEnd type="none" w="med" len="med"/>
-                      <a:tailEnd type="none" w="med" len="med"/>
-                    </a:lnR>
-                    <a:lnT w="19050" cap="flat" cmpd="sng" algn="ctr">
-                      <a:solidFill>
-                        <a:schemeClr val="bg1"/>
-                      </a:solidFill>
-                      <a:prstDash val="solid"/>
-                      <a:round/>
-                      <a:headEnd type="none" w="med" len="med"/>
-                      <a:tailEnd type="none" w="med" len="med"/>
-                    </a:lnT>
-                    <a:lnB w="19050" cap="flat" cmpd="sng" algn="ctr">
-                      <a:solidFill>
-                        <a:schemeClr val="bg1"/>
-                      </a:solidFill>
-                      <a:prstDash val="solid"/>
-                      <a:round/>
-                      <a:headEnd type="none" w="med" len="med"/>
-                      <a:tailEnd type="none" w="med" len="med"/>
-                    </a:lnB>
-                    <a:lnTlToBr w="12700" cmpd="sng">
-                      <a:noFill/>
-                      <a:prstDash val="solid"/>
-                    </a:lnTlToBr>
-                    <a:lnBlToTr w="12700" cmpd="sng">
-                      <a:noFill/>
-                      <a:prstDash val="solid"/>
-                    </a:lnBlToTr>
-                  </a:tcPr>
-                </a:tc>
-                <a:tc>
-                  <a:txBody>
-                    <a:bodyPr/>
-                    <a:lstStyle/>
-                    <a:p>
-                      <a:pPr algn="ctr" latinLnBrk="1"/>
-                      <a:r>
-                        <a:rPr lang="ko-KR" altLang="en-US" sz="2800" b="1" dirty="0">
-                          <a:solidFill>
-                            <a:schemeClr val="bg1"/>
-                          </a:solidFill>
-                        </a:rPr>
-                        <a:t>발아 </a:t>
-                      </a:r>
-                      <a:r>
-                        <a:rPr lang="ko-KR" altLang="en-US" sz="2800" b="1" dirty="0" err="1">
-                          <a:solidFill>
-                            <a:schemeClr val="bg1"/>
-                          </a:solidFill>
-                        </a:rPr>
-                        <a:t>적온</a:t>
-                      </a:r>
-                      <a:endParaRPr lang="ko-KR" altLang="en-US" sz="2800" b="1" dirty="0">
-                        <a:solidFill>
-                          <a:schemeClr val="bg1"/>
-                        </a:solidFill>
-                      </a:endParaRPr>
-                    </a:p>
-                  </a:txBody>
-                  <a:tcPr>
-                    <a:lnL w="19050" cap="flat" cmpd="sng" algn="ctr">
-                      <a:solidFill>
-                        <a:schemeClr val="bg1"/>
-                      </a:solidFill>
-                      <a:prstDash val="solid"/>
-                      <a:round/>
-                      <a:headEnd type="none" w="med" len="med"/>
-                      <a:tailEnd type="none" w="med" len="med"/>
-                    </a:lnL>
-                    <a:lnR w="19050" cap="flat" cmpd="sng" algn="ctr">
-                      <a:solidFill>
-                        <a:schemeClr val="bg1"/>
-                      </a:solidFill>
-                      <a:prstDash val="solid"/>
-                      <a:round/>
-                      <a:headEnd type="none" w="med" len="med"/>
-                      <a:tailEnd type="none" w="med" len="med"/>
-                    </a:lnR>
-                    <a:lnT w="19050" cap="flat" cmpd="sng" algn="ctr">
-                      <a:solidFill>
-                        <a:schemeClr val="bg1"/>
-                      </a:solidFill>
-                      <a:prstDash val="solid"/>
-                      <a:round/>
-                      <a:headEnd type="none" w="med" len="med"/>
-                      <a:tailEnd type="none" w="med" len="med"/>
-                    </a:lnT>
-                    <a:lnB w="19050" cap="flat" cmpd="sng" algn="ctr">
-                      <a:solidFill>
-                        <a:schemeClr val="bg1"/>
-                      </a:solidFill>
-                      <a:prstDash val="solid"/>
-                      <a:round/>
-                      <a:headEnd type="none" w="med" len="med"/>
-                      <a:tailEnd type="none" w="med" len="med"/>
-                    </a:lnB>
-                    <a:lnTlToBr w="12700" cmpd="sng">
-                      <a:noFill/>
-                      <a:prstDash val="solid"/>
-                    </a:lnTlToBr>
-                    <a:lnBlToTr w="12700" cmpd="sng">
-                      <a:noFill/>
-                      <a:prstDash val="solid"/>
-                    </a:lnBlToTr>
-                  </a:tcPr>
-                </a:tc>
-                <a:tc>
-                  <a:txBody>
-                    <a:bodyPr/>
-                    <a:lstStyle/>
-                    <a:p>
-                      <a:pPr algn="ctr" latinLnBrk="1"/>
-                      <a:r>
-                        <a:rPr lang="en-US" altLang="ko-KR" sz="2800" b="1" dirty="0">
-                          <a:solidFill>
-                            <a:schemeClr val="bg1"/>
-                          </a:solidFill>
-                        </a:rPr>
-                        <a:t>28</a:t>
-                      </a:r>
-                      <a:r>
-                        <a:rPr lang="ko-KR" altLang="en-US" sz="2800" b="1" i="0" kern="1200" dirty="0">
-                          <a:solidFill>
-                            <a:schemeClr val="bg1"/>
-                          </a:solidFill>
-                          <a:effectLst/>
-                          <a:latin typeface="+mn-lt"/>
-                          <a:ea typeface="+mn-ea"/>
-                          <a:cs typeface="+mn-cs"/>
-                        </a:rPr>
-                        <a:t>℃</a:t>
-                      </a:r>
-                      <a:endParaRPr lang="ko-KR" altLang="en-US" sz="2800" b="1" dirty="0">
-                        <a:solidFill>
-                          <a:schemeClr val="bg1"/>
-                        </a:solidFill>
-                      </a:endParaRPr>
-                    </a:p>
-                  </a:txBody>
-                  <a:tcPr>
-                    <a:lnL w="19050" cap="flat" cmpd="sng" algn="ctr">
-                      <a:solidFill>
-                        <a:schemeClr val="bg1"/>
-                      </a:solidFill>
-                      <a:prstDash val="solid"/>
-                      <a:round/>
-                      <a:headEnd type="none" w="med" len="med"/>
-                      <a:tailEnd type="none" w="med" len="med"/>
-                    </a:lnL>
-                    <a:lnR w="19050" cap="flat" cmpd="sng" algn="ctr">
-                      <a:solidFill>
-                        <a:schemeClr val="bg1"/>
-                      </a:solidFill>
-                      <a:prstDash val="solid"/>
-                      <a:round/>
-                      <a:headEnd type="none" w="med" len="med"/>
-                      <a:tailEnd type="none" w="med" len="med"/>
-                    </a:lnR>
-                    <a:lnT w="19050" cap="flat" cmpd="sng" algn="ctr">
-                      <a:solidFill>
-                        <a:schemeClr val="bg1"/>
-                      </a:solidFill>
-                      <a:prstDash val="solid"/>
-                      <a:round/>
-                      <a:headEnd type="none" w="med" len="med"/>
-                      <a:tailEnd type="none" w="med" len="med"/>
-                    </a:lnT>
-                    <a:lnB w="19050" cap="flat" cmpd="sng" algn="ctr">
-                      <a:solidFill>
-                        <a:schemeClr val="bg1"/>
-                      </a:solidFill>
-                      <a:prstDash val="solid"/>
-                      <a:round/>
-                      <a:headEnd type="none" w="med" len="med"/>
-                      <a:tailEnd type="none" w="med" len="med"/>
-                    </a:lnB>
-                    <a:lnTlToBr w="12700" cmpd="sng">
-                      <a:noFill/>
-                      <a:prstDash val="solid"/>
-                    </a:lnTlToBr>
-                    <a:lnBlToTr w="12700" cmpd="sng">
-                      <a:noFill/>
-                      <a:prstDash val="solid"/>
-                    </a:lnBlToTr>
-                  </a:tcPr>
-                </a:tc>
-                <a:tc>
-                  <a:txBody>
-                    <a:bodyPr/>
-                    <a:lstStyle/>
-                    <a:p>
-                      <a:pPr algn="ctr" latinLnBrk="1"/>
-                      <a:endParaRPr lang="ko-KR" altLang="en-US" sz="2800" b="1" dirty="0">
-                        <a:solidFill>
-                          <a:schemeClr val="bg1"/>
-                        </a:solidFill>
-                      </a:endParaRPr>
-                    </a:p>
-                  </a:txBody>
-                  <a:tcPr>
-                    <a:lnL w="19050" cap="flat" cmpd="sng" algn="ctr">
-                      <a:solidFill>
-                        <a:schemeClr val="bg1"/>
-                      </a:solidFill>
-                      <a:prstDash val="solid"/>
-                      <a:round/>
-                      <a:headEnd type="none" w="med" len="med"/>
-                      <a:tailEnd type="none" w="med" len="med"/>
-                    </a:lnL>
-                    <a:lnR w="19050" cap="flat" cmpd="sng" algn="ctr">
-                      <a:solidFill>
-                        <a:schemeClr val="bg1"/>
-                      </a:solidFill>
-                      <a:prstDash val="solid"/>
-                      <a:round/>
-                      <a:headEnd type="none" w="med" len="med"/>
-                      <a:tailEnd type="none" w="med" len="med"/>
-                    </a:lnR>
-                    <a:lnT w="19050" cap="flat" cmpd="sng" algn="ctr">
-                      <a:solidFill>
-                        <a:schemeClr val="bg1"/>
-                      </a:solidFill>
-                      <a:prstDash val="solid"/>
-                      <a:round/>
-                      <a:headEnd type="none" w="med" len="med"/>
-                      <a:tailEnd type="none" w="med" len="med"/>
-                    </a:lnT>
-                    <a:lnB w="19050" cap="flat" cmpd="sng" algn="ctr">
-                      <a:solidFill>
-                        <a:schemeClr val="bg1"/>
-                      </a:solidFill>
-                      <a:prstDash val="solid"/>
-                      <a:round/>
-                      <a:headEnd type="none" w="med" len="med"/>
-                      <a:tailEnd type="none" w="med" len="med"/>
-                    </a:lnB>
-                    <a:lnTlToBr w="12700" cmpd="sng">
-                      <a:noFill/>
-                      <a:prstDash val="solid"/>
-                    </a:lnTlToBr>
-                    <a:lnBlToTr w="12700" cmpd="sng">
-                      <a:noFill/>
-                      <a:prstDash val="solid"/>
-                    </a:lnBlToTr>
-                  </a:tcPr>
-                </a:tc>
-                <a:tc>
-                  <a:txBody>
-                    <a:bodyPr/>
-                    <a:lstStyle/>
-                    <a:p>
-                      <a:pPr algn="ctr" latinLnBrk="1"/>
-                      <a:endParaRPr lang="ko-KR" altLang="en-US" sz="2800" b="1" dirty="0">
-                        <a:solidFill>
-                          <a:schemeClr val="bg1"/>
-                        </a:solidFill>
-                      </a:endParaRPr>
-                    </a:p>
-                  </a:txBody>
-                  <a:tcPr>
-                    <a:lnL w="19050" cap="flat" cmpd="sng" algn="ctr">
-                      <a:solidFill>
-                        <a:schemeClr val="bg1"/>
-                      </a:solidFill>
-                      <a:prstDash val="solid"/>
-                      <a:round/>
-                      <a:headEnd type="none" w="med" len="med"/>
-                      <a:tailEnd type="none" w="med" len="med"/>
-                    </a:lnL>
-                    <a:lnR w="19050" cap="flat" cmpd="sng" algn="ctr">
-                      <a:solidFill>
-                        <a:schemeClr val="bg1"/>
-                      </a:solidFill>
-                      <a:prstDash val="solid"/>
-                      <a:round/>
-                      <a:headEnd type="none" w="med" len="med"/>
-                      <a:tailEnd type="none" w="med" len="med"/>
-                    </a:lnR>
-                    <a:lnT w="19050" cap="flat" cmpd="sng" algn="ctr">
-                      <a:solidFill>
-                        <a:schemeClr val="bg1"/>
-                      </a:solidFill>
-                      <a:prstDash val="solid"/>
-                      <a:round/>
-                      <a:headEnd type="none" w="med" len="med"/>
-                      <a:tailEnd type="none" w="med" len="med"/>
-                    </a:lnT>
-                    <a:lnB w="19050" cap="flat" cmpd="sng" algn="ctr">
-                      <a:solidFill>
-                        <a:schemeClr val="bg1"/>
-                      </a:solidFill>
-                      <a:prstDash val="solid"/>
-                      <a:round/>
-                      <a:headEnd type="none" w="med" len="med"/>
-                      <a:tailEnd type="none" w="med" len="med"/>
-                    </a:lnB>
-                    <a:lnTlToBr w="12700" cmpd="sng">
-                      <a:noFill/>
-                      <a:prstDash val="solid"/>
-                    </a:lnTlToBr>
-                    <a:lnBlToTr w="12700" cmpd="sng">
-                      <a:noFill/>
-                      <a:prstDash val="solid"/>
-                    </a:lnBlToTr>
-                  </a:tcPr>
-                </a:tc>
-                <a:tc>
-                  <a:txBody>
-                    <a:bodyPr/>
-                    <a:lstStyle/>
-                    <a:p>
-                      <a:pPr algn="ctr" latinLnBrk="1"/>
-                      <a:endParaRPr lang="ko-KR" altLang="en-US" sz="2800" b="1" dirty="0">
-                        <a:solidFill>
-                          <a:schemeClr val="bg1"/>
-                        </a:solidFill>
-                      </a:endParaRPr>
-                    </a:p>
-                  </a:txBody>
-                  <a:tcPr>
-                    <a:lnL w="19050" cap="flat" cmpd="sng" algn="ctr">
-                      <a:solidFill>
-                        <a:schemeClr val="bg1"/>
-                      </a:solidFill>
-                      <a:prstDash val="solid"/>
-                      <a:round/>
-                      <a:headEnd type="none" w="med" len="med"/>
-                      <a:tailEnd type="none" w="med" len="med"/>
-                    </a:lnL>
-                    <a:lnR w="19050" cap="flat" cmpd="sng" algn="ctr">
-                      <a:solidFill>
-                        <a:schemeClr val="bg1"/>
-                      </a:solidFill>
-                      <a:prstDash val="solid"/>
-                      <a:round/>
-                      <a:headEnd type="none" w="med" len="med"/>
-                      <a:tailEnd type="none" w="med" len="med"/>
-                    </a:lnR>
-                    <a:lnT w="19050" cap="flat" cmpd="sng" algn="ctr">
-                      <a:solidFill>
-                        <a:schemeClr val="bg1"/>
-                      </a:solidFill>
-                      <a:prstDash val="solid"/>
-                      <a:round/>
-                      <a:headEnd type="none" w="med" len="med"/>
-                      <a:tailEnd type="none" w="med" len="med"/>
-                    </a:lnT>
-                    <a:lnB w="19050" cap="flat" cmpd="sng" algn="ctr">
-                      <a:solidFill>
-                        <a:schemeClr val="bg1"/>
-                      </a:solidFill>
-                      <a:prstDash val="solid"/>
-                      <a:round/>
-                      <a:headEnd type="none" w="med" len="med"/>
-                      <a:tailEnd type="none" w="med" len="med"/>
-                    </a:lnB>
-                    <a:lnTlToBr w="12700" cmpd="sng">
-                      <a:noFill/>
-                      <a:prstDash val="solid"/>
-                    </a:lnTlToBr>
-                    <a:lnBlToTr w="12700" cmpd="sng">
-                      <a:noFill/>
-                      <a:prstDash val="solid"/>
-                    </a:lnBlToTr>
-                  </a:tcPr>
-                </a:tc>
-                <a:tc>
-                  <a:txBody>
-                    <a:bodyPr/>
-                    <a:lstStyle/>
-                    <a:p>
-                      <a:pPr algn="ctr" latinLnBrk="1"/>
-                      <a:endParaRPr lang="ko-KR" altLang="en-US" sz="2800" b="1" dirty="0">
-                        <a:solidFill>
-                          <a:schemeClr val="bg1"/>
-                        </a:solidFill>
-                      </a:endParaRPr>
-                    </a:p>
-                  </a:txBody>
-                  <a:tcPr>
-                    <a:lnL w="19050" cap="flat" cmpd="sng" algn="ctr">
-                      <a:solidFill>
-                        <a:schemeClr val="bg1"/>
-                      </a:solidFill>
-                      <a:prstDash val="solid"/>
-                      <a:round/>
-                      <a:headEnd type="none" w="med" len="med"/>
-                      <a:tailEnd type="none" w="med" len="med"/>
-                    </a:lnL>
-                    <a:lnR w="19050" cap="flat" cmpd="sng" algn="ctr">
-                      <a:solidFill>
-                        <a:schemeClr val="bg1"/>
-                      </a:solidFill>
-                      <a:prstDash val="solid"/>
-                      <a:round/>
-                      <a:headEnd type="none" w="med" len="med"/>
-                      <a:tailEnd type="none" w="med" len="med"/>
-                    </a:lnR>
-                    <a:lnT w="19050" cap="flat" cmpd="sng" algn="ctr">
-                      <a:solidFill>
-                        <a:schemeClr val="bg1"/>
-                      </a:solidFill>
-                      <a:prstDash val="solid"/>
-                      <a:round/>
-                      <a:headEnd type="none" w="med" len="med"/>
-                      <a:tailEnd type="none" w="med" len="med"/>
-                    </a:lnT>
-                    <a:lnB w="19050" cap="flat" cmpd="sng" algn="ctr">
-                      <a:solidFill>
-                        <a:schemeClr val="bg1"/>
-                      </a:solidFill>
-                      <a:prstDash val="solid"/>
-                      <a:round/>
-                      <a:headEnd type="none" w="med" len="med"/>
-                      <a:tailEnd type="none" w="med" len="med"/>
-                    </a:lnB>
-                    <a:lnTlToBr w="12700" cmpd="sng">
-                      <a:noFill/>
-                      <a:prstDash val="solid"/>
-                    </a:lnTlToBr>
-                    <a:lnBlToTr w="12700" cmpd="sng">
-                      <a:noFill/>
-                      <a:prstDash val="solid"/>
-                    </a:lnBlToTr>
-                  </a:tcPr>
-                </a:tc>
-                <a:tc>
-                  <a:txBody>
-                    <a:bodyPr/>
-                    <a:lstStyle/>
-                    <a:p>
-                      <a:pPr algn="ctr" latinLnBrk="1"/>
-                      <a:endParaRPr lang="ko-KR" altLang="en-US" sz="2800" b="1" dirty="0">
-                        <a:solidFill>
-                          <a:schemeClr val="bg1"/>
-                        </a:solidFill>
-                      </a:endParaRPr>
-                    </a:p>
-                  </a:txBody>
-                  <a:tcPr>
-                    <a:lnL w="19050" cap="flat" cmpd="sng" algn="ctr">
-                      <a:solidFill>
-                        <a:schemeClr val="bg1"/>
-                      </a:solidFill>
-                      <a:prstDash val="solid"/>
-                      <a:round/>
-                      <a:headEnd type="none" w="med" len="med"/>
-                      <a:tailEnd type="none" w="med" len="med"/>
-                    </a:lnL>
-                    <a:lnR w="19050" cap="flat" cmpd="sng" algn="ctr">
-                      <a:solidFill>
-                        <a:schemeClr val="bg1"/>
-                      </a:solidFill>
-                      <a:prstDash val="solid"/>
-                      <a:round/>
-                      <a:headEnd type="none" w="med" len="med"/>
-                      <a:tailEnd type="none" w="med" len="med"/>
-                    </a:lnR>
-                    <a:lnT w="19050" cap="flat" cmpd="sng" algn="ctr">
-                      <a:solidFill>
-                        <a:schemeClr val="bg1"/>
-                      </a:solidFill>
-                      <a:prstDash val="solid"/>
-                      <a:round/>
-                      <a:headEnd type="none" w="med" len="med"/>
-                      <a:tailEnd type="none" w="med" len="med"/>
-                    </a:lnT>
-                    <a:lnB w="19050" cap="flat" cmpd="sng" algn="ctr">
-                      <a:solidFill>
-                        <a:schemeClr val="bg1"/>
-                      </a:solidFill>
-                      <a:prstDash val="solid"/>
-                      <a:round/>
-                      <a:headEnd type="none" w="med" len="med"/>
-                      <a:tailEnd type="none" w="med" len="med"/>
-                    </a:lnB>
-                    <a:lnTlToBr w="12700" cmpd="sng">
-                      <a:noFill/>
-                      <a:prstDash val="solid"/>
-                    </a:lnTlToBr>
-                    <a:lnBlToTr w="12700" cmpd="sng">
-                      <a:noFill/>
-                      <a:prstDash val="solid"/>
-                    </a:lnBlToTr>
-                  </a:tcPr>
-                </a:tc>
-                <a:extLst>
-                  <a:ext uri="{0D108BD9-81ED-4DB2-BD59-A6C34878D82A}">
-                    <a16:rowId xmlns:a16="http://schemas.microsoft.com/office/drawing/2014/main" val="4200968339"/>
-                  </a:ext>
-                </a:extLst>
-              </a:tr>
-              <a:tr h="628462">
-                <a:tc>
-                  <a:txBody>
-                    <a:bodyPr/>
-                    <a:lstStyle/>
-                    <a:p>
-                      <a:pPr algn="ctr" latinLnBrk="1"/>
-                      <a:r>
-                        <a:rPr lang="en-US" altLang="ko-KR" sz="2800" b="1" dirty="0">
-                          <a:solidFill>
-                            <a:schemeClr val="bg1"/>
-                          </a:solidFill>
-                        </a:rPr>
-                        <a:t>2</a:t>
-                      </a:r>
-                      <a:r>
-                        <a:rPr lang="ko-KR" altLang="en-US" sz="2800" b="1" dirty="0">
-                          <a:solidFill>
-                            <a:schemeClr val="bg1"/>
-                          </a:solidFill>
-                        </a:rPr>
-                        <a:t>단계</a:t>
-                      </a:r>
-                      <a:r>
-                        <a:rPr lang="en-US" altLang="ko-KR" sz="2800" b="1" dirty="0">
-                          <a:solidFill>
-                            <a:schemeClr val="bg1"/>
-                          </a:solidFill>
-                        </a:rPr>
-                        <a:t>: </a:t>
-                      </a:r>
-                      <a:r>
-                        <a:rPr lang="ko-KR" altLang="en-US" sz="2800" b="1" dirty="0">
-                          <a:solidFill>
-                            <a:schemeClr val="bg1"/>
-                          </a:solidFill>
-                        </a:rPr>
-                        <a:t>새싹</a:t>
-                      </a:r>
-                      <a:endParaRPr lang="en-US" altLang="ko-KR" sz="2800" b="1" dirty="0">
-                        <a:solidFill>
-                          <a:schemeClr val="bg1"/>
-                        </a:solidFill>
-                      </a:endParaRPr>
-                    </a:p>
-                  </a:txBody>
-                  <a:tcPr>
-                    <a:lnL w="19050" cap="flat" cmpd="sng" algn="ctr">
-                      <a:solidFill>
-                        <a:schemeClr val="bg1"/>
-                      </a:solidFill>
-                      <a:prstDash val="solid"/>
-                      <a:round/>
-                      <a:headEnd type="none" w="med" len="med"/>
-                      <a:tailEnd type="none" w="med" len="med"/>
-                    </a:lnL>
-                    <a:lnR w="19050" cap="flat" cmpd="sng" algn="ctr">
-                      <a:solidFill>
-                        <a:schemeClr val="bg1"/>
-                      </a:solidFill>
-                      <a:prstDash val="solid"/>
-                      <a:round/>
-                      <a:headEnd type="none" w="med" len="med"/>
-                      <a:tailEnd type="none" w="med" len="med"/>
-                    </a:lnR>
-                    <a:lnT w="19050" cap="flat" cmpd="sng" algn="ctr">
-                      <a:solidFill>
-                        <a:schemeClr val="bg1"/>
-                      </a:solidFill>
-                      <a:prstDash val="solid"/>
-                      <a:round/>
-                      <a:headEnd type="none" w="med" len="med"/>
-                      <a:tailEnd type="none" w="med" len="med"/>
-                    </a:lnT>
-                    <a:lnB w="19050" cap="flat" cmpd="sng" algn="ctr">
-                      <a:solidFill>
-                        <a:schemeClr val="bg1"/>
-                      </a:solidFill>
-                      <a:prstDash val="solid"/>
-                      <a:round/>
-                      <a:headEnd type="none" w="med" len="med"/>
-                      <a:tailEnd type="none" w="med" len="med"/>
-                    </a:lnB>
-                    <a:lnTlToBr w="12700" cmpd="sng">
-                      <a:noFill/>
-                      <a:prstDash val="solid"/>
-                    </a:lnTlToBr>
-                    <a:lnBlToTr w="12700" cmpd="sng">
-                      <a:noFill/>
-                      <a:prstDash val="solid"/>
-                    </a:lnBlToTr>
-                  </a:tcPr>
-                </a:tc>
-                <a:tc>
-                  <a:txBody>
-                    <a:bodyPr/>
-                    <a:lstStyle/>
-                    <a:p>
-                      <a:pPr algn="ctr" latinLnBrk="1"/>
-                      <a:r>
-                        <a:rPr lang="ko-KR" altLang="en-US" sz="2800" b="1" dirty="0">
-                          <a:solidFill>
-                            <a:schemeClr val="bg1"/>
-                          </a:solidFill>
-                        </a:rPr>
-                        <a:t>육묘 </a:t>
-                      </a:r>
-                      <a:r>
-                        <a:rPr lang="ko-KR" altLang="en-US" sz="2800" b="1" dirty="0" err="1">
-                          <a:solidFill>
-                            <a:schemeClr val="bg1"/>
-                          </a:solidFill>
-                        </a:rPr>
-                        <a:t>적온</a:t>
-                      </a:r>
-                      <a:endParaRPr lang="ko-KR" altLang="en-US" sz="2800" b="1" dirty="0">
-                        <a:solidFill>
-                          <a:schemeClr val="bg1"/>
-                        </a:solidFill>
-                      </a:endParaRPr>
-                    </a:p>
-                  </a:txBody>
-                  <a:tcPr>
-                    <a:lnL w="19050" cap="flat" cmpd="sng" algn="ctr">
-                      <a:solidFill>
-                        <a:schemeClr val="bg1"/>
-                      </a:solidFill>
-                      <a:prstDash val="solid"/>
-                      <a:round/>
-                      <a:headEnd type="none" w="med" len="med"/>
-                      <a:tailEnd type="none" w="med" len="med"/>
-                    </a:lnL>
-                    <a:lnR w="19050" cap="flat" cmpd="sng" algn="ctr">
-                      <a:solidFill>
-                        <a:schemeClr val="bg1"/>
-                      </a:solidFill>
-                      <a:prstDash val="solid"/>
-                      <a:round/>
-                      <a:headEnd type="none" w="med" len="med"/>
-                      <a:tailEnd type="none" w="med" len="med"/>
-                    </a:lnR>
-                    <a:lnT w="19050" cap="flat" cmpd="sng" algn="ctr">
-                      <a:solidFill>
-                        <a:schemeClr val="bg1"/>
-                      </a:solidFill>
-                      <a:prstDash val="solid"/>
-                      <a:round/>
-                      <a:headEnd type="none" w="med" len="med"/>
-                      <a:tailEnd type="none" w="med" len="med"/>
-                    </a:lnT>
-                    <a:lnB w="19050" cap="flat" cmpd="sng" algn="ctr">
-                      <a:solidFill>
-                        <a:schemeClr val="bg1"/>
-                      </a:solidFill>
-                      <a:prstDash val="solid"/>
-                      <a:round/>
-                      <a:headEnd type="none" w="med" len="med"/>
-                      <a:tailEnd type="none" w="med" len="med"/>
-                    </a:lnB>
-                    <a:lnTlToBr w="12700" cmpd="sng">
-                      <a:noFill/>
-                      <a:prstDash val="solid"/>
-                    </a:lnTlToBr>
-                    <a:lnBlToTr w="12700" cmpd="sng">
-                      <a:noFill/>
-                      <a:prstDash val="solid"/>
-                    </a:lnBlToTr>
-                  </a:tcPr>
-                </a:tc>
-                <a:tc>
-                  <a:txBody>
-                    <a:bodyPr/>
-                    <a:lstStyle/>
-                    <a:p>
-                      <a:pPr marL="0" marR="0" lvl="0" indent="0" algn="ctr" defTabSz="3240451" rtl="0" eaLnBrk="1" fontAlgn="auto" latinLnBrk="1" hangingPunct="1">
-                        <a:lnSpc>
-                          <a:spcPct val="100000"/>
-                        </a:lnSpc>
-                        <a:spcBef>
-                          <a:spcPts val="0"/>
-                        </a:spcBef>
-                        <a:spcAft>
-                          <a:spcPts val="0"/>
-                        </a:spcAft>
-                        <a:buClrTx/>
-                        <a:buSzTx/>
-                        <a:buFontTx/>
-                        <a:buNone/>
-                        <a:tabLst/>
-                        <a:defRPr/>
-                      </a:pPr>
-                      <a:r>
-                        <a:rPr lang="en-US" altLang="ko-KR" sz="2800" b="1" dirty="0">
-                          <a:solidFill>
-                            <a:schemeClr val="bg1"/>
-                          </a:solidFill>
-                        </a:rPr>
-                        <a:t>23</a:t>
-                      </a:r>
-                      <a:r>
-                        <a:rPr lang="ko-KR" altLang="en-US" sz="2800" b="1" i="0" kern="1200" dirty="0">
-                          <a:solidFill>
-                            <a:schemeClr val="bg1"/>
-                          </a:solidFill>
-                          <a:effectLst/>
-                          <a:latin typeface="+mn-lt"/>
-                          <a:ea typeface="+mn-ea"/>
-                          <a:cs typeface="+mn-cs"/>
-                        </a:rPr>
-                        <a:t>℃</a:t>
-                      </a:r>
-                      <a:endParaRPr lang="ko-KR" altLang="en-US" sz="2800" b="1" dirty="0">
-                        <a:solidFill>
-                          <a:schemeClr val="bg1"/>
-                        </a:solidFill>
-                      </a:endParaRPr>
-                    </a:p>
-                  </a:txBody>
-                  <a:tcPr>
-                    <a:lnL w="19050" cap="flat" cmpd="sng" algn="ctr">
-                      <a:solidFill>
-                        <a:schemeClr val="bg1"/>
-                      </a:solidFill>
-                      <a:prstDash val="solid"/>
-                      <a:round/>
-                      <a:headEnd type="none" w="med" len="med"/>
-                      <a:tailEnd type="none" w="med" len="med"/>
-                    </a:lnL>
-                    <a:lnR w="19050" cap="flat" cmpd="sng" algn="ctr">
-                      <a:solidFill>
-                        <a:schemeClr val="bg1"/>
-                      </a:solidFill>
-                      <a:prstDash val="solid"/>
-                      <a:round/>
-                      <a:headEnd type="none" w="med" len="med"/>
-                      <a:tailEnd type="none" w="med" len="med"/>
-                    </a:lnR>
-                    <a:lnT w="19050" cap="flat" cmpd="sng" algn="ctr">
-                      <a:solidFill>
-                        <a:schemeClr val="bg1"/>
-                      </a:solidFill>
-                      <a:prstDash val="solid"/>
-                      <a:round/>
-                      <a:headEnd type="none" w="med" len="med"/>
-                      <a:tailEnd type="none" w="med" len="med"/>
-                    </a:lnT>
-                    <a:lnB w="19050" cap="flat" cmpd="sng" algn="ctr">
-                      <a:solidFill>
-                        <a:schemeClr val="bg1"/>
-                      </a:solidFill>
-                      <a:prstDash val="solid"/>
-                      <a:round/>
-                      <a:headEnd type="none" w="med" len="med"/>
-                      <a:tailEnd type="none" w="med" len="med"/>
-                    </a:lnB>
-                    <a:lnTlToBr w="12700" cmpd="sng">
-                      <a:noFill/>
-                      <a:prstDash val="solid"/>
-                    </a:lnTlToBr>
-                    <a:lnBlToTr w="12700" cmpd="sng">
-                      <a:noFill/>
-                      <a:prstDash val="solid"/>
-                    </a:lnBlToTr>
-                  </a:tcPr>
-                </a:tc>
-                <a:tc>
-                  <a:txBody>
-                    <a:bodyPr/>
-                    <a:lstStyle/>
-                    <a:p>
-                      <a:pPr marL="0" marR="0" lvl="0" indent="0" algn="ctr" defTabSz="3240451" rtl="0" eaLnBrk="1" fontAlgn="auto" latinLnBrk="1" hangingPunct="1">
-                        <a:lnSpc>
-                          <a:spcPct val="100000"/>
-                        </a:lnSpc>
-                        <a:spcBef>
-                          <a:spcPts val="0"/>
-                        </a:spcBef>
-                        <a:spcAft>
-                          <a:spcPts val="0"/>
-                        </a:spcAft>
-                        <a:buClrTx/>
-                        <a:buSzTx/>
-                        <a:buFontTx/>
-                        <a:buNone/>
-                        <a:tabLst/>
-                        <a:defRPr/>
-                      </a:pPr>
-                      <a:endParaRPr lang="ko-KR" altLang="en-US" sz="2800" b="1" dirty="0">
-                        <a:solidFill>
-                          <a:schemeClr val="bg1"/>
-                        </a:solidFill>
-                      </a:endParaRPr>
-                    </a:p>
-                  </a:txBody>
-                  <a:tcPr>
-                    <a:lnL w="19050" cap="flat" cmpd="sng" algn="ctr">
-                      <a:solidFill>
-                        <a:schemeClr val="bg1"/>
-                      </a:solidFill>
-                      <a:prstDash val="solid"/>
-                      <a:round/>
-                      <a:headEnd type="none" w="med" len="med"/>
-                      <a:tailEnd type="none" w="med" len="med"/>
-                    </a:lnL>
-                    <a:lnR w="19050" cap="flat" cmpd="sng" algn="ctr">
-                      <a:solidFill>
-                        <a:schemeClr val="bg1"/>
-                      </a:solidFill>
-                      <a:prstDash val="solid"/>
-                      <a:round/>
-                      <a:headEnd type="none" w="med" len="med"/>
-                      <a:tailEnd type="none" w="med" len="med"/>
-                    </a:lnR>
-                    <a:lnT w="19050" cap="flat" cmpd="sng" algn="ctr">
-                      <a:solidFill>
-                        <a:schemeClr val="bg1"/>
-                      </a:solidFill>
-                      <a:prstDash val="solid"/>
-                      <a:round/>
-                      <a:headEnd type="none" w="med" len="med"/>
-                      <a:tailEnd type="none" w="med" len="med"/>
-                    </a:lnT>
-                    <a:lnB w="19050" cap="flat" cmpd="sng" algn="ctr">
-                      <a:solidFill>
-                        <a:schemeClr val="bg1"/>
-                      </a:solidFill>
-                      <a:prstDash val="solid"/>
-                      <a:round/>
-                      <a:headEnd type="none" w="med" len="med"/>
-                      <a:tailEnd type="none" w="med" len="med"/>
-                    </a:lnB>
-                    <a:lnTlToBr w="12700" cmpd="sng">
-                      <a:noFill/>
-                      <a:prstDash val="solid"/>
-                    </a:lnTlToBr>
-                    <a:lnBlToTr w="12700" cmpd="sng">
-                      <a:noFill/>
-                      <a:prstDash val="solid"/>
-                    </a:lnBlToTr>
-                  </a:tcPr>
-                </a:tc>
-                <a:tc>
-                  <a:txBody>
-                    <a:bodyPr/>
-                    <a:lstStyle/>
-                    <a:p>
-                      <a:pPr marL="0" marR="0" lvl="0" indent="0" algn="ctr" defTabSz="3240451" rtl="0" eaLnBrk="1" fontAlgn="auto" latinLnBrk="1" hangingPunct="1">
-                        <a:lnSpc>
-                          <a:spcPct val="100000"/>
-                        </a:lnSpc>
-                        <a:spcBef>
-                          <a:spcPts val="0"/>
-                        </a:spcBef>
-                        <a:spcAft>
-                          <a:spcPts val="0"/>
-                        </a:spcAft>
-                        <a:buClrTx/>
-                        <a:buSzTx/>
-                        <a:buFontTx/>
-                        <a:buNone/>
-                        <a:tabLst/>
-                        <a:defRPr/>
-                      </a:pPr>
-                      <a:endParaRPr lang="ko-KR" altLang="en-US" sz="2800" b="1" dirty="0">
-                        <a:solidFill>
-                          <a:schemeClr val="bg1"/>
-                        </a:solidFill>
-                      </a:endParaRPr>
-                    </a:p>
-                  </a:txBody>
-                  <a:tcPr>
-                    <a:lnL w="19050" cap="flat" cmpd="sng" algn="ctr">
-                      <a:solidFill>
-                        <a:schemeClr val="bg1"/>
-                      </a:solidFill>
-                      <a:prstDash val="solid"/>
-                      <a:round/>
-                      <a:headEnd type="none" w="med" len="med"/>
-                      <a:tailEnd type="none" w="med" len="med"/>
-                    </a:lnL>
-                    <a:lnR w="19050" cap="flat" cmpd="sng" algn="ctr">
-                      <a:solidFill>
-                        <a:schemeClr val="bg1"/>
-                      </a:solidFill>
-                      <a:prstDash val="solid"/>
-                      <a:round/>
-                      <a:headEnd type="none" w="med" len="med"/>
-                      <a:tailEnd type="none" w="med" len="med"/>
-                    </a:lnR>
-                    <a:lnT w="19050" cap="flat" cmpd="sng" algn="ctr">
-                      <a:solidFill>
-                        <a:schemeClr val="bg1"/>
-                      </a:solidFill>
-                      <a:prstDash val="solid"/>
-                      <a:round/>
-                      <a:headEnd type="none" w="med" len="med"/>
-                      <a:tailEnd type="none" w="med" len="med"/>
-                    </a:lnT>
-                    <a:lnB w="19050" cap="flat" cmpd="sng" algn="ctr">
-                      <a:solidFill>
-                        <a:schemeClr val="bg1"/>
-                      </a:solidFill>
-                      <a:prstDash val="solid"/>
-                      <a:round/>
-                      <a:headEnd type="none" w="med" len="med"/>
-                      <a:tailEnd type="none" w="med" len="med"/>
-                    </a:lnB>
-                    <a:lnTlToBr w="12700" cmpd="sng">
-                      <a:noFill/>
-                      <a:prstDash val="solid"/>
-                    </a:lnTlToBr>
-                    <a:lnBlToTr w="12700" cmpd="sng">
-                      <a:noFill/>
-                      <a:prstDash val="solid"/>
-                    </a:lnBlToTr>
-                  </a:tcPr>
-                </a:tc>
-                <a:tc>
-                  <a:txBody>
-                    <a:bodyPr/>
-                    <a:lstStyle/>
-                    <a:p>
-                      <a:pPr marL="0" marR="0" lvl="0" indent="0" algn="ctr" defTabSz="3240451" rtl="0" eaLnBrk="1" fontAlgn="auto" latinLnBrk="1" hangingPunct="1">
-                        <a:lnSpc>
-                          <a:spcPct val="100000"/>
-                        </a:lnSpc>
-                        <a:spcBef>
-                          <a:spcPts val="0"/>
-                        </a:spcBef>
-                        <a:spcAft>
-                          <a:spcPts val="0"/>
-                        </a:spcAft>
-                        <a:buClrTx/>
-                        <a:buSzTx/>
-                        <a:buFontTx/>
-                        <a:buNone/>
-                        <a:tabLst/>
-                        <a:defRPr/>
-                      </a:pPr>
-                      <a:endParaRPr lang="ko-KR" altLang="en-US" sz="2800" b="1" dirty="0">
-                        <a:solidFill>
-                          <a:schemeClr val="bg1"/>
-                        </a:solidFill>
-                      </a:endParaRPr>
-                    </a:p>
-                  </a:txBody>
-                  <a:tcPr>
-                    <a:lnL w="19050" cap="flat" cmpd="sng" algn="ctr">
-                      <a:solidFill>
-                        <a:schemeClr val="bg1"/>
-                      </a:solidFill>
-                      <a:prstDash val="solid"/>
-                      <a:round/>
-                      <a:headEnd type="none" w="med" len="med"/>
-                      <a:tailEnd type="none" w="med" len="med"/>
-                    </a:lnL>
-                    <a:lnR w="19050" cap="flat" cmpd="sng" algn="ctr">
-                      <a:solidFill>
-                        <a:schemeClr val="bg1"/>
-                      </a:solidFill>
-                      <a:prstDash val="solid"/>
-                      <a:round/>
-                      <a:headEnd type="none" w="med" len="med"/>
-                      <a:tailEnd type="none" w="med" len="med"/>
-                    </a:lnR>
-                    <a:lnT w="19050" cap="flat" cmpd="sng" algn="ctr">
-                      <a:solidFill>
-                        <a:schemeClr val="bg1"/>
-                      </a:solidFill>
-                      <a:prstDash val="solid"/>
-                      <a:round/>
-                      <a:headEnd type="none" w="med" len="med"/>
-                      <a:tailEnd type="none" w="med" len="med"/>
-                    </a:lnT>
-                    <a:lnB w="19050" cap="flat" cmpd="sng" algn="ctr">
-                      <a:solidFill>
-                        <a:schemeClr val="bg1"/>
-                      </a:solidFill>
-                      <a:prstDash val="solid"/>
-                      <a:round/>
-                      <a:headEnd type="none" w="med" len="med"/>
-                      <a:tailEnd type="none" w="med" len="med"/>
-                    </a:lnB>
-                    <a:lnTlToBr w="12700" cmpd="sng">
-                      <a:noFill/>
-                      <a:prstDash val="solid"/>
-                    </a:lnTlToBr>
-                    <a:lnBlToTr w="12700" cmpd="sng">
-                      <a:noFill/>
-                      <a:prstDash val="solid"/>
-                    </a:lnBlToTr>
-                  </a:tcPr>
-                </a:tc>
-                <a:tc>
-                  <a:txBody>
-                    <a:bodyPr/>
-                    <a:lstStyle/>
-                    <a:p>
-                      <a:pPr marL="0" marR="0" lvl="0" indent="0" algn="ctr" defTabSz="3240451" rtl="0" eaLnBrk="1" fontAlgn="auto" latinLnBrk="1" hangingPunct="1">
-                        <a:lnSpc>
-                          <a:spcPct val="100000"/>
-                        </a:lnSpc>
-                        <a:spcBef>
-                          <a:spcPts val="0"/>
-                        </a:spcBef>
-                        <a:spcAft>
-                          <a:spcPts val="0"/>
-                        </a:spcAft>
-                        <a:buClrTx/>
-                        <a:buSzTx/>
-                        <a:buFontTx/>
-                        <a:buNone/>
-                        <a:tabLst/>
-                        <a:defRPr/>
-                      </a:pPr>
-                      <a:endParaRPr lang="ko-KR" altLang="en-US" sz="2800" b="1" dirty="0">
-                        <a:solidFill>
-                          <a:schemeClr val="bg1"/>
-                        </a:solidFill>
-                      </a:endParaRPr>
-                    </a:p>
-                  </a:txBody>
-                  <a:tcPr>
-                    <a:lnL w="19050" cap="flat" cmpd="sng" algn="ctr">
-                      <a:solidFill>
-                        <a:schemeClr val="bg1"/>
-                      </a:solidFill>
-                      <a:prstDash val="solid"/>
-                      <a:round/>
-                      <a:headEnd type="none" w="med" len="med"/>
-                      <a:tailEnd type="none" w="med" len="med"/>
-                    </a:lnL>
-                    <a:lnR w="19050" cap="flat" cmpd="sng" algn="ctr">
-                      <a:solidFill>
-                        <a:schemeClr val="bg1"/>
-                      </a:solidFill>
-                      <a:prstDash val="solid"/>
-                      <a:round/>
-                      <a:headEnd type="none" w="med" len="med"/>
-                      <a:tailEnd type="none" w="med" len="med"/>
-                    </a:lnR>
-                    <a:lnT w="19050" cap="flat" cmpd="sng" algn="ctr">
-                      <a:solidFill>
-                        <a:schemeClr val="bg1"/>
-                      </a:solidFill>
-                      <a:prstDash val="solid"/>
-                      <a:round/>
-                      <a:headEnd type="none" w="med" len="med"/>
-                      <a:tailEnd type="none" w="med" len="med"/>
-                    </a:lnT>
-                    <a:lnB w="19050" cap="flat" cmpd="sng" algn="ctr">
-                      <a:solidFill>
-                        <a:schemeClr val="bg1"/>
-                      </a:solidFill>
-                      <a:prstDash val="solid"/>
-                      <a:round/>
-                      <a:headEnd type="none" w="med" len="med"/>
-                      <a:tailEnd type="none" w="med" len="med"/>
-                    </a:lnB>
-                    <a:lnTlToBr w="12700" cmpd="sng">
-                      <a:noFill/>
-                      <a:prstDash val="solid"/>
-                    </a:lnTlToBr>
-                    <a:lnBlToTr w="12700" cmpd="sng">
-                      <a:noFill/>
-                      <a:prstDash val="solid"/>
-                    </a:lnBlToTr>
-                  </a:tcPr>
-                </a:tc>
-                <a:tc>
-                  <a:txBody>
-                    <a:bodyPr/>
-                    <a:lstStyle/>
-                    <a:p>
-                      <a:pPr marL="0" marR="0" lvl="0" indent="0" algn="ctr" defTabSz="3240451" rtl="0" eaLnBrk="1" fontAlgn="auto" latinLnBrk="1" hangingPunct="1">
-                        <a:lnSpc>
-                          <a:spcPct val="100000"/>
-                        </a:lnSpc>
-                        <a:spcBef>
-                          <a:spcPts val="0"/>
-                        </a:spcBef>
-                        <a:spcAft>
-                          <a:spcPts val="0"/>
-                        </a:spcAft>
-                        <a:buClrTx/>
-                        <a:buSzTx/>
-                        <a:buFontTx/>
-                        <a:buNone/>
-                        <a:tabLst/>
-                        <a:defRPr/>
-                      </a:pPr>
-                      <a:endParaRPr lang="ko-KR" altLang="en-US" sz="2800" b="1" dirty="0">
-                        <a:solidFill>
-                          <a:schemeClr val="bg1"/>
-                        </a:solidFill>
-                      </a:endParaRPr>
-                    </a:p>
-                  </a:txBody>
-                  <a:tcPr>
-                    <a:lnL w="19050" cap="flat" cmpd="sng" algn="ctr">
-                      <a:solidFill>
-                        <a:schemeClr val="bg1"/>
-                      </a:solidFill>
-                      <a:prstDash val="solid"/>
-                      <a:round/>
-                      <a:headEnd type="none" w="med" len="med"/>
-                      <a:tailEnd type="none" w="med" len="med"/>
-                    </a:lnL>
-                    <a:lnR w="19050" cap="flat" cmpd="sng" algn="ctr">
-                      <a:solidFill>
-                        <a:schemeClr val="bg1"/>
-                      </a:solidFill>
-                      <a:prstDash val="solid"/>
-                      <a:round/>
-                      <a:headEnd type="none" w="med" len="med"/>
-                      <a:tailEnd type="none" w="med" len="med"/>
-                    </a:lnR>
-                    <a:lnT w="19050" cap="flat" cmpd="sng" algn="ctr">
-                      <a:solidFill>
-                        <a:schemeClr val="bg1"/>
-                      </a:solidFill>
-                      <a:prstDash val="solid"/>
-                      <a:round/>
-                      <a:headEnd type="none" w="med" len="med"/>
-                      <a:tailEnd type="none" w="med" len="med"/>
-                    </a:lnT>
-                    <a:lnB w="19050" cap="flat" cmpd="sng" algn="ctr">
-                      <a:solidFill>
-                        <a:schemeClr val="bg1"/>
-                      </a:solidFill>
-                      <a:prstDash val="solid"/>
-                      <a:round/>
-                      <a:headEnd type="none" w="med" len="med"/>
-                      <a:tailEnd type="none" w="med" len="med"/>
-                    </a:lnB>
-                    <a:lnTlToBr w="12700" cmpd="sng">
-                      <a:noFill/>
-                      <a:prstDash val="solid"/>
-                    </a:lnTlToBr>
-                    <a:lnBlToTr w="12700" cmpd="sng">
-                      <a:noFill/>
-                      <a:prstDash val="solid"/>
-                    </a:lnBlToTr>
-                  </a:tcPr>
-                </a:tc>
-                <a:extLst>
-                  <a:ext uri="{0D108BD9-81ED-4DB2-BD59-A6C34878D82A}">
-                    <a16:rowId xmlns:a16="http://schemas.microsoft.com/office/drawing/2014/main" val="2133796889"/>
-                  </a:ext>
-                </a:extLst>
-              </a:tr>
-              <a:tr h="344641">
-                <a:tc rowSpan="2">
-                  <a:txBody>
-                    <a:bodyPr/>
-                    <a:lstStyle/>
-                    <a:p>
-                      <a:pPr algn="ctr" latinLnBrk="1"/>
-                      <a:r>
-                        <a:rPr lang="en-US" altLang="ko-KR" sz="2800" b="1" dirty="0">
-                          <a:solidFill>
-                            <a:schemeClr val="bg1"/>
-                          </a:solidFill>
-                        </a:rPr>
-                        <a:t>3</a:t>
-                      </a:r>
-                      <a:r>
-                        <a:rPr lang="ko-KR" altLang="en-US" sz="2800" b="1" dirty="0">
-                          <a:solidFill>
-                            <a:schemeClr val="bg1"/>
-                          </a:solidFill>
-                        </a:rPr>
-                        <a:t>단계 </a:t>
-                      </a:r>
-                      <a:r>
-                        <a:rPr lang="en-US" altLang="ko-KR" sz="2800" b="1" dirty="0">
-                          <a:solidFill>
-                            <a:schemeClr val="bg1"/>
-                          </a:solidFill>
-                        </a:rPr>
-                        <a:t>: </a:t>
-                      </a:r>
-                      <a:r>
-                        <a:rPr lang="ko-KR" altLang="en-US" sz="2800" b="1" dirty="0">
-                          <a:solidFill>
-                            <a:schemeClr val="bg1"/>
-                          </a:solidFill>
-                        </a:rPr>
-                        <a:t>생장</a:t>
-                      </a:r>
-                    </a:p>
-                  </a:txBody>
-                  <a:tcPr>
-                    <a:lnL w="19050" cap="flat" cmpd="sng" algn="ctr">
-                      <a:solidFill>
-                        <a:schemeClr val="bg1"/>
-                      </a:solidFill>
-                      <a:prstDash val="solid"/>
-                      <a:round/>
-                      <a:headEnd type="none" w="med" len="med"/>
-                      <a:tailEnd type="none" w="med" len="med"/>
-                    </a:lnL>
-                    <a:lnR w="19050" cap="flat" cmpd="sng" algn="ctr">
-                      <a:solidFill>
-                        <a:schemeClr val="bg1"/>
-                      </a:solidFill>
-                      <a:prstDash val="solid"/>
-                      <a:round/>
-                      <a:headEnd type="none" w="med" len="med"/>
-                      <a:tailEnd type="none" w="med" len="med"/>
-                    </a:lnR>
-                    <a:lnT w="19050" cap="flat" cmpd="sng" algn="ctr">
-                      <a:solidFill>
-                        <a:schemeClr val="bg1"/>
-                      </a:solidFill>
-                      <a:prstDash val="solid"/>
-                      <a:round/>
-                      <a:headEnd type="none" w="med" len="med"/>
-                      <a:tailEnd type="none" w="med" len="med"/>
-                    </a:lnT>
-                    <a:lnB w="19050" cap="flat" cmpd="sng" algn="ctr">
-                      <a:solidFill>
-                        <a:schemeClr val="bg1"/>
-                      </a:solidFill>
-                      <a:prstDash val="solid"/>
-                      <a:round/>
-                      <a:headEnd type="none" w="med" len="med"/>
-                      <a:tailEnd type="none" w="med" len="med"/>
-                    </a:lnB>
-                    <a:lnTlToBr w="12700" cmpd="sng">
-                      <a:noFill/>
-                      <a:prstDash val="solid"/>
-                    </a:lnTlToBr>
-                    <a:lnBlToTr w="12700" cmpd="sng">
-                      <a:noFill/>
-                      <a:prstDash val="solid"/>
-                    </a:lnBlToTr>
-                  </a:tcPr>
-                </a:tc>
-                <a:tc rowSpan="2">
-                  <a:txBody>
-                    <a:bodyPr/>
-                    <a:lstStyle/>
-                    <a:p>
-                      <a:pPr algn="ctr" latinLnBrk="1"/>
-                      <a:r>
-                        <a:rPr lang="ko-KR" altLang="en-US" sz="2800" b="1" dirty="0">
-                          <a:solidFill>
-                            <a:schemeClr val="bg1"/>
-                          </a:solidFill>
-                        </a:rPr>
-                        <a:t>생육 </a:t>
-                      </a:r>
-                      <a:r>
-                        <a:rPr lang="ko-KR" altLang="en-US" sz="2800" b="1" dirty="0" err="1">
-                          <a:solidFill>
-                            <a:schemeClr val="bg1"/>
-                          </a:solidFill>
-                        </a:rPr>
-                        <a:t>적온</a:t>
-                      </a:r>
-                      <a:endParaRPr lang="ko-KR" altLang="en-US" sz="2800" b="1" dirty="0">
-                        <a:solidFill>
-                          <a:schemeClr val="bg1"/>
-                        </a:solidFill>
-                      </a:endParaRPr>
-                    </a:p>
-                  </a:txBody>
-                  <a:tcPr>
-                    <a:lnL w="19050" cap="flat" cmpd="sng" algn="ctr">
-                      <a:solidFill>
-                        <a:schemeClr val="bg1"/>
-                      </a:solidFill>
-                      <a:prstDash val="solid"/>
-                      <a:round/>
-                      <a:headEnd type="none" w="med" len="med"/>
-                      <a:tailEnd type="none" w="med" len="med"/>
-                    </a:lnL>
-                    <a:lnR w="19050" cap="flat" cmpd="sng" algn="ctr">
-                      <a:solidFill>
-                        <a:schemeClr val="bg1"/>
-                      </a:solidFill>
-                      <a:prstDash val="solid"/>
-                      <a:round/>
-                      <a:headEnd type="none" w="med" len="med"/>
-                      <a:tailEnd type="none" w="med" len="med"/>
-                    </a:lnR>
-                    <a:lnT w="19050" cap="flat" cmpd="sng" algn="ctr">
-                      <a:solidFill>
-                        <a:schemeClr val="bg1"/>
-                      </a:solidFill>
-                      <a:prstDash val="solid"/>
-                      <a:round/>
-                      <a:headEnd type="none" w="med" len="med"/>
-                      <a:tailEnd type="none" w="med" len="med"/>
-                    </a:lnT>
-                    <a:lnB w="19050" cap="flat" cmpd="sng" algn="ctr">
-                      <a:solidFill>
-                        <a:schemeClr val="bg1"/>
-                      </a:solidFill>
-                      <a:prstDash val="solid"/>
-                      <a:round/>
-                      <a:headEnd type="none" w="med" len="med"/>
-                      <a:tailEnd type="none" w="med" len="med"/>
-                    </a:lnB>
-                    <a:lnTlToBr w="12700" cmpd="sng">
-                      <a:noFill/>
-                      <a:prstDash val="solid"/>
-                    </a:lnTlToBr>
-                    <a:lnBlToTr w="12700" cmpd="sng">
-                      <a:noFill/>
-                      <a:prstDash val="solid"/>
-                    </a:lnBlToTr>
-                  </a:tcPr>
-                </a:tc>
-                <a:tc>
-                  <a:txBody>
-                    <a:bodyPr/>
-                    <a:lstStyle/>
-                    <a:p>
-                      <a:pPr marL="0" marR="0" lvl="0" indent="0" algn="ctr" defTabSz="3240451" rtl="0" eaLnBrk="1" fontAlgn="auto" latinLnBrk="1" hangingPunct="1">
-                        <a:lnSpc>
-                          <a:spcPct val="100000"/>
-                        </a:lnSpc>
-                        <a:spcBef>
-                          <a:spcPts val="0"/>
-                        </a:spcBef>
-                        <a:spcAft>
-                          <a:spcPts val="0"/>
-                        </a:spcAft>
-                        <a:buClrTx/>
-                        <a:buSzTx/>
-                        <a:buFontTx/>
-                        <a:buNone/>
-                        <a:tabLst/>
-                        <a:defRPr/>
-                      </a:pPr>
-                      <a:r>
-                        <a:rPr lang="ko-KR" altLang="en-US" sz="2800" b="1" dirty="0">
-                          <a:solidFill>
-                            <a:schemeClr val="bg1"/>
-                          </a:solidFill>
-                        </a:rPr>
-                        <a:t>낮 </a:t>
-                      </a:r>
-                      <a:r>
-                        <a:rPr lang="en-US" altLang="ko-KR" sz="2800" b="1" dirty="0">
-                          <a:solidFill>
-                            <a:schemeClr val="bg1"/>
-                          </a:solidFill>
-                        </a:rPr>
-                        <a:t>: 25</a:t>
-                      </a:r>
-                      <a:r>
-                        <a:rPr lang="ko-KR" altLang="en-US" sz="2800" b="1" i="0" kern="1200" dirty="0">
-                          <a:solidFill>
-                            <a:schemeClr val="bg1"/>
-                          </a:solidFill>
-                          <a:effectLst/>
-                          <a:latin typeface="+mn-lt"/>
-                          <a:ea typeface="+mn-ea"/>
-                          <a:cs typeface="+mn-cs"/>
-                        </a:rPr>
-                        <a:t>℃</a:t>
-                      </a:r>
-                      <a:endParaRPr lang="ko-KR" altLang="en-US" sz="2800" b="1" dirty="0">
-                        <a:solidFill>
-                          <a:schemeClr val="bg1"/>
-                        </a:solidFill>
-                      </a:endParaRPr>
-                    </a:p>
-                  </a:txBody>
-                  <a:tcPr>
-                    <a:lnL w="19050" cap="flat" cmpd="sng" algn="ctr">
-                      <a:solidFill>
-                        <a:schemeClr val="bg1"/>
-                      </a:solidFill>
-                      <a:prstDash val="solid"/>
-                      <a:round/>
-                      <a:headEnd type="none" w="med" len="med"/>
-                      <a:tailEnd type="none" w="med" len="med"/>
-                    </a:lnL>
-                    <a:lnR w="19050" cap="flat" cmpd="sng" algn="ctr">
-                      <a:solidFill>
-                        <a:schemeClr val="bg1"/>
-                      </a:solidFill>
-                      <a:prstDash val="solid"/>
-                      <a:round/>
-                      <a:headEnd type="none" w="med" len="med"/>
-                      <a:tailEnd type="none" w="med" len="med"/>
-                    </a:lnR>
-                    <a:lnT w="19050" cap="flat" cmpd="sng" algn="ctr">
-                      <a:solidFill>
-                        <a:schemeClr val="bg1"/>
-                      </a:solidFill>
-                      <a:prstDash val="solid"/>
-                      <a:round/>
-                      <a:headEnd type="none" w="med" len="med"/>
-                      <a:tailEnd type="none" w="med" len="med"/>
-                    </a:lnT>
-                    <a:lnB w="19050" cap="flat" cmpd="sng" algn="ctr">
-                      <a:solidFill>
-                        <a:schemeClr val="bg1"/>
-                      </a:solidFill>
-                      <a:prstDash val="solid"/>
-                      <a:round/>
-                      <a:headEnd type="none" w="med" len="med"/>
-                      <a:tailEnd type="none" w="med" len="med"/>
-                    </a:lnB>
-                    <a:lnTlToBr w="12700" cmpd="sng">
-                      <a:noFill/>
-                      <a:prstDash val="solid"/>
-                    </a:lnTlToBr>
-                    <a:lnBlToTr w="12700" cmpd="sng">
-                      <a:noFill/>
-                      <a:prstDash val="solid"/>
-                    </a:lnBlToTr>
-                  </a:tcPr>
-                </a:tc>
-                <a:tc>
-                  <a:txBody>
-                    <a:bodyPr/>
-                    <a:lstStyle/>
-                    <a:p>
-                      <a:pPr marL="0" marR="0" lvl="0" indent="0" algn="ctr" defTabSz="3240451" rtl="0" eaLnBrk="1" fontAlgn="auto" latinLnBrk="1" hangingPunct="1">
-                        <a:lnSpc>
-                          <a:spcPct val="100000"/>
-                        </a:lnSpc>
-                        <a:spcBef>
-                          <a:spcPts val="0"/>
-                        </a:spcBef>
-                        <a:spcAft>
-                          <a:spcPts val="0"/>
-                        </a:spcAft>
-                        <a:buClrTx/>
-                        <a:buSzTx/>
-                        <a:buFontTx/>
-                        <a:buNone/>
-                        <a:tabLst/>
-                        <a:defRPr/>
-                      </a:pPr>
-                      <a:endParaRPr lang="ko-KR" altLang="en-US" sz="2800" b="1" dirty="0">
-                        <a:solidFill>
-                          <a:schemeClr val="bg1"/>
-                        </a:solidFill>
-                      </a:endParaRPr>
-                    </a:p>
-                  </a:txBody>
-                  <a:tcPr>
-                    <a:lnL w="19050" cap="flat" cmpd="sng" algn="ctr">
-                      <a:solidFill>
-                        <a:schemeClr val="bg1"/>
-                      </a:solidFill>
-                      <a:prstDash val="solid"/>
-                      <a:round/>
-                      <a:headEnd type="none" w="med" len="med"/>
-                      <a:tailEnd type="none" w="med" len="med"/>
-                    </a:lnL>
-                    <a:lnR w="19050" cap="flat" cmpd="sng" algn="ctr">
-                      <a:solidFill>
-                        <a:schemeClr val="bg1"/>
-                      </a:solidFill>
-                      <a:prstDash val="solid"/>
-                      <a:round/>
-                      <a:headEnd type="none" w="med" len="med"/>
-                      <a:tailEnd type="none" w="med" len="med"/>
-                    </a:lnR>
-                    <a:lnT w="19050" cap="flat" cmpd="sng" algn="ctr">
-                      <a:solidFill>
-                        <a:schemeClr val="bg1"/>
-                      </a:solidFill>
-                      <a:prstDash val="solid"/>
-                      <a:round/>
-                      <a:headEnd type="none" w="med" len="med"/>
-                      <a:tailEnd type="none" w="med" len="med"/>
-                    </a:lnT>
-                    <a:lnB w="19050" cap="flat" cmpd="sng" algn="ctr">
-                      <a:solidFill>
-                        <a:schemeClr val="bg1"/>
-                      </a:solidFill>
-                      <a:prstDash val="solid"/>
-                      <a:round/>
-                      <a:headEnd type="none" w="med" len="med"/>
-                      <a:tailEnd type="none" w="med" len="med"/>
-                    </a:lnB>
-                    <a:lnTlToBr w="12700" cmpd="sng">
-                      <a:noFill/>
-                      <a:prstDash val="solid"/>
-                    </a:lnTlToBr>
-                    <a:lnBlToTr w="12700" cmpd="sng">
-                      <a:noFill/>
-                      <a:prstDash val="solid"/>
-                    </a:lnBlToTr>
-                  </a:tcPr>
-                </a:tc>
-                <a:tc>
-                  <a:txBody>
-                    <a:bodyPr/>
-                    <a:lstStyle/>
-                    <a:p>
-                      <a:pPr marL="0" marR="0" lvl="0" indent="0" algn="ctr" defTabSz="3240451" rtl="0" eaLnBrk="1" fontAlgn="auto" latinLnBrk="1" hangingPunct="1">
-                        <a:lnSpc>
-                          <a:spcPct val="100000"/>
-                        </a:lnSpc>
-                        <a:spcBef>
-                          <a:spcPts val="0"/>
-                        </a:spcBef>
-                        <a:spcAft>
-                          <a:spcPts val="0"/>
-                        </a:spcAft>
-                        <a:buClrTx/>
-                        <a:buSzTx/>
-                        <a:buFontTx/>
-                        <a:buNone/>
-                        <a:tabLst/>
-                        <a:defRPr/>
-                      </a:pPr>
-                      <a:endParaRPr lang="ko-KR" altLang="en-US" sz="2800" b="1" dirty="0">
-                        <a:solidFill>
-                          <a:schemeClr val="bg1"/>
-                        </a:solidFill>
-                      </a:endParaRPr>
-                    </a:p>
-                  </a:txBody>
-                  <a:tcPr>
-                    <a:lnL w="19050" cap="flat" cmpd="sng" algn="ctr">
-                      <a:solidFill>
-                        <a:schemeClr val="bg1"/>
-                      </a:solidFill>
-                      <a:prstDash val="solid"/>
-                      <a:round/>
-                      <a:headEnd type="none" w="med" len="med"/>
-                      <a:tailEnd type="none" w="med" len="med"/>
-                    </a:lnL>
-                    <a:lnR w="19050" cap="flat" cmpd="sng" algn="ctr">
-                      <a:solidFill>
-                        <a:schemeClr val="bg1"/>
-                      </a:solidFill>
-                      <a:prstDash val="solid"/>
-                      <a:round/>
-                      <a:headEnd type="none" w="med" len="med"/>
-                      <a:tailEnd type="none" w="med" len="med"/>
-                    </a:lnR>
-                    <a:lnT w="19050" cap="flat" cmpd="sng" algn="ctr">
-                      <a:solidFill>
-                        <a:schemeClr val="bg1"/>
-                      </a:solidFill>
-                      <a:prstDash val="solid"/>
-                      <a:round/>
-                      <a:headEnd type="none" w="med" len="med"/>
-                      <a:tailEnd type="none" w="med" len="med"/>
-                    </a:lnT>
-                    <a:lnB w="19050" cap="flat" cmpd="sng" algn="ctr">
-                      <a:solidFill>
-                        <a:schemeClr val="bg1"/>
-                      </a:solidFill>
-                      <a:prstDash val="solid"/>
-                      <a:round/>
-                      <a:headEnd type="none" w="med" len="med"/>
-                      <a:tailEnd type="none" w="med" len="med"/>
-                    </a:lnB>
-                    <a:lnTlToBr w="12700" cmpd="sng">
-                      <a:noFill/>
-                      <a:prstDash val="solid"/>
-                    </a:lnTlToBr>
-                    <a:lnBlToTr w="12700" cmpd="sng">
-                      <a:noFill/>
-                      <a:prstDash val="solid"/>
-                    </a:lnBlToTr>
-                  </a:tcPr>
-                </a:tc>
-                <a:tc>
-                  <a:txBody>
-                    <a:bodyPr/>
-                    <a:lstStyle/>
-                    <a:p>
-                      <a:pPr marL="0" marR="0" lvl="0" indent="0" algn="ctr" defTabSz="3240451" rtl="0" eaLnBrk="1" fontAlgn="auto" latinLnBrk="1" hangingPunct="1">
-                        <a:lnSpc>
-                          <a:spcPct val="100000"/>
-                        </a:lnSpc>
-                        <a:spcBef>
-                          <a:spcPts val="0"/>
-                        </a:spcBef>
-                        <a:spcAft>
-                          <a:spcPts val="0"/>
-                        </a:spcAft>
-                        <a:buClrTx/>
-                        <a:buSzTx/>
-                        <a:buFontTx/>
-                        <a:buNone/>
-                        <a:tabLst/>
-                        <a:defRPr/>
-                      </a:pPr>
-                      <a:endParaRPr lang="ko-KR" altLang="en-US" sz="2800" b="1" dirty="0">
-                        <a:solidFill>
-                          <a:schemeClr val="bg1"/>
-                        </a:solidFill>
-                      </a:endParaRPr>
-                    </a:p>
-                  </a:txBody>
-                  <a:tcPr>
-                    <a:lnL w="19050" cap="flat" cmpd="sng" algn="ctr">
-                      <a:solidFill>
-                        <a:schemeClr val="bg1"/>
-                      </a:solidFill>
-                      <a:prstDash val="solid"/>
-                      <a:round/>
-                      <a:headEnd type="none" w="med" len="med"/>
-                      <a:tailEnd type="none" w="med" len="med"/>
-                    </a:lnL>
-                    <a:lnR w="19050" cap="flat" cmpd="sng" algn="ctr">
-                      <a:solidFill>
-                        <a:schemeClr val="bg1"/>
-                      </a:solidFill>
-                      <a:prstDash val="solid"/>
-                      <a:round/>
-                      <a:headEnd type="none" w="med" len="med"/>
-                      <a:tailEnd type="none" w="med" len="med"/>
-                    </a:lnR>
-                    <a:lnT w="19050" cap="flat" cmpd="sng" algn="ctr">
-                      <a:solidFill>
-                        <a:schemeClr val="bg1"/>
-                      </a:solidFill>
-                      <a:prstDash val="solid"/>
-                      <a:round/>
-                      <a:headEnd type="none" w="med" len="med"/>
-                      <a:tailEnd type="none" w="med" len="med"/>
-                    </a:lnT>
-                    <a:lnB w="19050" cap="flat" cmpd="sng" algn="ctr">
-                      <a:solidFill>
-                        <a:schemeClr val="bg1"/>
-                      </a:solidFill>
-                      <a:prstDash val="solid"/>
-                      <a:round/>
-                      <a:headEnd type="none" w="med" len="med"/>
-                      <a:tailEnd type="none" w="med" len="med"/>
-                    </a:lnB>
-                    <a:lnTlToBr w="12700" cmpd="sng">
-                      <a:noFill/>
-                      <a:prstDash val="solid"/>
-                    </a:lnTlToBr>
-                    <a:lnBlToTr w="12700" cmpd="sng">
-                      <a:noFill/>
-                      <a:prstDash val="solid"/>
-                    </a:lnBlToTr>
-                  </a:tcPr>
-                </a:tc>
-                <a:tc>
-                  <a:txBody>
-                    <a:bodyPr/>
-                    <a:lstStyle/>
-                    <a:p>
-                      <a:pPr marL="0" marR="0" lvl="0" indent="0" algn="ctr" defTabSz="3240451" rtl="0" eaLnBrk="1" fontAlgn="auto" latinLnBrk="1" hangingPunct="1">
-                        <a:lnSpc>
-                          <a:spcPct val="100000"/>
-                        </a:lnSpc>
-                        <a:spcBef>
-                          <a:spcPts val="0"/>
-                        </a:spcBef>
-                        <a:spcAft>
-                          <a:spcPts val="0"/>
-                        </a:spcAft>
-                        <a:buClrTx/>
-                        <a:buSzTx/>
-                        <a:buFontTx/>
-                        <a:buNone/>
-                        <a:tabLst/>
-                        <a:defRPr/>
-                      </a:pPr>
-                      <a:endParaRPr lang="ko-KR" altLang="en-US" sz="2800" b="1" dirty="0">
-                        <a:solidFill>
-                          <a:schemeClr val="bg1"/>
-                        </a:solidFill>
-                      </a:endParaRPr>
-                    </a:p>
-                  </a:txBody>
-                  <a:tcPr>
-                    <a:lnL w="19050" cap="flat" cmpd="sng" algn="ctr">
-                      <a:solidFill>
-                        <a:schemeClr val="bg1"/>
-                      </a:solidFill>
-                      <a:prstDash val="solid"/>
-                      <a:round/>
-                      <a:headEnd type="none" w="med" len="med"/>
-                      <a:tailEnd type="none" w="med" len="med"/>
-                    </a:lnL>
-                    <a:lnR w="19050" cap="flat" cmpd="sng" algn="ctr">
-                      <a:solidFill>
-                        <a:schemeClr val="bg1"/>
-                      </a:solidFill>
-                      <a:prstDash val="solid"/>
-                      <a:round/>
-                      <a:headEnd type="none" w="med" len="med"/>
-                      <a:tailEnd type="none" w="med" len="med"/>
-                    </a:lnR>
-                    <a:lnT w="19050" cap="flat" cmpd="sng" algn="ctr">
-                      <a:solidFill>
-                        <a:schemeClr val="bg1"/>
-                      </a:solidFill>
-                      <a:prstDash val="solid"/>
-                      <a:round/>
-                      <a:headEnd type="none" w="med" len="med"/>
-                      <a:tailEnd type="none" w="med" len="med"/>
-                    </a:lnT>
-                    <a:lnB w="19050" cap="flat" cmpd="sng" algn="ctr">
-                      <a:solidFill>
-                        <a:schemeClr val="bg1"/>
-                      </a:solidFill>
-                      <a:prstDash val="solid"/>
-                      <a:round/>
-                      <a:headEnd type="none" w="med" len="med"/>
-                      <a:tailEnd type="none" w="med" len="med"/>
-                    </a:lnB>
-                    <a:lnTlToBr w="12700" cmpd="sng">
-                      <a:noFill/>
-                      <a:prstDash val="solid"/>
-                    </a:lnTlToBr>
-                    <a:lnBlToTr w="12700" cmpd="sng">
-                      <a:noFill/>
-                      <a:prstDash val="solid"/>
-                    </a:lnBlToTr>
-                  </a:tcPr>
-                </a:tc>
-                <a:tc>
-                  <a:txBody>
-                    <a:bodyPr/>
-                    <a:lstStyle/>
-                    <a:p>
-                      <a:pPr marL="0" marR="0" lvl="0" indent="0" algn="ctr" defTabSz="3240451" rtl="0" eaLnBrk="1" fontAlgn="auto" latinLnBrk="1" hangingPunct="1">
-                        <a:lnSpc>
-                          <a:spcPct val="100000"/>
-                        </a:lnSpc>
-                        <a:spcBef>
-                          <a:spcPts val="0"/>
-                        </a:spcBef>
-                        <a:spcAft>
-                          <a:spcPts val="0"/>
-                        </a:spcAft>
-                        <a:buClrTx/>
-                        <a:buSzTx/>
-                        <a:buFontTx/>
-                        <a:buNone/>
-                        <a:tabLst/>
-                        <a:defRPr/>
-                      </a:pPr>
-                      <a:endParaRPr lang="ko-KR" altLang="en-US" sz="2800" b="1" dirty="0">
-                        <a:solidFill>
-                          <a:schemeClr val="bg1"/>
-                        </a:solidFill>
-                      </a:endParaRPr>
-                    </a:p>
-                  </a:txBody>
-                  <a:tcPr>
-                    <a:lnL w="19050" cap="flat" cmpd="sng" algn="ctr">
-                      <a:solidFill>
-                        <a:schemeClr val="bg1"/>
-                      </a:solidFill>
-                      <a:prstDash val="solid"/>
-                      <a:round/>
-                      <a:headEnd type="none" w="med" len="med"/>
-                      <a:tailEnd type="none" w="med" len="med"/>
-                    </a:lnL>
-                    <a:lnR w="19050" cap="flat" cmpd="sng" algn="ctr">
-                      <a:solidFill>
-                        <a:schemeClr val="bg1"/>
-                      </a:solidFill>
-                      <a:prstDash val="solid"/>
-                      <a:round/>
-                      <a:headEnd type="none" w="med" len="med"/>
-                      <a:tailEnd type="none" w="med" len="med"/>
-                    </a:lnR>
-                    <a:lnT w="19050" cap="flat" cmpd="sng" algn="ctr">
-                      <a:solidFill>
-                        <a:schemeClr val="bg1"/>
-                      </a:solidFill>
-                      <a:prstDash val="solid"/>
-                      <a:round/>
-                      <a:headEnd type="none" w="med" len="med"/>
-                      <a:tailEnd type="none" w="med" len="med"/>
-                    </a:lnT>
-                    <a:lnB w="19050" cap="flat" cmpd="sng" algn="ctr">
-                      <a:solidFill>
-                        <a:schemeClr val="bg1"/>
-                      </a:solidFill>
-                      <a:prstDash val="solid"/>
-                      <a:round/>
-                      <a:headEnd type="none" w="med" len="med"/>
-                      <a:tailEnd type="none" w="med" len="med"/>
-                    </a:lnB>
-                    <a:lnTlToBr w="12700" cmpd="sng">
-                      <a:noFill/>
-                      <a:prstDash val="solid"/>
-                    </a:lnTlToBr>
-                    <a:lnBlToTr w="12700" cmpd="sng">
-                      <a:noFill/>
-                      <a:prstDash val="solid"/>
-                    </a:lnBlToTr>
-                  </a:tcPr>
-                </a:tc>
-                <a:extLst>
-                  <a:ext uri="{0D108BD9-81ED-4DB2-BD59-A6C34878D82A}">
-                    <a16:rowId xmlns:a16="http://schemas.microsoft.com/office/drawing/2014/main" val="814443139"/>
-                  </a:ext>
-                </a:extLst>
-              </a:tr>
-              <a:tr h="344641">
-                <a:tc vMerge="1">
-                  <a:txBody>
-                    <a:bodyPr/>
-                    <a:lstStyle/>
-                    <a:p>
-                      <a:pPr latinLnBrk="1"/>
-                      <a:endParaRPr lang="ko-KR" altLang="en-US" sz="2800" dirty="0"/>
-                    </a:p>
-                  </a:txBody>
-                  <a:tcPr/>
-                </a:tc>
-                <a:tc vMerge="1">
-                  <a:txBody>
-                    <a:bodyPr/>
-                    <a:lstStyle/>
-                    <a:p>
-                      <a:pPr latinLnBrk="1"/>
-                      <a:endParaRPr lang="ko-KR" altLang="en-US" sz="2800" dirty="0"/>
-                    </a:p>
-                  </a:txBody>
-                  <a:tcPr/>
-                </a:tc>
-                <a:tc>
-                  <a:txBody>
-                    <a:bodyPr/>
-                    <a:lstStyle/>
-                    <a:p>
-                      <a:pPr marL="0" marR="0" lvl="0" indent="0" algn="ctr" defTabSz="3240451" rtl="0" eaLnBrk="1" fontAlgn="auto" latinLnBrk="1" hangingPunct="1">
-                        <a:lnSpc>
-                          <a:spcPct val="100000"/>
-                        </a:lnSpc>
-                        <a:spcBef>
-                          <a:spcPts val="0"/>
-                        </a:spcBef>
-                        <a:spcAft>
-                          <a:spcPts val="0"/>
-                        </a:spcAft>
-                        <a:buClrTx/>
-                        <a:buSzTx/>
-                        <a:buFontTx/>
-                        <a:buNone/>
-                        <a:tabLst/>
-                        <a:defRPr/>
-                      </a:pPr>
-                      <a:r>
-                        <a:rPr lang="ko-KR" altLang="en-US" sz="2800" b="1" i="0" kern="1200" dirty="0">
-                          <a:solidFill>
-                            <a:schemeClr val="bg1"/>
-                          </a:solidFill>
-                          <a:effectLst/>
-                          <a:latin typeface="+mn-lt"/>
-                          <a:ea typeface="+mn-ea"/>
-                          <a:cs typeface="+mn-cs"/>
-                        </a:rPr>
-                        <a:t>밤 </a:t>
-                      </a:r>
-                      <a:r>
-                        <a:rPr lang="en-US" altLang="ko-KR" sz="2800" b="1" i="0" kern="1200" dirty="0">
-                          <a:solidFill>
-                            <a:schemeClr val="bg1"/>
-                          </a:solidFill>
-                          <a:effectLst/>
-                          <a:latin typeface="+mn-lt"/>
-                          <a:ea typeface="+mn-ea"/>
-                          <a:cs typeface="+mn-cs"/>
-                        </a:rPr>
-                        <a:t>: 17</a:t>
-                      </a:r>
-                      <a:r>
-                        <a:rPr lang="ko-KR" altLang="en-US" sz="2800" b="1" i="0" kern="1200" dirty="0">
-                          <a:solidFill>
-                            <a:schemeClr val="bg1"/>
-                          </a:solidFill>
-                          <a:effectLst/>
-                          <a:latin typeface="+mn-lt"/>
-                          <a:ea typeface="+mn-ea"/>
-                          <a:cs typeface="+mn-cs"/>
-                        </a:rPr>
-                        <a:t>℃</a:t>
-                      </a:r>
-                      <a:endParaRPr lang="ko-KR" altLang="en-US" sz="2800" b="1" dirty="0">
-                        <a:solidFill>
-                          <a:schemeClr val="bg1"/>
-                        </a:solidFill>
-                      </a:endParaRPr>
-                    </a:p>
-                  </a:txBody>
-                  <a:tcPr>
-                    <a:lnL w="19050" cap="flat" cmpd="sng" algn="ctr">
-                      <a:solidFill>
-                        <a:schemeClr val="bg1"/>
-                      </a:solidFill>
-                      <a:prstDash val="solid"/>
-                      <a:round/>
-                      <a:headEnd type="none" w="med" len="med"/>
-                      <a:tailEnd type="none" w="med" len="med"/>
-                    </a:lnL>
-                    <a:lnR w="19050" cap="flat" cmpd="sng" algn="ctr">
-                      <a:solidFill>
-                        <a:schemeClr val="bg1"/>
-                      </a:solidFill>
-                      <a:prstDash val="solid"/>
-                      <a:round/>
-                      <a:headEnd type="none" w="med" len="med"/>
-                      <a:tailEnd type="none" w="med" len="med"/>
-                    </a:lnR>
-                    <a:lnT w="19050" cap="flat" cmpd="sng" algn="ctr">
-                      <a:solidFill>
-                        <a:schemeClr val="bg1"/>
-                      </a:solidFill>
-                      <a:prstDash val="solid"/>
-                      <a:round/>
-                      <a:headEnd type="none" w="med" len="med"/>
-                      <a:tailEnd type="none" w="med" len="med"/>
-                    </a:lnT>
-                    <a:lnB w="19050" cap="flat" cmpd="sng" algn="ctr">
-                      <a:solidFill>
-                        <a:schemeClr val="bg1"/>
-                      </a:solidFill>
-                      <a:prstDash val="solid"/>
-                      <a:round/>
-                      <a:headEnd type="none" w="med" len="med"/>
-                      <a:tailEnd type="none" w="med" len="med"/>
-                    </a:lnB>
-                    <a:lnTlToBr w="12700" cmpd="sng">
-                      <a:noFill/>
-                      <a:prstDash val="solid"/>
-                    </a:lnTlToBr>
-                    <a:lnBlToTr w="12700" cmpd="sng">
-                      <a:noFill/>
-                      <a:prstDash val="solid"/>
-                    </a:lnBlToTr>
-                  </a:tcPr>
-                </a:tc>
-                <a:tc>
-                  <a:txBody>
-                    <a:bodyPr/>
-                    <a:lstStyle/>
-                    <a:p>
-                      <a:pPr marL="0" marR="0" lvl="0" indent="0" algn="ctr" defTabSz="3240451" rtl="0" eaLnBrk="1" fontAlgn="auto" latinLnBrk="1" hangingPunct="1">
-                        <a:lnSpc>
-                          <a:spcPct val="100000"/>
-                        </a:lnSpc>
-                        <a:spcBef>
-                          <a:spcPts val="0"/>
-                        </a:spcBef>
-                        <a:spcAft>
-                          <a:spcPts val="0"/>
-                        </a:spcAft>
-                        <a:buClrTx/>
-                        <a:buSzTx/>
-                        <a:buFontTx/>
-                        <a:buNone/>
-                        <a:tabLst/>
-                        <a:defRPr/>
-                      </a:pPr>
-                      <a:endParaRPr lang="ko-KR" altLang="en-US" sz="2800" b="1" dirty="0">
-                        <a:solidFill>
-                          <a:schemeClr val="bg1"/>
-                        </a:solidFill>
-                      </a:endParaRPr>
-                    </a:p>
-                  </a:txBody>
-                  <a:tcPr>
-                    <a:lnL w="19050" cap="flat" cmpd="sng" algn="ctr">
-                      <a:solidFill>
-                        <a:schemeClr val="bg1"/>
-                      </a:solidFill>
-                      <a:prstDash val="solid"/>
-                      <a:round/>
-                      <a:headEnd type="none" w="med" len="med"/>
-                      <a:tailEnd type="none" w="med" len="med"/>
-                    </a:lnL>
-                    <a:lnR w="19050" cap="flat" cmpd="sng" algn="ctr">
-                      <a:solidFill>
-                        <a:schemeClr val="bg1"/>
-                      </a:solidFill>
-                      <a:prstDash val="solid"/>
-                      <a:round/>
-                      <a:headEnd type="none" w="med" len="med"/>
-                      <a:tailEnd type="none" w="med" len="med"/>
-                    </a:lnR>
-                    <a:lnT w="19050" cap="flat" cmpd="sng" algn="ctr">
-                      <a:solidFill>
-                        <a:schemeClr val="bg1"/>
-                      </a:solidFill>
-                      <a:prstDash val="solid"/>
-                      <a:round/>
-                      <a:headEnd type="none" w="med" len="med"/>
-                      <a:tailEnd type="none" w="med" len="med"/>
-                    </a:lnT>
-                    <a:lnB w="19050" cap="flat" cmpd="sng" algn="ctr">
-                      <a:solidFill>
-                        <a:schemeClr val="bg1"/>
-                      </a:solidFill>
-                      <a:prstDash val="solid"/>
-                      <a:round/>
-                      <a:headEnd type="none" w="med" len="med"/>
-                      <a:tailEnd type="none" w="med" len="med"/>
-                    </a:lnB>
-                    <a:lnTlToBr w="12700" cmpd="sng">
-                      <a:noFill/>
-                      <a:prstDash val="solid"/>
-                    </a:lnTlToBr>
-                    <a:lnBlToTr w="12700" cmpd="sng">
-                      <a:noFill/>
-                      <a:prstDash val="solid"/>
-                    </a:lnBlToTr>
-                  </a:tcPr>
-                </a:tc>
-                <a:tc>
-                  <a:txBody>
-                    <a:bodyPr/>
-                    <a:lstStyle/>
-                    <a:p>
-                      <a:pPr marL="0" marR="0" lvl="0" indent="0" algn="ctr" defTabSz="3240451" rtl="0" eaLnBrk="1" fontAlgn="auto" latinLnBrk="1" hangingPunct="1">
-                        <a:lnSpc>
-                          <a:spcPct val="100000"/>
-                        </a:lnSpc>
-                        <a:spcBef>
-                          <a:spcPts val="0"/>
-                        </a:spcBef>
-                        <a:spcAft>
-                          <a:spcPts val="0"/>
-                        </a:spcAft>
-                        <a:buClrTx/>
-                        <a:buSzTx/>
-                        <a:buFontTx/>
-                        <a:buNone/>
-                        <a:tabLst/>
-                        <a:defRPr/>
-                      </a:pPr>
-                      <a:endParaRPr lang="ko-KR" altLang="en-US" sz="2800" b="1" dirty="0">
-                        <a:solidFill>
-                          <a:schemeClr val="bg1"/>
-                        </a:solidFill>
-                      </a:endParaRPr>
-                    </a:p>
-                  </a:txBody>
-                  <a:tcPr>
-                    <a:lnL w="19050" cap="flat" cmpd="sng" algn="ctr">
-                      <a:solidFill>
-                        <a:schemeClr val="bg1"/>
-                      </a:solidFill>
-                      <a:prstDash val="solid"/>
-                      <a:round/>
-                      <a:headEnd type="none" w="med" len="med"/>
-                      <a:tailEnd type="none" w="med" len="med"/>
-                    </a:lnL>
-                    <a:lnR w="19050" cap="flat" cmpd="sng" algn="ctr">
-                      <a:solidFill>
-                        <a:schemeClr val="bg1"/>
-                      </a:solidFill>
-                      <a:prstDash val="solid"/>
-                      <a:round/>
-                      <a:headEnd type="none" w="med" len="med"/>
-                      <a:tailEnd type="none" w="med" len="med"/>
-                    </a:lnR>
-                    <a:lnT w="19050" cap="flat" cmpd="sng" algn="ctr">
-                      <a:solidFill>
-                        <a:schemeClr val="bg1"/>
-                      </a:solidFill>
-                      <a:prstDash val="solid"/>
-                      <a:round/>
-                      <a:headEnd type="none" w="med" len="med"/>
-                      <a:tailEnd type="none" w="med" len="med"/>
-                    </a:lnT>
-                    <a:lnB w="19050" cap="flat" cmpd="sng" algn="ctr">
-                      <a:solidFill>
-                        <a:schemeClr val="bg1"/>
-                      </a:solidFill>
-                      <a:prstDash val="solid"/>
-                      <a:round/>
-                      <a:headEnd type="none" w="med" len="med"/>
-                      <a:tailEnd type="none" w="med" len="med"/>
-                    </a:lnB>
-                    <a:lnTlToBr w="12700" cmpd="sng">
-                      <a:noFill/>
-                      <a:prstDash val="solid"/>
-                    </a:lnTlToBr>
-                    <a:lnBlToTr w="12700" cmpd="sng">
-                      <a:noFill/>
-                      <a:prstDash val="solid"/>
-                    </a:lnBlToTr>
-                  </a:tcPr>
-                </a:tc>
-                <a:tc>
-                  <a:txBody>
-                    <a:bodyPr/>
-                    <a:lstStyle/>
-                    <a:p>
-                      <a:pPr marL="0" marR="0" lvl="0" indent="0" algn="ctr" defTabSz="3240451" rtl="0" eaLnBrk="1" fontAlgn="auto" latinLnBrk="1" hangingPunct="1">
-                        <a:lnSpc>
-                          <a:spcPct val="100000"/>
-                        </a:lnSpc>
-                        <a:spcBef>
-                          <a:spcPts val="0"/>
-                        </a:spcBef>
-                        <a:spcAft>
-                          <a:spcPts val="0"/>
-                        </a:spcAft>
-                        <a:buClrTx/>
-                        <a:buSzTx/>
-                        <a:buFontTx/>
-                        <a:buNone/>
-                        <a:tabLst/>
-                        <a:defRPr/>
-                      </a:pPr>
-                      <a:endParaRPr lang="ko-KR" altLang="en-US" sz="2800" b="1" dirty="0">
-                        <a:solidFill>
-                          <a:schemeClr val="bg1"/>
-                        </a:solidFill>
-                      </a:endParaRPr>
-                    </a:p>
-                  </a:txBody>
-                  <a:tcPr>
-                    <a:lnL w="19050" cap="flat" cmpd="sng" algn="ctr">
-                      <a:solidFill>
-                        <a:schemeClr val="bg1"/>
-                      </a:solidFill>
-                      <a:prstDash val="solid"/>
-                      <a:round/>
-                      <a:headEnd type="none" w="med" len="med"/>
-                      <a:tailEnd type="none" w="med" len="med"/>
-                    </a:lnL>
-                    <a:lnR w="19050" cap="flat" cmpd="sng" algn="ctr">
-                      <a:solidFill>
-                        <a:schemeClr val="bg1"/>
-                      </a:solidFill>
-                      <a:prstDash val="solid"/>
-                      <a:round/>
-                      <a:headEnd type="none" w="med" len="med"/>
-                      <a:tailEnd type="none" w="med" len="med"/>
-                    </a:lnR>
-                    <a:lnT w="19050" cap="flat" cmpd="sng" algn="ctr">
-                      <a:solidFill>
-                        <a:schemeClr val="bg1"/>
-                      </a:solidFill>
-                      <a:prstDash val="solid"/>
-                      <a:round/>
-                      <a:headEnd type="none" w="med" len="med"/>
-                      <a:tailEnd type="none" w="med" len="med"/>
-                    </a:lnT>
-                    <a:lnB w="19050" cap="flat" cmpd="sng" algn="ctr">
-                      <a:solidFill>
-                        <a:schemeClr val="bg1"/>
-                      </a:solidFill>
-                      <a:prstDash val="solid"/>
-                      <a:round/>
-                      <a:headEnd type="none" w="med" len="med"/>
-                      <a:tailEnd type="none" w="med" len="med"/>
-                    </a:lnB>
-                    <a:lnTlToBr w="12700" cmpd="sng">
-                      <a:noFill/>
-                      <a:prstDash val="solid"/>
-                    </a:lnTlToBr>
-                    <a:lnBlToTr w="12700" cmpd="sng">
-                      <a:noFill/>
-                      <a:prstDash val="solid"/>
-                    </a:lnBlToTr>
-                  </a:tcPr>
-                </a:tc>
-                <a:tc>
-                  <a:txBody>
-                    <a:bodyPr/>
-                    <a:lstStyle/>
-                    <a:p>
-                      <a:pPr marL="0" marR="0" lvl="0" indent="0" algn="ctr" defTabSz="3240451" rtl="0" eaLnBrk="1" fontAlgn="auto" latinLnBrk="1" hangingPunct="1">
-                        <a:lnSpc>
-                          <a:spcPct val="100000"/>
-                        </a:lnSpc>
-                        <a:spcBef>
-                          <a:spcPts val="0"/>
-                        </a:spcBef>
-                        <a:spcAft>
-                          <a:spcPts val="0"/>
-                        </a:spcAft>
-                        <a:buClrTx/>
-                        <a:buSzTx/>
-                        <a:buFontTx/>
-                        <a:buNone/>
-                        <a:tabLst/>
-                        <a:defRPr/>
-                      </a:pPr>
-                      <a:endParaRPr lang="ko-KR" altLang="en-US" sz="2800" b="1" dirty="0">
-                        <a:solidFill>
-                          <a:schemeClr val="bg1"/>
-                        </a:solidFill>
-                      </a:endParaRPr>
-                    </a:p>
-                  </a:txBody>
-                  <a:tcPr>
-                    <a:lnL w="19050" cap="flat" cmpd="sng" algn="ctr">
-                      <a:solidFill>
-                        <a:schemeClr val="bg1"/>
-                      </a:solidFill>
-                      <a:prstDash val="solid"/>
-                      <a:round/>
-                      <a:headEnd type="none" w="med" len="med"/>
-                      <a:tailEnd type="none" w="med" len="med"/>
-                    </a:lnL>
-                    <a:lnR w="19050" cap="flat" cmpd="sng" algn="ctr">
-                      <a:solidFill>
-                        <a:schemeClr val="bg1"/>
-                      </a:solidFill>
-                      <a:prstDash val="solid"/>
-                      <a:round/>
-                      <a:headEnd type="none" w="med" len="med"/>
-                      <a:tailEnd type="none" w="med" len="med"/>
-                    </a:lnR>
-                    <a:lnT w="19050" cap="flat" cmpd="sng" algn="ctr">
-                      <a:solidFill>
-                        <a:schemeClr val="bg1"/>
-                      </a:solidFill>
-                      <a:prstDash val="solid"/>
-                      <a:round/>
-                      <a:headEnd type="none" w="med" len="med"/>
-                      <a:tailEnd type="none" w="med" len="med"/>
-                    </a:lnT>
-                    <a:lnB w="19050" cap="flat" cmpd="sng" algn="ctr">
-                      <a:solidFill>
-                        <a:schemeClr val="bg1"/>
-                      </a:solidFill>
-                      <a:prstDash val="solid"/>
-                      <a:round/>
-                      <a:headEnd type="none" w="med" len="med"/>
-                      <a:tailEnd type="none" w="med" len="med"/>
-                    </a:lnB>
-                    <a:lnTlToBr w="12700" cmpd="sng">
-                      <a:noFill/>
-                      <a:prstDash val="solid"/>
-                    </a:lnTlToBr>
-                    <a:lnBlToTr w="12700" cmpd="sng">
-                      <a:noFill/>
-                      <a:prstDash val="solid"/>
-                    </a:lnBlToTr>
-                  </a:tcPr>
-                </a:tc>
-                <a:tc>
-                  <a:txBody>
-                    <a:bodyPr/>
-                    <a:lstStyle/>
-                    <a:p>
-                      <a:pPr marL="0" marR="0" lvl="0" indent="0" algn="ctr" defTabSz="3240451" rtl="0" eaLnBrk="1" fontAlgn="auto" latinLnBrk="1" hangingPunct="1">
-                        <a:lnSpc>
-                          <a:spcPct val="100000"/>
-                        </a:lnSpc>
-                        <a:spcBef>
-                          <a:spcPts val="0"/>
-                        </a:spcBef>
-                        <a:spcAft>
-                          <a:spcPts val="0"/>
-                        </a:spcAft>
-                        <a:buClrTx/>
-                        <a:buSzTx/>
-                        <a:buFontTx/>
-                        <a:buNone/>
-                        <a:tabLst/>
-                        <a:defRPr/>
-                      </a:pPr>
-                      <a:endParaRPr lang="ko-KR" altLang="en-US" sz="2800" b="1" dirty="0">
-                        <a:solidFill>
-                          <a:schemeClr val="bg1"/>
-                        </a:solidFill>
-                      </a:endParaRPr>
-                    </a:p>
-                  </a:txBody>
-                  <a:tcPr>
-                    <a:lnL w="19050" cap="flat" cmpd="sng" algn="ctr">
-                      <a:solidFill>
-                        <a:schemeClr val="bg1"/>
-                      </a:solidFill>
-                      <a:prstDash val="solid"/>
-                      <a:round/>
-                      <a:headEnd type="none" w="med" len="med"/>
-                      <a:tailEnd type="none" w="med" len="med"/>
-                    </a:lnL>
-                    <a:lnR w="19050" cap="flat" cmpd="sng" algn="ctr">
-                      <a:solidFill>
-                        <a:schemeClr val="bg1"/>
-                      </a:solidFill>
-                      <a:prstDash val="solid"/>
-                      <a:round/>
-                      <a:headEnd type="none" w="med" len="med"/>
-                      <a:tailEnd type="none" w="med" len="med"/>
-                    </a:lnR>
-                    <a:lnT w="19050" cap="flat" cmpd="sng" algn="ctr">
-                      <a:solidFill>
-                        <a:schemeClr val="bg1"/>
-                      </a:solidFill>
-                      <a:prstDash val="solid"/>
-                      <a:round/>
-                      <a:headEnd type="none" w="med" len="med"/>
-                      <a:tailEnd type="none" w="med" len="med"/>
-                    </a:lnT>
-                    <a:lnB w="19050" cap="flat" cmpd="sng" algn="ctr">
-                      <a:solidFill>
-                        <a:schemeClr val="bg1"/>
-                      </a:solidFill>
-                      <a:prstDash val="solid"/>
-                      <a:round/>
-                      <a:headEnd type="none" w="med" len="med"/>
-                      <a:tailEnd type="none" w="med" len="med"/>
-                    </a:lnB>
-                    <a:lnTlToBr w="12700" cmpd="sng">
-                      <a:noFill/>
-                      <a:prstDash val="solid"/>
-                    </a:lnTlToBr>
-                    <a:lnBlToTr w="12700" cmpd="sng">
-                      <a:noFill/>
-                      <a:prstDash val="solid"/>
-                    </a:lnBlToTr>
-                  </a:tcPr>
-                </a:tc>
-                <a:extLst>
-                  <a:ext uri="{0D108BD9-81ED-4DB2-BD59-A6C34878D82A}">
-                    <a16:rowId xmlns:a16="http://schemas.microsoft.com/office/drawing/2014/main" val="3574530272"/>
-                  </a:ext>
-                </a:extLst>
-              </a:tr>
-              <a:tr h="344641">
-                <a:tc>
-                  <a:txBody>
-                    <a:bodyPr/>
-                    <a:lstStyle/>
-                    <a:p>
-                      <a:pPr algn="ctr" latinLnBrk="1"/>
-                      <a:r>
-                        <a:rPr lang="en-US" altLang="ko-KR" sz="2800" b="1" dirty="0">
-                          <a:solidFill>
-                            <a:schemeClr val="bg1"/>
-                          </a:solidFill>
-                        </a:rPr>
-                        <a:t>4</a:t>
-                      </a:r>
-                      <a:r>
-                        <a:rPr lang="ko-KR" altLang="en-US" sz="2800" b="1" dirty="0">
-                          <a:solidFill>
-                            <a:schemeClr val="bg1"/>
-                          </a:solidFill>
-                        </a:rPr>
-                        <a:t>단계</a:t>
-                      </a:r>
-                      <a:r>
-                        <a:rPr lang="en-US" altLang="ko-KR" sz="2800" b="1" dirty="0">
-                          <a:solidFill>
-                            <a:schemeClr val="bg1"/>
-                          </a:solidFill>
-                        </a:rPr>
-                        <a:t>: </a:t>
-                      </a:r>
-                      <a:r>
-                        <a:rPr lang="ko-KR" altLang="en-US" sz="2800" b="1" dirty="0">
-                          <a:solidFill>
-                            <a:schemeClr val="bg1"/>
-                          </a:solidFill>
-                        </a:rPr>
-                        <a:t>꽃</a:t>
-                      </a:r>
-                      <a:endParaRPr lang="en-US" altLang="ko-KR" sz="2800" b="1" dirty="0">
-                        <a:solidFill>
-                          <a:schemeClr val="bg1"/>
-                        </a:solidFill>
-                      </a:endParaRPr>
-                    </a:p>
-                  </a:txBody>
-                  <a:tcPr>
-                    <a:lnL w="19050" cap="flat" cmpd="sng" algn="ctr">
-                      <a:solidFill>
-                        <a:schemeClr val="bg1"/>
-                      </a:solidFill>
-                      <a:prstDash val="solid"/>
-                      <a:round/>
-                      <a:headEnd type="none" w="med" len="med"/>
-                      <a:tailEnd type="none" w="med" len="med"/>
-                    </a:lnL>
-                    <a:lnR w="19050" cap="flat" cmpd="sng" algn="ctr">
-                      <a:solidFill>
-                        <a:schemeClr val="bg1"/>
-                      </a:solidFill>
-                      <a:prstDash val="solid"/>
-                      <a:round/>
-                      <a:headEnd type="none" w="med" len="med"/>
-                      <a:tailEnd type="none" w="med" len="med"/>
-                    </a:lnR>
-                    <a:lnT w="19050" cap="flat" cmpd="sng" algn="ctr">
-                      <a:solidFill>
-                        <a:schemeClr val="bg1"/>
-                      </a:solidFill>
-                      <a:prstDash val="solid"/>
-                      <a:round/>
-                      <a:headEnd type="none" w="med" len="med"/>
-                      <a:tailEnd type="none" w="med" len="med"/>
-                    </a:lnT>
-                    <a:lnB w="19050" cap="flat" cmpd="sng" algn="ctr">
-                      <a:solidFill>
-                        <a:schemeClr val="bg1"/>
-                      </a:solidFill>
-                      <a:prstDash val="solid"/>
-                      <a:round/>
-                      <a:headEnd type="none" w="med" len="med"/>
-                      <a:tailEnd type="none" w="med" len="med"/>
-                    </a:lnB>
-                    <a:lnTlToBr w="12700" cmpd="sng">
-                      <a:noFill/>
-                      <a:prstDash val="solid"/>
-                    </a:lnTlToBr>
-                    <a:lnBlToTr w="12700" cmpd="sng">
-                      <a:noFill/>
-                      <a:prstDash val="solid"/>
-                    </a:lnBlToTr>
-                  </a:tcPr>
-                </a:tc>
-                <a:tc>
-                  <a:txBody>
-                    <a:bodyPr/>
-                    <a:lstStyle/>
-                    <a:p>
-                      <a:pPr algn="ctr" latinLnBrk="1"/>
-                      <a:r>
-                        <a:rPr lang="ko-KR" altLang="en-US" sz="2800" b="1" dirty="0">
-                          <a:solidFill>
-                            <a:schemeClr val="bg1"/>
-                          </a:solidFill>
-                        </a:rPr>
-                        <a:t>개화 </a:t>
-                      </a:r>
-                      <a:r>
-                        <a:rPr lang="ko-KR" altLang="en-US" sz="2800" b="1" dirty="0" err="1">
-                          <a:solidFill>
-                            <a:schemeClr val="bg1"/>
-                          </a:solidFill>
-                        </a:rPr>
-                        <a:t>적온</a:t>
-                      </a:r>
-                      <a:endParaRPr lang="ko-KR" altLang="en-US" sz="2800" b="1" dirty="0">
-                        <a:solidFill>
-                          <a:schemeClr val="bg1"/>
-                        </a:solidFill>
-                      </a:endParaRPr>
-                    </a:p>
-                  </a:txBody>
-                  <a:tcPr>
-                    <a:lnL w="19050" cap="flat" cmpd="sng" algn="ctr">
-                      <a:solidFill>
-                        <a:schemeClr val="bg1"/>
-                      </a:solidFill>
-                      <a:prstDash val="solid"/>
-                      <a:round/>
-                      <a:headEnd type="none" w="med" len="med"/>
-                      <a:tailEnd type="none" w="med" len="med"/>
-                    </a:lnL>
-                    <a:lnR w="19050" cap="flat" cmpd="sng" algn="ctr">
-                      <a:solidFill>
-                        <a:schemeClr val="bg1"/>
-                      </a:solidFill>
-                      <a:prstDash val="solid"/>
-                      <a:round/>
-                      <a:headEnd type="none" w="med" len="med"/>
-                      <a:tailEnd type="none" w="med" len="med"/>
-                    </a:lnR>
-                    <a:lnT w="19050" cap="flat" cmpd="sng" algn="ctr">
-                      <a:solidFill>
-                        <a:schemeClr val="bg1"/>
-                      </a:solidFill>
-                      <a:prstDash val="solid"/>
-                      <a:round/>
-                      <a:headEnd type="none" w="med" len="med"/>
-                      <a:tailEnd type="none" w="med" len="med"/>
-                    </a:lnT>
-                    <a:lnB w="19050" cap="flat" cmpd="sng" algn="ctr">
-                      <a:solidFill>
-                        <a:schemeClr val="bg1"/>
-                      </a:solidFill>
-                      <a:prstDash val="solid"/>
-                      <a:round/>
-                      <a:headEnd type="none" w="med" len="med"/>
-                      <a:tailEnd type="none" w="med" len="med"/>
-                    </a:lnB>
-                    <a:lnTlToBr w="12700" cmpd="sng">
-                      <a:noFill/>
-                      <a:prstDash val="solid"/>
-                    </a:lnTlToBr>
-                    <a:lnBlToTr w="12700" cmpd="sng">
-                      <a:noFill/>
-                      <a:prstDash val="solid"/>
-                    </a:lnBlToTr>
-                  </a:tcPr>
-                </a:tc>
-                <a:tc>
-                  <a:txBody>
-                    <a:bodyPr/>
-                    <a:lstStyle/>
-                    <a:p>
-                      <a:pPr marL="0" marR="0" lvl="0" indent="0" algn="ctr" defTabSz="3240451" rtl="0" eaLnBrk="1" fontAlgn="auto" latinLnBrk="1" hangingPunct="1">
-                        <a:lnSpc>
-                          <a:spcPct val="100000"/>
-                        </a:lnSpc>
-                        <a:spcBef>
-                          <a:spcPts val="0"/>
-                        </a:spcBef>
-                        <a:spcAft>
-                          <a:spcPts val="0"/>
-                        </a:spcAft>
-                        <a:buClrTx/>
-                        <a:buSzTx/>
-                        <a:buFontTx/>
-                        <a:buNone/>
-                        <a:tabLst/>
-                        <a:defRPr/>
-                      </a:pPr>
-                      <a:r>
-                        <a:rPr lang="en-US" altLang="ko-KR" sz="2800" b="1" dirty="0">
-                          <a:solidFill>
-                            <a:schemeClr val="bg1"/>
-                          </a:solidFill>
-                        </a:rPr>
-                        <a:t>24</a:t>
-                      </a:r>
-                      <a:r>
-                        <a:rPr lang="ko-KR" altLang="en-US" sz="2800" b="1" i="0" kern="1200" dirty="0">
-                          <a:solidFill>
-                            <a:schemeClr val="bg1"/>
-                          </a:solidFill>
-                          <a:effectLst/>
-                          <a:latin typeface="+mn-lt"/>
-                          <a:ea typeface="+mn-ea"/>
-                          <a:cs typeface="+mn-cs"/>
-                        </a:rPr>
-                        <a:t>℃</a:t>
-                      </a:r>
-                      <a:endParaRPr lang="ko-KR" altLang="en-US" sz="2800" b="1" dirty="0">
-                        <a:solidFill>
-                          <a:schemeClr val="bg1"/>
-                        </a:solidFill>
-                      </a:endParaRPr>
-                    </a:p>
-                  </a:txBody>
-                  <a:tcPr>
-                    <a:lnL w="19050" cap="flat" cmpd="sng" algn="ctr">
-                      <a:solidFill>
-                        <a:schemeClr val="bg1"/>
-                      </a:solidFill>
-                      <a:prstDash val="solid"/>
-                      <a:round/>
-                      <a:headEnd type="none" w="med" len="med"/>
-                      <a:tailEnd type="none" w="med" len="med"/>
-                    </a:lnL>
-                    <a:lnR w="19050" cap="flat" cmpd="sng" algn="ctr">
-                      <a:solidFill>
-                        <a:schemeClr val="bg1"/>
-                      </a:solidFill>
-                      <a:prstDash val="solid"/>
-                      <a:round/>
-                      <a:headEnd type="none" w="med" len="med"/>
-                      <a:tailEnd type="none" w="med" len="med"/>
-                    </a:lnR>
-                    <a:lnT w="19050" cap="flat" cmpd="sng" algn="ctr">
-                      <a:solidFill>
-                        <a:schemeClr val="bg1"/>
-                      </a:solidFill>
-                      <a:prstDash val="solid"/>
-                      <a:round/>
-                      <a:headEnd type="none" w="med" len="med"/>
-                      <a:tailEnd type="none" w="med" len="med"/>
-                    </a:lnT>
-                    <a:lnB w="19050" cap="flat" cmpd="sng" algn="ctr">
-                      <a:solidFill>
-                        <a:schemeClr val="bg1"/>
-                      </a:solidFill>
-                      <a:prstDash val="solid"/>
-                      <a:round/>
-                      <a:headEnd type="none" w="med" len="med"/>
-                      <a:tailEnd type="none" w="med" len="med"/>
-                    </a:lnB>
-                    <a:lnTlToBr w="12700" cmpd="sng">
-                      <a:noFill/>
-                      <a:prstDash val="solid"/>
-                    </a:lnTlToBr>
-                    <a:lnBlToTr w="12700" cmpd="sng">
-                      <a:noFill/>
-                      <a:prstDash val="solid"/>
-                    </a:lnBlToTr>
-                  </a:tcPr>
-                </a:tc>
-                <a:tc>
-                  <a:txBody>
-                    <a:bodyPr/>
-                    <a:lstStyle/>
-                    <a:p>
-                      <a:pPr marL="0" marR="0" lvl="0" indent="0" algn="ctr" defTabSz="3240451" rtl="0" eaLnBrk="1" fontAlgn="auto" latinLnBrk="1" hangingPunct="1">
-                        <a:lnSpc>
-                          <a:spcPct val="100000"/>
-                        </a:lnSpc>
-                        <a:spcBef>
-                          <a:spcPts val="0"/>
-                        </a:spcBef>
-                        <a:spcAft>
-                          <a:spcPts val="0"/>
-                        </a:spcAft>
-                        <a:buClrTx/>
-                        <a:buSzTx/>
-                        <a:buFontTx/>
-                        <a:buNone/>
-                        <a:tabLst/>
-                        <a:defRPr/>
-                      </a:pPr>
-                      <a:endParaRPr lang="ko-KR" altLang="en-US" sz="2800" b="1" dirty="0">
-                        <a:solidFill>
-                          <a:schemeClr val="bg1"/>
-                        </a:solidFill>
-                      </a:endParaRPr>
-                    </a:p>
-                  </a:txBody>
-                  <a:tcPr>
-                    <a:lnL w="19050" cap="flat" cmpd="sng" algn="ctr">
-                      <a:solidFill>
-                        <a:schemeClr val="bg1"/>
-                      </a:solidFill>
-                      <a:prstDash val="solid"/>
-                      <a:round/>
-                      <a:headEnd type="none" w="med" len="med"/>
-                      <a:tailEnd type="none" w="med" len="med"/>
-                    </a:lnL>
-                    <a:lnR w="19050" cap="flat" cmpd="sng" algn="ctr">
-                      <a:solidFill>
-                        <a:schemeClr val="bg1"/>
-                      </a:solidFill>
-                      <a:prstDash val="solid"/>
-                      <a:round/>
-                      <a:headEnd type="none" w="med" len="med"/>
-                      <a:tailEnd type="none" w="med" len="med"/>
-                    </a:lnR>
-                    <a:lnT w="19050" cap="flat" cmpd="sng" algn="ctr">
-                      <a:solidFill>
-                        <a:schemeClr val="bg1"/>
-                      </a:solidFill>
-                      <a:prstDash val="solid"/>
-                      <a:round/>
-                      <a:headEnd type="none" w="med" len="med"/>
-                      <a:tailEnd type="none" w="med" len="med"/>
-                    </a:lnT>
-                    <a:lnB w="19050" cap="flat" cmpd="sng" algn="ctr">
-                      <a:solidFill>
-                        <a:schemeClr val="bg1"/>
-                      </a:solidFill>
-                      <a:prstDash val="solid"/>
-                      <a:round/>
-                      <a:headEnd type="none" w="med" len="med"/>
-                      <a:tailEnd type="none" w="med" len="med"/>
-                    </a:lnB>
-                    <a:lnTlToBr w="12700" cmpd="sng">
-                      <a:noFill/>
-                      <a:prstDash val="solid"/>
-                    </a:lnTlToBr>
-                    <a:lnBlToTr w="12700" cmpd="sng">
-                      <a:noFill/>
-                      <a:prstDash val="solid"/>
-                    </a:lnBlToTr>
-                  </a:tcPr>
-                </a:tc>
-                <a:tc>
-                  <a:txBody>
-                    <a:bodyPr/>
-                    <a:lstStyle/>
-                    <a:p>
-                      <a:pPr marL="0" marR="0" lvl="0" indent="0" algn="ctr" defTabSz="3240451" rtl="0" eaLnBrk="1" fontAlgn="auto" latinLnBrk="1" hangingPunct="1">
-                        <a:lnSpc>
-                          <a:spcPct val="100000"/>
-                        </a:lnSpc>
-                        <a:spcBef>
-                          <a:spcPts val="0"/>
-                        </a:spcBef>
-                        <a:spcAft>
-                          <a:spcPts val="0"/>
-                        </a:spcAft>
-                        <a:buClrTx/>
-                        <a:buSzTx/>
-                        <a:buFontTx/>
-                        <a:buNone/>
-                        <a:tabLst/>
-                        <a:defRPr/>
-                      </a:pPr>
-                      <a:endParaRPr lang="ko-KR" altLang="en-US" sz="2800" b="1" dirty="0">
-                        <a:solidFill>
-                          <a:schemeClr val="bg1"/>
-                        </a:solidFill>
-                      </a:endParaRPr>
-                    </a:p>
-                  </a:txBody>
-                  <a:tcPr>
-                    <a:lnL w="19050" cap="flat" cmpd="sng" algn="ctr">
-                      <a:solidFill>
-                        <a:schemeClr val="bg1"/>
-                      </a:solidFill>
-                      <a:prstDash val="solid"/>
-                      <a:round/>
-                      <a:headEnd type="none" w="med" len="med"/>
-                      <a:tailEnd type="none" w="med" len="med"/>
-                    </a:lnL>
-                    <a:lnR w="19050" cap="flat" cmpd="sng" algn="ctr">
-                      <a:solidFill>
-                        <a:schemeClr val="bg1"/>
-                      </a:solidFill>
-                      <a:prstDash val="solid"/>
-                      <a:round/>
-                      <a:headEnd type="none" w="med" len="med"/>
-                      <a:tailEnd type="none" w="med" len="med"/>
-                    </a:lnR>
-                    <a:lnT w="19050" cap="flat" cmpd="sng" algn="ctr">
-                      <a:solidFill>
-                        <a:schemeClr val="bg1"/>
-                      </a:solidFill>
-                      <a:prstDash val="solid"/>
-                      <a:round/>
-                      <a:headEnd type="none" w="med" len="med"/>
-                      <a:tailEnd type="none" w="med" len="med"/>
-                    </a:lnT>
-                    <a:lnB w="19050" cap="flat" cmpd="sng" algn="ctr">
-                      <a:solidFill>
-                        <a:schemeClr val="bg1"/>
-                      </a:solidFill>
-                      <a:prstDash val="solid"/>
-                      <a:round/>
-                      <a:headEnd type="none" w="med" len="med"/>
-                      <a:tailEnd type="none" w="med" len="med"/>
-                    </a:lnB>
-                    <a:lnTlToBr w="12700" cmpd="sng">
-                      <a:noFill/>
-                      <a:prstDash val="solid"/>
-                    </a:lnTlToBr>
-                    <a:lnBlToTr w="12700" cmpd="sng">
-                      <a:noFill/>
-                      <a:prstDash val="solid"/>
-                    </a:lnBlToTr>
-                  </a:tcPr>
-                </a:tc>
-                <a:tc>
-                  <a:txBody>
-                    <a:bodyPr/>
-                    <a:lstStyle/>
-                    <a:p>
-                      <a:pPr marL="0" marR="0" lvl="0" indent="0" algn="ctr" defTabSz="3240451" rtl="0" eaLnBrk="1" fontAlgn="auto" latinLnBrk="1" hangingPunct="1">
-                        <a:lnSpc>
-                          <a:spcPct val="100000"/>
-                        </a:lnSpc>
-                        <a:spcBef>
-                          <a:spcPts val="0"/>
-                        </a:spcBef>
-                        <a:spcAft>
-                          <a:spcPts val="0"/>
-                        </a:spcAft>
-                        <a:buClrTx/>
-                        <a:buSzTx/>
-                        <a:buFontTx/>
-                        <a:buNone/>
-                        <a:tabLst/>
-                        <a:defRPr/>
-                      </a:pPr>
-                      <a:endParaRPr lang="ko-KR" altLang="en-US" sz="2800" b="1" dirty="0">
-                        <a:solidFill>
-                          <a:schemeClr val="bg1"/>
-                        </a:solidFill>
-                      </a:endParaRPr>
-                    </a:p>
-                  </a:txBody>
-                  <a:tcPr>
-                    <a:lnL w="19050" cap="flat" cmpd="sng" algn="ctr">
-                      <a:solidFill>
-                        <a:schemeClr val="bg1"/>
-                      </a:solidFill>
-                      <a:prstDash val="solid"/>
-                      <a:round/>
-                      <a:headEnd type="none" w="med" len="med"/>
-                      <a:tailEnd type="none" w="med" len="med"/>
-                    </a:lnL>
-                    <a:lnR w="19050" cap="flat" cmpd="sng" algn="ctr">
-                      <a:solidFill>
-                        <a:schemeClr val="bg1"/>
-                      </a:solidFill>
-                      <a:prstDash val="solid"/>
-                      <a:round/>
-                      <a:headEnd type="none" w="med" len="med"/>
-                      <a:tailEnd type="none" w="med" len="med"/>
-                    </a:lnR>
-                    <a:lnT w="19050" cap="flat" cmpd="sng" algn="ctr">
-                      <a:solidFill>
-                        <a:schemeClr val="bg1"/>
-                      </a:solidFill>
-                      <a:prstDash val="solid"/>
-                      <a:round/>
-                      <a:headEnd type="none" w="med" len="med"/>
-                      <a:tailEnd type="none" w="med" len="med"/>
-                    </a:lnT>
-                    <a:lnB w="19050" cap="flat" cmpd="sng" algn="ctr">
-                      <a:solidFill>
-                        <a:schemeClr val="bg1"/>
-                      </a:solidFill>
-                      <a:prstDash val="solid"/>
-                      <a:round/>
-                      <a:headEnd type="none" w="med" len="med"/>
-                      <a:tailEnd type="none" w="med" len="med"/>
-                    </a:lnB>
-                    <a:lnTlToBr w="12700" cmpd="sng">
-                      <a:noFill/>
-                      <a:prstDash val="solid"/>
-                    </a:lnTlToBr>
-                    <a:lnBlToTr w="12700" cmpd="sng">
-                      <a:noFill/>
-                      <a:prstDash val="solid"/>
-                    </a:lnBlToTr>
-                  </a:tcPr>
-                </a:tc>
-                <a:tc>
-                  <a:txBody>
-                    <a:bodyPr/>
-                    <a:lstStyle/>
-                    <a:p>
-                      <a:pPr marL="0" marR="0" lvl="0" indent="0" algn="ctr" defTabSz="3240451" rtl="0" eaLnBrk="1" fontAlgn="auto" latinLnBrk="1" hangingPunct="1">
-                        <a:lnSpc>
-                          <a:spcPct val="100000"/>
-                        </a:lnSpc>
-                        <a:spcBef>
-                          <a:spcPts val="0"/>
-                        </a:spcBef>
-                        <a:spcAft>
-                          <a:spcPts val="0"/>
-                        </a:spcAft>
-                        <a:buClrTx/>
-                        <a:buSzTx/>
-                        <a:buFontTx/>
-                        <a:buNone/>
-                        <a:tabLst/>
-                        <a:defRPr/>
-                      </a:pPr>
-                      <a:endParaRPr lang="ko-KR" altLang="en-US" sz="2800" b="1" dirty="0">
-                        <a:solidFill>
-                          <a:schemeClr val="bg1"/>
-                        </a:solidFill>
-                      </a:endParaRPr>
-                    </a:p>
-                  </a:txBody>
-                  <a:tcPr>
-                    <a:lnL w="19050" cap="flat" cmpd="sng" algn="ctr">
-                      <a:solidFill>
-                        <a:schemeClr val="bg1"/>
-                      </a:solidFill>
-                      <a:prstDash val="solid"/>
-                      <a:round/>
-                      <a:headEnd type="none" w="med" len="med"/>
-                      <a:tailEnd type="none" w="med" len="med"/>
-                    </a:lnL>
-                    <a:lnR w="19050" cap="flat" cmpd="sng" algn="ctr">
-                      <a:solidFill>
-                        <a:schemeClr val="bg1"/>
-                      </a:solidFill>
-                      <a:prstDash val="solid"/>
-                      <a:round/>
-                      <a:headEnd type="none" w="med" len="med"/>
-                      <a:tailEnd type="none" w="med" len="med"/>
-                    </a:lnR>
-                    <a:lnT w="19050" cap="flat" cmpd="sng" algn="ctr">
-                      <a:solidFill>
-                        <a:schemeClr val="bg1"/>
-                      </a:solidFill>
-                      <a:prstDash val="solid"/>
-                      <a:round/>
-                      <a:headEnd type="none" w="med" len="med"/>
-                      <a:tailEnd type="none" w="med" len="med"/>
-                    </a:lnT>
-                    <a:lnB w="19050" cap="flat" cmpd="sng" algn="ctr">
-                      <a:solidFill>
-                        <a:schemeClr val="bg1"/>
-                      </a:solidFill>
-                      <a:prstDash val="solid"/>
-                      <a:round/>
-                      <a:headEnd type="none" w="med" len="med"/>
-                      <a:tailEnd type="none" w="med" len="med"/>
-                    </a:lnB>
-                    <a:lnTlToBr w="12700" cmpd="sng">
-                      <a:noFill/>
-                      <a:prstDash val="solid"/>
-                    </a:lnTlToBr>
-                    <a:lnBlToTr w="12700" cmpd="sng">
-                      <a:noFill/>
-                      <a:prstDash val="solid"/>
-                    </a:lnBlToTr>
-                  </a:tcPr>
-                </a:tc>
-                <a:tc>
-                  <a:txBody>
-                    <a:bodyPr/>
-                    <a:lstStyle/>
-                    <a:p>
-                      <a:pPr marL="0" marR="0" lvl="0" indent="0" algn="ctr" defTabSz="3240451" rtl="0" eaLnBrk="1" fontAlgn="auto" latinLnBrk="1" hangingPunct="1">
-                        <a:lnSpc>
-                          <a:spcPct val="100000"/>
-                        </a:lnSpc>
-                        <a:spcBef>
-                          <a:spcPts val="0"/>
-                        </a:spcBef>
-                        <a:spcAft>
-                          <a:spcPts val="0"/>
-                        </a:spcAft>
-                        <a:buClrTx/>
-                        <a:buSzTx/>
-                        <a:buFontTx/>
-                        <a:buNone/>
-                        <a:tabLst/>
-                        <a:defRPr/>
-                      </a:pPr>
-                      <a:endParaRPr lang="ko-KR" altLang="en-US" sz="2800" b="1" dirty="0">
-                        <a:solidFill>
-                          <a:schemeClr val="bg1"/>
-                        </a:solidFill>
-                      </a:endParaRPr>
-                    </a:p>
-                  </a:txBody>
-                  <a:tcPr>
-                    <a:lnL w="19050" cap="flat" cmpd="sng" algn="ctr">
-                      <a:solidFill>
-                        <a:schemeClr val="bg1"/>
-                      </a:solidFill>
-                      <a:prstDash val="solid"/>
-                      <a:round/>
-                      <a:headEnd type="none" w="med" len="med"/>
-                      <a:tailEnd type="none" w="med" len="med"/>
-                    </a:lnL>
-                    <a:lnR w="19050" cap="flat" cmpd="sng" algn="ctr">
-                      <a:solidFill>
-                        <a:schemeClr val="bg1"/>
-                      </a:solidFill>
-                      <a:prstDash val="solid"/>
-                      <a:round/>
-                      <a:headEnd type="none" w="med" len="med"/>
-                      <a:tailEnd type="none" w="med" len="med"/>
-                    </a:lnR>
-                    <a:lnT w="19050" cap="flat" cmpd="sng" algn="ctr">
-                      <a:solidFill>
-                        <a:schemeClr val="bg1"/>
-                      </a:solidFill>
-                      <a:prstDash val="solid"/>
-                      <a:round/>
-                      <a:headEnd type="none" w="med" len="med"/>
-                      <a:tailEnd type="none" w="med" len="med"/>
-                    </a:lnT>
-                    <a:lnB w="19050" cap="flat" cmpd="sng" algn="ctr">
-                      <a:solidFill>
-                        <a:schemeClr val="bg1"/>
-                      </a:solidFill>
-                      <a:prstDash val="solid"/>
-                      <a:round/>
-                      <a:headEnd type="none" w="med" len="med"/>
-                      <a:tailEnd type="none" w="med" len="med"/>
-                    </a:lnB>
-                    <a:lnTlToBr w="12700" cmpd="sng">
-                      <a:noFill/>
-                      <a:prstDash val="solid"/>
-                    </a:lnTlToBr>
-                    <a:lnBlToTr w="12700" cmpd="sng">
-                      <a:noFill/>
-                      <a:prstDash val="solid"/>
-                    </a:lnBlToTr>
-                  </a:tcPr>
-                </a:tc>
-                <a:extLst>
-                  <a:ext uri="{0D108BD9-81ED-4DB2-BD59-A6C34878D82A}">
-                    <a16:rowId xmlns:a16="http://schemas.microsoft.com/office/drawing/2014/main" val="2339137978"/>
-                  </a:ext>
-                </a:extLst>
-              </a:tr>
-              <a:tr h="628462">
-                <a:tc>
-                  <a:txBody>
-                    <a:bodyPr/>
-                    <a:lstStyle/>
-                    <a:p>
-                      <a:pPr algn="ctr" latinLnBrk="1"/>
-                      <a:r>
-                        <a:rPr lang="en-US" altLang="ko-KR" sz="2800" b="1" dirty="0">
-                          <a:solidFill>
-                            <a:schemeClr val="bg1"/>
-                          </a:solidFill>
-                        </a:rPr>
-                        <a:t>5</a:t>
-                      </a:r>
-                      <a:r>
-                        <a:rPr lang="ko-KR" altLang="en-US" sz="2800" b="1" dirty="0">
-                          <a:solidFill>
-                            <a:schemeClr val="bg1"/>
-                          </a:solidFill>
-                        </a:rPr>
-                        <a:t>단계</a:t>
-                      </a:r>
-                      <a:r>
-                        <a:rPr lang="en-US" altLang="ko-KR" sz="2800" b="1" dirty="0">
-                          <a:solidFill>
-                            <a:schemeClr val="bg1"/>
-                          </a:solidFill>
-                        </a:rPr>
-                        <a:t>: </a:t>
-                      </a:r>
-                      <a:r>
-                        <a:rPr lang="ko-KR" altLang="en-US" sz="2800" b="1" dirty="0">
-                          <a:solidFill>
-                            <a:schemeClr val="bg1"/>
-                          </a:solidFill>
-                        </a:rPr>
-                        <a:t>열매</a:t>
-                      </a:r>
-                    </a:p>
-                  </a:txBody>
-                  <a:tcPr>
-                    <a:lnL w="19050" cap="flat" cmpd="sng" algn="ctr">
-                      <a:solidFill>
-                        <a:schemeClr val="bg1"/>
-                      </a:solidFill>
-                      <a:prstDash val="solid"/>
-                      <a:round/>
-                      <a:headEnd type="none" w="med" len="med"/>
-                      <a:tailEnd type="none" w="med" len="med"/>
-                    </a:lnL>
-                    <a:lnR w="19050" cap="flat" cmpd="sng" algn="ctr">
-                      <a:solidFill>
-                        <a:schemeClr val="bg1"/>
-                      </a:solidFill>
-                      <a:prstDash val="solid"/>
-                      <a:round/>
-                      <a:headEnd type="none" w="med" len="med"/>
-                      <a:tailEnd type="none" w="med" len="med"/>
-                    </a:lnR>
-                    <a:lnT w="19050" cap="flat" cmpd="sng" algn="ctr">
-                      <a:solidFill>
-                        <a:schemeClr val="bg1"/>
-                      </a:solidFill>
-                      <a:prstDash val="solid"/>
-                      <a:round/>
-                      <a:headEnd type="none" w="med" len="med"/>
-                      <a:tailEnd type="none" w="med" len="med"/>
-                    </a:lnT>
-                    <a:lnB w="19050" cap="flat" cmpd="sng" algn="ctr">
-                      <a:solidFill>
-                        <a:schemeClr val="bg1"/>
-                      </a:solidFill>
-                      <a:prstDash val="solid"/>
-                      <a:round/>
-                      <a:headEnd type="none" w="med" len="med"/>
-                      <a:tailEnd type="none" w="med" len="med"/>
-                    </a:lnB>
-                    <a:lnTlToBr w="12700" cmpd="sng">
-                      <a:noFill/>
-                      <a:prstDash val="solid"/>
-                    </a:lnTlToBr>
-                    <a:lnBlToTr w="12700" cmpd="sng">
-                      <a:noFill/>
-                      <a:prstDash val="solid"/>
-                    </a:lnBlToTr>
-                  </a:tcPr>
-                </a:tc>
-                <a:tc>
-                  <a:txBody>
-                    <a:bodyPr/>
-                    <a:lstStyle/>
-                    <a:p>
-                      <a:pPr algn="ctr" latinLnBrk="1"/>
-                      <a:r>
-                        <a:rPr lang="ko-KR" altLang="en-US" sz="2800" b="1" dirty="0" err="1">
-                          <a:solidFill>
-                            <a:schemeClr val="bg1"/>
-                          </a:solidFill>
-                        </a:rPr>
-                        <a:t>과비대</a:t>
-                      </a:r>
-                      <a:r>
-                        <a:rPr lang="ko-KR" altLang="en-US" sz="2800" b="1" dirty="0">
-                          <a:solidFill>
-                            <a:schemeClr val="bg1"/>
-                          </a:solidFill>
-                        </a:rPr>
-                        <a:t> </a:t>
-                      </a:r>
-                      <a:r>
-                        <a:rPr lang="ko-KR" altLang="en-US" sz="2800" b="1" dirty="0" err="1">
-                          <a:solidFill>
-                            <a:schemeClr val="bg1"/>
-                          </a:solidFill>
-                        </a:rPr>
-                        <a:t>적온</a:t>
-                      </a:r>
-                      <a:endParaRPr lang="ko-KR" altLang="en-US" sz="2800" b="1" dirty="0">
-                        <a:solidFill>
-                          <a:schemeClr val="bg1"/>
-                        </a:solidFill>
-                      </a:endParaRPr>
-                    </a:p>
-                  </a:txBody>
-                  <a:tcPr>
-                    <a:lnL w="19050" cap="flat" cmpd="sng" algn="ctr">
-                      <a:solidFill>
-                        <a:schemeClr val="bg1"/>
-                      </a:solidFill>
-                      <a:prstDash val="solid"/>
-                      <a:round/>
-                      <a:headEnd type="none" w="med" len="med"/>
-                      <a:tailEnd type="none" w="med" len="med"/>
-                    </a:lnL>
-                    <a:lnR w="19050" cap="flat" cmpd="sng" algn="ctr">
-                      <a:solidFill>
-                        <a:schemeClr val="bg1"/>
-                      </a:solidFill>
-                      <a:prstDash val="solid"/>
-                      <a:round/>
-                      <a:headEnd type="none" w="med" len="med"/>
-                      <a:tailEnd type="none" w="med" len="med"/>
-                    </a:lnR>
-                    <a:lnT w="19050" cap="flat" cmpd="sng" algn="ctr">
-                      <a:solidFill>
-                        <a:schemeClr val="bg1"/>
-                      </a:solidFill>
-                      <a:prstDash val="solid"/>
-                      <a:round/>
-                      <a:headEnd type="none" w="med" len="med"/>
-                      <a:tailEnd type="none" w="med" len="med"/>
-                    </a:lnT>
-                    <a:lnB w="19050" cap="flat" cmpd="sng" algn="ctr">
-                      <a:solidFill>
-                        <a:schemeClr val="bg1"/>
-                      </a:solidFill>
-                      <a:prstDash val="solid"/>
-                      <a:round/>
-                      <a:headEnd type="none" w="med" len="med"/>
-                      <a:tailEnd type="none" w="med" len="med"/>
-                    </a:lnB>
-                    <a:lnTlToBr w="12700" cmpd="sng">
-                      <a:noFill/>
-                      <a:prstDash val="solid"/>
-                    </a:lnTlToBr>
-                    <a:lnBlToTr w="12700" cmpd="sng">
-                      <a:noFill/>
-                      <a:prstDash val="solid"/>
-                    </a:lnBlToTr>
-                  </a:tcPr>
-                </a:tc>
-                <a:tc>
-                  <a:txBody>
-                    <a:bodyPr/>
-                    <a:lstStyle/>
-                    <a:p>
-                      <a:pPr marL="0" marR="0" lvl="0" indent="0" algn="ctr" defTabSz="3240451" rtl="0" eaLnBrk="1" fontAlgn="auto" latinLnBrk="1" hangingPunct="1">
-                        <a:lnSpc>
-                          <a:spcPct val="100000"/>
-                        </a:lnSpc>
-                        <a:spcBef>
-                          <a:spcPts val="0"/>
-                        </a:spcBef>
-                        <a:spcAft>
-                          <a:spcPts val="0"/>
-                        </a:spcAft>
-                        <a:buClrTx/>
-                        <a:buSzTx/>
-                        <a:buFontTx/>
-                        <a:buNone/>
-                        <a:tabLst/>
-                        <a:defRPr/>
-                      </a:pPr>
-                      <a:r>
-                        <a:rPr lang="en-US" altLang="ko-KR" sz="2800" b="1" dirty="0">
-                          <a:solidFill>
-                            <a:schemeClr val="bg1"/>
-                          </a:solidFill>
-                        </a:rPr>
-                        <a:t>27</a:t>
-                      </a:r>
-                      <a:r>
-                        <a:rPr lang="ko-KR" altLang="en-US" sz="2800" b="1" i="0" kern="1200" dirty="0">
-                          <a:solidFill>
-                            <a:schemeClr val="bg1"/>
-                          </a:solidFill>
-                          <a:effectLst/>
-                          <a:latin typeface="+mn-lt"/>
-                          <a:ea typeface="+mn-ea"/>
-                          <a:cs typeface="+mn-cs"/>
-                        </a:rPr>
-                        <a:t>℃</a:t>
-                      </a:r>
-                      <a:endParaRPr lang="ko-KR" altLang="en-US" sz="2800" b="1" dirty="0">
-                        <a:solidFill>
-                          <a:schemeClr val="bg1"/>
-                        </a:solidFill>
-                      </a:endParaRPr>
-                    </a:p>
-                  </a:txBody>
-                  <a:tcPr>
-                    <a:lnL w="19050" cap="flat" cmpd="sng" algn="ctr">
-                      <a:solidFill>
-                        <a:schemeClr val="bg1"/>
-                      </a:solidFill>
-                      <a:prstDash val="solid"/>
-                      <a:round/>
-                      <a:headEnd type="none" w="med" len="med"/>
-                      <a:tailEnd type="none" w="med" len="med"/>
-                    </a:lnL>
-                    <a:lnR w="19050" cap="flat" cmpd="sng" algn="ctr">
-                      <a:solidFill>
-                        <a:schemeClr val="bg1"/>
-                      </a:solidFill>
-                      <a:prstDash val="solid"/>
-                      <a:round/>
-                      <a:headEnd type="none" w="med" len="med"/>
-                      <a:tailEnd type="none" w="med" len="med"/>
-                    </a:lnR>
-                    <a:lnT w="19050" cap="flat" cmpd="sng" algn="ctr">
-                      <a:solidFill>
-                        <a:schemeClr val="bg1"/>
-                      </a:solidFill>
-                      <a:prstDash val="solid"/>
-                      <a:round/>
-                      <a:headEnd type="none" w="med" len="med"/>
-                      <a:tailEnd type="none" w="med" len="med"/>
-                    </a:lnT>
-                    <a:lnB w="19050" cap="flat" cmpd="sng" algn="ctr">
-                      <a:solidFill>
-                        <a:schemeClr val="bg1"/>
-                      </a:solidFill>
-                      <a:prstDash val="solid"/>
-                      <a:round/>
-                      <a:headEnd type="none" w="med" len="med"/>
-                      <a:tailEnd type="none" w="med" len="med"/>
-                    </a:lnB>
-                    <a:lnTlToBr w="12700" cmpd="sng">
-                      <a:noFill/>
-                      <a:prstDash val="solid"/>
-                    </a:lnTlToBr>
-                    <a:lnBlToTr w="12700" cmpd="sng">
-                      <a:noFill/>
-                      <a:prstDash val="solid"/>
-                    </a:lnBlToTr>
-                  </a:tcPr>
-                </a:tc>
-                <a:tc>
-                  <a:txBody>
-                    <a:bodyPr/>
-                    <a:lstStyle/>
-                    <a:p>
-                      <a:pPr marL="0" marR="0" lvl="0" indent="0" algn="ctr" defTabSz="3240451" rtl="0" eaLnBrk="1" fontAlgn="auto" latinLnBrk="1" hangingPunct="1">
-                        <a:lnSpc>
-                          <a:spcPct val="100000"/>
-                        </a:lnSpc>
-                        <a:spcBef>
-                          <a:spcPts val="0"/>
-                        </a:spcBef>
-                        <a:spcAft>
-                          <a:spcPts val="0"/>
-                        </a:spcAft>
-                        <a:buClrTx/>
-                        <a:buSzTx/>
-                        <a:buFontTx/>
-                        <a:buNone/>
-                        <a:tabLst/>
-                        <a:defRPr/>
-                      </a:pPr>
-                      <a:endParaRPr lang="ko-KR" altLang="en-US" sz="2800" b="1" dirty="0">
-                        <a:solidFill>
-                          <a:schemeClr val="bg1"/>
-                        </a:solidFill>
-                      </a:endParaRPr>
-                    </a:p>
-                  </a:txBody>
-                  <a:tcPr>
-                    <a:lnL w="19050" cap="flat" cmpd="sng" algn="ctr">
-                      <a:solidFill>
-                        <a:schemeClr val="bg1"/>
-                      </a:solidFill>
-                      <a:prstDash val="solid"/>
-                      <a:round/>
-                      <a:headEnd type="none" w="med" len="med"/>
-                      <a:tailEnd type="none" w="med" len="med"/>
-                    </a:lnL>
-                    <a:lnR w="19050" cap="flat" cmpd="sng" algn="ctr">
-                      <a:solidFill>
-                        <a:schemeClr val="bg1"/>
-                      </a:solidFill>
-                      <a:prstDash val="solid"/>
-                      <a:round/>
-                      <a:headEnd type="none" w="med" len="med"/>
-                      <a:tailEnd type="none" w="med" len="med"/>
-                    </a:lnR>
-                    <a:lnT w="19050" cap="flat" cmpd="sng" algn="ctr">
-                      <a:solidFill>
-                        <a:schemeClr val="bg1"/>
-                      </a:solidFill>
-                      <a:prstDash val="solid"/>
-                      <a:round/>
-                      <a:headEnd type="none" w="med" len="med"/>
-                      <a:tailEnd type="none" w="med" len="med"/>
-                    </a:lnT>
-                    <a:lnB w="19050" cap="flat" cmpd="sng" algn="ctr">
-                      <a:solidFill>
-                        <a:schemeClr val="bg1"/>
-                      </a:solidFill>
-                      <a:prstDash val="solid"/>
-                      <a:round/>
-                      <a:headEnd type="none" w="med" len="med"/>
-                      <a:tailEnd type="none" w="med" len="med"/>
-                    </a:lnB>
-                    <a:lnTlToBr w="12700" cmpd="sng">
-                      <a:noFill/>
-                      <a:prstDash val="solid"/>
-                    </a:lnTlToBr>
-                    <a:lnBlToTr w="12700" cmpd="sng">
-                      <a:noFill/>
-                      <a:prstDash val="solid"/>
-                    </a:lnBlToTr>
-                  </a:tcPr>
-                </a:tc>
-                <a:tc>
-                  <a:txBody>
-                    <a:bodyPr/>
-                    <a:lstStyle/>
-                    <a:p>
-                      <a:pPr marL="0" marR="0" lvl="0" indent="0" algn="ctr" defTabSz="3240451" rtl="0" eaLnBrk="1" fontAlgn="auto" latinLnBrk="1" hangingPunct="1">
-                        <a:lnSpc>
-                          <a:spcPct val="100000"/>
-                        </a:lnSpc>
-                        <a:spcBef>
-                          <a:spcPts val="0"/>
-                        </a:spcBef>
-                        <a:spcAft>
-                          <a:spcPts val="0"/>
-                        </a:spcAft>
-                        <a:buClrTx/>
-                        <a:buSzTx/>
-                        <a:buFontTx/>
-                        <a:buNone/>
-                        <a:tabLst/>
-                        <a:defRPr/>
-                      </a:pPr>
-                      <a:endParaRPr lang="ko-KR" altLang="en-US" sz="2800" b="1" dirty="0">
-                        <a:solidFill>
-                          <a:schemeClr val="bg1"/>
-                        </a:solidFill>
-                      </a:endParaRPr>
-                    </a:p>
-                  </a:txBody>
-                  <a:tcPr>
-                    <a:lnL w="19050" cap="flat" cmpd="sng" algn="ctr">
-                      <a:solidFill>
-                        <a:schemeClr val="bg1"/>
-                      </a:solidFill>
-                      <a:prstDash val="solid"/>
-                      <a:round/>
-                      <a:headEnd type="none" w="med" len="med"/>
-                      <a:tailEnd type="none" w="med" len="med"/>
-                    </a:lnL>
-                    <a:lnR w="19050" cap="flat" cmpd="sng" algn="ctr">
-                      <a:solidFill>
-                        <a:schemeClr val="bg1"/>
-                      </a:solidFill>
-                      <a:prstDash val="solid"/>
-                      <a:round/>
-                      <a:headEnd type="none" w="med" len="med"/>
-                      <a:tailEnd type="none" w="med" len="med"/>
-                    </a:lnR>
-                    <a:lnT w="19050" cap="flat" cmpd="sng" algn="ctr">
-                      <a:solidFill>
-                        <a:schemeClr val="bg1"/>
-                      </a:solidFill>
-                      <a:prstDash val="solid"/>
-                      <a:round/>
-                      <a:headEnd type="none" w="med" len="med"/>
-                      <a:tailEnd type="none" w="med" len="med"/>
-                    </a:lnT>
-                    <a:lnB w="19050" cap="flat" cmpd="sng" algn="ctr">
-                      <a:solidFill>
-                        <a:schemeClr val="bg1"/>
-                      </a:solidFill>
-                      <a:prstDash val="solid"/>
-                      <a:round/>
-                      <a:headEnd type="none" w="med" len="med"/>
-                      <a:tailEnd type="none" w="med" len="med"/>
-                    </a:lnB>
-                    <a:lnTlToBr w="12700" cmpd="sng">
-                      <a:noFill/>
-                      <a:prstDash val="solid"/>
-                    </a:lnTlToBr>
-                    <a:lnBlToTr w="12700" cmpd="sng">
-                      <a:noFill/>
-                      <a:prstDash val="solid"/>
-                    </a:lnBlToTr>
-                  </a:tcPr>
-                </a:tc>
-                <a:tc>
-                  <a:txBody>
-                    <a:bodyPr/>
-                    <a:lstStyle/>
-                    <a:p>
-                      <a:pPr marL="0" marR="0" lvl="0" indent="0" algn="ctr" defTabSz="3240451" rtl="0" eaLnBrk="1" fontAlgn="auto" latinLnBrk="1" hangingPunct="1">
-                        <a:lnSpc>
-                          <a:spcPct val="100000"/>
-                        </a:lnSpc>
-                        <a:spcBef>
-                          <a:spcPts val="0"/>
-                        </a:spcBef>
-                        <a:spcAft>
-                          <a:spcPts val="0"/>
-                        </a:spcAft>
-                        <a:buClrTx/>
-                        <a:buSzTx/>
-                        <a:buFontTx/>
-                        <a:buNone/>
-                        <a:tabLst/>
-                        <a:defRPr/>
-                      </a:pPr>
-                      <a:endParaRPr lang="ko-KR" altLang="en-US" sz="2800" b="1" dirty="0">
-                        <a:solidFill>
-                          <a:schemeClr val="bg1"/>
-                        </a:solidFill>
-                      </a:endParaRPr>
-                    </a:p>
-                  </a:txBody>
-                  <a:tcPr>
-                    <a:lnL w="19050" cap="flat" cmpd="sng" algn="ctr">
-                      <a:solidFill>
-                        <a:schemeClr val="bg1"/>
-                      </a:solidFill>
-                      <a:prstDash val="solid"/>
-                      <a:round/>
-                      <a:headEnd type="none" w="med" len="med"/>
-                      <a:tailEnd type="none" w="med" len="med"/>
-                    </a:lnL>
-                    <a:lnR w="19050" cap="flat" cmpd="sng" algn="ctr">
-                      <a:solidFill>
-                        <a:schemeClr val="bg1"/>
-                      </a:solidFill>
-                      <a:prstDash val="solid"/>
-                      <a:round/>
-                      <a:headEnd type="none" w="med" len="med"/>
-                      <a:tailEnd type="none" w="med" len="med"/>
-                    </a:lnR>
-                    <a:lnT w="19050" cap="flat" cmpd="sng" algn="ctr">
-                      <a:solidFill>
-                        <a:schemeClr val="bg1"/>
-                      </a:solidFill>
-                      <a:prstDash val="solid"/>
-                      <a:round/>
-                      <a:headEnd type="none" w="med" len="med"/>
-                      <a:tailEnd type="none" w="med" len="med"/>
-                    </a:lnT>
-                    <a:lnB w="19050" cap="flat" cmpd="sng" algn="ctr">
-                      <a:solidFill>
-                        <a:schemeClr val="bg1"/>
-                      </a:solidFill>
-                      <a:prstDash val="solid"/>
-                      <a:round/>
-                      <a:headEnd type="none" w="med" len="med"/>
-                      <a:tailEnd type="none" w="med" len="med"/>
-                    </a:lnB>
-                    <a:lnTlToBr w="12700" cmpd="sng">
-                      <a:noFill/>
-                      <a:prstDash val="solid"/>
-                    </a:lnTlToBr>
-                    <a:lnBlToTr w="12700" cmpd="sng">
-                      <a:noFill/>
-                      <a:prstDash val="solid"/>
-                    </a:lnBlToTr>
-                  </a:tcPr>
-                </a:tc>
-                <a:tc>
-                  <a:txBody>
-                    <a:bodyPr/>
-                    <a:lstStyle/>
-                    <a:p>
-                      <a:pPr marL="0" marR="0" lvl="0" indent="0" algn="ctr" defTabSz="3240451" rtl="0" eaLnBrk="1" fontAlgn="auto" latinLnBrk="1" hangingPunct="1">
-                        <a:lnSpc>
-                          <a:spcPct val="100000"/>
-                        </a:lnSpc>
-                        <a:spcBef>
-                          <a:spcPts val="0"/>
-                        </a:spcBef>
-                        <a:spcAft>
-                          <a:spcPts val="0"/>
-                        </a:spcAft>
-                        <a:buClrTx/>
-                        <a:buSzTx/>
-                        <a:buFontTx/>
-                        <a:buNone/>
-                        <a:tabLst/>
-                        <a:defRPr/>
-                      </a:pPr>
-                      <a:endParaRPr lang="ko-KR" altLang="en-US" sz="2800" b="1" dirty="0">
-                        <a:solidFill>
-                          <a:schemeClr val="bg1"/>
-                        </a:solidFill>
-                      </a:endParaRPr>
-                    </a:p>
-                  </a:txBody>
-                  <a:tcPr>
-                    <a:lnL w="19050" cap="flat" cmpd="sng" algn="ctr">
-                      <a:solidFill>
-                        <a:schemeClr val="bg1"/>
-                      </a:solidFill>
-                      <a:prstDash val="solid"/>
-                      <a:round/>
-                      <a:headEnd type="none" w="med" len="med"/>
-                      <a:tailEnd type="none" w="med" len="med"/>
-                    </a:lnL>
-                    <a:lnR w="19050" cap="flat" cmpd="sng" algn="ctr">
-                      <a:solidFill>
-                        <a:schemeClr val="bg1"/>
-                      </a:solidFill>
-                      <a:prstDash val="solid"/>
-                      <a:round/>
-                      <a:headEnd type="none" w="med" len="med"/>
-                      <a:tailEnd type="none" w="med" len="med"/>
-                    </a:lnR>
-                    <a:lnT w="19050" cap="flat" cmpd="sng" algn="ctr">
-                      <a:solidFill>
-                        <a:schemeClr val="bg1"/>
-                      </a:solidFill>
-                      <a:prstDash val="solid"/>
-                      <a:round/>
-                      <a:headEnd type="none" w="med" len="med"/>
-                      <a:tailEnd type="none" w="med" len="med"/>
-                    </a:lnT>
-                    <a:lnB w="19050" cap="flat" cmpd="sng" algn="ctr">
-                      <a:solidFill>
-                        <a:schemeClr val="bg1"/>
-                      </a:solidFill>
-                      <a:prstDash val="solid"/>
-                      <a:round/>
-                      <a:headEnd type="none" w="med" len="med"/>
-                      <a:tailEnd type="none" w="med" len="med"/>
-                    </a:lnB>
-                    <a:lnTlToBr w="12700" cmpd="sng">
-                      <a:noFill/>
-                      <a:prstDash val="solid"/>
-                    </a:lnTlToBr>
-                    <a:lnBlToTr w="12700" cmpd="sng">
-                      <a:noFill/>
-                      <a:prstDash val="solid"/>
-                    </a:lnBlToTr>
-                  </a:tcPr>
-                </a:tc>
-                <a:tc>
-                  <a:txBody>
-                    <a:bodyPr/>
-                    <a:lstStyle/>
-                    <a:p>
-                      <a:pPr marL="0" marR="0" lvl="0" indent="0" algn="ctr" defTabSz="3240451" rtl="0" eaLnBrk="1" fontAlgn="auto" latinLnBrk="1" hangingPunct="1">
-                        <a:lnSpc>
-                          <a:spcPct val="100000"/>
-                        </a:lnSpc>
-                        <a:spcBef>
-                          <a:spcPts val="0"/>
-                        </a:spcBef>
-                        <a:spcAft>
-                          <a:spcPts val="0"/>
-                        </a:spcAft>
-                        <a:buClrTx/>
-                        <a:buSzTx/>
-                        <a:buFontTx/>
-                        <a:buNone/>
-                        <a:tabLst/>
-                        <a:defRPr/>
-                      </a:pPr>
-                      <a:endParaRPr lang="ko-KR" altLang="en-US" sz="2800" b="1" dirty="0">
-                        <a:solidFill>
-                          <a:schemeClr val="bg1"/>
-                        </a:solidFill>
-                      </a:endParaRPr>
-                    </a:p>
-                  </a:txBody>
-                  <a:tcPr>
-                    <a:lnL w="19050" cap="flat" cmpd="sng" algn="ctr">
-                      <a:solidFill>
-                        <a:schemeClr val="bg1"/>
-                      </a:solidFill>
-                      <a:prstDash val="solid"/>
-                      <a:round/>
-                      <a:headEnd type="none" w="med" len="med"/>
-                      <a:tailEnd type="none" w="med" len="med"/>
-                    </a:lnL>
-                    <a:lnR w="19050" cap="flat" cmpd="sng" algn="ctr">
-                      <a:solidFill>
-                        <a:schemeClr val="bg1"/>
-                      </a:solidFill>
-                      <a:prstDash val="solid"/>
-                      <a:round/>
-                      <a:headEnd type="none" w="med" len="med"/>
-                      <a:tailEnd type="none" w="med" len="med"/>
-                    </a:lnR>
-                    <a:lnT w="19050" cap="flat" cmpd="sng" algn="ctr">
-                      <a:solidFill>
-                        <a:schemeClr val="bg1"/>
-                      </a:solidFill>
-                      <a:prstDash val="solid"/>
-                      <a:round/>
-                      <a:headEnd type="none" w="med" len="med"/>
-                      <a:tailEnd type="none" w="med" len="med"/>
-                    </a:lnT>
-                    <a:lnB w="19050" cap="flat" cmpd="sng" algn="ctr">
-                      <a:solidFill>
-                        <a:schemeClr val="bg1"/>
-                      </a:solidFill>
-                      <a:prstDash val="solid"/>
-                      <a:round/>
-                      <a:headEnd type="none" w="med" len="med"/>
-                      <a:tailEnd type="none" w="med" len="med"/>
-                    </a:lnB>
-                    <a:lnTlToBr w="12700" cmpd="sng">
-                      <a:noFill/>
-                      <a:prstDash val="solid"/>
-                    </a:lnTlToBr>
-                    <a:lnBlToTr w="12700" cmpd="sng">
-                      <a:noFill/>
-                      <a:prstDash val="solid"/>
-                    </a:lnBlToTr>
-                  </a:tcPr>
-                </a:tc>
-                <a:extLst>
-                  <a:ext uri="{0D108BD9-81ED-4DB2-BD59-A6C34878D82A}">
-                    <a16:rowId xmlns:a16="http://schemas.microsoft.com/office/drawing/2014/main" val="524203606"/>
-                  </a:ext>
-                </a:extLst>
-              </a:tr>
-            </a:tbl>
-          </a:graphicData>
-        </a:graphic>
-      </p:graphicFrame>
+          </a:p>
+        </p:txBody>
+      </p:sp>
       <p:sp>
         <p:nvSpPr>
           <p:cNvPr id="66" name="제목 1">
@@ -11652,7 +6866,7 @@
         </p:nvSpPr>
         <p:spPr>
           <a:xfrm>
-            <a:off x="-7087791" y="20599885"/>
+            <a:off x="763087" y="22615900"/>
             <a:ext cx="5883824" cy="2249354"/>
           </a:xfrm>
           <a:prstGeom prst="rect">
@@ -11731,13 +6945,13 @@
           <p:nvPr/>
         </p:nvPicPr>
         <p:blipFill rotWithShape="1">
-          <a:blip r:embed="rId8"/>
+          <a:blip r:embed="rId7"/>
           <a:srcRect l="18278" t="-5231" r="20919" b="34524"/>
           <a:stretch/>
         </p:blipFill>
         <p:spPr>
           <a:xfrm>
-            <a:off x="20078405" y="1141512"/>
+            <a:off x="19763541" y="1027421"/>
             <a:ext cx="1229180" cy="987418"/>
           </a:xfrm>
           <a:prstGeom prst="rect">
@@ -11759,7 +6973,7 @@
         </p:nvSpPr>
         <p:spPr>
           <a:xfrm>
-            <a:off x="16766326" y="18739050"/>
+            <a:off x="16759846" y="18535910"/>
             <a:ext cx="14540615" cy="1860835"/>
           </a:xfrm>
           <a:prstGeom prst="rect">
@@ -11795,7 +7009,7 @@
           <a:lstStyle/>
           <a:p>
             <a:pPr algn="ctr"/>
-            <a:endParaRPr lang="ko-KR" altLang="en-US"/>
+            <a:endParaRPr lang="ko-KR" altLang="en-US" dirty="0"/>
           </a:p>
         </p:txBody>
       </p:sp>
@@ -11814,14 +7028,14 @@
           <p:nvPr/>
         </p:nvPicPr>
         <p:blipFill>
-          <a:blip r:embed="rId9"/>
+          <a:blip r:embed="rId8"/>
           <a:stretch>
             <a:fillRect/>
           </a:stretch>
         </p:blipFill>
         <p:spPr>
           <a:xfrm>
-            <a:off x="16827206" y="18963103"/>
+            <a:off x="16820726" y="18759963"/>
             <a:ext cx="1790833" cy="1363475"/>
           </a:xfrm>
           <a:prstGeom prst="rect">
@@ -11844,13 +7058,13 @@
           <p:nvPr/>
         </p:nvPicPr>
         <p:blipFill rotWithShape="1">
-          <a:blip r:embed="rId10"/>
+          <a:blip r:embed="rId9"/>
           <a:srcRect l="3836"/>
           <a:stretch/>
         </p:blipFill>
         <p:spPr>
           <a:xfrm>
-            <a:off x="18793374" y="19006747"/>
+            <a:off x="18786894" y="18803607"/>
             <a:ext cx="1382949" cy="1415471"/>
           </a:xfrm>
           <a:prstGeom prst="rect">
@@ -11873,14 +7087,14 @@
           <p:nvPr/>
         </p:nvPicPr>
         <p:blipFill>
-          <a:blip r:embed="rId11"/>
+          <a:blip r:embed="rId10"/>
           <a:stretch>
             <a:fillRect/>
           </a:stretch>
         </p:blipFill>
         <p:spPr>
           <a:xfrm>
-            <a:off x="20595211" y="19026906"/>
+            <a:off x="20588731" y="18823766"/>
             <a:ext cx="1138493" cy="1359561"/>
           </a:xfrm>
           <a:prstGeom prst="rect">
@@ -11903,14 +7117,14 @@
           <p:nvPr/>
         </p:nvPicPr>
         <p:blipFill>
-          <a:blip r:embed="rId12"/>
+          <a:blip r:embed="rId11"/>
           <a:stretch>
             <a:fillRect/>
           </a:stretch>
         </p:blipFill>
         <p:spPr>
           <a:xfrm>
-            <a:off x="22081294" y="18963103"/>
+            <a:off x="22074814" y="18759963"/>
             <a:ext cx="1123538" cy="1477243"/>
           </a:xfrm>
           <a:prstGeom prst="rect">
@@ -11933,14 +7147,14 @@
           <p:nvPr/>
         </p:nvPicPr>
         <p:blipFill>
-          <a:blip r:embed="rId13"/>
+          <a:blip r:embed="rId12"/>
           <a:stretch>
             <a:fillRect/>
           </a:stretch>
         </p:blipFill>
         <p:spPr>
           <a:xfrm>
-            <a:off x="28944071" y="18772094"/>
+            <a:off x="28937591" y="18568954"/>
             <a:ext cx="2186257" cy="1750458"/>
           </a:xfrm>
           <a:prstGeom prst="rect">
@@ -11963,14 +7177,14 @@
           <p:nvPr/>
         </p:nvPicPr>
         <p:blipFill>
-          <a:blip r:embed="rId14"/>
+          <a:blip r:embed="rId13"/>
           <a:stretch>
             <a:fillRect/>
           </a:stretch>
         </p:blipFill>
         <p:spPr>
           <a:xfrm>
-            <a:off x="25048947" y="19146090"/>
+            <a:off x="25042467" y="18942950"/>
             <a:ext cx="1768046" cy="1294256"/>
           </a:xfrm>
           <a:prstGeom prst="rect">
@@ -11993,14 +7207,14 @@
           <p:nvPr/>
         </p:nvPicPr>
         <p:blipFill>
-          <a:blip r:embed="rId15"/>
+          <a:blip r:embed="rId14"/>
           <a:stretch>
             <a:fillRect/>
           </a:stretch>
         </p:blipFill>
         <p:spPr>
           <a:xfrm>
-            <a:off x="26913948" y="19088533"/>
+            <a:off x="26907468" y="18885393"/>
             <a:ext cx="1776111" cy="1276880"/>
           </a:xfrm>
           <a:prstGeom prst="rect">
@@ -12022,7 +7236,7 @@
         </p:nvSpPr>
         <p:spPr>
           <a:xfrm>
-            <a:off x="30423080" y="25224156"/>
+            <a:off x="30424401" y="24878010"/>
             <a:ext cx="1238397" cy="4191601"/>
           </a:xfrm>
           <a:prstGeom prst="rect">
@@ -12058,7 +7272,7 @@
           <a:lstStyle/>
           <a:p>
             <a:pPr algn="ctr"/>
-            <a:endParaRPr lang="ko-KR" altLang="en-US"/>
+            <a:endParaRPr lang="ko-KR" altLang="en-US" dirty="0"/>
           </a:p>
         </p:txBody>
       </p:sp>
@@ -12077,7 +7291,7 @@
           <p:nvPr/>
         </p:nvPicPr>
         <p:blipFill>
-          <a:blip r:embed="rId16">
+          <a:blip r:embed="rId15">
             <a:extLst>
               <a:ext uri="{28A0092B-C50C-407E-A947-70E740481C1C}">
                 <a14:useLocalDpi xmlns:a14="http://schemas.microsoft.com/office/drawing/2010/main" val="0"/>
@@ -12091,7 +7305,7 @@
         </p:blipFill>
         <p:spPr bwMode="auto">
           <a:xfrm>
-            <a:off x="23413014" y="18842013"/>
+            <a:off x="23406534" y="18638873"/>
             <a:ext cx="1456470" cy="1456470"/>
           </a:xfrm>
           <a:prstGeom prst="rect">
@@ -12124,14 +7338,14 @@
           <p:nvPr/>
         </p:nvPicPr>
         <p:blipFill>
-          <a:blip r:embed="rId17"/>
+          <a:blip r:embed="rId16"/>
           <a:stretch>
             <a:fillRect/>
           </a:stretch>
         </p:blipFill>
         <p:spPr>
           <a:xfrm>
-            <a:off x="30636728" y="26056672"/>
+            <a:off x="30638049" y="25710526"/>
             <a:ext cx="887705" cy="3322166"/>
           </a:xfrm>
           <a:prstGeom prst="rect">
@@ -12153,7 +7367,7 @@
         </p:nvSpPr>
         <p:spPr>
           <a:xfrm>
-            <a:off x="23681284" y="20135585"/>
+            <a:off x="23674804" y="19932445"/>
             <a:ext cx="977663" cy="370101"/>
           </a:xfrm>
           <a:prstGeom prst="rect">
@@ -12224,8 +7438,8 @@
         </p:nvSpPr>
         <p:spPr>
           <a:xfrm flipH="1">
-            <a:off x="30660660" y="25307310"/>
-            <a:ext cx="839839" cy="666208"/>
+            <a:off x="30450625" y="25356629"/>
+            <a:ext cx="1799443" cy="368049"/>
           </a:xfrm>
           <a:prstGeom prst="rect">
             <a:avLst/>
@@ -12255,7 +7469,78 @@
                 <a:ea typeface="한컴산뜻돋움" panose="02000000000000000000" pitchFamily="2" charset="-127"/>
                 <a:cs typeface="Arial Unicode MS" panose="020B0600000101010101" charset="-127"/>
               </a:rPr>
-              <a:t>Wi-Fi </a:t>
+              <a:t>Wi-Fi(2.4Ghz)</a:t>
+            </a:r>
+          </a:p>
+        </p:txBody>
+      </p:sp>
+      <p:sp>
+        <p:nvSpPr>
+          <p:cNvPr id="69" name="TextBox 68">
+            <a:extLst>
+              <a:ext uri="{FF2B5EF4-FFF2-40B4-BE49-F238E27FC236}">
+                <a16:creationId xmlns:a16="http://schemas.microsoft.com/office/drawing/2014/main" id="{EC862512-5BB4-443D-BCC6-35C87697C9EA}"/>
+              </a:ext>
+            </a:extLst>
+          </p:cNvPr>
+          <p:cNvSpPr txBox="1"/>
+          <p:nvPr/>
+        </p:nvSpPr>
+        <p:spPr>
+          <a:xfrm flipH="1">
+            <a:off x="30522725" y="29074795"/>
+            <a:ext cx="1459038" cy="663515"/>
+          </a:xfrm>
+          <a:prstGeom prst="rect">
+            <a:avLst/>
+          </a:prstGeom>
+          <a:noFill/>
+        </p:spPr>
+        <p:txBody>
+          <a:bodyPr wrap="square">
+            <a:spAutoFit/>
+          </a:bodyPr>
+          <a:lstStyle/>
+          <a:p>
+            <a:pPr>
+              <a:lnSpc>
+                <a:spcPct val="120000"/>
+              </a:lnSpc>
+              <a:defRPr/>
+            </a:pPr>
+            <a:r>
+              <a:rPr lang="en-US" altLang="ko-KR" sz="1600" b="1" dirty="0">
+                <a:solidFill>
+                  <a:schemeClr val="tx1">
+                    <a:lumMod val="50000"/>
+                    <a:lumOff val="50000"/>
+                  </a:schemeClr>
+                </a:solidFill>
+                <a:ea typeface="한컴산뜻돋움" panose="02000000000000000000" pitchFamily="2" charset="-127"/>
+                <a:cs typeface="Arial Unicode MS" panose="020B0600000101010101" charset="-127"/>
+              </a:rPr>
+              <a:t>ESP32-CAM</a:t>
+            </a:r>
+          </a:p>
+          <a:p>
+            <a:pPr>
+              <a:lnSpc>
+                <a:spcPct val="120000"/>
+              </a:lnSpc>
+              <a:defRPr/>
+            </a:pPr>
+            <a:r>
+              <a:rPr lang="en-US" altLang="ko-KR" sz="1600" b="1" dirty="0">
+                <a:solidFill>
+                  <a:schemeClr val="tx1">
+                    <a:lumMod val="50000"/>
+                    <a:lumOff val="50000"/>
+                  </a:schemeClr>
+                </a:solidFill>
+                <a:ea typeface="한컴산뜻돋움" panose="02000000000000000000" pitchFamily="2" charset="-127"/>
+                <a:cs typeface="Arial Unicode MS" panose="020B0600000101010101" charset="-127"/>
+              </a:rPr>
+              <a:t>200M </a:t>
             </a:r>
             <a:r>
               <a:rPr lang="ko-KR" altLang="en-US" sz="1600" b="1" dirty="0">
@@ -12268,7 +7553,7 @@
                 <a:ea typeface="한컴산뜻돋움" panose="02000000000000000000" pitchFamily="2" charset="-127"/>
                 <a:cs typeface="Arial Unicode MS" panose="020B0600000101010101" charset="-127"/>
               </a:rPr>
-              <a:t>카메라</a:t>
+              <a:t>화소</a:t>
             </a:r>
             <a:endParaRPr lang="en-US" altLang="ko-KR" sz="1600" b="1" dirty="0">
               <a:solidFill>
